--- a/Slides/Lecture 3-1.pptx
+++ b/Slides/Lecture 3-1.pptx
@@ -265,7 +265,7 @@
             <a:fld id="{A6781D3C-003D-4837-A496-9A32CDA8003A}" type="datetimeFigureOut">
               <a:rPr lang="en-US" smtClean="0"/>
               <a:pPr/>
-              <a:t>1/22/19</a:t>
+              <a:t>1/20/2019</a:t>
             </a:fld>
             <a:endParaRPr lang="en-US"/>
           </a:p>
@@ -329,37 +329,38 @@
           <a:p>
             <a:pPr lvl="0"/>
             <a:r>
-              <a:rPr lang="en-US"/>
+              <a:rPr lang="en-US" smtClean="0"/>
               <a:t>Click to edit Master text styles</a:t>
             </a:r>
           </a:p>
           <a:p>
             <a:pPr lvl="1"/>
             <a:r>
-              <a:rPr lang="en-US"/>
+              <a:rPr lang="en-US" smtClean="0"/>
               <a:t>Second level</a:t>
             </a:r>
           </a:p>
           <a:p>
             <a:pPr lvl="2"/>
             <a:r>
-              <a:rPr lang="en-US"/>
+              <a:rPr lang="en-US" smtClean="0"/>
               <a:t>Third level</a:t>
             </a:r>
           </a:p>
           <a:p>
             <a:pPr lvl="3"/>
             <a:r>
-              <a:rPr lang="en-US"/>
+              <a:rPr lang="en-US" smtClean="0"/>
               <a:t>Fourth level</a:t>
             </a:r>
           </a:p>
           <a:p>
             <a:pPr lvl="4"/>
             <a:r>
-              <a:rPr lang="en-US"/>
+              <a:rPr lang="en-US" smtClean="0"/>
               <a:t>Fifth level</a:t>
             </a:r>
+            <a:endParaRPr lang="en-US"/>
           </a:p>
         </p:txBody>
       </p:sp>
@@ -578,7 +579,7 @@
           <a:lstStyle/>
           <a:p>
             <a:r>
-              <a:rPr lang="en-US" dirty="0"/>
+              <a:rPr lang="en-US" dirty="0" smtClean="0"/>
               <a:t>JM slide?</a:t>
             </a:r>
           </a:p>
@@ -614,532 +615,6 @@
     <p:extLst>
       <p:ext uri="{BB962C8B-B14F-4D97-AF65-F5344CB8AC3E}">
         <p14:creationId xmlns:p14="http://schemas.microsoft.com/office/powerpoint/2010/main" val="3300888963"/>
-      </p:ext>
-    </p:extLst>
-  </p:cSld>
-  <p:clrMapOvr>
-    <a:masterClrMapping/>
-  </p:clrMapOvr>
-</p:notes>
-</file>
-
-<file path=ppt/notesSlides/notesSlide10.xml><?xml version="1.0" encoding="utf-8"?>
-<p:notes xmlns:a="http://schemas.openxmlformats.org/drawingml/2006/main" xmlns:r="http://schemas.openxmlformats.org/officeDocument/2006/relationships" xmlns:p="http://schemas.openxmlformats.org/presentationml/2006/main">
-  <p:cSld>
-    <p:spTree>
-      <p:nvGrpSpPr>
-        <p:cNvPr id="1" name=""/>
-        <p:cNvGrpSpPr/>
-        <p:nvPr/>
-      </p:nvGrpSpPr>
-      <p:grpSpPr>
-        <a:xfrm>
-          <a:off x="0" y="0"/>
-          <a:ext cx="0" cy="0"/>
-          <a:chOff x="0" y="0"/>
-          <a:chExt cx="0" cy="0"/>
-        </a:xfrm>
-      </p:grpSpPr>
-      <p:sp>
-        <p:nvSpPr>
-          <p:cNvPr id="2" name="Slide Image Placeholder 1"/>
-          <p:cNvSpPr>
-            <a:spLocks noGrp="1" noRot="1" noChangeAspect="1"/>
-          </p:cNvSpPr>
-          <p:nvPr>
-            <p:ph type="sldImg"/>
-          </p:nvPr>
-        </p:nvSpPr>
-        <p:spPr/>
-      </p:sp>
-      <p:sp>
-        <p:nvSpPr>
-          <p:cNvPr id="3" name="Notes Placeholder 2"/>
-          <p:cNvSpPr>
-            <a:spLocks noGrp="1"/>
-          </p:cNvSpPr>
-          <p:nvPr>
-            <p:ph type="body" idx="1"/>
-          </p:nvPr>
-        </p:nvSpPr>
-        <p:spPr/>
-        <p:txBody>
-          <a:bodyPr/>
-          <a:lstStyle/>
-          <a:p>
-            <a:r>
-              <a:rPr lang="en-US" dirty="0"/>
-              <a:t>REFORMAT</a:t>
-            </a:r>
-          </a:p>
-        </p:txBody>
-      </p:sp>
-      <p:sp>
-        <p:nvSpPr>
-          <p:cNvPr id="4" name="Slide Number Placeholder 3"/>
-          <p:cNvSpPr>
-            <a:spLocks noGrp="1"/>
-          </p:cNvSpPr>
-          <p:nvPr>
-            <p:ph type="sldNum" sz="quarter" idx="10"/>
-          </p:nvPr>
-        </p:nvSpPr>
-        <p:spPr/>
-        <p:txBody>
-          <a:bodyPr/>
-          <a:lstStyle/>
-          <a:p>
-            <a:fld id="{6529D11D-5857-48CF-ABB8-89B8AC9FD03C}" type="slidenum">
-              <a:rPr lang="en-US" smtClean="0"/>
-              <a:t>33</a:t>
-            </a:fld>
-            <a:endParaRPr lang="en-US"/>
-          </a:p>
-        </p:txBody>
-      </p:sp>
-    </p:spTree>
-    <p:extLst>
-      <p:ext uri="{BB962C8B-B14F-4D97-AF65-F5344CB8AC3E}">
-        <p14:creationId xmlns:p14="http://schemas.microsoft.com/office/powerpoint/2010/main" val="215673905"/>
-      </p:ext>
-    </p:extLst>
-  </p:cSld>
-  <p:clrMapOvr>
-    <a:masterClrMapping/>
-  </p:clrMapOvr>
-</p:notes>
-</file>
-
-<file path=ppt/notesSlides/notesSlide11.xml><?xml version="1.0" encoding="utf-8"?>
-<p:notes xmlns:a="http://schemas.openxmlformats.org/drawingml/2006/main" xmlns:r="http://schemas.openxmlformats.org/officeDocument/2006/relationships" xmlns:p="http://schemas.openxmlformats.org/presentationml/2006/main">
-  <p:cSld>
-    <p:spTree>
-      <p:nvGrpSpPr>
-        <p:cNvPr id="1" name=""/>
-        <p:cNvGrpSpPr/>
-        <p:nvPr/>
-      </p:nvGrpSpPr>
-      <p:grpSpPr>
-        <a:xfrm>
-          <a:off x="0" y="0"/>
-          <a:ext cx="0" cy="0"/>
-          <a:chOff x="0" y="0"/>
-          <a:chExt cx="0" cy="0"/>
-        </a:xfrm>
-      </p:grpSpPr>
-      <p:sp>
-        <p:nvSpPr>
-          <p:cNvPr id="2" name="Slide Image Placeholder 1"/>
-          <p:cNvSpPr>
-            <a:spLocks noGrp="1" noRot="1" noChangeAspect="1"/>
-          </p:cNvSpPr>
-          <p:nvPr>
-            <p:ph type="sldImg"/>
-          </p:nvPr>
-        </p:nvSpPr>
-        <p:spPr/>
-      </p:sp>
-      <p:sp>
-        <p:nvSpPr>
-          <p:cNvPr id="3" name="Notes Placeholder 2"/>
-          <p:cNvSpPr>
-            <a:spLocks noGrp="1"/>
-          </p:cNvSpPr>
-          <p:nvPr>
-            <p:ph type="body" idx="1"/>
-          </p:nvPr>
-        </p:nvSpPr>
-        <p:spPr/>
-        <p:txBody>
-          <a:bodyPr/>
-          <a:lstStyle/>
-          <a:p>
-            <a:endParaRPr lang="en-US" dirty="0"/>
-          </a:p>
-        </p:txBody>
-      </p:sp>
-      <p:sp>
-        <p:nvSpPr>
-          <p:cNvPr id="4" name="Slide Number Placeholder 3"/>
-          <p:cNvSpPr>
-            <a:spLocks noGrp="1"/>
-          </p:cNvSpPr>
-          <p:nvPr>
-            <p:ph type="sldNum" sz="quarter" idx="10"/>
-          </p:nvPr>
-        </p:nvSpPr>
-        <p:spPr/>
-        <p:txBody>
-          <a:bodyPr/>
-          <a:lstStyle/>
-          <a:p>
-            <a:fld id="{6529D11D-5857-48CF-ABB8-89B8AC9FD03C}" type="slidenum">
-              <a:rPr lang="en-US" smtClean="0"/>
-              <a:t>40</a:t>
-            </a:fld>
-            <a:endParaRPr lang="en-US"/>
-          </a:p>
-        </p:txBody>
-      </p:sp>
-    </p:spTree>
-    <p:extLst>
-      <p:ext uri="{BB962C8B-B14F-4D97-AF65-F5344CB8AC3E}">
-        <p14:creationId xmlns:p14="http://schemas.microsoft.com/office/powerpoint/2010/main" val="2586682788"/>
-      </p:ext>
-    </p:extLst>
-  </p:cSld>
-  <p:clrMapOvr>
-    <a:masterClrMapping/>
-  </p:clrMapOvr>
-</p:notes>
-</file>
-
-<file path=ppt/notesSlides/notesSlide12.xml><?xml version="1.0" encoding="utf-8"?>
-<p:notes xmlns:a="http://schemas.openxmlformats.org/drawingml/2006/main" xmlns:r="http://schemas.openxmlformats.org/officeDocument/2006/relationships" xmlns:p="http://schemas.openxmlformats.org/presentationml/2006/main">
-  <p:cSld>
-    <p:spTree>
-      <p:nvGrpSpPr>
-        <p:cNvPr id="1" name=""/>
-        <p:cNvGrpSpPr/>
-        <p:nvPr/>
-      </p:nvGrpSpPr>
-      <p:grpSpPr>
-        <a:xfrm>
-          <a:off x="0" y="0"/>
-          <a:ext cx="0" cy="0"/>
-          <a:chOff x="0" y="0"/>
-          <a:chExt cx="0" cy="0"/>
-        </a:xfrm>
-      </p:grpSpPr>
-      <p:sp>
-        <p:nvSpPr>
-          <p:cNvPr id="2" name="Slide Image Placeholder 1"/>
-          <p:cNvSpPr>
-            <a:spLocks noGrp="1" noRot="1" noChangeAspect="1"/>
-          </p:cNvSpPr>
-          <p:nvPr>
-            <p:ph type="sldImg"/>
-          </p:nvPr>
-        </p:nvSpPr>
-        <p:spPr/>
-      </p:sp>
-      <p:sp>
-        <p:nvSpPr>
-          <p:cNvPr id="3" name="Notes Placeholder 2"/>
-          <p:cNvSpPr>
-            <a:spLocks noGrp="1"/>
-          </p:cNvSpPr>
-          <p:nvPr>
-            <p:ph type="body" idx="1"/>
-          </p:nvPr>
-        </p:nvSpPr>
-        <p:spPr/>
-        <p:txBody>
-          <a:bodyPr/>
-          <a:lstStyle/>
-          <a:p>
-            <a:r>
-              <a:rPr lang="en-US" dirty="0"/>
-              <a:t>Check provenance</a:t>
-            </a:r>
-          </a:p>
-        </p:txBody>
-      </p:sp>
-      <p:sp>
-        <p:nvSpPr>
-          <p:cNvPr id="4" name="Slide Number Placeholder 3"/>
-          <p:cNvSpPr>
-            <a:spLocks noGrp="1"/>
-          </p:cNvSpPr>
-          <p:nvPr>
-            <p:ph type="sldNum" sz="quarter" idx="10"/>
-          </p:nvPr>
-        </p:nvSpPr>
-        <p:spPr/>
-        <p:txBody>
-          <a:bodyPr/>
-          <a:lstStyle/>
-          <a:p>
-            <a:fld id="{6529D11D-5857-48CF-ABB8-89B8AC9FD03C}" type="slidenum">
-              <a:rPr lang="en-US" smtClean="0"/>
-              <a:t>54</a:t>
-            </a:fld>
-            <a:endParaRPr lang="en-US"/>
-          </a:p>
-        </p:txBody>
-      </p:sp>
-    </p:spTree>
-    <p:extLst>
-      <p:ext uri="{BB962C8B-B14F-4D97-AF65-F5344CB8AC3E}">
-        <p14:creationId xmlns:p14="http://schemas.microsoft.com/office/powerpoint/2010/main" val="2191852871"/>
-      </p:ext>
-    </p:extLst>
-  </p:cSld>
-  <p:clrMapOvr>
-    <a:masterClrMapping/>
-  </p:clrMapOvr>
-</p:notes>
-</file>
-
-<file path=ppt/notesSlides/notesSlide13.xml><?xml version="1.0" encoding="utf-8"?>
-<p:notes xmlns:a="http://schemas.openxmlformats.org/drawingml/2006/main" xmlns:r="http://schemas.openxmlformats.org/officeDocument/2006/relationships" xmlns:p="http://schemas.openxmlformats.org/presentationml/2006/main">
-  <p:cSld>
-    <p:spTree>
-      <p:nvGrpSpPr>
-        <p:cNvPr id="1" name=""/>
-        <p:cNvGrpSpPr/>
-        <p:nvPr/>
-      </p:nvGrpSpPr>
-      <p:grpSpPr>
-        <a:xfrm>
-          <a:off x="0" y="0"/>
-          <a:ext cx="0" cy="0"/>
-          <a:chOff x="0" y="0"/>
-          <a:chExt cx="0" cy="0"/>
-        </a:xfrm>
-      </p:grpSpPr>
-      <p:sp>
-        <p:nvSpPr>
-          <p:cNvPr id="262146" name="Rectangle 7"/>
-          <p:cNvSpPr>
-            <a:spLocks noGrp="1" noChangeArrowheads="1"/>
-          </p:cNvSpPr>
-          <p:nvPr>
-            <p:ph type="sldNum" sz="quarter" idx="5"/>
-          </p:nvPr>
-        </p:nvSpPr>
-        <p:spPr>
-          <a:noFill/>
-          <a:ln/>
-          <a:extLst>
-            <a:ext uri="{909E8E84-426E-40DD-AFC4-6F175D3DCCD1}">
-              <a14:hiddenFill xmlns:a14="http://schemas.microsoft.com/office/drawing/2010/main">
-                <a:solidFill>
-                  <a:srgbClr val="FFFFFF"/>
-                </a:solidFill>
-              </a14:hiddenFill>
-            </a:ext>
-            <a:ext uri="{91240B29-F687-4F45-9708-019B960494DF}">
-              <a14:hiddenLine xmlns:a14="http://schemas.microsoft.com/office/drawing/2010/main" w="9525">
-                <a:solidFill>
-                  <a:srgbClr val="000000"/>
-                </a:solidFill>
-                <a:miter lim="800000"/>
-                <a:headEnd/>
-                <a:tailEnd/>
-              </a14:hiddenLine>
-            </a:ext>
-          </a:extLst>
-        </p:spPr>
-        <p:txBody>
-          <a:bodyPr/>
-          <a:lstStyle>
-            <a:lvl1pPr defTabSz="914594" eaLnBrk="0" hangingPunct="0">
-              <a:spcBef>
-                <a:spcPct val="30000"/>
-              </a:spcBef>
-              <a:defRPr sz="1200">
-                <a:solidFill>
-                  <a:schemeClr val="tx1"/>
-                </a:solidFill>
-                <a:latin typeface="Times New Roman" pitchFamily="18" charset="0"/>
-              </a:defRPr>
-            </a:lvl1pPr>
-            <a:lvl2pPr marL="727942" indent="-279978" defTabSz="914594" eaLnBrk="0" hangingPunct="0">
-              <a:spcBef>
-                <a:spcPct val="30000"/>
-              </a:spcBef>
-              <a:defRPr sz="1200">
-                <a:solidFill>
-                  <a:schemeClr val="tx1"/>
-                </a:solidFill>
-                <a:latin typeface="Times New Roman" pitchFamily="18" charset="0"/>
-              </a:defRPr>
-            </a:lvl2pPr>
-            <a:lvl3pPr marL="1119911" indent="-223982" defTabSz="914594" eaLnBrk="0" hangingPunct="0">
-              <a:spcBef>
-                <a:spcPct val="30000"/>
-              </a:spcBef>
-              <a:defRPr sz="1200">
-                <a:solidFill>
-                  <a:schemeClr val="tx1"/>
-                </a:solidFill>
-                <a:latin typeface="Times New Roman" pitchFamily="18" charset="0"/>
-              </a:defRPr>
-            </a:lvl3pPr>
-            <a:lvl4pPr marL="1567876" indent="-223982" defTabSz="914594" eaLnBrk="0" hangingPunct="0">
-              <a:spcBef>
-                <a:spcPct val="30000"/>
-              </a:spcBef>
-              <a:defRPr sz="1200">
-                <a:solidFill>
-                  <a:schemeClr val="tx1"/>
-                </a:solidFill>
-                <a:latin typeface="Times New Roman" pitchFamily="18" charset="0"/>
-              </a:defRPr>
-            </a:lvl4pPr>
-            <a:lvl5pPr marL="2015841" indent="-223982" defTabSz="914594" eaLnBrk="0" hangingPunct="0">
-              <a:spcBef>
-                <a:spcPct val="30000"/>
-              </a:spcBef>
-              <a:defRPr sz="1200">
-                <a:solidFill>
-                  <a:schemeClr val="tx1"/>
-                </a:solidFill>
-                <a:latin typeface="Times New Roman" pitchFamily="18" charset="0"/>
-              </a:defRPr>
-            </a:lvl5pPr>
-            <a:lvl6pPr marL="2463805" indent="-223982" defTabSz="914594" eaLnBrk="0" fontAlgn="base" hangingPunct="0">
-              <a:spcBef>
-                <a:spcPct val="30000"/>
-              </a:spcBef>
-              <a:spcAft>
-                <a:spcPct val="0"/>
-              </a:spcAft>
-              <a:defRPr sz="1200">
-                <a:solidFill>
-                  <a:schemeClr val="tx1"/>
-                </a:solidFill>
-                <a:latin typeface="Times New Roman" pitchFamily="18" charset="0"/>
-              </a:defRPr>
-            </a:lvl6pPr>
-            <a:lvl7pPr marL="2911770" indent="-223982" defTabSz="914594" eaLnBrk="0" fontAlgn="base" hangingPunct="0">
-              <a:spcBef>
-                <a:spcPct val="30000"/>
-              </a:spcBef>
-              <a:spcAft>
-                <a:spcPct val="0"/>
-              </a:spcAft>
-              <a:defRPr sz="1200">
-                <a:solidFill>
-                  <a:schemeClr val="tx1"/>
-                </a:solidFill>
-                <a:latin typeface="Times New Roman" pitchFamily="18" charset="0"/>
-              </a:defRPr>
-            </a:lvl7pPr>
-            <a:lvl8pPr marL="3359734" indent="-223982" defTabSz="914594" eaLnBrk="0" fontAlgn="base" hangingPunct="0">
-              <a:spcBef>
-                <a:spcPct val="30000"/>
-              </a:spcBef>
-              <a:spcAft>
-                <a:spcPct val="0"/>
-              </a:spcAft>
-              <a:defRPr sz="1200">
-                <a:solidFill>
-                  <a:schemeClr val="tx1"/>
-                </a:solidFill>
-                <a:latin typeface="Times New Roman" pitchFamily="18" charset="0"/>
-              </a:defRPr>
-            </a:lvl8pPr>
-            <a:lvl9pPr marL="3807699" indent="-223982" defTabSz="914594" eaLnBrk="0" fontAlgn="base" hangingPunct="0">
-              <a:spcBef>
-                <a:spcPct val="30000"/>
-              </a:spcBef>
-              <a:spcAft>
-                <a:spcPct val="0"/>
-              </a:spcAft>
-              <a:defRPr sz="1200">
-                <a:solidFill>
-                  <a:schemeClr val="tx1"/>
-                </a:solidFill>
-                <a:latin typeface="Times New Roman" pitchFamily="18" charset="0"/>
-              </a:defRPr>
-            </a:lvl9pPr>
-          </a:lstStyle>
-          <a:p>
-            <a:pPr eaLnBrk="1" hangingPunct="1">
-              <a:spcBef>
-                <a:spcPct val="0"/>
-              </a:spcBef>
-            </a:pPr>
-            <a:fld id="{D2B421CE-5ADC-4934-A12C-F6EB511E32A4}" type="slidenum">
-              <a:rPr lang="en-US" altLang="en-US" smtClean="0"/>
-              <a:pPr eaLnBrk="1" hangingPunct="1">
-                <a:spcBef>
-                  <a:spcPct val="0"/>
-                </a:spcBef>
-              </a:pPr>
-              <a:t>55</a:t>
-            </a:fld>
-            <a:endParaRPr lang="en-US" altLang="en-US"/>
-          </a:p>
-        </p:txBody>
-      </p:sp>
-      <p:sp>
-        <p:nvSpPr>
-          <p:cNvPr id="262147" name="Rectangle 2"/>
-          <p:cNvSpPr>
-            <a:spLocks noGrp="1" noRot="1" noChangeAspect="1" noChangeArrowheads="1" noTextEdit="1"/>
-          </p:cNvSpPr>
-          <p:nvPr>
-            <p:ph type="sldImg"/>
-          </p:nvPr>
-        </p:nvSpPr>
-        <p:spPr>
-          <a:xfrm>
-            <a:off x="381000" y="685800"/>
-            <a:ext cx="6096000" cy="3429000"/>
-          </a:xfrm>
-          <a:ln/>
-        </p:spPr>
-      </p:sp>
-      <p:sp>
-        <p:nvSpPr>
-          <p:cNvPr id="262148" name="Rectangle 3"/>
-          <p:cNvSpPr>
-            <a:spLocks noGrp="1" noChangeArrowheads="1"/>
-          </p:cNvSpPr>
-          <p:nvPr>
-            <p:ph type="body" idx="1"/>
-          </p:nvPr>
-        </p:nvSpPr>
-        <p:spPr>
-          <a:xfrm>
-            <a:off x="686115" y="4344134"/>
-            <a:ext cx="5485772" cy="4113951"/>
-          </a:xfrm>
-          <a:noFill/>
-          <a:ln/>
-          <a:extLst>
-            <a:ext uri="{909E8E84-426E-40DD-AFC4-6F175D3DCCD1}">
-              <a14:hiddenFill xmlns:a14="http://schemas.microsoft.com/office/drawing/2010/main">
-                <a:solidFill>
-                  <a:srgbClr val="FFFFFF"/>
-                </a:solidFill>
-              </a14:hiddenFill>
-            </a:ext>
-            <a:ext uri="{91240B29-F687-4F45-9708-019B960494DF}">
-              <a14:hiddenLine xmlns:a14="http://schemas.microsoft.com/office/drawing/2010/main" w="9525">
-                <a:solidFill>
-                  <a:srgbClr val="000000"/>
-                </a:solidFill>
-                <a:miter lim="800000"/>
-                <a:headEnd/>
-                <a:tailEnd/>
-              </a14:hiddenLine>
-            </a:ext>
-          </a:extLst>
-        </p:spPr>
-        <p:txBody>
-          <a:bodyPr/>
-          <a:lstStyle/>
-          <a:p>
-            <a:pPr eaLnBrk="1" hangingPunct="1"/>
-            <a:r>
-              <a:rPr lang="en-US" altLang="en-US" dirty="0"/>
-              <a:t>CHECK PROVENANCE?</a:t>
-            </a:r>
-          </a:p>
-          <a:p>
-            <a:pPr eaLnBrk="1" hangingPunct="1"/>
-            <a:endParaRPr lang="en-US" altLang="en-US" dirty="0"/>
-          </a:p>
-        </p:txBody>
-      </p:sp>
-    </p:spTree>
-    <p:extLst>
-      <p:ext uri="{BB962C8B-B14F-4D97-AF65-F5344CB8AC3E}">
-        <p14:creationId xmlns:p14="http://schemas.microsoft.com/office/powerpoint/2010/main" val="3881277324"/>
       </p:ext>
     </p:extLst>
   </p:cSld>
@@ -1194,7 +669,7 @@
           <a:lstStyle/>
           <a:p>
             <a:r>
-              <a:rPr lang="en-US" dirty="0"/>
+              <a:rPr lang="en-US" dirty="0" smtClean="0"/>
               <a:t>JM slide?</a:t>
             </a:r>
           </a:p>
@@ -1284,7 +759,7 @@
           <a:lstStyle/>
           <a:p>
             <a:r>
-              <a:rPr lang="en-US" dirty="0"/>
+              <a:rPr lang="en-US" dirty="0" smtClean="0"/>
               <a:t>JM slide?</a:t>
             </a:r>
           </a:p>
@@ -1401,31 +876,19 @@
           <a:bodyPr/>
           <a:lstStyle/>
           <a:p>
-            <a:r>
-              <a:rPr lang="en-US" altLang="en-US" dirty="0"/>
-              <a:t>NP: noun phrase</a:t>
-            </a:r>
-          </a:p>
-          <a:p>
-            <a:r>
-              <a:rPr lang="en-US" altLang="en-US" dirty="0"/>
-              <a:t>VP: verb phrase</a:t>
-            </a:r>
-          </a:p>
-          <a:p>
-            <a:r>
-              <a:rPr lang="en-US" altLang="en-US" dirty="0"/>
-              <a:t>PP: propositional phrase</a:t>
-            </a:r>
-          </a:p>
-          <a:p>
-            <a:r>
-              <a:rPr lang="en-US" altLang="en-US" dirty="0"/>
-              <a:t>DET: determinant</a:t>
-            </a:r>
-          </a:p>
-          <a:p>
-            <a:endParaRPr lang="en-US" altLang="en-US" dirty="0"/>
+            <a:endParaRPr lang="en-US" altLang="en-US" dirty="0" smtClean="0"/>
+          </a:p>
+          <a:p>
+            <a:r>
+              <a:rPr lang="en-US" altLang="en-US" dirty="0" smtClean="0"/>
+              <a:t>CHECK</a:t>
+            </a:r>
+          </a:p>
+          <a:p>
+            <a:endParaRPr lang="en-US" altLang="en-US" dirty="0" smtClean="0"/>
+          </a:p>
+          <a:p>
+            <a:endParaRPr lang="en-US" altLang="en-US" dirty="0" smtClean="0"/>
           </a:p>
         </p:txBody>
       </p:sp>
@@ -1592,7 +1055,7 @@
               </a:pPr>
               <a:t>7</a:t>
             </a:fld>
-            <a:endParaRPr lang="en-US" altLang="en-US"/>
+            <a:endParaRPr lang="en-US" altLang="en-US" smtClean="0"/>
           </a:p>
         </p:txBody>
       </p:sp>
@@ -1654,7 +1117,7 @@
           <a:lstStyle/>
           <a:p>
             <a:r>
-              <a:rPr lang="en-US" dirty="0"/>
+              <a:rPr lang="en-US" dirty="0" smtClean="0"/>
               <a:t>JM?</a:t>
             </a:r>
           </a:p>
@@ -1744,17 +1207,9 @@
           <a:lstStyle/>
           <a:p>
             <a:r>
-              <a:rPr lang="en-US" dirty="0"/>
-              <a:t>Find the semantic purpose of a sentence.</a:t>
-            </a:r>
-          </a:p>
-          <a:p>
-            <a:r>
-              <a:rPr lang="en-US" dirty="0"/>
-              <a:t>Mary modifies likes, apples also modify likes, yellow only modified apples.</a:t>
-            </a:r>
-          </a:p>
-          <a:p>
+              <a:rPr lang="en-US" dirty="0" smtClean="0"/>
+              <a:t>REFORMAT</a:t>
+            </a:r>
             <a:endParaRPr lang="en-US" dirty="0"/>
           </a:p>
         </p:txBody>
@@ -1766,7 +1221,7 @@
             <a:spLocks noGrp="1"/>
           </p:cNvSpPr>
           <p:nvPr>
-            <p:ph type="sldNum" sz="quarter" idx="5"/>
+            <p:ph type="sldNum" sz="quarter" idx="10"/>
           </p:nvPr>
         </p:nvSpPr>
         <p:spPr/>
@@ -1776,8 +1231,7 @@
           <a:p>
             <a:fld id="{6529D11D-5857-48CF-ABB8-89B8AC9FD03C}" type="slidenum">
               <a:rPr lang="en-US" smtClean="0"/>
-              <a:pPr/>
-              <a:t>13</a:t>
+              <a:t>33</a:t>
             </a:fld>
             <a:endParaRPr lang="en-US"/>
           </a:p>
@@ -1786,7 +1240,7 @@
     </p:spTree>
     <p:extLst>
       <p:ext uri="{BB962C8B-B14F-4D97-AF65-F5344CB8AC3E}">
-        <p14:creationId xmlns:p14="http://schemas.microsoft.com/office/powerpoint/2010/main" val="3908002993"/>
+        <p14:creationId xmlns:p14="http://schemas.microsoft.com/office/powerpoint/2010/main" val="215673905"/>
       </p:ext>
     </p:extLst>
   </p:cSld>
@@ -1840,12 +1294,6 @@
           <a:bodyPr/>
           <a:lstStyle/>
           <a:p>
-            <a:r>
-              <a:rPr lang="en-US" dirty="0"/>
-              <a:t>Words with the same color have the same semantics.</a:t>
-            </a:r>
-          </a:p>
-          <a:p>
             <a:endParaRPr lang="en-US" dirty="0"/>
           </a:p>
         </p:txBody>
@@ -1857,7 +1305,7 @@
             <a:spLocks noGrp="1"/>
           </p:cNvSpPr>
           <p:nvPr>
-            <p:ph type="sldNum" sz="quarter" idx="5"/>
+            <p:ph type="sldNum" sz="quarter" idx="10"/>
           </p:nvPr>
         </p:nvSpPr>
         <p:spPr/>
@@ -1867,8 +1315,7 @@
           <a:p>
             <a:fld id="{6529D11D-5857-48CF-ABB8-89B8AC9FD03C}" type="slidenum">
               <a:rPr lang="en-US" smtClean="0"/>
-              <a:pPr/>
-              <a:t>16</a:t>
+              <a:t>40</a:t>
             </a:fld>
             <a:endParaRPr lang="en-US"/>
           </a:p>
@@ -1877,7 +1324,7 @@
     </p:spTree>
     <p:extLst>
       <p:ext uri="{BB962C8B-B14F-4D97-AF65-F5344CB8AC3E}">
-        <p14:creationId xmlns:p14="http://schemas.microsoft.com/office/powerpoint/2010/main" val="2733598343"/>
+        <p14:creationId xmlns:p14="http://schemas.microsoft.com/office/powerpoint/2010/main" val="2586682788"/>
       </p:ext>
     </p:extLst>
   </p:cSld>
@@ -1932,11 +1379,9 @@
           <a:lstStyle/>
           <a:p>
             <a:r>
-              <a:rPr lang="en-US" dirty="0"/>
-              <a:t>First order logic: representation about facts (knowledge about the world).</a:t>
-            </a:r>
-          </a:p>
-          <a:p>
+              <a:rPr lang="en-US" dirty="0" smtClean="0"/>
+              <a:t>Check provenance</a:t>
+            </a:r>
             <a:endParaRPr lang="en-US" dirty="0"/>
           </a:p>
         </p:txBody>
@@ -1948,7 +1393,7 @@
             <a:spLocks noGrp="1"/>
           </p:cNvSpPr>
           <p:nvPr>
-            <p:ph type="sldNum" sz="quarter" idx="5"/>
+            <p:ph type="sldNum" sz="quarter" idx="10"/>
           </p:nvPr>
         </p:nvSpPr>
         <p:spPr/>
@@ -1958,8 +1403,7 @@
           <a:p>
             <a:fld id="{6529D11D-5857-48CF-ABB8-89B8AC9FD03C}" type="slidenum">
               <a:rPr lang="en-US" smtClean="0"/>
-              <a:pPr/>
-              <a:t>20</a:t>
+              <a:t>54</a:t>
             </a:fld>
             <a:endParaRPr lang="en-US"/>
           </a:p>
@@ -1968,7 +1412,7 @@
     </p:spTree>
     <p:extLst>
       <p:ext uri="{BB962C8B-B14F-4D97-AF65-F5344CB8AC3E}">
-        <p14:creationId xmlns:p14="http://schemas.microsoft.com/office/powerpoint/2010/main" val="1412446543"/>
+        <p14:creationId xmlns:p14="http://schemas.microsoft.com/office/powerpoint/2010/main" val="2191852871"/>
       </p:ext>
     </p:extLst>
   </p:cSld>
@@ -1997,75 +1441,246 @@
       </p:grpSpPr>
       <p:sp>
         <p:nvSpPr>
-          <p:cNvPr id="2" name="Slide Image Placeholder 1"/>
+          <p:cNvPr id="262146" name="Rectangle 7"/>
           <p:cNvSpPr>
-            <a:spLocks noGrp="1" noRot="1" noChangeAspect="1"/>
+            <a:spLocks noGrp="1" noChangeArrowheads="1"/>
+          </p:cNvSpPr>
+          <p:nvPr>
+            <p:ph type="sldNum" sz="quarter" idx="5"/>
+          </p:nvPr>
+        </p:nvSpPr>
+        <p:spPr>
+          <a:noFill/>
+          <a:ln/>
+          <a:extLst>
+            <a:ext uri="{909E8E84-426E-40DD-AFC4-6F175D3DCCD1}">
+              <a14:hiddenFill xmlns:a14="http://schemas.microsoft.com/office/drawing/2010/main">
+                <a:solidFill>
+                  <a:srgbClr val="FFFFFF"/>
+                </a:solidFill>
+              </a14:hiddenFill>
+            </a:ext>
+            <a:ext uri="{91240B29-F687-4F45-9708-019B960494DF}">
+              <a14:hiddenLine xmlns:a14="http://schemas.microsoft.com/office/drawing/2010/main" w="9525">
+                <a:solidFill>
+                  <a:srgbClr val="000000"/>
+                </a:solidFill>
+                <a:miter lim="800000"/>
+                <a:headEnd/>
+                <a:tailEnd/>
+              </a14:hiddenLine>
+            </a:ext>
+          </a:extLst>
+        </p:spPr>
+        <p:txBody>
+          <a:bodyPr/>
+          <a:lstStyle>
+            <a:lvl1pPr defTabSz="914594" eaLnBrk="0" hangingPunct="0">
+              <a:spcBef>
+                <a:spcPct val="30000"/>
+              </a:spcBef>
+              <a:defRPr sz="1200">
+                <a:solidFill>
+                  <a:schemeClr val="tx1"/>
+                </a:solidFill>
+                <a:latin typeface="Times New Roman" pitchFamily="18" charset="0"/>
+              </a:defRPr>
+            </a:lvl1pPr>
+            <a:lvl2pPr marL="727942" indent="-279978" defTabSz="914594" eaLnBrk="0" hangingPunct="0">
+              <a:spcBef>
+                <a:spcPct val="30000"/>
+              </a:spcBef>
+              <a:defRPr sz="1200">
+                <a:solidFill>
+                  <a:schemeClr val="tx1"/>
+                </a:solidFill>
+                <a:latin typeface="Times New Roman" pitchFamily="18" charset="0"/>
+              </a:defRPr>
+            </a:lvl2pPr>
+            <a:lvl3pPr marL="1119911" indent="-223982" defTabSz="914594" eaLnBrk="0" hangingPunct="0">
+              <a:spcBef>
+                <a:spcPct val="30000"/>
+              </a:spcBef>
+              <a:defRPr sz="1200">
+                <a:solidFill>
+                  <a:schemeClr val="tx1"/>
+                </a:solidFill>
+                <a:latin typeface="Times New Roman" pitchFamily="18" charset="0"/>
+              </a:defRPr>
+            </a:lvl3pPr>
+            <a:lvl4pPr marL="1567876" indent="-223982" defTabSz="914594" eaLnBrk="0" hangingPunct="0">
+              <a:spcBef>
+                <a:spcPct val="30000"/>
+              </a:spcBef>
+              <a:defRPr sz="1200">
+                <a:solidFill>
+                  <a:schemeClr val="tx1"/>
+                </a:solidFill>
+                <a:latin typeface="Times New Roman" pitchFamily="18" charset="0"/>
+              </a:defRPr>
+            </a:lvl4pPr>
+            <a:lvl5pPr marL="2015841" indent="-223982" defTabSz="914594" eaLnBrk="0" hangingPunct="0">
+              <a:spcBef>
+                <a:spcPct val="30000"/>
+              </a:spcBef>
+              <a:defRPr sz="1200">
+                <a:solidFill>
+                  <a:schemeClr val="tx1"/>
+                </a:solidFill>
+                <a:latin typeface="Times New Roman" pitchFamily="18" charset="0"/>
+              </a:defRPr>
+            </a:lvl5pPr>
+            <a:lvl6pPr marL="2463805" indent="-223982" defTabSz="914594" eaLnBrk="0" fontAlgn="base" hangingPunct="0">
+              <a:spcBef>
+                <a:spcPct val="30000"/>
+              </a:spcBef>
+              <a:spcAft>
+                <a:spcPct val="0"/>
+              </a:spcAft>
+              <a:defRPr sz="1200">
+                <a:solidFill>
+                  <a:schemeClr val="tx1"/>
+                </a:solidFill>
+                <a:latin typeface="Times New Roman" pitchFamily="18" charset="0"/>
+              </a:defRPr>
+            </a:lvl6pPr>
+            <a:lvl7pPr marL="2911770" indent="-223982" defTabSz="914594" eaLnBrk="0" fontAlgn="base" hangingPunct="0">
+              <a:spcBef>
+                <a:spcPct val="30000"/>
+              </a:spcBef>
+              <a:spcAft>
+                <a:spcPct val="0"/>
+              </a:spcAft>
+              <a:defRPr sz="1200">
+                <a:solidFill>
+                  <a:schemeClr val="tx1"/>
+                </a:solidFill>
+                <a:latin typeface="Times New Roman" pitchFamily="18" charset="0"/>
+              </a:defRPr>
+            </a:lvl7pPr>
+            <a:lvl8pPr marL="3359734" indent="-223982" defTabSz="914594" eaLnBrk="0" fontAlgn="base" hangingPunct="0">
+              <a:spcBef>
+                <a:spcPct val="30000"/>
+              </a:spcBef>
+              <a:spcAft>
+                <a:spcPct val="0"/>
+              </a:spcAft>
+              <a:defRPr sz="1200">
+                <a:solidFill>
+                  <a:schemeClr val="tx1"/>
+                </a:solidFill>
+                <a:latin typeface="Times New Roman" pitchFamily="18" charset="0"/>
+              </a:defRPr>
+            </a:lvl8pPr>
+            <a:lvl9pPr marL="3807699" indent="-223982" defTabSz="914594" eaLnBrk="0" fontAlgn="base" hangingPunct="0">
+              <a:spcBef>
+                <a:spcPct val="30000"/>
+              </a:spcBef>
+              <a:spcAft>
+                <a:spcPct val="0"/>
+              </a:spcAft>
+              <a:defRPr sz="1200">
+                <a:solidFill>
+                  <a:schemeClr val="tx1"/>
+                </a:solidFill>
+                <a:latin typeface="Times New Roman" pitchFamily="18" charset="0"/>
+              </a:defRPr>
+            </a:lvl9pPr>
+          </a:lstStyle>
+          <a:p>
+            <a:pPr eaLnBrk="1" hangingPunct="1">
+              <a:spcBef>
+                <a:spcPct val="0"/>
+              </a:spcBef>
+            </a:pPr>
+            <a:fld id="{D2B421CE-5ADC-4934-A12C-F6EB511E32A4}" type="slidenum">
+              <a:rPr lang="en-US" altLang="en-US" smtClean="0"/>
+              <a:pPr eaLnBrk="1" hangingPunct="1">
+                <a:spcBef>
+                  <a:spcPct val="0"/>
+                </a:spcBef>
+              </a:pPr>
+              <a:t>55</a:t>
+            </a:fld>
+            <a:endParaRPr lang="en-US" altLang="en-US" smtClean="0"/>
+          </a:p>
+        </p:txBody>
+      </p:sp>
+      <p:sp>
+        <p:nvSpPr>
+          <p:cNvPr id="262147" name="Rectangle 2"/>
+          <p:cNvSpPr>
+            <a:spLocks noGrp="1" noRot="1" noChangeAspect="1" noChangeArrowheads="1" noTextEdit="1"/>
           </p:cNvSpPr>
           <p:nvPr>
             <p:ph type="sldImg"/>
           </p:nvPr>
         </p:nvSpPr>
-        <p:spPr/>
+        <p:spPr>
+          <a:xfrm>
+            <a:off x="381000" y="685800"/>
+            <a:ext cx="6096000" cy="3429000"/>
+          </a:xfrm>
+          <a:ln/>
+        </p:spPr>
       </p:sp>
       <p:sp>
         <p:nvSpPr>
-          <p:cNvPr id="3" name="Notes Placeholder 2"/>
+          <p:cNvPr id="262148" name="Rectangle 3"/>
           <p:cNvSpPr>
-            <a:spLocks noGrp="1"/>
+            <a:spLocks noGrp="1" noChangeArrowheads="1"/>
           </p:cNvSpPr>
           <p:nvPr>
             <p:ph type="body" idx="1"/>
           </p:nvPr>
         </p:nvSpPr>
-        <p:spPr/>
+        <p:spPr>
+          <a:xfrm>
+            <a:off x="686115" y="4344134"/>
+            <a:ext cx="5485772" cy="4113951"/>
+          </a:xfrm>
+          <a:noFill/>
+          <a:ln/>
+          <a:extLst>
+            <a:ext uri="{909E8E84-426E-40DD-AFC4-6F175D3DCCD1}">
+              <a14:hiddenFill xmlns:a14="http://schemas.microsoft.com/office/drawing/2010/main">
+                <a:solidFill>
+                  <a:srgbClr val="FFFFFF"/>
+                </a:solidFill>
+              </a14:hiddenFill>
+            </a:ext>
+            <a:ext uri="{91240B29-F687-4F45-9708-019B960494DF}">
+              <a14:hiddenLine xmlns:a14="http://schemas.microsoft.com/office/drawing/2010/main" w="9525">
+                <a:solidFill>
+                  <a:srgbClr val="000000"/>
+                </a:solidFill>
+                <a:miter lim="800000"/>
+                <a:headEnd/>
+                <a:tailEnd/>
+              </a14:hiddenLine>
+            </a:ext>
+          </a:extLst>
+        </p:spPr>
         <p:txBody>
           <a:bodyPr/>
           <a:lstStyle/>
           <a:p>
-            <a:r>
-              <a:rPr lang="en-US" dirty="0"/>
-              <a:t>The US president refers to Barack Obama.</a:t>
-            </a:r>
-          </a:p>
-          <a:p>
-            <a:r>
-              <a:rPr lang="en-US" dirty="0"/>
-              <a:t>She refers to her aunt.</a:t>
-            </a:r>
-          </a:p>
-          <a:p>
-            <a:endParaRPr lang="en-US" dirty="0"/>
-          </a:p>
-        </p:txBody>
-      </p:sp>
-      <p:sp>
-        <p:nvSpPr>
-          <p:cNvPr id="4" name="Slide Number Placeholder 3"/>
-          <p:cNvSpPr>
-            <a:spLocks noGrp="1"/>
-          </p:cNvSpPr>
-          <p:nvPr>
-            <p:ph type="sldNum" sz="quarter" idx="5"/>
-          </p:nvPr>
-        </p:nvSpPr>
-        <p:spPr/>
-        <p:txBody>
-          <a:bodyPr/>
-          <a:lstStyle/>
-          <a:p>
-            <a:fld id="{6529D11D-5857-48CF-ABB8-89B8AC9FD03C}" type="slidenum">
-              <a:rPr lang="en-US" smtClean="0"/>
-              <a:pPr/>
-              <a:t>31</a:t>
-            </a:fld>
-            <a:endParaRPr lang="en-US"/>
+            <a:pPr eaLnBrk="1" hangingPunct="1"/>
+            <a:r>
+              <a:rPr lang="en-US" altLang="en-US" dirty="0" smtClean="0"/>
+              <a:t>CHECK PROVENANCE?</a:t>
+            </a:r>
+          </a:p>
+          <a:p>
+            <a:pPr eaLnBrk="1" hangingPunct="1"/>
+            <a:endParaRPr lang="en-US" altLang="en-US" dirty="0" smtClean="0"/>
           </a:p>
         </p:txBody>
       </p:sp>
     </p:spTree>
     <p:extLst>
       <p:ext uri="{BB962C8B-B14F-4D97-AF65-F5344CB8AC3E}">
-        <p14:creationId xmlns:p14="http://schemas.microsoft.com/office/powerpoint/2010/main" val="3523676897"/>
+        <p14:creationId xmlns:p14="http://schemas.microsoft.com/office/powerpoint/2010/main" val="3881277324"/>
       </p:ext>
     </p:extLst>
   </p:cSld>
@@ -2140,9 +1755,10 @@
           </a:lstStyle>
           <a:p>
             <a:r>
-              <a:rPr lang="en-US" dirty="0"/>
+              <a:rPr lang="en-US" dirty="0" smtClean="0"/>
               <a:t>Click to edit Master title style</a:t>
             </a:r>
+            <a:endParaRPr lang="en-US" dirty="0"/>
           </a:p>
         </p:txBody>
       </p:sp>
@@ -2267,9 +1883,10 @@
           </a:lstStyle>
           <a:p>
             <a:r>
-              <a:rPr lang="en-US" dirty="0"/>
+              <a:rPr lang="en-US" dirty="0" smtClean="0"/>
               <a:t>Click to edit Master subtitle style</a:t>
             </a:r>
+            <a:endParaRPr lang="en-US" dirty="0"/>
           </a:p>
         </p:txBody>
       </p:sp>
@@ -2324,9 +1941,10 @@
           <a:lstStyle/>
           <a:p>
             <a:r>
-              <a:rPr lang="en-US"/>
+              <a:rPr lang="en-US" smtClean="0"/>
               <a:t>Click to edit Master title style</a:t>
             </a:r>
+            <a:endParaRPr lang="en-US"/>
           </a:p>
         </p:txBody>
       </p:sp>
@@ -2388,9 +2006,10 @@
           </a:lstStyle>
           <a:p>
             <a:r>
-              <a:rPr lang="en-US"/>
+              <a:rPr lang="en-US" smtClean="0"/>
               <a:t>Click to edit Master subtitle style</a:t>
             </a:r>
+            <a:endParaRPr lang="en-US"/>
           </a:p>
         </p:txBody>
       </p:sp>
@@ -2496,6 +2115,13 @@
   <p:clrMapOvr>
     <a:masterClrMapping/>
   </p:clrMapOvr>
+  <p:timing>
+    <p:tnLst>
+      <p:par>
+        <p:cTn id="1" dur="indefinite" restart="never" nodeType="tmRoot"/>
+      </p:par>
+    </p:tnLst>
+  </p:timing>
 </p:sldLayout>
 </file>
 
@@ -2539,9 +2165,10 @@
           </a:lstStyle>
           <a:p>
             <a:r>
-              <a:rPr lang="en-US" dirty="0"/>
+              <a:rPr lang="en-US" dirty="0" smtClean="0"/>
               <a:t>Click to edit Master title style</a:t>
             </a:r>
+            <a:endParaRPr lang="en-US" dirty="0"/>
           </a:p>
         </p:txBody>
       </p:sp>
@@ -2593,37 +2220,38 @@
           <a:p>
             <a:pPr lvl="0"/>
             <a:r>
-              <a:rPr lang="en-US" dirty="0"/>
+              <a:rPr lang="en-US" dirty="0" smtClean="0"/>
               <a:t>Click to edit Master text styles</a:t>
             </a:r>
           </a:p>
           <a:p>
             <a:pPr lvl="1"/>
             <a:r>
-              <a:rPr lang="en-US" dirty="0"/>
+              <a:rPr lang="en-US" dirty="0" smtClean="0"/>
               <a:t>Second level</a:t>
             </a:r>
           </a:p>
           <a:p>
             <a:pPr lvl="2"/>
             <a:r>
-              <a:rPr lang="en-US" dirty="0"/>
+              <a:rPr lang="en-US" dirty="0" smtClean="0"/>
               <a:t>Third level</a:t>
             </a:r>
           </a:p>
           <a:p>
             <a:pPr lvl="3"/>
             <a:r>
-              <a:rPr lang="en-US" dirty="0"/>
+              <a:rPr lang="en-US" dirty="0" smtClean="0"/>
               <a:t>Fourth level</a:t>
             </a:r>
           </a:p>
           <a:p>
             <a:pPr lvl="4"/>
             <a:r>
-              <a:rPr lang="en-US" dirty="0"/>
+              <a:rPr lang="en-US" dirty="0" smtClean="0"/>
               <a:t>Fifth level</a:t>
             </a:r>
+            <a:endParaRPr lang="en-US" dirty="0"/>
           </a:p>
         </p:txBody>
       </p:sp>
@@ -2896,6 +2524,13 @@
   <p:clrMapOvr>
     <a:masterClrMapping/>
   </p:clrMapOvr>
+  <p:timing>
+    <p:tnLst>
+      <p:par>
+        <p:cTn id="1" dur="indefinite" restart="never" nodeType="tmRoot"/>
+      </p:par>
+    </p:tnLst>
+  </p:timing>
 </p:sldLayout>
 </file>
 
@@ -2957,9 +2592,10 @@
           </a:lstStyle>
           <a:p>
             <a:r>
-              <a:rPr lang="en-US" dirty="0"/>
+              <a:rPr lang="en-US" dirty="0" smtClean="0"/>
               <a:t>Click to edit Master title style</a:t>
             </a:r>
+            <a:endParaRPr lang="en-US" dirty="0"/>
           </a:p>
         </p:txBody>
       </p:sp>
@@ -2985,35 +2621,35 @@
           <a:p>
             <a:pPr lvl="0"/>
             <a:r>
-              <a:rPr lang="en-US"/>
+              <a:rPr lang="en-US" smtClean="0"/>
               <a:t>Click to edit Master text styles</a:t>
             </a:r>
           </a:p>
           <a:p>
             <a:pPr lvl="1"/>
             <a:r>
-              <a:rPr lang="en-US"/>
+              <a:rPr lang="en-US" smtClean="0"/>
               <a:t>Second level</a:t>
             </a:r>
           </a:p>
           <a:p>
             <a:pPr lvl="2"/>
             <a:r>
-              <a:rPr lang="en-US"/>
+              <a:rPr lang="en-US" smtClean="0"/>
               <a:t>Third level</a:t>
             </a:r>
           </a:p>
           <a:p>
             <a:pPr lvl="3"/>
             <a:r>
-              <a:rPr lang="en-US"/>
+              <a:rPr lang="en-US" smtClean="0"/>
               <a:t>Fourth level</a:t>
             </a:r>
           </a:p>
           <a:p>
             <a:pPr lvl="4"/>
             <a:r>
-              <a:rPr lang="en-US"/>
+              <a:rPr lang="en-US" smtClean="0"/>
               <a:t>Fifth level</a:t>
             </a:r>
             <a:endParaRPr lang="en-US" dirty="0"/>
@@ -3082,7 +2718,7 @@
           </a:lstStyle>
           <a:p>
             <a:r>
-              <a:rPr lang="en-US"/>
+              <a:rPr lang="en-US" smtClean="0"/>
               <a:t>Click to edit Master title style</a:t>
             </a:r>
             <a:endParaRPr lang="en-US" dirty="0"/>
@@ -3202,7 +2838,7 @@
           <a:p>
             <a:pPr lvl="0"/>
             <a:r>
-              <a:rPr lang="en-US"/>
+              <a:rPr lang="en-US" smtClean="0"/>
               <a:t>Click to edit Master text styles</a:t>
             </a:r>
           </a:p>
@@ -3272,7 +2908,7 @@
           </a:lstStyle>
           <a:p>
             <a:r>
-              <a:rPr lang="en-US"/>
+              <a:rPr lang="en-US" smtClean="0"/>
               <a:t>Click to edit Master title style</a:t>
             </a:r>
             <a:endParaRPr lang="en-US" dirty="0"/>
@@ -3347,35 +2983,35 @@
           <a:p>
             <a:pPr lvl="0"/>
             <a:r>
-              <a:rPr lang="en-US"/>
+              <a:rPr lang="en-US" smtClean="0"/>
               <a:t>Click to edit Master text styles</a:t>
             </a:r>
           </a:p>
           <a:p>
             <a:pPr lvl="1"/>
             <a:r>
-              <a:rPr lang="en-US"/>
+              <a:rPr lang="en-US" smtClean="0"/>
               <a:t>Second level</a:t>
             </a:r>
           </a:p>
           <a:p>
             <a:pPr lvl="2"/>
             <a:r>
-              <a:rPr lang="en-US"/>
+              <a:rPr lang="en-US" smtClean="0"/>
               <a:t>Third level</a:t>
             </a:r>
           </a:p>
           <a:p>
             <a:pPr lvl="3"/>
             <a:r>
-              <a:rPr lang="en-US"/>
+              <a:rPr lang="en-US" smtClean="0"/>
               <a:t>Fourth level</a:t>
             </a:r>
           </a:p>
           <a:p>
             <a:pPr lvl="4"/>
             <a:r>
-              <a:rPr lang="en-US"/>
+              <a:rPr lang="en-US" smtClean="0"/>
               <a:t>Fifth level</a:t>
             </a:r>
             <a:endParaRPr lang="en-US" dirty="0"/>
@@ -3450,35 +3086,35 @@
           <a:p>
             <a:pPr lvl="0"/>
             <a:r>
-              <a:rPr lang="en-US"/>
+              <a:rPr lang="en-US" smtClean="0"/>
               <a:t>Click to edit Master text styles</a:t>
             </a:r>
           </a:p>
           <a:p>
             <a:pPr lvl="1"/>
             <a:r>
-              <a:rPr lang="en-US"/>
+              <a:rPr lang="en-US" smtClean="0"/>
               <a:t>Second level</a:t>
             </a:r>
           </a:p>
           <a:p>
             <a:pPr lvl="2"/>
             <a:r>
-              <a:rPr lang="en-US"/>
+              <a:rPr lang="en-US" smtClean="0"/>
               <a:t>Third level</a:t>
             </a:r>
           </a:p>
           <a:p>
             <a:pPr lvl="3"/>
             <a:r>
-              <a:rPr lang="en-US"/>
+              <a:rPr lang="en-US" smtClean="0"/>
               <a:t>Fourth level</a:t>
             </a:r>
           </a:p>
           <a:p>
             <a:pPr lvl="4"/>
             <a:r>
-              <a:rPr lang="en-US"/>
+              <a:rPr lang="en-US" smtClean="0"/>
               <a:t>Fifth level</a:t>
             </a:r>
             <a:endParaRPr lang="en-US" dirty="0"/>
@@ -3549,7 +3185,7 @@
           </a:lstStyle>
           <a:p>
             <a:r>
-              <a:rPr lang="en-US"/>
+              <a:rPr lang="en-US" smtClean="0"/>
               <a:t>Click to edit Master title style</a:t>
             </a:r>
             <a:endParaRPr lang="en-US" dirty="0"/>
@@ -3624,7 +3260,7 @@
           <a:p>
             <a:pPr lvl="0"/>
             <a:r>
-              <a:rPr lang="en-US"/>
+              <a:rPr lang="en-US" smtClean="0"/>
               <a:t>Click to edit Master text styles</a:t>
             </a:r>
           </a:p>
@@ -3695,35 +3331,35 @@
           <a:p>
             <a:pPr lvl="0"/>
             <a:r>
-              <a:rPr lang="en-US"/>
+              <a:rPr lang="en-US" smtClean="0"/>
               <a:t>Click to edit Master text styles</a:t>
             </a:r>
           </a:p>
           <a:p>
             <a:pPr lvl="1"/>
             <a:r>
-              <a:rPr lang="en-US"/>
+              <a:rPr lang="en-US" smtClean="0"/>
               <a:t>Second level</a:t>
             </a:r>
           </a:p>
           <a:p>
             <a:pPr lvl="2"/>
             <a:r>
-              <a:rPr lang="en-US"/>
+              <a:rPr lang="en-US" smtClean="0"/>
               <a:t>Third level</a:t>
             </a:r>
           </a:p>
           <a:p>
             <a:pPr lvl="3"/>
             <a:r>
-              <a:rPr lang="en-US"/>
+              <a:rPr lang="en-US" smtClean="0"/>
               <a:t>Fourth level</a:t>
             </a:r>
           </a:p>
           <a:p>
             <a:pPr lvl="4"/>
             <a:r>
-              <a:rPr lang="en-US"/>
+              <a:rPr lang="en-US" smtClean="0"/>
               <a:t>Fifth level</a:t>
             </a:r>
             <a:endParaRPr lang="en-US" dirty="0"/>
@@ -3798,7 +3434,7 @@
           <a:p>
             <a:pPr lvl="0"/>
             <a:r>
-              <a:rPr lang="en-US"/>
+              <a:rPr lang="en-US" smtClean="0"/>
               <a:t>Click to edit Master text styles</a:t>
             </a:r>
           </a:p>
@@ -3869,35 +3505,35 @@
           <a:p>
             <a:pPr lvl="0"/>
             <a:r>
-              <a:rPr lang="en-US"/>
+              <a:rPr lang="en-US" smtClean="0"/>
               <a:t>Click to edit Master text styles</a:t>
             </a:r>
           </a:p>
           <a:p>
             <a:pPr lvl="1"/>
             <a:r>
-              <a:rPr lang="en-US"/>
+              <a:rPr lang="en-US" smtClean="0"/>
               <a:t>Second level</a:t>
             </a:r>
           </a:p>
           <a:p>
             <a:pPr lvl="2"/>
             <a:r>
-              <a:rPr lang="en-US"/>
+              <a:rPr lang="en-US" smtClean="0"/>
               <a:t>Third level</a:t>
             </a:r>
           </a:p>
           <a:p>
             <a:pPr lvl="3"/>
             <a:r>
-              <a:rPr lang="en-US"/>
+              <a:rPr lang="en-US" smtClean="0"/>
               <a:t>Fourth level</a:t>
             </a:r>
           </a:p>
           <a:p>
             <a:pPr lvl="4"/>
             <a:r>
-              <a:rPr lang="en-US"/>
+              <a:rPr lang="en-US" smtClean="0"/>
               <a:t>Fifth level</a:t>
             </a:r>
             <a:endParaRPr lang="en-US" dirty="0"/>
@@ -3968,7 +3604,7 @@
           </a:lstStyle>
           <a:p>
             <a:r>
-              <a:rPr lang="en-US"/>
+              <a:rPr lang="en-US" smtClean="0"/>
               <a:t>Click to edit Master title style</a:t>
             </a:r>
             <a:endParaRPr lang="en-US" dirty="0"/>
@@ -4069,7 +3705,7 @@
           </a:lstStyle>
           <a:p>
             <a:r>
-              <a:rPr lang="en-US"/>
+              <a:rPr lang="en-US" smtClean="0"/>
               <a:t>Click to edit Master title style</a:t>
             </a:r>
             <a:endParaRPr lang="en-US" dirty="0"/>
@@ -4144,35 +3780,35 @@
           <a:p>
             <a:pPr lvl="0"/>
             <a:r>
-              <a:rPr lang="en-US"/>
+              <a:rPr lang="en-US" smtClean="0"/>
               <a:t>Click to edit Master text styles</a:t>
             </a:r>
           </a:p>
           <a:p>
             <a:pPr lvl="1"/>
             <a:r>
-              <a:rPr lang="en-US"/>
+              <a:rPr lang="en-US" smtClean="0"/>
               <a:t>Second level</a:t>
             </a:r>
           </a:p>
           <a:p>
             <a:pPr lvl="2"/>
             <a:r>
-              <a:rPr lang="en-US"/>
+              <a:rPr lang="en-US" smtClean="0"/>
               <a:t>Third level</a:t>
             </a:r>
           </a:p>
           <a:p>
             <a:pPr lvl="3"/>
             <a:r>
-              <a:rPr lang="en-US"/>
+              <a:rPr lang="en-US" smtClean="0"/>
               <a:t>Fourth level</a:t>
             </a:r>
           </a:p>
           <a:p>
             <a:pPr lvl="4"/>
             <a:r>
-              <a:rPr lang="en-US"/>
+              <a:rPr lang="en-US" smtClean="0"/>
               <a:t>Fifth level</a:t>
             </a:r>
             <a:endParaRPr lang="en-US" dirty="0"/>
@@ -4244,7 +3880,7 @@
           <a:p>
             <a:pPr lvl="0"/>
             <a:r>
-              <a:rPr lang="en-US"/>
+              <a:rPr lang="en-US" smtClean="0"/>
               <a:t>Click to edit Master text styles</a:t>
             </a:r>
           </a:p>
@@ -4314,7 +3950,7 @@
           </a:lstStyle>
           <a:p>
             <a:r>
-              <a:rPr lang="en-US"/>
+              <a:rPr lang="en-US" smtClean="0"/>
               <a:t>Click to edit Master title style</a:t>
             </a:r>
             <a:endParaRPr lang="en-US" dirty="0"/>
@@ -4379,9 +4015,10 @@
           </a:lstStyle>
           <a:p>
             <a:r>
-              <a:rPr lang="en-US"/>
+              <a:rPr lang="en-US" smtClean="0"/>
               <a:t>Click icon to add picture</a:t>
             </a:r>
+            <a:endParaRPr lang="en-US"/>
           </a:p>
         </p:txBody>
       </p:sp>
@@ -4450,7 +4087,7 @@
           <a:p>
             <a:pPr lvl="0"/>
             <a:r>
-              <a:rPr lang="en-US"/>
+              <a:rPr lang="en-US" smtClean="0"/>
               <a:t>Click to edit Master text styles</a:t>
             </a:r>
           </a:p>
@@ -4521,35 +4158,35 @@
           <a:p>
             <a:pPr lvl="0"/>
             <a:r>
-              <a:rPr lang="en-US"/>
+              <a:rPr lang="en-US" smtClean="0"/>
               <a:t>Click to edit Master text styles</a:t>
             </a:r>
           </a:p>
           <a:p>
             <a:pPr lvl="1"/>
             <a:r>
-              <a:rPr lang="en-US"/>
+              <a:rPr lang="en-US" smtClean="0"/>
               <a:t>Second level</a:t>
             </a:r>
           </a:p>
           <a:p>
             <a:pPr lvl="2"/>
             <a:r>
-              <a:rPr lang="en-US"/>
+              <a:rPr lang="en-US" smtClean="0"/>
               <a:t>Third level</a:t>
             </a:r>
           </a:p>
           <a:p>
             <a:pPr lvl="3"/>
             <a:r>
-              <a:rPr lang="en-US"/>
+              <a:rPr lang="en-US" smtClean="0"/>
               <a:t>Fourth level</a:t>
             </a:r>
           </a:p>
           <a:p>
             <a:pPr lvl="4"/>
             <a:r>
-              <a:rPr lang="en-US"/>
+              <a:rPr lang="en-US" smtClean="0"/>
               <a:t>Fifth level</a:t>
             </a:r>
             <a:endParaRPr lang="en-US" dirty="0"/>
@@ -4575,6 +4212,13 @@
     <p:sldLayoutId id="2147483656" r:id="rId8"/>
     <p:sldLayoutId id="2147483657" r:id="rId9"/>
   </p:sldLayoutIdLst>
+  <p:timing>
+    <p:tnLst>
+      <p:par>
+        <p:cTn id="1" dur="indefinite" restart="never" nodeType="tmRoot"/>
+      </p:par>
+    </p:tnLst>
+  </p:timing>
   <p:txStyles>
     <p:titleStyle>
       <a:lvl1pPr algn="ctr" defTabSz="457200" rtl="0" eaLnBrk="1" latinLnBrk="0" hangingPunct="1">
@@ -4947,7 +4591,7 @@
           <a:p>
             <a:pPr lvl="0"/>
             <a:r>
-              <a:rPr lang="en-US" dirty="0"/>
+              <a:rPr lang="en-US" dirty="0" smtClean="0"/>
               <a:t>Click to edit Master title style</a:t>
             </a:r>
           </a:p>
@@ -4989,35 +4633,35 @@
           <a:p>
             <a:pPr lvl="0"/>
             <a:r>
-              <a:rPr lang="en-US" dirty="0"/>
+              <a:rPr lang="en-US" dirty="0" smtClean="0"/>
               <a:t>Click to edit Master text styles</a:t>
             </a:r>
           </a:p>
           <a:p>
             <a:pPr lvl="1"/>
             <a:r>
-              <a:rPr lang="en-US" dirty="0"/>
+              <a:rPr lang="en-US" dirty="0" smtClean="0"/>
               <a:t>Second level</a:t>
             </a:r>
           </a:p>
           <a:p>
             <a:pPr lvl="2"/>
             <a:r>
-              <a:rPr lang="en-US" dirty="0"/>
+              <a:rPr lang="en-US" dirty="0" smtClean="0"/>
               <a:t>Third level</a:t>
             </a:r>
           </a:p>
           <a:p>
             <a:pPr lvl="3"/>
             <a:r>
-              <a:rPr lang="en-US" dirty="0"/>
+              <a:rPr lang="en-US" dirty="0" smtClean="0"/>
               <a:t>Fourth level</a:t>
             </a:r>
           </a:p>
           <a:p>
             <a:pPr lvl="4"/>
             <a:r>
-              <a:rPr lang="en-US" dirty="0"/>
+              <a:rPr lang="en-US" dirty="0" smtClean="0"/>
               <a:t>Fifth level</a:t>
             </a:r>
           </a:p>
@@ -5679,11 +5323,14 @@
           <a:lstStyle/>
           <a:p>
             <a:r>
-              <a:rPr lang="en-US" sz="18000" dirty="0">
+              <a:rPr lang="en-US" sz="18000" dirty="0" smtClean="0">
                 <a:latin typeface="Rockwell Extra Bold" panose="02060903040505020403" pitchFamily="18" charset="0"/>
               </a:rPr>
               <a:t>NLP</a:t>
             </a:r>
+            <a:endParaRPr lang="en-US" sz="18000" dirty="0">
+              <a:latin typeface="Rockwell Extra Bold" panose="02060903040505020403" pitchFamily="18" charset="0"/>
+            </a:endParaRPr>
           </a:p>
         </p:txBody>
       </p:sp>
@@ -5697,6 +5344,13 @@
   <p:clrMapOvr>
     <a:masterClrMapping/>
   </p:clrMapOvr>
+  <p:timing>
+    <p:tnLst>
+      <p:par>
+        <p:cTn id="1" dur="indefinite" restart="never" nodeType="tmRoot"/>
+      </p:par>
+    </p:tnLst>
+  </p:timing>
 </p:sld>
 </file>
 
@@ -5733,7 +5387,7 @@
           <a:lstStyle/>
           <a:p>
             <a:r>
-              <a:rPr lang="en-US" altLang="en-US" dirty="0"/>
+              <a:rPr lang="en-US" altLang="en-US" dirty="0" smtClean="0"/>
               <a:t>Parser Output</a:t>
             </a:r>
           </a:p>
@@ -6721,6 +6375,13 @@
   <p:clrMapOvr>
     <a:masterClrMapping/>
   </p:clrMapOvr>
+  <p:timing>
+    <p:tnLst>
+      <p:par>
+        <p:cTn id="1" dur="indefinite" restart="never" nodeType="tmRoot"/>
+      </p:par>
+    </p:tnLst>
+  </p:timing>
 </p:sld>
 </file>
 
@@ -6757,9 +6418,10 @@
           <a:lstStyle/>
           <a:p>
             <a:r>
-              <a:rPr lang="en-US" dirty="0"/>
+              <a:rPr lang="en-US" dirty="0" smtClean="0"/>
               <a:t>This Problem is Pretty // Easy</a:t>
             </a:r>
+            <a:endParaRPr lang="en-US" dirty="0"/>
           </a:p>
         </p:txBody>
       </p:sp>
@@ -6786,75 +6448,75 @@
           <a:lstStyle/>
           <a:p>
             <a:r>
-              <a:rPr lang="en-US" dirty="0"/>
+              <a:rPr lang="en-US" dirty="0" smtClean="0"/>
               <a:t>Commercial for a phone company</a:t>
             </a:r>
           </a:p>
           <a:p>
             <a:r>
-              <a:rPr lang="en-US" dirty="0"/>
+              <a:rPr lang="en-US" dirty="0" smtClean="0"/>
               <a:t>Garden path sentences</a:t>
             </a:r>
           </a:p>
           <a:p>
             <a:pPr lvl="1"/>
             <a:r>
-              <a:rPr lang="en-US" dirty="0"/>
+              <a:rPr lang="en-US" dirty="0" smtClean="0"/>
               <a:t>Don’t bother coming</a:t>
             </a:r>
           </a:p>
           <a:p>
             <a:pPr lvl="1"/>
             <a:r>
-              <a:rPr lang="en-US" dirty="0"/>
+              <a:rPr lang="en-US" dirty="0" smtClean="0"/>
               <a:t>Don’t bother coming early</a:t>
             </a:r>
           </a:p>
           <a:p>
             <a:pPr lvl="1"/>
             <a:r>
-              <a:rPr lang="en-US" dirty="0"/>
+              <a:rPr lang="en-US" dirty="0" smtClean="0"/>
               <a:t>Take the turkey out of the oven at five</a:t>
             </a:r>
           </a:p>
           <a:p>
             <a:pPr lvl="1"/>
             <a:r>
-              <a:rPr lang="en-US" dirty="0"/>
+              <a:rPr lang="en-US" dirty="0" smtClean="0"/>
               <a:t>Take the turkey out of the over at five to four</a:t>
             </a:r>
           </a:p>
           <a:p>
             <a:pPr lvl="1"/>
             <a:r>
-              <a:rPr lang="en-US" dirty="0"/>
+              <a:rPr lang="en-US" dirty="0" smtClean="0"/>
               <a:t>I got canned</a:t>
             </a:r>
           </a:p>
           <a:p>
             <a:pPr lvl="1"/>
             <a:r>
-              <a:rPr lang="en-US" dirty="0"/>
+              <a:rPr lang="en-US" dirty="0" smtClean="0"/>
               <a:t>I got canned peaches for dinner</a:t>
             </a:r>
           </a:p>
           <a:p>
             <a:pPr lvl="1"/>
             <a:r>
-              <a:rPr lang="en-US" dirty="0"/>
+              <a:rPr lang="en-US" dirty="0" smtClean="0"/>
               <a:t>All Americans need to buy a house</a:t>
             </a:r>
           </a:p>
           <a:p>
             <a:pPr lvl="1"/>
             <a:r>
-              <a:rPr lang="en-US" dirty="0"/>
+              <a:rPr lang="en-US" dirty="0" smtClean="0"/>
               <a:t>All Americans need to buy a house is a lot of money</a:t>
             </a:r>
           </a:p>
           <a:p>
             <a:r>
-              <a:rPr lang="en-US" dirty="0"/>
+              <a:rPr lang="en-US" dirty="0" smtClean="0"/>
               <a:t>Can you think of more such examples?</a:t>
             </a:r>
           </a:p>
@@ -6870,6 +6532,14 @@
   <p:clrMapOvr>
     <a:masterClrMapping/>
   </p:clrMapOvr>
+  <mc:AlternateContent xmlns:mc="http://schemas.openxmlformats.org/markup-compatibility/2006" xmlns:p14="http://schemas.microsoft.com/office/powerpoint/2010/main">
+    <mc:Choice Requires="p14">
+      <p:transition spd="slow" p14:dur="2000"/>
+    </mc:Choice>
+    <mc:Fallback xmlns="">
+      <p:transition spd="slow"/>
+    </mc:Fallback>
+  </mc:AlternateContent>
   <p:timing>
     <p:tnLst>
       <p:par>
@@ -7478,9 +7148,10 @@
           <a:lstStyle/>
           <a:p>
             <a:r>
-              <a:rPr lang="en-US" dirty="0"/>
+              <a:rPr lang="en-US" dirty="0" smtClean="0"/>
               <a:t>Solution</a:t>
             </a:r>
+            <a:endParaRPr lang="en-US" dirty="0"/>
           </a:p>
         </p:txBody>
       </p:sp>
@@ -7502,54 +7173,93 @@
         </p:spPr>
         <p:txBody>
           <a:bodyPr>
-            <a:normAutofit fontScale="92500"/>
+            <a:normAutofit/>
           </a:bodyPr>
           <a:lstStyle/>
           <a:p>
             <a:r>
-              <a:rPr lang="en-US" sz="2800" dirty="0"/>
+              <a:rPr lang="en-US" sz="2800" dirty="0" smtClean="0"/>
               <a:t>This problem is pretty // easy</a:t>
             </a:r>
           </a:p>
           <a:p>
             <a:pPr lvl="1"/>
+            <a:r>
+              <a:rPr lang="en-US" sz="2400" dirty="0" smtClean="0">
+                <a:hlinkClick r:id="rId2"/>
+              </a:rPr>
+              <a:t>http</a:t>
+            </a:r>
             <a:r>
               <a:rPr lang="en-US" sz="2400" dirty="0">
                 <a:hlinkClick r:id="rId2"/>
               </a:rPr>
-              <a:t>http://www.nacloweb.org/resources/problems/2007/N2007-HS.pdf</a:t>
+              <a:t>://</a:t>
+            </a:r>
+            <a:r>
+              <a:rPr lang="en-US" sz="2400" dirty="0" smtClean="0">
+                <a:hlinkClick r:id="rId2"/>
+              </a:rPr>
+              <a:t>www.nacloweb.org/resources/problems/2007/N2007-HS.pdf</a:t>
+            </a:r>
+            <a:r>
+              <a:rPr lang="en-US" sz="2400" dirty="0" smtClean="0"/>
+              <a:t>  </a:t>
+            </a:r>
+          </a:p>
+          <a:p>
+            <a:r>
+              <a:rPr lang="en-US" sz="2800" dirty="0" smtClean="0"/>
+              <a:t>Criteria</a:t>
+            </a:r>
+          </a:p>
+          <a:p>
+            <a:pPr lvl="1"/>
+            <a:r>
+              <a:rPr lang="en-US" sz="2400" dirty="0" smtClean="0"/>
+              <a:t>The </a:t>
             </a:r>
             <a:r>
               <a:rPr lang="en-US" sz="2400" dirty="0"/>
-              <a:t>  </a:t>
-            </a:r>
-          </a:p>
-          <a:p>
-            <a:r>
-              <a:rPr lang="en-US" sz="2800" dirty="0"/>
-              <a:t>Criteria</a:t>
-            </a:r>
+              <a:t>part before // should be a complete </a:t>
+            </a:r>
+            <a:r>
+              <a:rPr lang="en-US" sz="2400" dirty="0" smtClean="0"/>
+              <a:t>sentence</a:t>
+            </a:r>
+            <a:endParaRPr lang="en-US" sz="2400" dirty="0"/>
           </a:p>
           <a:p>
             <a:pPr lvl="1"/>
             <a:r>
+              <a:rPr lang="en-US" sz="2400" dirty="0" smtClean="0"/>
+              <a:t>The </a:t>
+            </a:r>
+            <a:r>
               <a:rPr lang="en-US" sz="2400" dirty="0"/>
-              <a:t>The part before // should be a complete sentence</a:t>
-            </a:r>
+              <a:t>full sentence has a different meaning than the part before </a:t>
+            </a:r>
+            <a:r>
+              <a:rPr lang="en-US" sz="2400" dirty="0" smtClean="0"/>
+              <a:t>// </a:t>
+            </a:r>
+            <a:endParaRPr lang="en-US" sz="2400" dirty="0"/>
           </a:p>
           <a:p>
             <a:pPr lvl="1"/>
             <a:r>
+              <a:rPr lang="en-US" sz="2400" dirty="0" smtClean="0"/>
+              <a:t>The </a:t>
+            </a:r>
+            <a:r>
               <a:rPr lang="en-US" sz="2400" dirty="0"/>
-              <a:t>The full sentence has a different meaning than the part before // </a:t>
-            </a:r>
-          </a:p>
-          <a:p>
-            <a:pPr lvl="1"/>
-            <a:r>
-              <a:rPr lang="en-US" sz="2400" dirty="0"/>
-              <a:t>The part before // should not already be ambiguous</a:t>
-            </a:r>
+              <a:t>part before // should not already be </a:t>
+            </a:r>
+            <a:r>
+              <a:rPr lang="en-US" sz="2400" dirty="0" smtClean="0"/>
+              <a:t>ambiguous</a:t>
+            </a:r>
+            <a:endParaRPr lang="en-US" sz="2400" dirty="0"/>
           </a:p>
           <a:p>
             <a:pPr lvl="1"/>
@@ -7567,6 +7277,21 @@
   <p:clrMapOvr>
     <a:masterClrMapping/>
   </p:clrMapOvr>
+  <mc:AlternateContent xmlns:mc="http://schemas.openxmlformats.org/markup-compatibility/2006" xmlns:p14="http://schemas.microsoft.com/office/powerpoint/2010/main">
+    <mc:Choice Requires="p14">
+      <p:transition spd="slow" p14:dur="2000"/>
+    </mc:Choice>
+    <mc:Fallback xmlns="">
+      <p:transition spd="slow"/>
+    </mc:Fallback>
+  </mc:AlternateContent>
+  <p:timing>
+    <p:tnLst>
+      <p:par>
+        <p:cTn id="1" dur="indefinite" restart="never" nodeType="tmRoot"/>
+      </p:par>
+    </p:tnLst>
+  </p:timing>
 </p:sld>
 </file>
 
@@ -7603,7 +7328,7 @@
           <a:lstStyle/>
           <a:p>
             <a:r>
-              <a:rPr lang="en-US" altLang="en-US" dirty="0"/>
+              <a:rPr lang="en-US" altLang="en-US" dirty="0" smtClean="0"/>
               <a:t>Dependency Parsing</a:t>
             </a:r>
           </a:p>
@@ -8451,6 +8176,13 @@
   <p:clrMapOvr>
     <a:masterClrMapping/>
   </p:clrMapOvr>
+  <p:timing>
+    <p:tnLst>
+      <p:par>
+        <p:cTn id="1" dur="indefinite" restart="never" nodeType="tmRoot"/>
+      </p:par>
+    </p:tnLst>
+  </p:timing>
 </p:sld>
 </file>
 
@@ -8487,7 +8219,7 @@
           <a:lstStyle/>
           <a:p>
             <a:r>
-              <a:rPr lang="en-US" altLang="en-US" dirty="0"/>
+              <a:rPr lang="en-US" altLang="en-US" dirty="0" smtClean="0"/>
               <a:t>Dependency Parsing</a:t>
             </a:r>
           </a:p>
@@ -8746,6 +8478,13 @@
   <p:clrMapOvr>
     <a:masterClrMapping/>
   </p:clrMapOvr>
+  <p:timing>
+    <p:tnLst>
+      <p:par>
+        <p:cTn id="1" dur="indefinite" restart="never" nodeType="tmRoot"/>
+      </p:par>
+    </p:tnLst>
+  </p:timing>
 </p:sld>
 </file>
 
@@ -8782,7 +8521,7 @@
           <a:lstStyle/>
           <a:p>
             <a:r>
-              <a:rPr lang="en-US" altLang="en-US" dirty="0"/>
+              <a:rPr lang="en-US" altLang="en-US" dirty="0" smtClean="0"/>
               <a:t>Parser Output</a:t>
             </a:r>
           </a:p>
@@ -9926,6 +9665,13 @@
   <p:clrMapOvr>
     <a:masterClrMapping/>
   </p:clrMapOvr>
+  <p:timing>
+    <p:tnLst>
+      <p:par>
+        <p:cTn id="1" dur="indefinite" restart="never" nodeType="tmRoot"/>
+      </p:par>
+    </p:tnLst>
+  </p:timing>
 </p:sld>
 </file>
 
@@ -9962,7 +9708,7 @@
           <a:lstStyle/>
           <a:p>
             <a:r>
-              <a:rPr lang="en-US" altLang="en-US"/>
+              <a:rPr lang="en-US" altLang="en-US" smtClean="0"/>
               <a:t>Information Extraction</a:t>
             </a:r>
           </a:p>
@@ -9986,11 +9732,11 @@
           <a:lstStyle/>
           <a:p>
             <a:r>
-              <a:rPr lang="en-US" altLang="en-US" sz="1600" dirty="0"/>
+              <a:rPr lang="en-US" altLang="en-US" sz="1600" dirty="0" smtClean="0"/>
               <a:t>RESEARCH ALERT-</a:t>
             </a:r>
             <a:r>
-              <a:rPr lang="en-US" altLang="en-US" sz="1600" dirty="0">
+              <a:rPr lang="en-US" altLang="en-US" sz="1600" dirty="0" smtClean="0">
                 <a:solidFill>
                   <a:srgbClr val="FF0000"/>
                 </a:solidFill>
@@ -9998,11 +9744,11 @@
               <a:t>Wells Fargo</a:t>
             </a:r>
             <a:r>
-              <a:rPr lang="en-US" altLang="en-US" sz="1600" dirty="0"/>
+              <a:rPr lang="en-US" altLang="en-US" sz="1600" dirty="0" smtClean="0"/>
               <a:t> </a:t>
             </a:r>
             <a:r>
-              <a:rPr lang="en-US" altLang="en-US" sz="1600" dirty="0">
+              <a:rPr lang="en-US" altLang="en-US" sz="1600" dirty="0" smtClean="0">
                 <a:solidFill>
                   <a:srgbClr val="92D050"/>
                 </a:solidFill>
@@ -10010,11 +9756,11 @@
               <a:t>cuts</a:t>
             </a:r>
             <a:r>
-              <a:rPr lang="en-US" altLang="en-US" sz="1600" dirty="0"/>
+              <a:rPr lang="en-US" altLang="en-US" sz="1600" dirty="0" smtClean="0"/>
               <a:t> </a:t>
             </a:r>
             <a:r>
-              <a:rPr lang="en-US" altLang="en-US" sz="1600" dirty="0">
+              <a:rPr lang="en-US" altLang="en-US" sz="1600" dirty="0" smtClean="0">
                 <a:solidFill>
                   <a:srgbClr val="0070C0"/>
                 </a:solidFill>
@@ -10022,7 +9768,7 @@
               <a:t>PPD </a:t>
             </a:r>
             <a:r>
-              <a:rPr lang="en-US" altLang="en-US" sz="1600" dirty="0" err="1">
+              <a:rPr lang="en-US" altLang="en-US" sz="1600" dirty="0" err="1" smtClean="0">
                 <a:solidFill>
                   <a:srgbClr val="0070C0"/>
                 </a:solidFill>
@@ -10030,11 +9776,11 @@
               <a:t>Inc</a:t>
             </a:r>
             <a:r>
-              <a:rPr lang="en-US" altLang="en-US" sz="1600" dirty="0"/>
+              <a:rPr lang="en-US" altLang="en-US" sz="1600" dirty="0" smtClean="0"/>
               <a:t> to </a:t>
             </a:r>
             <a:r>
-              <a:rPr lang="en-US" altLang="en-US" sz="1600" dirty="0">
+              <a:rPr lang="en-US" altLang="en-US" sz="1600" dirty="0" smtClean="0">
                 <a:solidFill>
                   <a:srgbClr val="7030A0"/>
                 </a:solidFill>
@@ -10044,7 +9790,7 @@
           </a:p>
           <a:p>
             <a:r>
-              <a:rPr lang="en-US" altLang="en-US" sz="1600" dirty="0">
+              <a:rPr lang="en-US" altLang="en-US" sz="1600" dirty="0" smtClean="0">
                 <a:solidFill>
                   <a:srgbClr val="0070C0"/>
                 </a:solidFill>
@@ -10052,7 +9798,7 @@
               <a:t>China Southern Air </a:t>
             </a:r>
             <a:r>
-              <a:rPr lang="en-US" altLang="en-US" sz="1600" dirty="0">
+              <a:rPr lang="en-US" altLang="en-US" sz="1600" dirty="0" smtClean="0">
                 <a:solidFill>
                   <a:srgbClr val="92D050"/>
                 </a:solidFill>
@@ -10060,11 +9806,11 @@
               <a:t>Upgraded</a:t>
             </a:r>
             <a:r>
-              <a:rPr lang="en-US" altLang="en-US" sz="1600" dirty="0"/>
+              <a:rPr lang="en-US" altLang="en-US" sz="1600" dirty="0" smtClean="0"/>
               <a:t> To </a:t>
             </a:r>
             <a:r>
-              <a:rPr lang="en-US" altLang="en-US" sz="1600" dirty="0">
+              <a:rPr lang="en-US" altLang="en-US" sz="1600" dirty="0" smtClean="0">
                 <a:solidFill>
                   <a:srgbClr val="7030A0"/>
                 </a:solidFill>
@@ -10072,11 +9818,11 @@
               <a:t>Overweight</a:t>
             </a:r>
             <a:r>
-              <a:rPr lang="en-US" altLang="en-US" sz="1600" dirty="0"/>
+              <a:rPr lang="en-US" altLang="en-US" sz="1600" dirty="0" smtClean="0"/>
               <a:t> From </a:t>
             </a:r>
             <a:r>
-              <a:rPr lang="en-US" altLang="en-US" sz="1600" dirty="0">
+              <a:rPr lang="en-US" altLang="en-US" sz="1600" dirty="0" smtClean="0">
                 <a:solidFill>
                   <a:srgbClr val="FFC000"/>
                 </a:solidFill>
@@ -10084,11 +9830,11 @@
               <a:t>Neutral</a:t>
             </a:r>
             <a:r>
-              <a:rPr lang="en-US" altLang="en-US" sz="1600" dirty="0"/>
+              <a:rPr lang="en-US" altLang="en-US" sz="1600" dirty="0" smtClean="0"/>
               <a:t>-</a:t>
             </a:r>
             <a:r>
-              <a:rPr lang="en-US" altLang="en-US" sz="1600" dirty="0">
+              <a:rPr lang="en-US" altLang="en-US" sz="1600" dirty="0" smtClean="0">
                 <a:solidFill>
                   <a:srgbClr val="FF0000"/>
                 </a:solidFill>
@@ -10098,7 +9844,7 @@
           </a:p>
           <a:p>
             <a:r>
-              <a:rPr lang="en-US" altLang="en-US" sz="1600" dirty="0">
+              <a:rPr lang="en-US" altLang="en-US" sz="1600" dirty="0" smtClean="0">
                 <a:solidFill>
                   <a:srgbClr val="FF0000"/>
                 </a:solidFill>
@@ -10106,11 +9852,11 @@
               <a:t>CITIGROUP</a:t>
             </a:r>
             <a:r>
-              <a:rPr lang="en-US" altLang="en-US" sz="1600" dirty="0"/>
+              <a:rPr lang="en-US" altLang="en-US" sz="1600" dirty="0" smtClean="0"/>
               <a:t> </a:t>
             </a:r>
             <a:r>
-              <a:rPr lang="en-US" altLang="en-US" sz="1600" dirty="0">
+              <a:rPr lang="en-US" altLang="en-US" sz="1600" dirty="0" smtClean="0">
                 <a:solidFill>
                   <a:srgbClr val="92D050"/>
                 </a:solidFill>
@@ -10118,11 +9864,11 @@
               <a:t>RAISES</a:t>
             </a:r>
             <a:r>
-              <a:rPr lang="en-US" altLang="en-US" sz="1600" dirty="0"/>
+              <a:rPr lang="en-US" altLang="en-US" sz="1600" dirty="0" smtClean="0"/>
               <a:t> </a:t>
             </a:r>
             <a:r>
-              <a:rPr lang="en-US" altLang="en-US" sz="1600" dirty="0">
+              <a:rPr lang="en-US" altLang="en-US" sz="1600" dirty="0" smtClean="0">
                 <a:solidFill>
                   <a:srgbClr val="0070C0"/>
                 </a:solidFill>
@@ -10130,7 +9876,7 @@
               <a:t>INGERSOLL RAND </a:t>
             </a:r>
             <a:r>
-              <a:rPr lang="en-US" altLang="en-US" sz="1600" dirty="0">
+              <a:rPr lang="en-US" altLang="en-US" sz="1600" dirty="0" smtClean="0">
                 <a:solidFill>
                   <a:srgbClr val="C00000"/>
                 </a:solidFill>
@@ -10138,11 +9884,11 @@
               <a:t>&lt;IR.N&gt; </a:t>
             </a:r>
             <a:r>
-              <a:rPr lang="en-US" altLang="en-US" sz="1600" dirty="0"/>
+              <a:rPr lang="en-US" altLang="en-US" sz="1600" dirty="0" smtClean="0"/>
               <a:t>TO </a:t>
             </a:r>
             <a:r>
-              <a:rPr lang="en-US" altLang="en-US" sz="1600" dirty="0">
+              <a:rPr lang="en-US" altLang="en-US" sz="1600" dirty="0" smtClean="0">
                 <a:solidFill>
                   <a:srgbClr val="7030A0"/>
                 </a:solidFill>
@@ -10150,11 +9896,11 @@
               <a:t>HOLD</a:t>
             </a:r>
             <a:r>
-              <a:rPr lang="en-US" altLang="en-US" sz="1600" dirty="0"/>
+              <a:rPr lang="en-US" altLang="en-US" sz="1600" dirty="0" smtClean="0"/>
               <a:t> FROM </a:t>
             </a:r>
             <a:r>
-              <a:rPr lang="en-US" altLang="en-US" sz="1600" dirty="0">
+              <a:rPr lang="en-US" altLang="en-US" sz="1600" dirty="0" smtClean="0">
                 <a:solidFill>
                   <a:srgbClr val="FFC000"/>
                 </a:solidFill>
@@ -10162,13 +9908,13 @@
               <a:t>SELL</a:t>
             </a:r>
             <a:r>
-              <a:rPr lang="en-US" altLang="en-US" sz="1600" dirty="0"/>
+              <a:rPr lang="en-US" altLang="en-US" sz="1600" dirty="0" smtClean="0"/>
               <a:t> </a:t>
             </a:r>
           </a:p>
           <a:p>
             <a:r>
-              <a:rPr lang="en-US" altLang="en-US" sz="1600" dirty="0">
+              <a:rPr lang="en-US" altLang="en-US" sz="1600" dirty="0" smtClean="0">
                 <a:solidFill>
                   <a:srgbClr val="0070C0"/>
                 </a:solidFill>
@@ -10176,7 +9922,7 @@
               <a:t>TCF Financial Corp </a:t>
             </a:r>
             <a:r>
-              <a:rPr lang="en-US" altLang="en-US" sz="1600" dirty="0">
+              <a:rPr lang="en-US" altLang="en-US" sz="1600" dirty="0" smtClean="0">
                 <a:solidFill>
                   <a:srgbClr val="92D050"/>
                 </a:solidFill>
@@ -10184,11 +9930,11 @@
               <a:t>Raised</a:t>
             </a:r>
             <a:r>
-              <a:rPr lang="en-US" altLang="en-US" sz="1600" dirty="0"/>
+              <a:rPr lang="en-US" altLang="en-US" sz="1600" dirty="0" smtClean="0"/>
               <a:t> To </a:t>
             </a:r>
             <a:r>
-              <a:rPr lang="en-US" altLang="en-US" sz="1600" dirty="0">
+              <a:rPr lang="en-US" altLang="en-US" sz="1600" dirty="0" smtClean="0">
                 <a:solidFill>
                   <a:srgbClr val="7030A0"/>
                 </a:solidFill>
@@ -10196,11 +9942,11 @@
               <a:t>Overweight</a:t>
             </a:r>
             <a:r>
-              <a:rPr lang="en-US" altLang="en-US" sz="1600" dirty="0"/>
+              <a:rPr lang="en-US" altLang="en-US" sz="1600" dirty="0" smtClean="0"/>
               <a:t> From </a:t>
             </a:r>
             <a:r>
-              <a:rPr lang="en-US" altLang="en-US" sz="1600" dirty="0">
+              <a:rPr lang="en-US" altLang="en-US" sz="1600" dirty="0" smtClean="0">
                 <a:solidFill>
                   <a:srgbClr val="FFC000"/>
                 </a:solidFill>
@@ -10208,11 +9954,11 @@
               <a:t>Neutral</a:t>
             </a:r>
             <a:r>
-              <a:rPr lang="en-US" altLang="en-US" sz="1600" dirty="0"/>
+              <a:rPr lang="en-US" altLang="en-US" sz="1600" dirty="0" smtClean="0"/>
               <a:t> By </a:t>
             </a:r>
             <a:r>
-              <a:rPr lang="en-US" altLang="en-US" sz="1600" dirty="0">
+              <a:rPr lang="en-US" altLang="en-US" sz="1600" dirty="0" smtClean="0">
                 <a:solidFill>
                   <a:srgbClr val="FF0000"/>
                 </a:solidFill>
@@ -10220,13 +9966,13 @@
               <a:t>JPMorgan</a:t>
             </a:r>
             <a:r>
-              <a:rPr lang="en-US" altLang="en-US" sz="1600" dirty="0"/>
+              <a:rPr lang="en-US" altLang="en-US" sz="1600" dirty="0" smtClean="0"/>
               <a:t> </a:t>
             </a:r>
           </a:p>
           <a:p>
             <a:r>
-              <a:rPr lang="en-US" altLang="en-US" sz="1600" dirty="0">
+              <a:rPr lang="en-US" altLang="en-US" sz="1600" dirty="0" smtClean="0">
                 <a:solidFill>
                   <a:srgbClr val="FF0000"/>
                 </a:solidFill>
@@ -10234,11 +9980,11 @@
               <a:t>BAIRD</a:t>
             </a:r>
             <a:r>
-              <a:rPr lang="en-US" altLang="en-US" sz="1600" dirty="0"/>
+              <a:rPr lang="en-US" altLang="en-US" sz="1600" dirty="0" smtClean="0"/>
               <a:t> </a:t>
             </a:r>
             <a:r>
-              <a:rPr lang="en-US" altLang="en-US" sz="1600" dirty="0">
+              <a:rPr lang="en-US" altLang="en-US" sz="1600" dirty="0" smtClean="0">
                 <a:solidFill>
                   <a:srgbClr val="92D050"/>
                 </a:solidFill>
@@ -10246,11 +9992,11 @@
               <a:t>CUTS</a:t>
             </a:r>
             <a:r>
-              <a:rPr lang="en-US" altLang="en-US" sz="1600" dirty="0"/>
+              <a:rPr lang="en-US" altLang="en-US" sz="1600" dirty="0" smtClean="0"/>
               <a:t> </a:t>
             </a:r>
             <a:r>
-              <a:rPr lang="en-US" altLang="en-US" sz="1600" dirty="0">
+              <a:rPr lang="en-US" altLang="en-US" sz="1600" dirty="0" smtClean="0">
                 <a:solidFill>
                   <a:srgbClr val="0070C0"/>
                 </a:solidFill>
@@ -10258,7 +10004,7 @@
               <a:t>KIOR INC </a:t>
             </a:r>
             <a:r>
-              <a:rPr lang="en-US" altLang="en-US" sz="1600" dirty="0">
+              <a:rPr lang="en-US" altLang="en-US" sz="1600" dirty="0" smtClean="0">
                 <a:solidFill>
                   <a:srgbClr val="C00000"/>
                 </a:solidFill>
@@ -10266,11 +10012,11 @@
               <a:t>&lt;KIOR.O&gt; </a:t>
             </a:r>
             <a:r>
-              <a:rPr lang="en-US" altLang="en-US" sz="1600" dirty="0"/>
+              <a:rPr lang="en-US" altLang="en-US" sz="1600" dirty="0" smtClean="0"/>
               <a:t>TO </a:t>
             </a:r>
             <a:r>
-              <a:rPr lang="en-US" altLang="en-US" sz="1600" dirty="0">
+              <a:rPr lang="en-US" altLang="en-US" sz="1600" dirty="0" smtClean="0">
                 <a:solidFill>
                   <a:srgbClr val="7030A0"/>
                 </a:solidFill>
@@ -10278,17 +10024,17 @@
               <a:t>UNDERPERFORM</a:t>
             </a:r>
             <a:r>
-              <a:rPr lang="en-US" altLang="en-US" sz="1600" dirty="0"/>
+              <a:rPr lang="en-US" altLang="en-US" sz="1600" dirty="0" smtClean="0"/>
               <a:t> RATING </a:t>
             </a:r>
           </a:p>
           <a:p>
             <a:r>
-              <a:rPr lang="en-US" altLang="en-US" sz="1600" dirty="0"/>
+              <a:rPr lang="en-US" altLang="en-US" sz="1600" dirty="0" smtClean="0"/>
               <a:t>BRIEF-RESEARCH ALERT-</a:t>
             </a:r>
             <a:r>
-              <a:rPr lang="en-US" altLang="en-US" sz="1600" dirty="0">
+              <a:rPr lang="en-US" altLang="en-US" sz="1600" dirty="0" smtClean="0">
                 <a:solidFill>
                   <a:srgbClr val="FF0000"/>
                 </a:solidFill>
@@ -10296,7 +10042,7 @@
               <a:t>Global Equities Research </a:t>
             </a:r>
             <a:r>
-              <a:rPr lang="en-US" altLang="en-US" sz="1600" dirty="0">
+              <a:rPr lang="en-US" altLang="en-US" sz="1600" dirty="0" smtClean="0">
                 <a:solidFill>
                   <a:srgbClr val="92D050"/>
                 </a:solidFill>
@@ -10304,11 +10050,11 @@
               <a:t>cuts</a:t>
             </a:r>
             <a:r>
-              <a:rPr lang="en-US" altLang="en-US" sz="1600" dirty="0"/>
+              <a:rPr lang="en-US" altLang="en-US" sz="1600" dirty="0" smtClean="0"/>
               <a:t> </a:t>
             </a:r>
             <a:r>
-              <a:rPr lang="en-US" altLang="en-US" sz="1600" dirty="0">
+              <a:rPr lang="en-US" altLang="en-US" sz="1600" dirty="0" smtClean="0">
                 <a:solidFill>
                   <a:srgbClr val="0070C0"/>
                 </a:solidFill>
@@ -10316,11 +10062,11 @@
               <a:t>LinkedIn</a:t>
             </a:r>
             <a:r>
-              <a:rPr lang="en-US" altLang="en-US" sz="1600" dirty="0"/>
+              <a:rPr lang="en-US" altLang="en-US" sz="1600" dirty="0" smtClean="0"/>
               <a:t> to </a:t>
             </a:r>
             <a:r>
-              <a:rPr lang="en-US" altLang="en-US" sz="1600" dirty="0">
+              <a:rPr lang="en-US" altLang="en-US" sz="1600" dirty="0" smtClean="0">
                 <a:solidFill>
                   <a:srgbClr val="7030A0"/>
                 </a:solidFill>
@@ -10328,7 +10074,7 @@
               <a:t>equal weight</a:t>
             </a:r>
             <a:r>
-              <a:rPr lang="en-US" altLang="en-US" sz="1600" dirty="0"/>
+              <a:rPr lang="en-US" altLang="en-US" sz="1600" dirty="0" smtClean="0"/>
               <a:t> </a:t>
             </a:r>
           </a:p>
@@ -10707,7 +10453,7 @@
           <a:lstStyle/>
           <a:p>
             <a:r>
-              <a:rPr lang="en-US" altLang="en-US"/>
+              <a:rPr lang="en-US" altLang="en-US" smtClean="0"/>
               <a:t>Information Extraction</a:t>
             </a:r>
           </a:p>
@@ -10729,7 +10475,7 @@
         </p:nvGraphicFramePr>
         <p:xfrm>
           <a:off x="152400" y="1828800"/>
-          <a:ext cx="8713622" cy="2571616"/>
+          <a:ext cx="8713622" cy="1946672"/>
         </p:xfrm>
         <a:graphic>
           <a:graphicData uri="http://schemas.openxmlformats.org/drawingml/2006/table">
@@ -10795,11 +10541,14 @@
                     <a:lstStyle/>
                     <a:p>
                       <a:r>
-                        <a:rPr lang="en-US" sz="1200" b="1" dirty="0">
+                        <a:rPr lang="en-US" sz="1200" b="1" dirty="0" smtClean="0">
                           <a:latin typeface="Lucida Grande"/>
                         </a:rPr>
                         <a:t>DATE/TIME</a:t>
                       </a:r>
+                      <a:endParaRPr lang="en-US" sz="1200" b="1" dirty="0">
+                        <a:latin typeface="Lucida Grande"/>
+                      </a:endParaRPr>
                     </a:p>
                   </a:txBody>
                   <a:tcPr marT="34286" marB="34286"/>
@@ -10810,11 +10559,14 @@
                     <a:lstStyle/>
                     <a:p>
                       <a:r>
-                        <a:rPr lang="en-US" sz="1200" b="1" dirty="0">
+                        <a:rPr lang="en-US" sz="1200" b="1" dirty="0" smtClean="0">
                           <a:latin typeface="Lucida Grande"/>
                         </a:rPr>
                         <a:t>TICKER</a:t>
                       </a:r>
+                      <a:endParaRPr lang="en-US" sz="1200" b="1" dirty="0">
+                        <a:latin typeface="Lucida Grande"/>
+                      </a:endParaRPr>
                     </a:p>
                   </a:txBody>
                   <a:tcPr marT="34286" marB="34286"/>
@@ -10825,11 +10577,14 @@
                     <a:lstStyle/>
                     <a:p>
                       <a:r>
-                        <a:rPr lang="en-US" sz="1200" b="1" dirty="0">
+                        <a:rPr lang="en-US" sz="1200" b="1" dirty="0" smtClean="0">
                           <a:latin typeface="Lucida Grande"/>
                         </a:rPr>
                         <a:t>COMPANY</a:t>
                       </a:r>
+                      <a:endParaRPr lang="en-US" sz="1200" b="1" dirty="0">
+                        <a:latin typeface="Lucida Grande"/>
+                      </a:endParaRPr>
                     </a:p>
                   </a:txBody>
                   <a:tcPr marT="34286" marB="34286"/>
@@ -10840,11 +10595,14 @@
                     <a:lstStyle/>
                     <a:p>
                       <a:r>
-                        <a:rPr lang="en-US" sz="1200" b="1" dirty="0">
+                        <a:rPr lang="en-US" sz="1200" b="1" dirty="0" smtClean="0">
                           <a:latin typeface="Lucida Grande"/>
                         </a:rPr>
                         <a:t>SOURCE</a:t>
                       </a:r>
+                      <a:endParaRPr lang="en-US" sz="1200" b="1" dirty="0">
+                        <a:latin typeface="Lucida Grande"/>
+                      </a:endParaRPr>
                     </a:p>
                   </a:txBody>
                   <a:tcPr marT="34286" marB="34286"/>
@@ -10855,11 +10613,14 @@
                     <a:lstStyle/>
                     <a:p>
                       <a:r>
-                        <a:rPr lang="en-US" sz="1200" b="1" dirty="0">
+                        <a:rPr lang="en-US" sz="1200" b="1" dirty="0" smtClean="0">
                           <a:latin typeface="Lucida Grande"/>
                         </a:rPr>
                         <a:t>OLD</a:t>
                       </a:r>
+                      <a:endParaRPr lang="en-US" sz="1200" b="1" dirty="0">
+                        <a:latin typeface="Lucida Grande"/>
+                      </a:endParaRPr>
                     </a:p>
                   </a:txBody>
                   <a:tcPr marT="34286" marB="34286"/>
@@ -10870,11 +10631,14 @@
                     <a:lstStyle/>
                     <a:p>
                       <a:r>
-                        <a:rPr lang="en-US" sz="1200" b="1" dirty="0">
+                        <a:rPr lang="en-US" sz="1200" b="1" dirty="0" smtClean="0">
                           <a:latin typeface="Lucida Grande"/>
                         </a:rPr>
                         <a:t>NEW</a:t>
                       </a:r>
+                      <a:endParaRPr lang="en-US" sz="1200" b="1" dirty="0">
+                        <a:latin typeface="Lucida Grande"/>
+                      </a:endParaRPr>
                     </a:p>
                   </a:txBody>
                   <a:tcPr marT="34286" marB="34286"/>
@@ -10885,11 +10649,14 @@
                     <a:lstStyle/>
                     <a:p>
                       <a:r>
-                        <a:rPr lang="en-US" sz="1200" b="1" dirty="0">
+                        <a:rPr lang="en-US" sz="1200" b="1" dirty="0" smtClean="0">
                           <a:latin typeface="Lucida Grande"/>
                         </a:rPr>
                         <a:t>CHANGE</a:t>
                       </a:r>
+                      <a:endParaRPr lang="en-US" sz="1200" b="1" dirty="0">
+                        <a:latin typeface="Lucida Grande"/>
+                      </a:endParaRPr>
                     </a:p>
                   </a:txBody>
                   <a:tcPr marT="34286" marB="34286"/>
@@ -10931,7 +10698,7 @@
                     <a:lstStyle/>
                     <a:p>
                       <a:r>
-                        <a:rPr lang="en-US" sz="1200" dirty="0">
+                        <a:rPr lang="en-US" sz="1200" dirty="0" smtClean="0">
                           <a:solidFill>
                             <a:srgbClr val="0070C0"/>
                           </a:solidFill>
@@ -10940,7 +10707,7 @@
                         <a:t>PPD </a:t>
                       </a:r>
                       <a:r>
-                        <a:rPr lang="en-US" sz="1200" dirty="0" err="1">
+                        <a:rPr lang="en-US" sz="1200" dirty="0" err="1" smtClean="0">
                           <a:solidFill>
                             <a:srgbClr val="0070C0"/>
                           </a:solidFill>
@@ -10949,11 +10716,14 @@
                         <a:t>Inc</a:t>
                       </a:r>
                       <a:r>
-                        <a:rPr lang="en-US" sz="1200" dirty="0">
+                        <a:rPr lang="en-US" sz="1200" dirty="0" smtClean="0">
                           <a:latin typeface="Lucida Grande"/>
                         </a:rPr>
                         <a:t> </a:t>
                       </a:r>
+                      <a:endParaRPr lang="en-US" sz="1200" dirty="0">
+                        <a:latin typeface="Lucida Grande"/>
+                      </a:endParaRPr>
                     </a:p>
                   </a:txBody>
                   <a:tcPr marT="34286" marB="34286"/>
@@ -10964,7 +10734,7 @@
                     <a:lstStyle/>
                     <a:p>
                       <a:r>
-                        <a:rPr lang="en-US" sz="1200" dirty="0">
+                        <a:rPr lang="en-US" sz="1200" dirty="0" smtClean="0">
                           <a:solidFill>
                             <a:srgbClr val="FF0000"/>
                           </a:solidFill>
@@ -10973,11 +10743,14 @@
                         <a:t>Wells Fargo</a:t>
                       </a:r>
                       <a:r>
-                        <a:rPr lang="en-US" sz="1200" dirty="0">
+                        <a:rPr lang="en-US" sz="1200" dirty="0" smtClean="0">
                           <a:latin typeface="Lucida Grande"/>
                         </a:rPr>
                         <a:t> </a:t>
                       </a:r>
+                      <a:endParaRPr lang="en-US" sz="1200" dirty="0">
+                        <a:latin typeface="Lucida Grande"/>
+                      </a:endParaRPr>
                     </a:p>
                   </a:txBody>
                   <a:tcPr marT="34286" marB="34286"/>
@@ -11000,7 +10773,7 @@
                     <a:lstStyle/>
                     <a:p>
                       <a:r>
-                        <a:rPr lang="en-US" sz="1200" dirty="0">
+                        <a:rPr lang="en-US" sz="1200" dirty="0" smtClean="0">
                           <a:solidFill>
                             <a:srgbClr val="7030A0"/>
                           </a:solidFill>
@@ -11064,7 +10837,7 @@
                     <a:lstStyle/>
                     <a:p>
                       <a:r>
-                        <a:rPr lang="en-US" sz="1200" dirty="0">
+                        <a:rPr lang="en-US" sz="1200" dirty="0" smtClean="0">
                           <a:solidFill>
                             <a:srgbClr val="0070C0"/>
                           </a:solidFill>
@@ -11085,7 +10858,7 @@
                     <a:lstStyle/>
                     <a:p>
                       <a:r>
-                        <a:rPr lang="en-US" sz="1200" dirty="0">
+                        <a:rPr lang="en-US" sz="1200" dirty="0" smtClean="0">
                           <a:solidFill>
                             <a:srgbClr val="FF0000"/>
                           </a:solidFill>
@@ -11106,7 +10879,7 @@
                     <a:lstStyle/>
                     <a:p>
                       <a:r>
-                        <a:rPr lang="en-US" sz="1200" dirty="0">
+                        <a:rPr lang="en-US" sz="1200" dirty="0" smtClean="0">
                           <a:solidFill>
                             <a:srgbClr val="FFC000"/>
                           </a:solidFill>
@@ -11127,7 +10900,7 @@
                     <a:lstStyle/>
                     <a:p>
                       <a:r>
-                        <a:rPr lang="en-US" sz="1200" dirty="0">
+                        <a:rPr lang="en-US" sz="1200" dirty="0" smtClean="0">
                           <a:solidFill>
                             <a:srgbClr val="7030A0"/>
                           </a:solidFill>
@@ -11179,7 +10952,7 @@
                     <a:lstStyle/>
                     <a:p>
                       <a:r>
-                        <a:rPr lang="en-US" sz="1200" dirty="0">
+                        <a:rPr lang="en-US" sz="1200" dirty="0" smtClean="0">
                           <a:solidFill>
                             <a:srgbClr val="C00000"/>
                           </a:solidFill>
@@ -11187,6 +10960,12 @@
                         </a:rPr>
                         <a:t>IR.N</a:t>
                       </a:r>
+                      <a:endParaRPr lang="en-US" sz="1200" dirty="0">
+                        <a:solidFill>
+                          <a:srgbClr val="C00000"/>
+                        </a:solidFill>
+                        <a:latin typeface="Lucida Grande"/>
+                      </a:endParaRPr>
                     </a:p>
                   </a:txBody>
                   <a:tcPr marT="34286" marB="34286"/>
@@ -11197,7 +10976,7 @@
                     <a:lstStyle/>
                     <a:p>
                       <a:r>
-                        <a:rPr lang="en-US" sz="1200" dirty="0">
+                        <a:rPr lang="en-US" sz="1200" dirty="0" smtClean="0">
                           <a:solidFill>
                             <a:srgbClr val="0070C0"/>
                           </a:solidFill>
@@ -11218,7 +10997,7 @@
                     <a:lstStyle/>
                     <a:p>
                       <a:r>
-                        <a:rPr lang="en-US" sz="1200" dirty="0">
+                        <a:rPr lang="en-US" sz="1200" dirty="0" smtClean="0">
                           <a:solidFill>
                             <a:srgbClr val="FF0000"/>
                           </a:solidFill>
@@ -11239,7 +11018,7 @@
                     <a:lstStyle/>
                     <a:p>
                       <a:r>
-                        <a:rPr lang="en-US" sz="1200" dirty="0">
+                        <a:rPr lang="en-US" sz="1200" dirty="0" smtClean="0">
                           <a:solidFill>
                             <a:srgbClr val="FFC000"/>
                           </a:solidFill>
@@ -11260,7 +11039,7 @@
                     <a:lstStyle/>
                     <a:p>
                       <a:r>
-                        <a:rPr lang="en-US" sz="1200" dirty="0">
+                        <a:rPr lang="en-US" sz="1200" dirty="0" smtClean="0">
                           <a:solidFill>
                             <a:srgbClr val="7030A0"/>
                           </a:solidFill>
@@ -11324,7 +11103,7 @@
                     <a:lstStyle/>
                     <a:p>
                       <a:r>
-                        <a:rPr lang="en-US" sz="1200" dirty="0">
+                        <a:rPr lang="en-US" sz="1200" dirty="0" smtClean="0">
                           <a:solidFill>
                             <a:srgbClr val="0070C0"/>
                           </a:solidFill>
@@ -11345,7 +11124,7 @@
                     <a:lstStyle/>
                     <a:p>
                       <a:r>
-                        <a:rPr lang="en-US" sz="1200" dirty="0">
+                        <a:rPr lang="en-US" sz="1200" dirty="0" smtClean="0">
                           <a:solidFill>
                             <a:srgbClr val="FF0000"/>
                           </a:solidFill>
@@ -11366,7 +11145,7 @@
                     <a:lstStyle/>
                     <a:p>
                       <a:r>
-                        <a:rPr lang="en-US" sz="1200" dirty="0">
+                        <a:rPr lang="en-US" sz="1200" dirty="0" smtClean="0">
                           <a:solidFill>
                             <a:srgbClr val="FFC000"/>
                           </a:solidFill>
@@ -11387,7 +11166,7 @@
                     <a:lstStyle/>
                     <a:p>
                       <a:r>
-                        <a:rPr lang="en-US" sz="1200" dirty="0">
+                        <a:rPr lang="en-US" sz="1200" dirty="0" smtClean="0">
                           <a:solidFill>
                             <a:srgbClr val="7030A0"/>
                           </a:solidFill>
@@ -11439,7 +11218,7 @@
                     <a:lstStyle/>
                     <a:p>
                       <a:r>
-                        <a:rPr lang="en-US" sz="1200" dirty="0">
+                        <a:rPr lang="en-US" sz="1200" dirty="0" smtClean="0">
                           <a:solidFill>
                             <a:srgbClr val="C00000"/>
                           </a:solidFill>
@@ -11447,6 +11226,12 @@
                         </a:rPr>
                         <a:t>KIOR.O</a:t>
                       </a:r>
+                      <a:endParaRPr lang="en-US" sz="1200" dirty="0">
+                        <a:solidFill>
+                          <a:srgbClr val="C00000"/>
+                        </a:solidFill>
+                        <a:latin typeface="Lucida Grande"/>
+                      </a:endParaRPr>
                     </a:p>
                   </a:txBody>
                   <a:tcPr marT="34286" marB="34286"/>
@@ -11457,7 +11242,7 @@
                     <a:lstStyle/>
                     <a:p>
                       <a:r>
-                        <a:rPr lang="en-US" sz="1200" dirty="0">
+                        <a:rPr lang="en-US" sz="1200" dirty="0" smtClean="0">
                           <a:solidFill>
                             <a:srgbClr val="0070C0"/>
                           </a:solidFill>
@@ -11478,7 +11263,7 @@
                     <a:lstStyle/>
                     <a:p>
                       <a:r>
-                        <a:rPr lang="en-US" sz="1200" dirty="0">
+                        <a:rPr lang="en-US" sz="1200" dirty="0" smtClean="0">
                           <a:solidFill>
                             <a:srgbClr val="FF0000"/>
                           </a:solidFill>
@@ -11511,7 +11296,7 @@
                     <a:lstStyle/>
                     <a:p>
                       <a:r>
-                        <a:rPr lang="en-US" sz="1200" dirty="0">
+                        <a:rPr lang="en-US" sz="1200" dirty="0" smtClean="0">
                           <a:solidFill>
                             <a:srgbClr val="7030A0"/>
                           </a:solidFill>
@@ -11575,7 +11360,7 @@
                     <a:lstStyle/>
                     <a:p>
                       <a:r>
-                        <a:rPr lang="en-US" sz="1200" dirty="0">
+                        <a:rPr lang="en-US" sz="1200" dirty="0" smtClean="0">
                           <a:solidFill>
                             <a:srgbClr val="0070C0"/>
                           </a:solidFill>
@@ -11596,7 +11381,7 @@
                     <a:lstStyle/>
                     <a:p>
                       <a:r>
-                        <a:rPr lang="en-US" sz="1200" dirty="0">
+                        <a:rPr lang="en-US" sz="1200" dirty="0" smtClean="0">
                           <a:solidFill>
                             <a:srgbClr val="FF0000"/>
                           </a:solidFill>
@@ -11646,7 +11431,7 @@
                         <a:defRPr/>
                       </a:pPr>
                       <a:r>
-                        <a:rPr lang="en-US" sz="1200" dirty="0">
+                        <a:rPr lang="en-US" sz="1200" dirty="0" smtClean="0">
                           <a:solidFill>
                             <a:srgbClr val="7030A0"/>
                           </a:solidFill>
@@ -11655,7 +11440,7 @@
                         <a:t>equal weight</a:t>
                       </a:r>
                       <a:r>
-                        <a:rPr lang="en-US" sz="1200" dirty="0">
+                        <a:rPr lang="en-US" sz="1200" dirty="0" smtClean="0">
                           <a:latin typeface="Lucida Grande"/>
                         </a:rPr>
                         <a:t> </a:t>
@@ -11915,6 +11700,13 @@
   <p:clrMapOvr>
     <a:masterClrMapping/>
   </p:clrMapOvr>
+  <p:timing>
+    <p:tnLst>
+      <p:par>
+        <p:cTn id="1" dur="indefinite" restart="never" nodeType="tmRoot"/>
+      </p:par>
+    </p:tnLst>
+  </p:timing>
 </p:sld>
 </file>
 
@@ -11951,7 +11743,7 @@
           <a:lstStyle/>
           <a:p>
             <a:r>
-              <a:rPr lang="en-US" altLang="en-US" dirty="0"/>
+              <a:rPr lang="en-US" altLang="en-US" dirty="0" smtClean="0"/>
               <a:t>False Positives</a:t>
             </a:r>
           </a:p>
@@ -11983,7 +11775,7 @@
               <a:defRPr/>
             </a:pPr>
             <a:r>
-              <a:rPr lang="en-US" sz="2400" dirty="0"/>
+              <a:rPr lang="en-US" sz="2400" dirty="0" smtClean="0"/>
               <a:t>Examples of false positives</a:t>
             </a:r>
           </a:p>
@@ -11992,8 +11784,12 @@
               <a:defRPr/>
             </a:pPr>
             <a:r>
+              <a:rPr lang="en-US" sz="1600" dirty="0" smtClean="0"/>
+              <a:t>BARCLAYS </a:t>
+            </a:r>
+            <a:r>
               <a:rPr lang="en-US" sz="1600" dirty="0"/>
-              <a:t>BARCLAYS CUTS FLAGSTONE REINSURANCE &lt;FSR.N&gt; </a:t>
+              <a:t>CUTS FLAGSTONE REINSURANCE &lt;FSR.N&gt; </a:t>
             </a:r>
             <a:r>
               <a:rPr lang="en-US" sz="1600" dirty="0">
@@ -12054,7 +11850,15 @@
                   <a:srgbClr val="0070C0"/>
                 </a:solidFill>
               </a:rPr>
-              <a:t>Lowers EPS View</a:t>
+              <a:t>Lowers EPS </a:t>
+            </a:r>
+            <a:r>
+              <a:rPr lang="en-US" sz="1600" dirty="0" smtClean="0">
+                <a:solidFill>
+                  <a:srgbClr val="0070C0"/>
+                </a:solidFill>
+              </a:rPr>
+              <a:t>View</a:t>
             </a:r>
           </a:p>
           <a:p>
@@ -12073,14 +11877,23 @@
               </a:rPr>
               <a:t>'A-3'</a:t>
             </a:r>
+            <a:endParaRPr lang="en-US" sz="1600" dirty="0" smtClean="0">
+              <a:solidFill>
+                <a:srgbClr val="0070C0"/>
+              </a:solidFill>
+            </a:endParaRPr>
           </a:p>
           <a:p>
             <a:pPr lvl="1">
               <a:defRPr/>
             </a:pPr>
             <a:r>
+              <a:rPr lang="en-US" sz="1600" dirty="0" smtClean="0"/>
+              <a:t>BRIEF-Moody's </a:t>
+            </a:r>
+            <a:r>
               <a:rPr lang="en-US" sz="1600" dirty="0"/>
-              <a:t>BRIEF-Moody's changes </a:t>
+              <a:t>changes </a:t>
             </a:r>
             <a:r>
               <a:rPr lang="en-US" sz="1600" dirty="0" err="1">
@@ -12119,49 +11932,12 @@
               <a:t> Finance </a:t>
             </a:r>
             <a:r>
-              <a:rPr lang="en-US" sz="1600" dirty="0">
+              <a:rPr lang="en-US" sz="1600" dirty="0" smtClean="0">
                 <a:solidFill>
                   <a:srgbClr val="0070C0"/>
                 </a:solidFill>
               </a:rPr>
               <a:t>to positive</a:t>
-            </a:r>
-          </a:p>
-          <a:p>
-            <a:pPr lvl="1">
-              <a:defRPr/>
-            </a:pPr>
-            <a:r>
-              <a:rPr lang="en-US" sz="1600" dirty="0"/>
-              <a:t>BRIEF-RESEARCH ALERT-HSBC </a:t>
-            </a:r>
-            <a:r>
-              <a:rPr lang="en-US" sz="1600" dirty="0">
-                <a:solidFill>
-                  <a:srgbClr val="0070C0"/>
-                </a:solidFill>
-              </a:rPr>
-              <a:t>cuts</a:t>
-            </a:r>
-            <a:r>
-              <a:rPr lang="en-US" sz="1600" dirty="0"/>
-              <a:t> price targets on </a:t>
-            </a:r>
-            <a:r>
-              <a:rPr lang="en-US" sz="1600" dirty="0">
-                <a:solidFill>
-                  <a:srgbClr val="0070C0"/>
-                </a:solidFill>
-              </a:rPr>
-              <a:t>European </a:t>
-            </a:r>
-            <a:r>
-              <a:rPr lang="en-US" sz="1600" dirty="0" err="1">
-                <a:solidFill>
-                  <a:srgbClr val="0070C0"/>
-                </a:solidFill>
-              </a:rPr>
-              <a:t>telcos</a:t>
             </a:r>
             <a:endParaRPr lang="en-US" sz="1600" dirty="0">
               <a:solidFill>
@@ -12174,12 +11950,8 @@
               <a:defRPr/>
             </a:pPr>
             <a:r>
-              <a:rPr lang="en-US" sz="1600" dirty="0" err="1"/>
-              <a:t>Stifel</a:t>
-            </a:r>
-            <a:r>
               <a:rPr lang="en-US" sz="1600" dirty="0"/>
-              <a:t> </a:t>
+              <a:t>BRIEF-RESEARCH ALERT-HSBC </a:t>
             </a:r>
             <a:r>
               <a:rPr lang="en-US" sz="1600" dirty="0">
@@ -12187,11 +11959,11 @@
                   <a:srgbClr val="0070C0"/>
                 </a:solidFill>
               </a:rPr>
-              <a:t>cuts </a:t>
+              <a:t>cuts</a:t>
             </a:r>
             <a:r>
               <a:rPr lang="en-US" sz="1600" dirty="0"/>
-              <a:t>Philip Morris </a:t>
+              <a:t> price targets on </a:t>
             </a:r>
             <a:r>
               <a:rPr lang="en-US" sz="1600" dirty="0">
@@ -12199,14 +11971,60 @@
                   <a:srgbClr val="0070C0"/>
                 </a:solidFill>
               </a:rPr>
-              <a:t>price target</a:t>
-            </a:r>
+              <a:t>European </a:t>
+            </a:r>
+            <a:r>
+              <a:rPr lang="en-US" sz="1600" dirty="0" err="1">
+                <a:solidFill>
+                  <a:srgbClr val="0070C0"/>
+                </a:solidFill>
+              </a:rPr>
+              <a:t>telcos</a:t>
+            </a:r>
+            <a:endParaRPr lang="en-US" sz="1600" dirty="0">
+              <a:solidFill>
+                <a:srgbClr val="0070C0"/>
+              </a:solidFill>
+            </a:endParaRPr>
           </a:p>
           <a:p>
             <a:pPr lvl="1">
               <a:defRPr/>
             </a:pPr>
             <a:r>
+              <a:rPr lang="en-US" sz="1600" dirty="0" err="1"/>
+              <a:t>Stifel</a:t>
+            </a:r>
+            <a:r>
+              <a:rPr lang="en-US" sz="1600" dirty="0"/>
+              <a:t> </a:t>
+            </a:r>
+            <a:r>
+              <a:rPr lang="en-US" sz="1600" dirty="0">
+                <a:solidFill>
+                  <a:srgbClr val="0070C0"/>
+                </a:solidFill>
+              </a:rPr>
+              <a:t>cuts </a:t>
+            </a:r>
+            <a:r>
+              <a:rPr lang="en-US" sz="1600" dirty="0"/>
+              <a:t>Philip Morris </a:t>
+            </a:r>
+            <a:r>
+              <a:rPr lang="en-US" sz="1600" dirty="0">
+                <a:solidFill>
+                  <a:srgbClr val="0070C0"/>
+                </a:solidFill>
+              </a:rPr>
+              <a:t>price target</a:t>
+            </a:r>
+          </a:p>
+          <a:p>
+            <a:pPr lvl="1">
+              <a:defRPr/>
+            </a:pPr>
+            <a:r>
               <a:rPr lang="en-US" sz="1600" dirty="0"/>
               <a:t>Media General </a:t>
             </a:r>
@@ -12228,7 +12046,15 @@
                   <a:srgbClr val="0070C0"/>
                 </a:solidFill>
               </a:rPr>
-              <a:t>Moody's downgrade</a:t>
+              <a:t>Moody's </a:t>
+            </a:r>
+            <a:r>
+              <a:rPr lang="en-US" sz="1600" dirty="0" smtClean="0">
+                <a:solidFill>
+                  <a:srgbClr val="0070C0"/>
+                </a:solidFill>
+              </a:rPr>
+              <a:t>downgrade</a:t>
             </a:r>
             <a:endParaRPr lang="en-US" sz="2400" dirty="0"/>
           </a:p>
@@ -12237,7 +12063,7 @@
               <a:defRPr/>
             </a:pPr>
             <a:r>
-              <a:rPr lang="en-US" sz="2400" dirty="0">
+              <a:rPr lang="en-US" sz="2400" dirty="0" smtClean="0">
                 <a:solidFill>
                   <a:schemeClr val="tx1"/>
                 </a:solidFill>
@@ -12249,7 +12075,7 @@
             <a:pPr>
               <a:defRPr/>
             </a:pPr>
-            <a:endParaRPr lang="en-US" sz="2000" dirty="0">
+            <a:endParaRPr lang="en-US" sz="2000" dirty="0" smtClean="0">
               <a:solidFill>
                 <a:srgbClr val="0070C0"/>
               </a:solidFill>
@@ -12267,6 +12093,14 @@
   <p:clrMapOvr>
     <a:masterClrMapping/>
   </p:clrMapOvr>
+  <mc:AlternateContent xmlns:mc="http://schemas.openxmlformats.org/markup-compatibility/2006" xmlns:p14="http://schemas.microsoft.com/office/powerpoint/2010/main">
+    <mc:Choice Requires="p14">
+      <p:transition spd="slow" p14:dur="2000"/>
+    </mc:Choice>
+    <mc:Fallback xmlns="">
+      <p:transition spd="slow"/>
+    </mc:Fallback>
+  </mc:AlternateContent>
   <p:timing>
     <p:tnLst>
       <p:par>
@@ -12777,7 +12611,7 @@
           <a:lstStyle/>
           <a:p>
             <a:r>
-              <a:rPr lang="en-US" altLang="en-US" dirty="0"/>
+              <a:rPr lang="en-US" altLang="en-US" dirty="0" smtClean="0"/>
               <a:t>Answers to the Quiz</a:t>
             </a:r>
           </a:p>
@@ -12830,9 +12664,10 @@
               <a:defRPr/>
             </a:pPr>
             <a:r>
-              <a:rPr lang="en-US" sz="1100" dirty="0"/>
+              <a:rPr lang="en-US" sz="1100" dirty="0" smtClean="0"/>
               <a:t>Didn’t cut the ratings but the price target</a:t>
             </a:r>
+            <a:endParaRPr lang="en-US" sz="1100" dirty="0"/>
           </a:p>
           <a:p>
             <a:pPr>
@@ -12880,7 +12715,15 @@
                   <a:srgbClr val="0070C0"/>
                 </a:solidFill>
               </a:rPr>
-              <a:t>Lowers EPS View</a:t>
+              <a:t>Lowers EPS </a:t>
+            </a:r>
+            <a:r>
+              <a:rPr lang="en-US" sz="1600" dirty="0" smtClean="0">
+                <a:solidFill>
+                  <a:srgbClr val="0070C0"/>
+                </a:solidFill>
+              </a:rPr>
+              <a:t>View</a:t>
             </a:r>
           </a:p>
           <a:p>
@@ -12888,7 +12731,7 @@
               <a:defRPr/>
             </a:pPr>
             <a:r>
-              <a:rPr lang="en-US" sz="1100" dirty="0"/>
+              <a:rPr lang="en-US" sz="1100" dirty="0" smtClean="0"/>
               <a:t>Lowers eps view</a:t>
             </a:r>
           </a:p>
@@ -12901,7 +12744,7 @@
               <a:t>S&amp;P rates Ameren Illinois commercial paper </a:t>
             </a:r>
             <a:r>
-              <a:rPr lang="en-US" sz="1600" dirty="0">
+              <a:rPr lang="en-US" sz="1600" dirty="0" smtClean="0">
                 <a:solidFill>
                   <a:srgbClr val="0070C0"/>
                 </a:solidFill>
@@ -12914,7 +12757,7 @@
               <a:defRPr/>
             </a:pPr>
             <a:r>
-              <a:rPr lang="en-US" sz="1100" dirty="0"/>
+              <a:rPr lang="en-US" sz="1100" dirty="0" smtClean="0"/>
               <a:t>Debt rating</a:t>
             </a:r>
           </a:p>
@@ -12923,8 +12766,12 @@
               <a:defRPr/>
             </a:pPr>
             <a:r>
+              <a:rPr lang="en-US" sz="1600" dirty="0" smtClean="0"/>
+              <a:t>BRIEF-Moody's </a:t>
+            </a:r>
+            <a:r>
               <a:rPr lang="en-US" sz="1600" dirty="0"/>
-              <a:t>BRIEF-Moody's changes </a:t>
+              <a:t>changes </a:t>
             </a:r>
             <a:r>
               <a:rPr lang="en-US" sz="1600" dirty="0" err="1">
@@ -12963,7 +12810,7 @@
               <a:t> Finance </a:t>
             </a:r>
             <a:r>
-              <a:rPr lang="en-US" sz="1600" dirty="0">
+              <a:rPr lang="en-US" sz="1600" dirty="0" smtClean="0">
                 <a:solidFill>
                   <a:srgbClr val="0070C0"/>
                 </a:solidFill>
@@ -12976,9 +12823,10 @@
               <a:defRPr/>
             </a:pPr>
             <a:r>
-              <a:rPr lang="en-US" sz="1100" dirty="0"/>
+              <a:rPr lang="en-US" sz="1100" dirty="0" smtClean="0"/>
               <a:t>Changes outlook</a:t>
             </a:r>
+            <a:endParaRPr lang="en-US" sz="1100" dirty="0"/>
           </a:p>
           <a:p>
             <a:pPr>
@@ -13009,14 +12857,14 @@
               <a:t>European </a:t>
             </a:r>
             <a:r>
-              <a:rPr lang="en-US" sz="1600" dirty="0" err="1">
+              <a:rPr lang="en-US" sz="1600" dirty="0" err="1" smtClean="0">
                 <a:solidFill>
                   <a:srgbClr val="0070C0"/>
                 </a:solidFill>
               </a:rPr>
               <a:t>telcos</a:t>
             </a:r>
-            <a:endParaRPr lang="en-US" sz="1600" dirty="0">
+            <a:endParaRPr lang="en-US" sz="1600" dirty="0" smtClean="0">
               <a:solidFill>
                 <a:srgbClr val="0070C0"/>
               </a:solidFill>
@@ -13027,9 +12875,10 @@
               <a:defRPr/>
             </a:pPr>
             <a:r>
-              <a:rPr lang="en-US" sz="1100" dirty="0"/>
+              <a:rPr lang="en-US" sz="1100" dirty="0" smtClean="0"/>
               <a:t>Not a company but a group of companies</a:t>
             </a:r>
+            <a:endParaRPr lang="en-US" sz="1100" dirty="0"/>
           </a:p>
           <a:p>
             <a:pPr>
@@ -13061,7 +12910,15 @@
                   <a:srgbClr val="0070C0"/>
                 </a:solidFill>
               </a:rPr>
-              <a:t>price target</a:t>
+              <a:t>price </a:t>
+            </a:r>
+            <a:r>
+              <a:rPr lang="en-US" sz="1600" dirty="0" smtClean="0">
+                <a:solidFill>
+                  <a:srgbClr val="0070C0"/>
+                </a:solidFill>
+              </a:rPr>
+              <a:t>target</a:t>
             </a:r>
           </a:p>
           <a:p>
@@ -13069,9 +12926,10 @@
               <a:defRPr/>
             </a:pPr>
             <a:r>
-              <a:rPr lang="en-US" sz="1100" dirty="0"/>
+              <a:rPr lang="en-US" sz="1100" dirty="0" smtClean="0"/>
               <a:t>Price target, not rating</a:t>
             </a:r>
+            <a:endParaRPr lang="en-US" sz="1100" dirty="0"/>
           </a:p>
           <a:p>
             <a:pPr>
@@ -13099,7 +12957,15 @@
                   <a:srgbClr val="0070C0"/>
                 </a:solidFill>
               </a:rPr>
-              <a:t>Moody's downgrade</a:t>
+              <a:t>Moody's </a:t>
+            </a:r>
+            <a:r>
+              <a:rPr lang="en-US" sz="1600" dirty="0" smtClean="0">
+                <a:solidFill>
+                  <a:srgbClr val="0070C0"/>
+                </a:solidFill>
+              </a:rPr>
+              <a:t>downgrade</a:t>
             </a:r>
           </a:p>
           <a:p>
@@ -13107,7 +12973,7 @@
               <a:defRPr/>
             </a:pPr>
             <a:r>
-              <a:rPr lang="en-US" sz="1600" dirty="0"/>
+              <a:rPr lang="en-US" sz="1600" dirty="0" smtClean="0"/>
               <a:t>Event in the past</a:t>
             </a:r>
           </a:p>
@@ -13117,7 +12983,7 @@
               <a:buNone/>
               <a:defRPr/>
             </a:pPr>
-            <a:endParaRPr lang="en-US" sz="1600" dirty="0"/>
+            <a:endParaRPr lang="en-US" sz="1600" dirty="0" smtClean="0"/>
           </a:p>
         </p:txBody>
       </p:sp>
@@ -13131,6 +12997,14 @@
   <p:clrMapOvr>
     <a:masterClrMapping/>
   </p:clrMapOvr>
+  <mc:AlternateContent xmlns:mc="http://schemas.openxmlformats.org/markup-compatibility/2006" xmlns:p14="http://schemas.microsoft.com/office/powerpoint/2010/main">
+    <mc:Choice Requires="p14">
+      <p:transition spd="slow" p14:dur="2000"/>
+    </mc:Choice>
+    <mc:Fallback xmlns="">
+      <p:transition spd="slow"/>
+    </mc:Fallback>
+  </mc:AlternateContent>
   <p:timing>
     <p:tnLst>
       <p:par>
@@ -13760,9 +13634,10 @@
           <a:lstStyle/>
           <a:p>
             <a:r>
-              <a:rPr lang="en-US" dirty="0"/>
+              <a:rPr lang="en-US" dirty="0" smtClean="0"/>
               <a:t>Introduction to NLP</a:t>
             </a:r>
+            <a:endParaRPr lang="en-US" dirty="0"/>
           </a:p>
         </p:txBody>
       </p:sp>
@@ -13782,9 +13657,10 @@
           <a:lstStyle/>
           <a:p>
             <a:r>
-              <a:rPr lang="en-US" dirty="0"/>
+              <a:rPr lang="en-US" dirty="0" smtClean="0"/>
               <a:t>NLP Tasks</a:t>
             </a:r>
+            <a:endParaRPr lang="en-US" dirty="0"/>
           </a:p>
         </p:txBody>
       </p:sp>
@@ -13798,6 +13674,13 @@
   <p:clrMapOvr>
     <a:masterClrMapping/>
   </p:clrMapOvr>
+  <p:timing>
+    <p:tnLst>
+      <p:par>
+        <p:cTn id="1" dur="indefinite" restart="never" nodeType="tmRoot"/>
+      </p:par>
+    </p:tnLst>
+  </p:timing>
 </p:sld>
 </file>
 
@@ -13834,7 +13717,7 @@
           <a:lstStyle/>
           <a:p>
             <a:r>
-              <a:rPr lang="en-US" altLang="en-US" dirty="0"/>
+              <a:rPr lang="en-US" altLang="en-US" dirty="0" smtClean="0"/>
               <a:t>Semantics</a:t>
             </a:r>
           </a:p>
@@ -13858,19 +13741,19 @@
           <a:lstStyle/>
           <a:p>
             <a:r>
-              <a:rPr lang="en-US" altLang="en-US" sz="2800" dirty="0"/>
+              <a:rPr lang="en-US" altLang="en-US" sz="2800" dirty="0" smtClean="0"/>
               <a:t>First order logic</a:t>
             </a:r>
           </a:p>
           <a:p>
             <a:r>
-              <a:rPr lang="en-US" altLang="en-US" sz="2800" dirty="0"/>
+              <a:rPr lang="en-US" altLang="en-US" sz="2800" dirty="0" smtClean="0"/>
               <a:t>Inference/deduction</a:t>
             </a:r>
           </a:p>
           <a:p>
             <a:r>
-              <a:rPr lang="en-US" altLang="en-US" sz="2800" dirty="0"/>
+              <a:rPr lang="en-US" altLang="en-US" sz="2800" dirty="0" smtClean="0"/>
               <a:t>Semantic analysis</a:t>
             </a:r>
           </a:p>
@@ -13886,7 +13769,7 @@
         </p:nvSpPr>
         <p:spPr bwMode="auto">
           <a:xfrm>
-            <a:off x="1852654" y="3679969"/>
+            <a:off x="1852654" y="3570554"/>
             <a:ext cx="5701086" cy="584775"/>
           </a:xfrm>
           <a:prstGeom prst="rect">
@@ -14058,25 +13941,25 @@
               <a:t></a:t>
             </a:r>
             <a:r>
-              <a:rPr lang="en-US" altLang="en-US" dirty="0" err="1">
+              <a:rPr lang="en-US" altLang="en-US" dirty="0" err="1" smtClean="0">
                 <a:latin typeface="Calibri" pitchFamily="34" charset="0"/>
               </a:rPr>
               <a:t>x,y</a:t>
             </a:r>
             <a:r>
-              <a:rPr lang="en-US" altLang="en-US" dirty="0">
+              <a:rPr lang="en-US" altLang="en-US" dirty="0" smtClean="0">
                 <a:latin typeface="Calibri" pitchFamily="34" charset="0"/>
               </a:rPr>
               <a:t>: </a:t>
             </a:r>
             <a:r>
-              <a:rPr lang="en-US" altLang="en-US" i="1" dirty="0">
+              <a:rPr lang="en-US" altLang="en-US" i="1" dirty="0" smtClean="0">
                 <a:latin typeface="Calibri" pitchFamily="34" charset="0"/>
               </a:rPr>
               <a:t>Mother (</a:t>
             </a:r>
             <a:r>
-              <a:rPr lang="en-US" altLang="en-US" i="1" dirty="0" err="1">
+              <a:rPr lang="en-US" altLang="en-US" i="1" dirty="0" err="1" smtClean="0">
                 <a:latin typeface="Calibri" pitchFamily="34" charset="0"/>
               </a:rPr>
               <a:t>x,y</a:t>
@@ -14101,13 +13984,13 @@
               <a:t> </a:t>
             </a:r>
             <a:r>
-              <a:rPr lang="en-US" altLang="en-US" i="1" dirty="0">
+              <a:rPr lang="en-US" altLang="en-US" i="1" dirty="0" smtClean="0">
                 <a:latin typeface="Calibri" pitchFamily="34" charset="0"/>
               </a:rPr>
               <a:t>Parent (</a:t>
             </a:r>
             <a:r>
-              <a:rPr lang="en-US" altLang="en-US" i="1" dirty="0" err="1">
+              <a:rPr lang="en-US" altLang="en-US" i="1" dirty="0" err="1" smtClean="0">
                 <a:latin typeface="Calibri" pitchFamily="34" charset="0"/>
               </a:rPr>
               <a:t>x,y</a:t>
@@ -14396,9 +14279,10 @@
           <a:lstStyle/>
           <a:p>
             <a:r>
-              <a:rPr lang="en-US" dirty="0"/>
+              <a:rPr lang="en-US" dirty="0" smtClean="0"/>
               <a:t>NACLO Problem</a:t>
             </a:r>
+            <a:endParaRPr lang="en-US" dirty="0"/>
           </a:p>
         </p:txBody>
       </p:sp>
@@ -14418,7 +14302,7 @@
           <a:lstStyle/>
           <a:p>
             <a:r>
-              <a:rPr lang="en-US" dirty="0"/>
+              <a:rPr lang="en-US" dirty="0" smtClean="0"/>
               <a:t>“Bertrand and Russell”, 2014 problem by Ben King</a:t>
             </a:r>
           </a:p>
@@ -14428,16 +14312,23 @@
               <a:rPr lang="en-US" dirty="0">
                 <a:hlinkClick r:id="rId2"/>
               </a:rPr>
-              <a:t>http://www.nacloweb.org/resources//problems/2014/N2014-H.pdf</a:t>
+              <a:t>http://</a:t>
+            </a:r>
+            <a:r>
+              <a:rPr lang="en-US" dirty="0" smtClean="0">
+                <a:hlinkClick r:id="rId2"/>
+              </a:rPr>
+              <a:t>www.nacloweb.org/resources//problems/2014/N2014-H.pdf</a:t>
+            </a:r>
+            <a:endParaRPr lang="en-US" dirty="0" smtClean="0"/>
+          </a:p>
+          <a:p>
+            <a:pPr lvl="1"/>
+            <a:r>
+              <a:rPr lang="en-US" dirty="0" smtClean="0"/>
+              <a:t>to be covered in a later lecture  </a:t>
             </a:r>
             <a:endParaRPr lang="en-US" dirty="0"/>
-          </a:p>
-          <a:p>
-            <a:pPr lvl="1"/>
-            <a:r>
-              <a:rPr lang="en-US" dirty="0"/>
-              <a:t>to be covered in a later lecture  </a:t>
-            </a:r>
           </a:p>
         </p:txBody>
       </p:sp>
@@ -14451,6 +14342,21 @@
   <p:clrMapOvr>
     <a:masterClrMapping/>
   </p:clrMapOvr>
+  <mc:AlternateContent xmlns:mc="http://schemas.openxmlformats.org/markup-compatibility/2006" xmlns:p14="http://schemas.microsoft.com/office/powerpoint/2010/main">
+    <mc:Choice Requires="p14">
+      <p:transition spd="slow" p14:dur="2000"/>
+    </mc:Choice>
+    <mc:Fallback xmlns="">
+      <p:transition spd="slow"/>
+    </mc:Fallback>
+  </mc:AlternateContent>
+  <p:timing>
+    <p:tnLst>
+      <p:par>
+        <p:cTn id="1" dur="indefinite" restart="never" nodeType="tmRoot"/>
+      </p:par>
+    </p:tnLst>
+  </p:timing>
 </p:sld>
 </file>
 
@@ -14487,9 +14393,10 @@
           <a:lstStyle/>
           <a:p>
             <a:r>
-              <a:rPr lang="en-US" dirty="0"/>
+              <a:rPr lang="en-US" dirty="0" smtClean="0"/>
               <a:t>NACLO Solution</a:t>
             </a:r>
+            <a:endParaRPr lang="en-US" dirty="0"/>
           </a:p>
         </p:txBody>
       </p:sp>
@@ -14514,22 +14421,23 @@
           <a:lstStyle/>
           <a:p>
             <a:r>
-              <a:rPr lang="en-US" dirty="0"/>
+              <a:rPr lang="en-US" dirty="0" smtClean="0"/>
               <a:t>Bertrand and Russell</a:t>
             </a:r>
           </a:p>
           <a:p>
             <a:pPr lvl="1"/>
             <a:r>
-              <a:rPr lang="en-US" dirty="0">
+              <a:rPr lang="en-US" dirty="0" smtClean="0">
                 <a:hlinkClick r:id="rId2"/>
               </a:rPr>
               <a:t>http://www.nacloweb.org/resources/problems/2014/N2014-HS.pdf</a:t>
             </a:r>
             <a:r>
-              <a:rPr lang="en-US" dirty="0"/>
+              <a:rPr lang="en-US" dirty="0" smtClean="0"/>
               <a:t>  </a:t>
             </a:r>
+            <a:endParaRPr lang="en-US" dirty="0"/>
           </a:p>
         </p:txBody>
       </p:sp>
@@ -14543,6 +14451,21 @@
   <p:clrMapOvr>
     <a:masterClrMapping/>
   </p:clrMapOvr>
+  <mc:AlternateContent xmlns:mc="http://schemas.openxmlformats.org/markup-compatibility/2006" xmlns:p14="http://schemas.microsoft.com/office/powerpoint/2010/main">
+    <mc:Choice Requires="p14">
+      <p:transition spd="slow" p14:dur="2000"/>
+    </mc:Choice>
+    <mc:Fallback xmlns="">
+      <p:transition spd="slow"/>
+    </mc:Fallback>
+  </mc:AlternateContent>
+  <p:timing>
+    <p:tnLst>
+      <p:par>
+        <p:cTn id="1" dur="indefinite" restart="never" nodeType="tmRoot"/>
+      </p:par>
+    </p:tnLst>
+  </p:timing>
 </p:sld>
 </file>
 
@@ -14579,7 +14502,7 @@
           <a:lstStyle/>
           <a:p>
             <a:r>
-              <a:rPr lang="en-US" altLang="en-US"/>
+              <a:rPr lang="en-US" altLang="en-US" smtClean="0"/>
               <a:t>Reading Comprehension</a:t>
             </a:r>
           </a:p>
@@ -14883,6 +14806,13 @@
   <p:clrMapOvr>
     <a:masterClrMapping/>
   </p:clrMapOvr>
+  <p:timing>
+    <p:tnLst>
+      <p:par>
+        <p:cTn id="1" dur="indefinite" restart="never" nodeType="tmRoot"/>
+      </p:par>
+    </p:tnLst>
+  </p:timing>
 </p:sld>
 </file>
 
@@ -14919,7 +14849,7 @@
           <a:lstStyle/>
           <a:p>
             <a:r>
-              <a:rPr lang="en-US" altLang="en-US" dirty="0"/>
+              <a:rPr lang="en-US" altLang="en-US" dirty="0" smtClean="0"/>
               <a:t>Text Understanding</a:t>
             </a:r>
           </a:p>
@@ -14943,7 +14873,7 @@
         </p:spPr>
         <p:txBody>
           <a:bodyPr>
-            <a:normAutofit fontScale="62500" lnSpcReduction="20000"/>
+            <a:normAutofit fontScale="70000" lnSpcReduction="20000"/>
           </a:bodyPr>
           <a:lstStyle/>
           <a:p>
@@ -14952,35 +14882,43 @@
               <a:defRPr/>
             </a:pPr>
             <a:r>
-              <a:rPr lang="en-US" dirty="0"/>
+              <a:rPr lang="en-US" dirty="0" smtClean="0"/>
               <a:t>There are four bungalows in our cul-de-sac. They are made from these materials: straw, wood, brick and glass.</a:t>
             </a:r>
             <a:br>
-              <a:rPr lang="en-US" dirty="0"/>
+              <a:rPr lang="en-US" dirty="0" smtClean="0"/>
             </a:br>
+            <a:r>
+              <a:rPr lang="en-US" dirty="0" smtClean="0"/>
+              <a:t/>
+            </a:r>
             <a:br>
-              <a:rPr lang="en-US" dirty="0"/>
+              <a:rPr lang="en-US" dirty="0" smtClean="0"/>
             </a:br>
             <a:r>
-              <a:rPr lang="en-US" dirty="0"/>
+              <a:rPr lang="en-US" dirty="0" smtClean="0"/>
               <a:t>Mrs. Scott's bungalow is somewhere to the left of the wooden one and the third one along is brick. Mrs. Umbrella owns a straw bungalow and Mr. Tinsley does not live at either end, but lives somewhere to the right of the glass bungalow. Mr. </a:t>
             </a:r>
             <a:r>
-              <a:rPr lang="en-US" dirty="0" err="1"/>
+              <a:rPr lang="en-US" dirty="0" err="1" smtClean="0"/>
               <a:t>Wilshaw</a:t>
             </a:r>
             <a:r>
-              <a:rPr lang="en-US" dirty="0"/>
+              <a:rPr lang="en-US" dirty="0" smtClean="0"/>
               <a:t> lives in the fourth bungalow, whilst the first bungalow is not made from straw.</a:t>
             </a:r>
             <a:br>
-              <a:rPr lang="en-US" dirty="0"/>
+              <a:rPr lang="en-US" dirty="0" smtClean="0"/>
             </a:br>
+            <a:r>
+              <a:rPr lang="en-US" dirty="0" smtClean="0"/>
+              <a:t/>
+            </a:r>
             <a:br>
-              <a:rPr lang="en-US" dirty="0"/>
+              <a:rPr lang="en-US" dirty="0" smtClean="0"/>
             </a:br>
             <a:r>
-              <a:rPr lang="en-US" dirty="0"/>
+              <a:rPr lang="en-US" dirty="0" smtClean="0"/>
               <a:t>Who lives where, and what is their bungalow made from?</a:t>
             </a:r>
           </a:p>
@@ -14995,15 +14933,16 @@
               <a:defRPr/>
             </a:pPr>
             <a:r>
-              <a:rPr lang="en-US" sz="3100" dirty="0">
+              <a:rPr lang="en-US" sz="3100" dirty="0" smtClean="0">
                 <a:hlinkClick r:id="rId2"/>
               </a:rPr>
               <a:t>http://www.brainbashers.com/showpuzzles.asp?puzzle=ZSOP</a:t>
             </a:r>
             <a:r>
-              <a:rPr lang="en-US" sz="3100" dirty="0"/>
+              <a:rPr lang="en-US" sz="3100" dirty="0" smtClean="0"/>
               <a:t> </a:t>
             </a:r>
+            <a:endParaRPr lang="en-US" sz="3100" dirty="0"/>
           </a:p>
         </p:txBody>
       </p:sp>
@@ -15052,7 +14991,7 @@
           <a:lstStyle/>
           <a:p>
             <a:pPr algn="ctr"/>
-            <a:endParaRPr lang="en-US" dirty="0">
+            <a:endParaRPr lang="en-US" dirty="0" smtClean="0">
               <a:solidFill>
                 <a:schemeClr val="tx1"/>
               </a:solidFill>
@@ -15070,6 +15009,13 @@
   <p:clrMapOvr>
     <a:masterClrMapping/>
   </p:clrMapOvr>
+  <p:timing>
+    <p:tnLst>
+      <p:par>
+        <p:cTn id="1" dur="indefinite" restart="never" nodeType="tmRoot"/>
+      </p:par>
+    </p:tnLst>
+  </p:timing>
 </p:sld>
 </file>
 
@@ -15106,7 +15052,7 @@
           <a:lstStyle/>
           <a:p>
             <a:r>
-              <a:rPr lang="en-US" altLang="en-US" dirty="0"/>
+              <a:rPr lang="en-US" altLang="en-US" dirty="0" smtClean="0"/>
               <a:t>Word Sense Disambiguation</a:t>
             </a:r>
           </a:p>
@@ -15130,29 +15076,29 @@
           <a:lstStyle/>
           <a:p>
             <a:r>
-              <a:rPr lang="en-US" sz="2800" dirty="0"/>
+              <a:rPr lang="en-US" sz="2800" dirty="0" smtClean="0"/>
               <a:t>“The thieves took off with 100 gold </a:t>
             </a:r>
             <a:r>
-              <a:rPr lang="en-US" sz="2800" b="1" dirty="0"/>
+              <a:rPr lang="en-US" sz="2800" b="1" dirty="0" smtClean="0"/>
               <a:t>bars</a:t>
             </a:r>
             <a:r>
-              <a:rPr lang="en-US" sz="2800" dirty="0"/>
+              <a:rPr lang="en-US" sz="2800" dirty="0" smtClean="0"/>
               <a:t>”.</a:t>
             </a:r>
           </a:p>
           <a:p>
             <a:pPr lvl="1"/>
             <a:r>
-              <a:rPr lang="en-US" sz="2400" dirty="0"/>
+              <a:rPr lang="en-US" sz="2400" dirty="0" smtClean="0"/>
               <a:t>Did they steal 100 drinking establishments?</a:t>
             </a:r>
           </a:p>
           <a:p>
             <a:pPr lvl="1"/>
             <a:r>
-              <a:rPr lang="en-US" sz="2400" dirty="0"/>
+              <a:rPr lang="en-US" sz="2400" dirty="0" smtClean="0"/>
               <a:t>Or 100 measures of a song?</a:t>
             </a:r>
           </a:p>
@@ -15354,7 +15300,7 @@
           <a:lstStyle/>
           <a:p>
             <a:r>
-              <a:rPr lang="en-US" altLang="en-US"/>
+              <a:rPr lang="en-US" altLang="en-US" smtClean="0"/>
               <a:t>Word Sense Disambiguation</a:t>
             </a:r>
           </a:p>
@@ -15387,7 +15333,7 @@
               <a:defRPr/>
             </a:pPr>
             <a:r>
-              <a:rPr lang="en-US" sz="900" b="1" dirty="0"/>
+              <a:rPr lang="en-US" sz="900" b="1" dirty="0" smtClean="0"/>
               <a:t>Bar=Noun</a:t>
             </a:r>
           </a:p>
@@ -15397,15 +15343,15 @@
               <a:defRPr/>
             </a:pPr>
             <a:r>
-              <a:rPr lang="en-US" sz="900" dirty="0"/>
+              <a:rPr lang="en-US" sz="900" dirty="0" smtClean="0"/>
               <a:t>    S: (n) barroom, bar, saloon, </a:t>
             </a:r>
             <a:r>
-              <a:rPr lang="en-US" sz="900" dirty="0" err="1"/>
+              <a:rPr lang="en-US" sz="900" dirty="0" err="1" smtClean="0"/>
               <a:t>ginmill</a:t>
             </a:r>
             <a:r>
-              <a:rPr lang="en-US" sz="900" dirty="0"/>
+              <a:rPr lang="en-US" sz="900" dirty="0" smtClean="0"/>
               <a:t>, taproom (a room or establishment where alcoholic drinks are served over a counter) "he drowned his sorrows in whiskey at the bar"</a:t>
             </a:r>
           </a:p>
@@ -15415,7 +15361,7 @@
               <a:defRPr/>
             </a:pPr>
             <a:r>
-              <a:rPr lang="en-US" sz="900" dirty="0"/>
+              <a:rPr lang="en-US" sz="900" dirty="0" smtClean="0"/>
               <a:t>    S: (n) bar (a counter where you can obtain food or drink) "he bought a hot dog and a coke at the bar"</a:t>
             </a:r>
           </a:p>
@@ -15425,7 +15371,7 @@
               <a:defRPr/>
             </a:pPr>
             <a:r>
-              <a:rPr lang="en-US" sz="900" dirty="0"/>
+              <a:rPr lang="en-US" sz="900" dirty="0" smtClean="0"/>
               <a:t>    S: (n) bar (a rigid piece of metal or wood; usually used as a fastening or obstruction or weapon) "there were bars in the windows to prevent escape"</a:t>
             </a:r>
           </a:p>
@@ -15435,7 +15381,7 @@
               <a:defRPr/>
             </a:pPr>
             <a:r>
-              <a:rPr lang="en-US" sz="900" dirty="0"/>
+              <a:rPr lang="en-US" sz="900" dirty="0" smtClean="0"/>
               <a:t>    S: (n) measure, bar (musical notation for a repeating pattern of musical beats) "the orchestra omitted the last twelve bars of the song"</a:t>
             </a:r>
           </a:p>
@@ -15445,7 +15391,7 @@
               <a:defRPr/>
             </a:pPr>
             <a:r>
-              <a:rPr lang="en-US" sz="900" dirty="0"/>
+              <a:rPr lang="en-US" sz="900" dirty="0" smtClean="0"/>
               <a:t>    S: (n) bar (an obstruction (usually metal) placed at the top of a goal) "it was an excellent kick but the ball hit the bar"</a:t>
             </a:r>
           </a:p>
@@ -15455,7 +15401,7 @@
               <a:defRPr/>
             </a:pPr>
             <a:r>
-              <a:rPr lang="en-US" sz="900" dirty="0"/>
+              <a:rPr lang="en-US" sz="900" dirty="0" smtClean="0"/>
               <a:t>    S: (n) prevention, bar (the act of preventing) "there was no bar against leaving"; "money was allocated to study the cause and prevention of influenza"</a:t>
             </a:r>
           </a:p>
@@ -15465,7 +15411,7 @@
               <a:defRPr/>
             </a:pPr>
             <a:r>
-              <a:rPr lang="en-US" sz="900" dirty="0"/>
+              <a:rPr lang="en-US" sz="900" dirty="0" smtClean="0"/>
               <a:t>    S: (n) bar ((meteorology) a unit of pressure equal to a million dynes per square centimeter) "unfortunately some writers have used bar for one dyne per square centimeter"</a:t>
             </a:r>
           </a:p>
@@ -15475,7 +15421,7 @@
               <a:defRPr/>
             </a:pPr>
             <a:r>
-              <a:rPr lang="en-US" sz="900" dirty="0"/>
+              <a:rPr lang="en-US" sz="900" dirty="0" smtClean="0"/>
               <a:t>    S: (n) bar (a submerged (or partly submerged) ridge in a river or along a shore) "the boat ran aground on a submerged bar in the river"</a:t>
             </a:r>
           </a:p>
@@ -15485,7 +15431,7 @@
               <a:defRPr/>
             </a:pPr>
             <a:r>
-              <a:rPr lang="en-US" sz="900" dirty="0"/>
+              <a:rPr lang="en-US" sz="900" dirty="0" smtClean="0"/>
               <a:t>    S: (n) legal profession, bar, legal community (the body of individuals qualified to practice law in a particular jurisdiction) "he was admitted to the bar in New Jersey"</a:t>
             </a:r>
           </a:p>
@@ -15495,7 +15441,7 @@
               <a:defRPr/>
             </a:pPr>
             <a:r>
-              <a:rPr lang="en-US" sz="900" dirty="0"/>
+              <a:rPr lang="en-US" sz="900" dirty="0" smtClean="0"/>
               <a:t>    S: (n) stripe, streak, bar (a narrow marking of a different color or texture from the background) "a green toad with small black stripes or bars"; "may the Stars and Stripes forever wave"</a:t>
             </a:r>
           </a:p>
@@ -15505,7 +15451,7 @@
               <a:defRPr/>
             </a:pPr>
             <a:r>
-              <a:rPr lang="en-US" sz="900" dirty="0"/>
+              <a:rPr lang="en-US" sz="900" dirty="0" smtClean="0"/>
               <a:t>    S: (n) cake, bar (a block of solid substance (such as soap or wax)) "a bar of chocolate"</a:t>
             </a:r>
           </a:p>
@@ -15515,7 +15461,7 @@
               <a:defRPr/>
             </a:pPr>
             <a:r>
-              <a:rPr lang="en-US" sz="900" dirty="0"/>
+              <a:rPr lang="en-US" sz="900" dirty="0" smtClean="0"/>
               <a:t>    S: (n) Browning automatic rifle, BAR (a portable .30 caliber automatic rifle operated by gas pressure and fed by cartridges from a magazine; used by United States troops in World War I and in World War II and in the Korean War)</a:t>
             </a:r>
           </a:p>
@@ -15525,7 +15471,7 @@
               <a:defRPr/>
             </a:pPr>
             <a:r>
-              <a:rPr lang="en-US" sz="900" dirty="0"/>
+              <a:rPr lang="en-US" sz="900" dirty="0" smtClean="0"/>
               <a:t>    S: (n) bar (a horizontal rod that serves as a support for gymnasts as they perform exercises)</a:t>
             </a:r>
           </a:p>
@@ -15535,7 +15481,7 @@
               <a:defRPr/>
             </a:pPr>
             <a:r>
-              <a:rPr lang="en-US" sz="900" dirty="0"/>
+              <a:rPr lang="en-US" sz="900" dirty="0" smtClean="0"/>
               <a:t>    S: (n) bar (a heating element in an electric fire) "an electric fire with three bars"</a:t>
             </a:r>
           </a:p>
@@ -15545,7 +15491,7 @@
               <a:defRPr/>
             </a:pPr>
             <a:r>
-              <a:rPr lang="en-US" sz="900" dirty="0"/>
+              <a:rPr lang="en-US" sz="900" dirty="0" smtClean="0"/>
               <a:t>    S: (n) bar ((law) a railing that encloses the part of the courtroom where the judges and lawyers sit and the case is tried) "spectators were not allowed past the bar"</a:t>
             </a:r>
           </a:p>
@@ -15553,7 +15499,7 @@
             <a:pPr>
               <a:defRPr/>
             </a:pPr>
-            <a:endParaRPr lang="en-US" sz="900" dirty="0"/>
+            <a:endParaRPr lang="en-US" sz="900" dirty="0" smtClean="0"/>
           </a:p>
           <a:p>
             <a:pPr marL="0" indent="0">
@@ -15561,7 +15507,7 @@
               <a:defRPr/>
             </a:pPr>
             <a:r>
-              <a:rPr lang="en-US" sz="900" b="1" dirty="0"/>
+              <a:rPr lang="en-US" sz="900" b="1" dirty="0" smtClean="0"/>
               <a:t>Bar=Verb</a:t>
             </a:r>
           </a:p>
@@ -15571,7 +15517,7 @@
               <a:defRPr/>
             </a:pPr>
             <a:r>
-              <a:rPr lang="en-US" sz="900" dirty="0"/>
+              <a:rPr lang="en-US" sz="900" dirty="0" smtClean="0"/>
               <a:t>    S: (v) bar, debar, exclude (prevent from entering; keep out) "He was barred from membership in the club"</a:t>
             </a:r>
           </a:p>
@@ -15581,7 +15527,7 @@
               <a:defRPr/>
             </a:pPr>
             <a:r>
-              <a:rPr lang="en-US" sz="900" dirty="0"/>
+              <a:rPr lang="en-US" sz="900" dirty="0" smtClean="0"/>
               <a:t>    S: (v) barricade, block, blockade, stop, block off, block up, bar (render unsuitable for passage) "block the way"; "barricade the streets"; "stop the busy road"</a:t>
             </a:r>
           </a:p>
@@ -15591,7 +15537,7 @@
               <a:defRPr/>
             </a:pPr>
             <a:r>
-              <a:rPr lang="en-US" sz="900" dirty="0"/>
+              <a:rPr lang="en-US" sz="900" dirty="0" smtClean="0"/>
               <a:t>    S: (v) banish, relegate, bar (expel, as if by official decree) "he was banished from his own country"</a:t>
             </a:r>
           </a:p>
@@ -15601,7 +15547,7 @@
               <a:defRPr/>
             </a:pPr>
             <a:r>
-              <a:rPr lang="en-US" sz="900" dirty="0"/>
+              <a:rPr lang="en-US" sz="900" dirty="0" smtClean="0"/>
               <a:t>    S: (v) bar (secure with, or as if with, bars) "He barred the door"</a:t>
             </a:r>
           </a:p>
@@ -15623,6 +15569,13 @@
   <p:clrMapOvr>
     <a:masterClrMapping/>
   </p:clrMapOvr>
+  <p:timing>
+    <p:tnLst>
+      <p:par>
+        <p:cTn id="1" dur="indefinite" restart="never" nodeType="tmRoot"/>
+      </p:par>
+    </p:tnLst>
+  </p:timing>
 </p:sld>
 </file>
 
@@ -15659,7 +15612,7 @@
           <a:lstStyle/>
           <a:p>
             <a:r>
-              <a:rPr lang="en-US" altLang="en-US" dirty="0"/>
+              <a:rPr lang="en-US" altLang="en-US" dirty="0" smtClean="0"/>
               <a:t>WSD is Important for Translation</a:t>
             </a:r>
           </a:p>
@@ -15691,7 +15644,7 @@
               <a:defRPr/>
             </a:pPr>
             <a:r>
-              <a:rPr lang="en-US" dirty="0"/>
+              <a:rPr lang="en-US" dirty="0" smtClean="0"/>
               <a:t>Paul plays soccer</a:t>
             </a:r>
           </a:p>
@@ -15700,19 +15653,19 @@
               <a:defRPr/>
             </a:pPr>
             <a:r>
-              <a:rPr lang="en-US" dirty="0"/>
+              <a:rPr lang="en-US" dirty="0" smtClean="0"/>
               <a:t>Paul </a:t>
             </a:r>
             <a:r>
-              <a:rPr lang="en-US" dirty="0" err="1"/>
+              <a:rPr lang="en-US" dirty="0" err="1" smtClean="0"/>
               <a:t>joue</a:t>
             </a:r>
             <a:r>
-              <a:rPr lang="en-US" dirty="0"/>
+              <a:rPr lang="en-US" dirty="0" smtClean="0"/>
               <a:t> </a:t>
             </a:r>
             <a:r>
-              <a:rPr lang="en-US" dirty="0">
+              <a:rPr lang="en-US" dirty="0" smtClean="0">
                 <a:solidFill>
                   <a:srgbClr val="7030A0"/>
                 </a:solidFill>
@@ -15720,7 +15673,7 @@
               <a:t>au</a:t>
             </a:r>
             <a:r>
-              <a:rPr lang="en-US" dirty="0"/>
+              <a:rPr lang="en-US" dirty="0" smtClean="0"/>
               <a:t> football</a:t>
             </a:r>
           </a:p>
@@ -15729,7 +15682,7 @@
               <a:defRPr/>
             </a:pPr>
             <a:r>
-              <a:rPr lang="en-US" dirty="0"/>
+              <a:rPr lang="en-US" dirty="0" smtClean="0"/>
               <a:t>Paul plays the guitar</a:t>
             </a:r>
           </a:p>
@@ -15738,19 +15691,19 @@
               <a:defRPr/>
             </a:pPr>
             <a:r>
-              <a:rPr lang="en-US" dirty="0"/>
+              <a:rPr lang="en-US" dirty="0" smtClean="0"/>
               <a:t>Paul </a:t>
             </a:r>
             <a:r>
-              <a:rPr lang="en-US" dirty="0" err="1"/>
+              <a:rPr lang="en-US" dirty="0" err="1" smtClean="0"/>
               <a:t>joue</a:t>
             </a:r>
             <a:r>
-              <a:rPr lang="en-US" dirty="0"/>
+              <a:rPr lang="en-US" dirty="0" smtClean="0"/>
               <a:t> </a:t>
             </a:r>
             <a:r>
-              <a:rPr lang="en-US" dirty="0">
+              <a:rPr lang="en-US" dirty="0" smtClean="0">
                 <a:solidFill>
                   <a:srgbClr val="7030A0"/>
                 </a:solidFill>
@@ -15758,17 +15711,17 @@
               <a:t>de la </a:t>
             </a:r>
             <a:r>
-              <a:rPr lang="en-US" dirty="0" err="1"/>
+              <a:rPr lang="en-US" dirty="0" err="1" smtClean="0"/>
               <a:t>guitare</a:t>
             </a:r>
-            <a:endParaRPr lang="en-US" dirty="0"/>
+            <a:endParaRPr lang="en-US" dirty="0" smtClean="0"/>
           </a:p>
           <a:p>
             <a:pPr>
               <a:defRPr/>
             </a:pPr>
             <a:r>
-              <a:rPr lang="en-US" dirty="0"/>
+              <a:rPr lang="en-US" dirty="0" smtClean="0"/>
               <a:t>“wall” in German</a:t>
             </a:r>
           </a:p>
@@ -15777,19 +15730,19 @@
               <a:defRPr/>
             </a:pPr>
             <a:r>
-              <a:rPr lang="en-US" dirty="0"/>
+              <a:rPr lang="en-US" dirty="0" smtClean="0"/>
               <a:t>die </a:t>
             </a:r>
             <a:r>
-              <a:rPr lang="en-US" dirty="0" err="1"/>
+              <a:rPr lang="en-US" dirty="0" err="1" smtClean="0"/>
               <a:t>Chinesische</a:t>
             </a:r>
             <a:r>
-              <a:rPr lang="en-US" dirty="0"/>
+              <a:rPr lang="en-US" dirty="0" smtClean="0"/>
               <a:t> </a:t>
             </a:r>
             <a:r>
-              <a:rPr lang="en-US" dirty="0" err="1">
+              <a:rPr lang="en-US" dirty="0" err="1" smtClean="0">
                 <a:solidFill>
                   <a:srgbClr val="FFC000"/>
                 </a:solidFill>
@@ -15797,7 +15750,7 @@
               <a:t>Mauer</a:t>
             </a:r>
             <a:r>
-              <a:rPr lang="en-US" dirty="0"/>
+              <a:rPr lang="en-US" dirty="0" smtClean="0"/>
               <a:t> (The Great Wall of China)</a:t>
             </a:r>
           </a:p>
@@ -15806,7 +15759,7 @@
               <a:defRPr/>
             </a:pPr>
             <a:r>
-              <a:rPr lang="en-US" dirty="0"/>
+              <a:rPr lang="en-US" dirty="0" smtClean="0"/>
               <a:t>(otherwise Wand)</a:t>
             </a:r>
           </a:p>
@@ -15815,7 +15768,7 @@
               <a:defRPr/>
             </a:pPr>
             <a:r>
-              <a:rPr lang="en-US" dirty="0"/>
+              <a:rPr lang="en-US" dirty="0" smtClean="0"/>
               <a:t>“wall” in Spanish</a:t>
             </a:r>
           </a:p>
@@ -15824,19 +15777,19 @@
               <a:defRPr/>
             </a:pPr>
             <a:r>
-              <a:rPr lang="en-US" dirty="0"/>
+              <a:rPr lang="en-US" dirty="0" smtClean="0"/>
               <a:t>pared, </a:t>
             </a:r>
             <a:r>
-              <a:rPr lang="en-US" dirty="0" err="1"/>
+              <a:rPr lang="en-US" dirty="0" err="1" smtClean="0"/>
               <a:t>muro</a:t>
             </a:r>
             <a:r>
-              <a:rPr lang="en-US" dirty="0"/>
+              <a:rPr lang="en-US" dirty="0" smtClean="0"/>
               <a:t>, </a:t>
             </a:r>
             <a:r>
-              <a:rPr lang="en-US" dirty="0" err="1"/>
+              <a:rPr lang="en-US" dirty="0" err="1" smtClean="0"/>
               <a:t>muralla</a:t>
             </a:r>
             <a:endParaRPr lang="en-US" dirty="0"/>
@@ -16363,7 +16316,7 @@
           <a:lstStyle/>
           <a:p>
             <a:r>
-              <a:rPr lang="en-US" altLang="en-US"/>
+              <a:rPr lang="en-US" altLang="en-US" smtClean="0"/>
               <a:t>Named Entity Recognition</a:t>
             </a:r>
           </a:p>
@@ -16387,7 +16340,7 @@
         </p:spPr>
         <p:txBody>
           <a:bodyPr>
-            <a:normAutofit fontScale="92500" lnSpcReduction="10000"/>
+            <a:normAutofit/>
           </a:bodyPr>
           <a:lstStyle/>
           <a:p>
@@ -16395,27 +16348,28 @@
               <a:defRPr/>
             </a:pPr>
             <a:r>
-              <a:rPr lang="en-US" sz="2000" dirty="0">
+              <a:rPr lang="en-US" sz="2000" dirty="0" smtClean="0">
                 <a:hlinkClick r:id="rId2"/>
               </a:rPr>
               <a:t>http://cogcomp.cs.illinois.edu/page/demo_view/NER</a:t>
             </a:r>
-            <a:endParaRPr lang="en-US" sz="2000" dirty="0"/>
+            <a:endParaRPr lang="en-US" sz="2000" dirty="0" smtClean="0"/>
           </a:p>
           <a:p>
             <a:pPr>
               <a:defRPr/>
             </a:pPr>
             <a:r>
-              <a:rPr lang="en-US" sz="2000" dirty="0">
+              <a:rPr lang="en-US" sz="2000" dirty="0" smtClean="0">
                 <a:hlinkClick r:id="rId3"/>
               </a:rPr>
               <a:t>http://nlp.stanford.edu:8080/ner/</a:t>
             </a:r>
             <a:r>
-              <a:rPr lang="en-US" sz="2000" dirty="0"/>
+              <a:rPr lang="en-US" sz="2000" dirty="0" smtClean="0"/>
               <a:t> </a:t>
             </a:r>
+            <a:endParaRPr lang="en-US" sz="2000" dirty="0"/>
           </a:p>
         </p:txBody>
       </p:sp>
@@ -16950,7 +16904,14 @@
                 <a:latin typeface="Courier New" pitchFamily="49" charset="0"/>
                 <a:cs typeface="Courier New" pitchFamily="49" charset="0"/>
               </a:rPr>
-              <a:t>            . O</a:t>
+              <a:t>            . </a:t>
+            </a:r>
+            <a:r>
+              <a:rPr lang="pt-BR" altLang="en-US" sz="1000" dirty="0" smtClean="0">
+                <a:latin typeface="Courier New" pitchFamily="49" charset="0"/>
+                <a:cs typeface="Courier New" pitchFamily="49" charset="0"/>
+              </a:rPr>
+              <a:t>O</a:t>
             </a:r>
             <a:endParaRPr lang="en-US" altLang="en-US" sz="1000" dirty="0"/>
           </a:p>
@@ -17402,7 +17363,7 @@
           <a:lstStyle/>
           <a:p>
             <a:r>
-              <a:rPr lang="en-US" altLang="en-US"/>
+              <a:rPr lang="en-US" altLang="en-US" smtClean="0"/>
               <a:t>Named Entity Recognition</a:t>
             </a:r>
           </a:p>
@@ -17825,7 +17786,7 @@
           <a:lstStyle/>
           <a:p>
             <a:r>
-              <a:rPr lang="en-US" altLang="en-US" dirty="0"/>
+              <a:rPr lang="en-US" altLang="en-US" dirty="0" smtClean="0"/>
               <a:t>Part of Speech Tagging</a:t>
             </a:r>
           </a:p>
@@ -17854,12 +17815,16 @@
           <a:lstStyle/>
           <a:p>
             <a:r>
-              <a:rPr lang="en-US" dirty="0">
+              <a:rPr lang="en-US" dirty="0" smtClean="0">
                 <a:latin typeface="Courier New" panose="02070309020205020404" pitchFamily="49" charset="0"/>
                 <a:cs typeface="Courier New" panose="02070309020205020404" pitchFamily="49" charset="0"/>
               </a:rPr>
               <a:t>The swimmer is getting ready to run in the final race.</a:t>
             </a:r>
+            <a:endParaRPr lang="en-US" dirty="0">
+              <a:latin typeface="Courier New" panose="02070309020205020404" pitchFamily="49" charset="0"/>
+              <a:cs typeface="Courier New" panose="02070309020205020404" pitchFamily="49" charset="0"/>
+            </a:endParaRPr>
           </a:p>
         </p:txBody>
       </p:sp>
@@ -17873,6 +17838,13 @@
   <p:clrMapOvr>
     <a:masterClrMapping/>
   </p:clrMapOvr>
+  <p:timing>
+    <p:tnLst>
+      <p:par>
+        <p:cTn id="1" dur="indefinite" restart="never" nodeType="tmRoot"/>
+      </p:par>
+    </p:tnLst>
+  </p:timing>
 </p:sld>
 </file>
 
@@ -17909,7 +17881,7 @@
           <a:lstStyle/>
           <a:p>
             <a:r>
-              <a:rPr lang="en-US" altLang="en-US"/>
+              <a:rPr lang="en-US" altLang="en-US" smtClean="0"/>
               <a:t>Semantic Role Labeling</a:t>
             </a:r>
           </a:p>
@@ -17933,7 +17905,7 @@
         </p:spPr>
         <p:txBody>
           <a:bodyPr>
-            <a:normAutofit fontScale="92500" lnSpcReduction="20000"/>
+            <a:normAutofit fontScale="92500" lnSpcReduction="10000"/>
           </a:bodyPr>
           <a:lstStyle/>
           <a:p>
@@ -17941,71 +17913,71 @@
               <a:defRPr/>
             </a:pPr>
             <a:r>
-              <a:rPr lang="en-US" dirty="0"/>
+              <a:rPr lang="en-US" dirty="0" smtClean="0"/>
               <a:t>[</a:t>
             </a:r>
             <a:r>
-              <a:rPr lang="en-US" baseline="-25000" dirty="0"/>
+              <a:rPr lang="en-US" baseline="-25000" dirty="0" smtClean="0"/>
               <a:t>A0</a:t>
             </a:r>
             <a:r>
-              <a:rPr lang="en-US" dirty="0"/>
+              <a:rPr lang="en-US" dirty="0" smtClean="0"/>
               <a:t> He ] [</a:t>
             </a:r>
             <a:r>
-              <a:rPr lang="en-US" baseline="-25000" dirty="0"/>
+              <a:rPr lang="en-US" baseline="-25000" dirty="0" smtClean="0"/>
               <a:t>AM-MOD</a:t>
             </a:r>
             <a:r>
-              <a:rPr lang="en-US" dirty="0"/>
+              <a:rPr lang="en-US" dirty="0" smtClean="0"/>
               <a:t> would ] [</a:t>
             </a:r>
             <a:r>
-              <a:rPr lang="en-US" baseline="-25000" dirty="0"/>
+              <a:rPr lang="en-US" baseline="-25000" dirty="0" smtClean="0"/>
               <a:t>AM-NEG</a:t>
             </a:r>
             <a:r>
-              <a:rPr lang="en-US" dirty="0"/>
+              <a:rPr lang="en-US" dirty="0" smtClean="0"/>
               <a:t> </a:t>
             </a:r>
             <a:r>
-              <a:rPr lang="en-US" dirty="0" err="1"/>
+              <a:rPr lang="en-US" dirty="0" err="1" smtClean="0"/>
               <a:t>n't</a:t>
             </a:r>
             <a:r>
-              <a:rPr lang="en-US" dirty="0"/>
+              <a:rPr lang="en-US" dirty="0" smtClean="0"/>
               <a:t> ] [</a:t>
             </a:r>
             <a:r>
-              <a:rPr lang="en-US" baseline="-25000" dirty="0"/>
+              <a:rPr lang="en-US" baseline="-25000" dirty="0" smtClean="0"/>
               <a:t>V</a:t>
             </a:r>
             <a:r>
-              <a:rPr lang="en-US" dirty="0"/>
+              <a:rPr lang="en-US" dirty="0" smtClean="0"/>
               <a:t> </a:t>
             </a:r>
             <a:r>
-              <a:rPr lang="en-US" b="1" dirty="0"/>
+              <a:rPr lang="en-US" b="1" dirty="0" smtClean="0"/>
               <a:t>accept</a:t>
             </a:r>
             <a:r>
-              <a:rPr lang="en-US" dirty="0"/>
+              <a:rPr lang="en-US" dirty="0" smtClean="0"/>
               <a:t> ] [</a:t>
             </a:r>
             <a:r>
-              <a:rPr lang="en-US" baseline="-25000" dirty="0"/>
+              <a:rPr lang="en-US" baseline="-25000" dirty="0" smtClean="0"/>
               <a:t>A1</a:t>
             </a:r>
             <a:r>
-              <a:rPr lang="en-US" dirty="0"/>
+              <a:rPr lang="en-US" dirty="0" smtClean="0"/>
               <a:t> anything of value ] from [</a:t>
             </a:r>
             <a:r>
-              <a:rPr lang="en-US" baseline="-25000" dirty="0"/>
+              <a:rPr lang="en-US" baseline="-25000" dirty="0" smtClean="0"/>
               <a:t>A2</a:t>
             </a:r>
             <a:r>
-              <a:rPr lang="en-US" dirty="0"/>
+              <a:rPr lang="en-US" dirty="0" smtClean="0"/>
               <a:t> those he was writing about ] . </a:t>
             </a:r>
           </a:p>
@@ -18014,81 +17986,85 @@
               <a:defRPr/>
             </a:pPr>
             <a:r>
-              <a:rPr lang="en-US" b="1" dirty="0"/>
+              <a:rPr lang="en-US" b="1" dirty="0" smtClean="0"/>
               <a:t>V: </a:t>
             </a:r>
             <a:r>
-              <a:rPr lang="en-US" dirty="0"/>
+              <a:rPr lang="en-US" dirty="0" smtClean="0"/>
               <a:t>verb</a:t>
             </a:r>
             <a:br>
-              <a:rPr lang="en-US" dirty="0"/>
+              <a:rPr lang="en-US" dirty="0" smtClean="0"/>
             </a:br>
             <a:r>
-              <a:rPr lang="en-US" b="1" dirty="0"/>
+              <a:rPr lang="en-US" b="1" dirty="0" smtClean="0"/>
               <a:t>A0</a:t>
             </a:r>
             <a:r>
-              <a:rPr lang="en-US" b="1"/>
+              <a:rPr lang="en-US" b="1" smtClean="0"/>
               <a:t>:</a:t>
             </a:r>
             <a:r>
-              <a:rPr lang="en-US"/>
+              <a:rPr lang="en-US" smtClean="0"/>
               <a:t> acceptor </a:t>
             </a:r>
+            <a:r>
+              <a:rPr lang="en-US" dirty="0" smtClean="0"/>
+              <a:t/>
+            </a:r>
             <a:br>
-              <a:rPr lang="en-US" dirty="0"/>
+              <a:rPr lang="en-US" dirty="0" smtClean="0"/>
             </a:br>
             <a:r>
-              <a:rPr lang="en-US" b="1" dirty="0"/>
+              <a:rPr lang="en-US" b="1" dirty="0" smtClean="0"/>
               <a:t>A1:</a:t>
             </a:r>
             <a:r>
-              <a:rPr lang="en-US" dirty="0"/>
+              <a:rPr lang="en-US" dirty="0" smtClean="0"/>
               <a:t> thing accepted </a:t>
             </a:r>
             <a:br>
-              <a:rPr lang="en-US" dirty="0"/>
+              <a:rPr lang="en-US" dirty="0" smtClean="0"/>
             </a:br>
             <a:r>
-              <a:rPr lang="en-US" b="1" dirty="0"/>
+              <a:rPr lang="en-US" b="1" dirty="0" smtClean="0"/>
               <a:t>A2:</a:t>
             </a:r>
             <a:r>
-              <a:rPr lang="en-US" dirty="0"/>
+              <a:rPr lang="en-US" dirty="0" smtClean="0"/>
               <a:t> accepted-from </a:t>
             </a:r>
             <a:br>
-              <a:rPr lang="en-US" dirty="0"/>
+              <a:rPr lang="en-US" dirty="0" smtClean="0"/>
             </a:br>
             <a:r>
-              <a:rPr lang="en-US" b="1" dirty="0"/>
+              <a:rPr lang="en-US" b="1" dirty="0" smtClean="0"/>
               <a:t>A3:</a:t>
             </a:r>
             <a:r>
-              <a:rPr lang="en-US" dirty="0"/>
+              <a:rPr lang="en-US" dirty="0" smtClean="0"/>
               <a:t> attribute </a:t>
             </a:r>
             <a:br>
-              <a:rPr lang="en-US" dirty="0"/>
+              <a:rPr lang="en-US" dirty="0" smtClean="0"/>
             </a:br>
             <a:r>
-              <a:rPr lang="en-US" b="1" dirty="0"/>
+              <a:rPr lang="en-US" b="1" dirty="0" smtClean="0"/>
               <a:t>AM-MOD:</a:t>
             </a:r>
             <a:r>
-              <a:rPr lang="en-US" dirty="0"/>
+              <a:rPr lang="en-US" dirty="0" smtClean="0"/>
               <a:t> modal </a:t>
             </a:r>
             <a:br>
-              <a:rPr lang="en-US" dirty="0"/>
+              <a:rPr lang="en-US" dirty="0" smtClean="0"/>
             </a:br>
             <a:r>
-              <a:rPr lang="en-US" b="1" dirty="0"/>
+              <a:rPr lang="en-US" b="1" dirty="0" smtClean="0"/>
               <a:t>AM-NEG:</a:t>
             </a:r>
             <a:r>
-              <a:rPr lang="en-US" dirty="0"/>
+              <a:rPr lang="en-US" dirty="0" smtClean="0"/>
               <a:t> negation </a:t>
             </a:r>
           </a:p>
@@ -18097,12 +18073,12 @@
               <a:defRPr/>
             </a:pPr>
             <a:r>
-              <a:rPr lang="en-US" dirty="0">
+              <a:rPr lang="en-US" dirty="0" smtClean="0">
                 <a:hlinkClick r:id="rId2"/>
               </a:rPr>
               <a:t>http://cogcomp.cs.illinois.edu/page/demo_view/SRL</a:t>
             </a:r>
-            <a:endParaRPr lang="en-US" dirty="0"/>
+            <a:endParaRPr lang="en-US" dirty="0" smtClean="0"/>
           </a:p>
           <a:p>
             <a:pPr>
@@ -18338,7 +18314,7 @@
           <a:lstStyle/>
           <a:p>
             <a:r>
-              <a:rPr lang="en-US" altLang="en-US" dirty="0"/>
+              <a:rPr lang="en-US" altLang="en-US" dirty="0" smtClean="0"/>
               <a:t>Coreference Resolution</a:t>
             </a:r>
           </a:p>
@@ -18360,7 +18336,7 @@
           <a:lstStyle/>
           <a:p>
             <a:r>
-              <a:rPr lang="en-US" altLang="en-US" dirty="0">
+              <a:rPr lang="en-US" altLang="en-US" dirty="0" smtClean="0">
                 <a:solidFill>
                   <a:srgbClr val="7030A0"/>
                 </a:solidFill>
@@ -18368,11 +18344,11 @@
               <a:t>Barack Obama </a:t>
             </a:r>
             <a:r>
-              <a:rPr lang="en-US" altLang="en-US" dirty="0"/>
+              <a:rPr lang="en-US" altLang="en-US" dirty="0" smtClean="0"/>
               <a:t>visited China. </a:t>
             </a:r>
             <a:r>
-              <a:rPr lang="en-US" altLang="en-US" dirty="0">
+              <a:rPr lang="en-US" altLang="en-US" dirty="0" smtClean="0">
                 <a:solidFill>
                   <a:srgbClr val="7030A0"/>
                 </a:solidFill>
@@ -18380,13 +18356,13 @@
               <a:t>The US president </a:t>
             </a:r>
             <a:r>
-              <a:rPr lang="en-US" altLang="en-US" dirty="0"/>
+              <a:rPr lang="en-US" altLang="en-US" dirty="0" smtClean="0"/>
               <a:t>met with his Chinese counterpart.</a:t>
             </a:r>
           </a:p>
           <a:p>
             <a:r>
-              <a:rPr lang="en-US" altLang="en-US" dirty="0">
+              <a:rPr lang="en-US" altLang="en-US" dirty="0" smtClean="0">
                 <a:solidFill>
                   <a:srgbClr val="00B050"/>
                 </a:solidFill>
@@ -18394,11 +18370,11 @@
               <a:t>Cynthia</a:t>
             </a:r>
             <a:r>
-              <a:rPr lang="en-US" altLang="en-US" dirty="0"/>
+              <a:rPr lang="en-US" altLang="en-US" dirty="0" smtClean="0"/>
               <a:t> went to see </a:t>
             </a:r>
             <a:r>
-              <a:rPr lang="en-US" altLang="en-US" dirty="0">
+              <a:rPr lang="en-US" altLang="en-US" dirty="0" smtClean="0">
                 <a:solidFill>
                   <a:srgbClr val="00B0F0"/>
                 </a:solidFill>
@@ -18406,11 +18382,11 @@
               <a:t>her aunt </a:t>
             </a:r>
             <a:r>
-              <a:rPr lang="en-US" altLang="en-US" dirty="0"/>
+              <a:rPr lang="en-US" altLang="en-US" dirty="0" smtClean="0"/>
               <a:t>at the hospital. </a:t>
             </a:r>
             <a:r>
-              <a:rPr lang="en-US" altLang="en-US" dirty="0">
+              <a:rPr lang="en-US" altLang="en-US" dirty="0" smtClean="0">
                 <a:solidFill>
                   <a:srgbClr val="00B0F0"/>
                 </a:solidFill>
@@ -18418,17 +18394,17 @@
               <a:t>She</a:t>
             </a:r>
             <a:r>
-              <a:rPr lang="en-US" altLang="en-US" dirty="0"/>
+              <a:rPr lang="en-US" altLang="en-US" dirty="0" smtClean="0"/>
               <a:t> was scheduled for surgery on Monday.</a:t>
             </a:r>
           </a:p>
           <a:p>
             <a:r>
-              <a:rPr lang="en-US" altLang="en-US" dirty="0"/>
+              <a:rPr lang="en-US" altLang="en-US" dirty="0" smtClean="0"/>
               <a:t>Because </a:t>
             </a:r>
             <a:r>
-              <a:rPr lang="en-US" altLang="en-US" dirty="0">
+              <a:rPr lang="en-US" altLang="en-US" dirty="0" smtClean="0">
                 <a:solidFill>
                   <a:srgbClr val="FF0000"/>
                 </a:solidFill>
@@ -18436,11 +18412,11 @@
               <a:t>he</a:t>
             </a:r>
             <a:r>
-              <a:rPr lang="en-US" altLang="en-US" dirty="0"/>
+              <a:rPr lang="en-US" altLang="en-US" dirty="0" smtClean="0"/>
               <a:t> was sick, </a:t>
             </a:r>
             <a:r>
-              <a:rPr lang="en-US" altLang="en-US" dirty="0">
+              <a:rPr lang="en-US" altLang="en-US" dirty="0" smtClean="0">
                 <a:solidFill>
                   <a:srgbClr val="FF0000"/>
                 </a:solidFill>
@@ -18448,7 +18424,7 @@
               <a:t>Michael</a:t>
             </a:r>
             <a:r>
-              <a:rPr lang="en-US" altLang="en-US" dirty="0"/>
+              <a:rPr lang="en-US" altLang="en-US" dirty="0" smtClean="0"/>
               <a:t> stayed home on Friday.</a:t>
             </a:r>
           </a:p>
@@ -18680,7 +18656,7 @@
           <a:lstStyle/>
           <a:p>
             <a:r>
-              <a:rPr lang="en-US" altLang="en-US"/>
+              <a:rPr lang="en-US" altLang="en-US" smtClean="0"/>
               <a:t>Question Answering</a:t>
             </a:r>
           </a:p>
@@ -18704,7 +18680,7 @@
         </p:spPr>
         <p:txBody>
           <a:bodyPr>
-            <a:normAutofit fontScale="92500" lnSpcReduction="20000"/>
+            <a:normAutofit fontScale="92500" lnSpcReduction="10000"/>
           </a:bodyPr>
           <a:lstStyle/>
           <a:p>
@@ -18712,7 +18688,7 @@
               <a:defRPr/>
             </a:pPr>
             <a:r>
-              <a:rPr lang="en-US" b="1" dirty="0"/>
+              <a:rPr lang="en-US" b="1" dirty="0" smtClean="0"/>
               <a:t>"The antagonist of Stevenson's Treasure Island." (Who is Long John Silver?) </a:t>
             </a:r>
           </a:p>
@@ -18721,21 +18697,22 @@
               <a:defRPr/>
             </a:pPr>
             <a:r>
-              <a:rPr lang="en-US" dirty="0">
+              <a:rPr lang="en-US" dirty="0" smtClean="0">
                 <a:hlinkClick r:id="rId2"/>
               </a:rPr>
               <a:t>http://blog.reddit.com/2011/02/ibm-watson-research-team-answers-your.html</a:t>
             </a:r>
-            <a:endParaRPr lang="en-US" dirty="0"/>
+            <a:endParaRPr lang="en-US" dirty="0" smtClean="0"/>
           </a:p>
           <a:p>
             <a:pPr>
               <a:defRPr/>
             </a:pPr>
             <a:r>
-              <a:rPr lang="en-US" dirty="0"/>
+              <a:rPr lang="en-US" dirty="0" smtClean="0"/>
               <a:t>“Watson is powered by 10 racks of IBM Power 750 servers running Linux, and uses 15 terabytes of RAM, 2,880 processor cores and is capable of operating at 80 teraflops. Watson was written in mostly Java but also significant chunks of code are written C++ and Prolog, all components are deployed and integrated using UIMA.”</a:t>
             </a:r>
+            <a:endParaRPr lang="en-US" dirty="0"/>
           </a:p>
         </p:txBody>
       </p:sp>
@@ -18965,7 +18942,7 @@
           <a:lstStyle/>
           <a:p>
             <a:r>
-              <a:rPr lang="en-US" altLang="en-US"/>
+              <a:rPr lang="en-US" altLang="en-US" smtClean="0"/>
               <a:t>Jeopardy Questions</a:t>
             </a:r>
           </a:p>
@@ -18994,175 +18971,191 @@
           <a:lstStyle/>
           <a:p>
             <a:r>
+              <a:rPr lang="en-US" altLang="en-US" sz="1200" dirty="0" smtClean="0"/>
+              <a:t>From the competition between the IBM Watson system and two human champions (Ken Jennings and Brad Rutter)</a:t>
+            </a:r>
+          </a:p>
+          <a:p>
+            <a:r>
+              <a:rPr lang="en-US" altLang="en-US" sz="1200" dirty="0" smtClean="0"/>
+              <a:t>Sample questions:</a:t>
+            </a:r>
+          </a:p>
+          <a:p>
+            <a:pPr lvl="1"/>
+            <a:r>
+              <a:rPr lang="en-US" altLang="en-US" sz="900" dirty="0" smtClean="0"/>
+              <a:t>On December 8, 2008 this national newspaper raised its newsstand price by 25 cents to $1 : </a:t>
+            </a:r>
+            <a:r>
+              <a:rPr lang="en-US" altLang="en-US" sz="900" i="1" dirty="0" smtClean="0"/>
+              <a:t>USA Today</a:t>
+            </a:r>
+            <a:endParaRPr lang="en-US" altLang="en-US" sz="900" dirty="0" smtClean="0"/>
+          </a:p>
+          <a:p>
+            <a:pPr lvl="1"/>
+            <a:r>
+              <a:rPr lang="en-US" altLang="en-US" sz="900" dirty="0" smtClean="0"/>
+              <a:t>In 2010 this former first lady published the memoir "Spoken From the Heart" : </a:t>
+            </a:r>
+            <a:r>
+              <a:rPr lang="en-US" altLang="en-US" sz="900" i="1" dirty="0" smtClean="0"/>
+              <a:t>Laura Bush*</a:t>
+            </a:r>
+            <a:endParaRPr lang="en-US" altLang="en-US" sz="900" dirty="0" smtClean="0"/>
+          </a:p>
+          <a:p>
+            <a:pPr lvl="1"/>
+            <a:r>
+              <a:rPr lang="en-US" altLang="en-US" sz="900" dirty="0" smtClean="0"/>
+              <a:t>This person is appointed by a testator to carry out the directions &amp; requests in his will : </a:t>
+            </a:r>
+            <a:r>
+              <a:rPr lang="en-US" altLang="en-US" sz="900" i="1" dirty="0" smtClean="0"/>
+              <a:t>Executor*</a:t>
+            </a:r>
+            <a:endParaRPr lang="en-US" altLang="en-US" sz="900" dirty="0" smtClean="0"/>
+          </a:p>
+          <a:p>
+            <a:pPr lvl="1"/>
+            <a:r>
+              <a:rPr lang="en-US" altLang="en-US" sz="900" dirty="0" smtClean="0"/>
+              <a:t>Familiarity is said to breed this, from the Latin for "Despise" : </a:t>
+            </a:r>
+            <a:r>
+              <a:rPr lang="en-US" altLang="en-US" sz="900" i="1" dirty="0" smtClean="0"/>
+              <a:t>Contempt*</a:t>
+            </a:r>
+            <a:endParaRPr lang="en-US" altLang="en-US" sz="900" dirty="0" smtClean="0"/>
+          </a:p>
+          <a:p>
+            <a:pPr lvl="1"/>
+            <a:r>
+              <a:rPr lang="en-US" altLang="en-US" sz="900" dirty="0" smtClean="0"/>
+              <a:t>As of 2010, Croatia &amp; Macedonia are candidates but this is the only former Yugoslav republic in the EU : </a:t>
+            </a:r>
+            <a:r>
+              <a:rPr lang="en-US" altLang="en-US" sz="900" i="1" dirty="0" smtClean="0"/>
+              <a:t>Slovenia</a:t>
+            </a:r>
+            <a:endParaRPr lang="en-US" altLang="en-US" sz="900" dirty="0" smtClean="0"/>
+          </a:p>
+          <a:p>
+            <a:pPr lvl="1"/>
+            <a:r>
+              <a:rPr lang="en-US" altLang="en-US" sz="900" dirty="0" smtClean="0"/>
+              <a:t>The ancient "Lion of Nimrud" went missing from this city's national museum in 2003 (along with a lot of other stuff) : </a:t>
+            </a:r>
+            <a:r>
+              <a:rPr lang="en-US" altLang="en-US" sz="900" i="1" dirty="0" smtClean="0"/>
+              <a:t>Baghdad</a:t>
+            </a:r>
+            <a:endParaRPr lang="en-US" altLang="en-US" sz="900" dirty="0" smtClean="0"/>
+          </a:p>
+          <a:p>
+            <a:pPr lvl="1"/>
+            <a:r>
+              <a:rPr lang="en-US" altLang="en-US" sz="900" dirty="0" smtClean="0"/>
+              <a:t>It's just a bloody nose! You don't have this hereditary disorder once endemic to European royalty : </a:t>
+            </a:r>
+            <a:r>
+              <a:rPr lang="en-US" altLang="en-US" sz="900" i="1" dirty="0" err="1" smtClean="0"/>
+              <a:t>Haemophilia</a:t>
+            </a:r>
+            <a:endParaRPr lang="en-US" altLang="en-US" sz="900" dirty="0" smtClean="0"/>
+          </a:p>
+          <a:p>
+            <a:pPr lvl="1"/>
+            <a:r>
+              <a:rPr lang="en-US" altLang="en-US" sz="900" dirty="0" smtClean="0"/>
+              <a:t>It's Michelangelo's fresco on the wall of the Sistine Chapel, Depicting the saved and the damned : </a:t>
+            </a:r>
+            <a:r>
+              <a:rPr lang="en-US" altLang="en-US" sz="900" i="1" dirty="0" smtClean="0"/>
+              <a:t>The Last </a:t>
+            </a:r>
+            <a:r>
+              <a:rPr lang="en-US" altLang="en-US" sz="900" i="1" dirty="0" err="1" smtClean="0"/>
+              <a:t>Judgement</a:t>
+            </a:r>
+            <a:endParaRPr lang="en-US" altLang="en-US" sz="900" dirty="0" smtClean="0"/>
+          </a:p>
+          <a:p>
+            <a:pPr lvl="1"/>
+            <a:r>
+              <a:rPr lang="en-US" altLang="en-US" sz="900" dirty="0" smtClean="0"/>
+              <a:t>She "Died in the church and was buried along with her name. Nobody came" : </a:t>
+            </a:r>
+            <a:r>
+              <a:rPr lang="en-US" altLang="en-US" sz="900" i="1" dirty="0" smtClean="0"/>
+              <a:t>Eleanor Rigby</a:t>
+            </a:r>
+            <a:endParaRPr lang="en-US" altLang="en-US" sz="900" dirty="0" smtClean="0"/>
+          </a:p>
+          <a:p>
+            <a:pPr lvl="1"/>
+            <a:r>
+              <a:rPr lang="en-US" altLang="en-US" sz="900" dirty="0" smtClean="0"/>
+              <a:t>It's a 4-letter term for a summit; the first 3 letters mean a type of simian : </a:t>
+            </a:r>
+            <a:r>
+              <a:rPr lang="en-US" altLang="en-US" sz="900" i="1" dirty="0" smtClean="0"/>
+              <a:t>Apex</a:t>
+            </a:r>
+            <a:endParaRPr lang="en-US" altLang="en-US" sz="900" dirty="0" smtClean="0"/>
+          </a:p>
+          <a:p>
+            <a:pPr lvl="1"/>
+            <a:r>
+              <a:rPr lang="en-US" altLang="en-US" sz="900" dirty="0" smtClean="0"/>
+              <a:t>A camel is a horse designed by this : </a:t>
+            </a:r>
+            <a:r>
+              <a:rPr lang="en-US" altLang="en-US" sz="900" i="1" dirty="0" smtClean="0"/>
+              <a:t>Committee</a:t>
+            </a:r>
+            <a:endParaRPr lang="en-US" altLang="en-US" sz="1200" dirty="0" smtClean="0"/>
+          </a:p>
+          <a:p>
+            <a:r>
+              <a:rPr lang="en-US" altLang="en-US" sz="1200" dirty="0" smtClean="0"/>
+              <a:t>Watson’s answers: 66 correct and 9 incorrect</a:t>
+            </a:r>
+            <a:r>
               <a:rPr lang="en-US" altLang="en-US" sz="1200" dirty="0"/>
-              <a:t>From the competition between the IBM Watson system and two human champions (Ken Jennings and Brad Rutter)</a:t>
-            </a:r>
-          </a:p>
-          <a:p>
+              <a:t> </a:t>
+            </a:r>
+            <a:r>
+              <a:rPr lang="en-US" altLang="en-US" sz="1200" dirty="0" smtClean="0"/>
+              <a:t>(e.g., the one in the category “US Cities” about a city with two airports named after a World War II hero and a World War II battle)</a:t>
+            </a:r>
+          </a:p>
+          <a:p>
+            <a:r>
+              <a:rPr lang="en-US" altLang="en-US" sz="1200" dirty="0" smtClean="0"/>
+              <a:t>Watson's two day winning streak was $77,147. Ken Jennings ended with $24,000 and Brad Rutter with $21,600.</a:t>
+            </a:r>
             <a:r>
               <a:rPr lang="en-US" altLang="en-US" sz="1200" dirty="0"/>
-              <a:t>Sample questions:</a:t>
-            </a:r>
-          </a:p>
-          <a:p>
-            <a:pPr lvl="1"/>
-            <a:r>
-              <a:rPr lang="en-US" altLang="en-US" sz="900" dirty="0"/>
-              <a:t>On December 8, 2008 this national newspaper raised its newsstand price by 25 cents to $1 : </a:t>
-            </a:r>
-            <a:r>
-              <a:rPr lang="en-US" altLang="en-US" sz="900" i="1" dirty="0"/>
-              <a:t>USA Today</a:t>
-            </a:r>
-            <a:endParaRPr lang="en-US" altLang="en-US" sz="900" dirty="0"/>
-          </a:p>
-          <a:p>
-            <a:pPr lvl="1"/>
-            <a:r>
-              <a:rPr lang="en-US" altLang="en-US" sz="900" dirty="0"/>
-              <a:t>In 2010 this former first lady published the memoir "Spoken From the Heart" : </a:t>
-            </a:r>
-            <a:r>
-              <a:rPr lang="en-US" altLang="en-US" sz="900" i="1" dirty="0"/>
-              <a:t>Laura Bush*</a:t>
-            </a:r>
-            <a:endParaRPr lang="en-US" altLang="en-US" sz="900" dirty="0"/>
-          </a:p>
-          <a:p>
-            <a:pPr lvl="1"/>
-            <a:r>
-              <a:rPr lang="en-US" altLang="en-US" sz="900" dirty="0"/>
-              <a:t>This person is appointed by a testator to carry out the directions &amp; requests in his will : </a:t>
-            </a:r>
-            <a:r>
-              <a:rPr lang="en-US" altLang="en-US" sz="900" i="1" dirty="0"/>
-              <a:t>Executor*</a:t>
-            </a:r>
-            <a:endParaRPr lang="en-US" altLang="en-US" sz="900" dirty="0"/>
-          </a:p>
-          <a:p>
-            <a:pPr lvl="1"/>
-            <a:r>
-              <a:rPr lang="en-US" altLang="en-US" sz="900" dirty="0"/>
-              <a:t>Familiarity is said to breed this, from the Latin for "Despise" : </a:t>
-            </a:r>
-            <a:r>
-              <a:rPr lang="en-US" altLang="en-US" sz="900" i="1" dirty="0"/>
-              <a:t>Contempt*</a:t>
-            </a:r>
-            <a:endParaRPr lang="en-US" altLang="en-US" sz="900" dirty="0"/>
-          </a:p>
-          <a:p>
-            <a:pPr lvl="1"/>
-            <a:r>
-              <a:rPr lang="en-US" altLang="en-US" sz="900" dirty="0"/>
-              <a:t>As of 2010, Croatia &amp; Macedonia are candidates but this is the only former Yugoslav republic in the EU : </a:t>
-            </a:r>
-            <a:r>
-              <a:rPr lang="en-US" altLang="en-US" sz="900" i="1" dirty="0"/>
-              <a:t>Slovenia</a:t>
-            </a:r>
-            <a:endParaRPr lang="en-US" altLang="en-US" sz="900" dirty="0"/>
-          </a:p>
-          <a:p>
-            <a:pPr lvl="1"/>
-            <a:r>
-              <a:rPr lang="en-US" altLang="en-US" sz="900" dirty="0"/>
-              <a:t>The ancient "Lion of Nimrud" went missing from this city's national museum in 2003 (along with a lot of other stuff) : </a:t>
-            </a:r>
-            <a:r>
-              <a:rPr lang="en-US" altLang="en-US" sz="900" i="1" dirty="0"/>
-              <a:t>Baghdad</a:t>
-            </a:r>
-            <a:endParaRPr lang="en-US" altLang="en-US" sz="900" dirty="0"/>
-          </a:p>
-          <a:p>
-            <a:pPr lvl="1"/>
-            <a:r>
-              <a:rPr lang="en-US" altLang="en-US" sz="900" dirty="0"/>
-              <a:t>It's just a bloody nose! You don't have this hereditary disorder once endemic to European royalty : </a:t>
-            </a:r>
-            <a:r>
-              <a:rPr lang="en-US" altLang="en-US" sz="900" i="1" dirty="0" err="1"/>
-              <a:t>Haemophilia</a:t>
-            </a:r>
-            <a:endParaRPr lang="en-US" altLang="en-US" sz="900" dirty="0"/>
-          </a:p>
-          <a:p>
-            <a:pPr lvl="1"/>
-            <a:r>
-              <a:rPr lang="en-US" altLang="en-US" sz="900" dirty="0"/>
-              <a:t>It's Michelangelo's fresco on the wall of the Sistine Chapel, Depicting the saved and the damned : </a:t>
-            </a:r>
-            <a:r>
-              <a:rPr lang="en-US" altLang="en-US" sz="900" i="1" dirty="0"/>
-              <a:t>The Last </a:t>
-            </a:r>
-            <a:r>
-              <a:rPr lang="en-US" altLang="en-US" sz="900" i="1" dirty="0" err="1"/>
-              <a:t>Judgement</a:t>
-            </a:r>
-            <a:endParaRPr lang="en-US" altLang="en-US" sz="900" dirty="0"/>
-          </a:p>
-          <a:p>
-            <a:pPr lvl="1"/>
-            <a:r>
-              <a:rPr lang="en-US" altLang="en-US" sz="900" dirty="0"/>
-              <a:t>She "Died in the church and was buried along with her name. Nobody came" : </a:t>
-            </a:r>
-            <a:r>
-              <a:rPr lang="en-US" altLang="en-US" sz="900" i="1" dirty="0"/>
-              <a:t>Eleanor Rigby</a:t>
-            </a:r>
-            <a:endParaRPr lang="en-US" altLang="en-US" sz="900" dirty="0"/>
-          </a:p>
-          <a:p>
-            <a:pPr lvl="1"/>
-            <a:r>
-              <a:rPr lang="en-US" altLang="en-US" sz="900" dirty="0"/>
-              <a:t>It's a 4-letter term for a summit; the first 3 letters mean a type of simian : </a:t>
-            </a:r>
-            <a:r>
-              <a:rPr lang="en-US" altLang="en-US" sz="900" i="1" dirty="0"/>
-              <a:t>Apex</a:t>
-            </a:r>
-            <a:endParaRPr lang="en-US" altLang="en-US" sz="900" dirty="0"/>
-          </a:p>
-          <a:p>
-            <a:pPr lvl="1"/>
-            <a:r>
-              <a:rPr lang="en-US" altLang="en-US" sz="900" dirty="0"/>
-              <a:t>A camel is a horse designed by this : </a:t>
-            </a:r>
-            <a:r>
-              <a:rPr lang="en-US" altLang="en-US" sz="900" i="1" dirty="0"/>
-              <a:t>Committee</a:t>
-            </a:r>
-            <a:endParaRPr lang="en-US" altLang="en-US" sz="1200" dirty="0"/>
-          </a:p>
-          <a:p>
-            <a:r>
-              <a:rPr lang="en-US" altLang="en-US" sz="1200" dirty="0"/>
-              <a:t>Watson’s answers: 66 correct and 9 incorrect (e.g., the one in the category “US Cities” about a city with two airports named after a World War II hero and a World War II battle)</a:t>
-            </a:r>
-          </a:p>
-          <a:p>
-            <a:r>
-              <a:rPr lang="en-US" altLang="en-US" sz="1200" dirty="0"/>
-              <a:t>Watson's two day winning streak was $77,147. Ken Jennings ended with $24,000 and Brad Rutter with $21,600. Watson donated $500,000 to both World Vision and World Community Grid charities from the $1,000,000 prize.</a:t>
-            </a:r>
-          </a:p>
-          <a:p>
-            <a:r>
-              <a:rPr lang="en-US" altLang="en-US" sz="1200" u="sng" dirty="0">
+              <a:t> </a:t>
+            </a:r>
+            <a:r>
+              <a:rPr lang="en-US" altLang="en-US" sz="1200" dirty="0" smtClean="0"/>
+              <a:t>Watson donated $500,000 to both World Vision and World Community Grid charities from the $1,000,000 prize.</a:t>
+            </a:r>
+          </a:p>
+          <a:p>
+            <a:r>
+              <a:rPr lang="en-US" altLang="en-US" sz="1200" u="sng" dirty="0" smtClean="0">
                 <a:hlinkClick r:id="rId3"/>
               </a:rPr>
               <a:t>http://www.quora.com/What-questions-were-asked-in-the-Jeopardy-episode-involving-Watson</a:t>
             </a:r>
-            <a:endParaRPr lang="en-US" altLang="en-US" sz="1200" dirty="0"/>
-          </a:p>
-          <a:p>
-            <a:endParaRPr lang="en-US" altLang="en-US" sz="1200" dirty="0"/>
+            <a:endParaRPr lang="en-US" altLang="en-US" sz="1200" dirty="0" smtClean="0"/>
+          </a:p>
+          <a:p>
+            <a:endParaRPr lang="en-US" altLang="en-US" sz="1200" dirty="0" smtClean="0"/>
           </a:p>
         </p:txBody>
       </p:sp>
@@ -19831,7 +19824,7 @@
           <a:lstStyle/>
           <a:p>
             <a:r>
-              <a:rPr lang="en-US" altLang="en-US"/>
+              <a:rPr lang="en-US" altLang="en-US" smtClean="0"/>
               <a:t>Sentiment Analysis</a:t>
             </a:r>
           </a:p>
@@ -19863,11 +19856,11 @@
               <a:defRPr/>
             </a:pPr>
             <a:r>
-              <a:rPr lang="en-US" dirty="0"/>
+              <a:rPr lang="en-US" dirty="0" smtClean="0"/>
               <a:t>“</a:t>
             </a:r>
             <a:r>
-              <a:rPr lang="en-US" dirty="0">
+              <a:rPr lang="en-US" dirty="0" smtClean="0">
                 <a:solidFill>
                   <a:srgbClr val="FF0000"/>
                 </a:solidFill>
@@ -19875,7 +19868,7 @@
               <a:t>I like </a:t>
             </a:r>
             <a:r>
-              <a:rPr lang="en-US" u="sng" dirty="0">
+              <a:rPr lang="en-US" u="sng" dirty="0" smtClean="0">
                 <a:solidFill>
                   <a:srgbClr val="FF0000"/>
                 </a:solidFill>
@@ -19883,35 +19876,35 @@
               <a:t>the camera </a:t>
             </a:r>
             <a:r>
-              <a:rPr lang="en-US" dirty="0"/>
+              <a:rPr lang="en-US" dirty="0" smtClean="0"/>
               <a:t>because I can edit images so easily, exactly as I do my </a:t>
             </a:r>
             <a:r>
-              <a:rPr lang="en-US" dirty="0" err="1"/>
+              <a:rPr lang="en-US" dirty="0" err="1" smtClean="0"/>
               <a:t>iPad</a:t>
             </a:r>
             <a:r>
-              <a:rPr lang="en-US" dirty="0"/>
+              <a:rPr lang="en-US" dirty="0" smtClean="0"/>
               <a:t>. I have found that its difficult to frame a picture when there isn't a zoom function as with the </a:t>
             </a:r>
             <a:r>
-              <a:rPr lang="en-US" dirty="0" err="1"/>
+              <a:rPr lang="en-US" dirty="0" err="1" smtClean="0"/>
               <a:t>iPad</a:t>
             </a:r>
             <a:r>
-              <a:rPr lang="en-US" dirty="0"/>
+              <a:rPr lang="en-US" dirty="0" smtClean="0"/>
               <a:t>. With this camera I can adjust my images by cropping as I did with my </a:t>
             </a:r>
             <a:r>
-              <a:rPr lang="en-US" dirty="0" err="1"/>
+              <a:rPr lang="en-US" dirty="0" err="1" smtClean="0"/>
               <a:t>iPad</a:t>
             </a:r>
             <a:r>
-              <a:rPr lang="en-US" dirty="0"/>
+              <a:rPr lang="en-US" dirty="0" smtClean="0"/>
               <a:t> but </a:t>
             </a:r>
             <a:r>
-              <a:rPr lang="en-US" dirty="0">
+              <a:rPr lang="en-US" dirty="0" smtClean="0">
                 <a:solidFill>
                   <a:srgbClr val="FF0000"/>
                 </a:solidFill>
@@ -19919,19 +19912,19 @@
               <a:t>better yet</a:t>
             </a:r>
             <a:r>
-              <a:rPr lang="en-US" dirty="0"/>
+              <a:rPr lang="en-US" dirty="0" smtClean="0"/>
               <a:t>, this camera has a built in zoom. A stretch or pinch of the fingers bring in the subject closer or back out again. With this iPhone I can also, as I dido with my </a:t>
             </a:r>
             <a:r>
-              <a:rPr lang="en-US" dirty="0" err="1"/>
+              <a:rPr lang="en-US" dirty="0" err="1" smtClean="0"/>
               <a:t>iPad</a:t>
             </a:r>
             <a:r>
-              <a:rPr lang="en-US" dirty="0"/>
+              <a:rPr lang="en-US" dirty="0" smtClean="0"/>
               <a:t>, enhance, crop, rotate, red eye reduce, and set a range of tints. </a:t>
             </a:r>
             <a:r>
-              <a:rPr lang="en-US" dirty="0">
+              <a:rPr lang="en-US" dirty="0" smtClean="0">
                 <a:solidFill>
                   <a:srgbClr val="FF0000"/>
                 </a:solidFill>
@@ -19939,7 +19932,7 @@
               <a:t>I am also quite impressed with </a:t>
             </a:r>
             <a:r>
-              <a:rPr lang="en-US" u="sng" dirty="0">
+              <a:rPr lang="en-US" u="sng" dirty="0" smtClean="0">
                 <a:solidFill>
                   <a:srgbClr val="FF0000"/>
                 </a:solidFill>
@@ -19947,11 +19940,11 @@
               <a:t>the quality of the images</a:t>
             </a:r>
             <a:r>
-              <a:rPr lang="en-US" dirty="0"/>
+              <a:rPr lang="en-US" dirty="0" smtClean="0"/>
               <a:t>. Pretty darn good especially </a:t>
             </a:r>
             <a:r>
-              <a:rPr lang="en-US" dirty="0">
+              <a:rPr lang="en-US" dirty="0" smtClean="0">
                 <a:solidFill>
                   <a:srgbClr val="FF0000"/>
                 </a:solidFill>
@@ -19959,11 +19952,11 @@
               <a:t>better than I expected </a:t>
             </a:r>
             <a:r>
-              <a:rPr lang="en-US" dirty="0"/>
+              <a:rPr lang="en-US" dirty="0" smtClean="0"/>
               <a:t>for low light situations where I can use the built-in flash! Quite frankly </a:t>
             </a:r>
             <a:r>
-              <a:rPr lang="en-US" dirty="0">
+              <a:rPr lang="en-US" dirty="0" smtClean="0">
                 <a:solidFill>
                   <a:srgbClr val="00B0F0"/>
                 </a:solidFill>
@@ -19971,7 +19964,7 @@
               <a:t>I was quite surprised </a:t>
             </a:r>
             <a:r>
-              <a:rPr lang="en-US" u="sng" dirty="0">
+              <a:rPr lang="en-US" u="sng" dirty="0" smtClean="0">
                 <a:solidFill>
                   <a:srgbClr val="00B0F0"/>
                 </a:solidFill>
@@ -19979,7 +19972,7 @@
               <a:t>with these built in features</a:t>
             </a:r>
             <a:r>
-              <a:rPr lang="en-US" dirty="0"/>
+              <a:rPr lang="en-US" dirty="0" smtClean="0"/>
               <a:t>. I also hope too experiment with and learn what HDR photography is. It's built into this iPhone and can be activated by a the touch of an icon. ”</a:t>
             </a:r>
           </a:p>
@@ -19987,22 +19980,23 @@
             <a:pPr>
               <a:defRPr/>
             </a:pPr>
-            <a:endParaRPr lang="en-US" dirty="0"/>
+            <a:endParaRPr lang="en-US" dirty="0" smtClean="0"/>
           </a:p>
           <a:p>
             <a:pPr>
               <a:defRPr/>
             </a:pPr>
             <a:r>
-              <a:rPr lang="en-US" dirty="0">
+              <a:rPr lang="en-US" dirty="0" smtClean="0">
                 <a:hlinkClick r:id="rId2"/>
               </a:rPr>
               <a:t>http://www.epinions.com/review/apple_iphone_5c_latest_model_16gb_graphite_unlocked_smartphone/content_640679317124</a:t>
             </a:r>
             <a:r>
-              <a:rPr lang="en-US" dirty="0"/>
+              <a:rPr lang="en-US" dirty="0" smtClean="0"/>
               <a:t> </a:t>
             </a:r>
+            <a:endParaRPr lang="en-US" dirty="0"/>
           </a:p>
         </p:txBody>
       </p:sp>
@@ -20183,7 +20177,7 @@
           <a:lstStyle/>
           <a:p>
             <a:r>
-              <a:rPr lang="en-US" altLang="en-US"/>
+              <a:rPr lang="en-US" altLang="en-US" smtClean="0"/>
               <a:t>Machine Translation</a:t>
             </a:r>
           </a:p>
@@ -20212,18 +20206,18 @@
           <a:lstStyle/>
           <a:p>
             <a:r>
-              <a:rPr lang="ja-JP" altLang="en-US" dirty="0">
+              <a:rPr lang="ja-JP" altLang="en-US" dirty="0" smtClean="0">
                 <a:ea typeface="MS PGothic" pitchFamily="34" charset="-128"/>
               </a:rPr>
               <a:t>あけましておめでとうございます。 </a:t>
             </a:r>
-            <a:endParaRPr lang="en-US" altLang="ja-JP" dirty="0">
+            <a:endParaRPr lang="en-US" altLang="ja-JP" dirty="0" smtClean="0">
               <a:ea typeface="MS PGothic" pitchFamily="34" charset="-128"/>
             </a:endParaRPr>
           </a:p>
           <a:p>
             <a:r>
-              <a:rPr lang="en-US" altLang="en-US" dirty="0"/>
+              <a:rPr lang="en-US" altLang="en-US" dirty="0" smtClean="0"/>
               <a:t>Happy New Year!</a:t>
             </a:r>
           </a:p>
@@ -20515,7 +20509,7 @@
           <a:lstStyle/>
           <a:p>
             <a:r>
-              <a:rPr lang="en-US" altLang="en-US" dirty="0"/>
+              <a:rPr lang="en-US" altLang="en-US" dirty="0" smtClean="0"/>
               <a:t>Machine Translation</a:t>
             </a:r>
           </a:p>
@@ -20542,13 +20536,13 @@
           <a:lstStyle/>
           <a:p>
             <a:r>
-              <a:rPr lang="en-US" altLang="en-US" dirty="0"/>
+              <a:rPr lang="en-US" altLang="en-US" dirty="0" smtClean="0"/>
               <a:t>Moses</a:t>
             </a:r>
           </a:p>
           <a:p>
             <a:r>
-              <a:rPr lang="en-US" altLang="en-US" sz="1800" dirty="0"/>
+              <a:rPr lang="en-US" altLang="en-US" sz="1800" dirty="0" smtClean="0"/>
               <a:t>www.statmt.org</a:t>
             </a:r>
           </a:p>
@@ -20984,10 +20978,16 @@
               <a:buNone/>
             </a:pPr>
             <a:r>
+              <a:rPr lang="en-US" altLang="en-US" sz="1300" dirty="0" smtClean="0">
+                <a:latin typeface="Calibri" pitchFamily="34" charset="0"/>
+              </a:rPr>
+              <a:t>	Elephants </a:t>
+            </a:r>
+            <a:r>
               <a:rPr lang="en-US" altLang="en-US" sz="1300" dirty="0">
                 <a:latin typeface="Calibri" pitchFamily="34" charset="0"/>
               </a:rPr>
-              <a:t>	Elephants are social animals. They live with their families, give hugs and call each other by using their trunks as trumpets. They also might know how to help each other.</a:t>
+              <a:t>are social animals. They live with their families, give hugs and call each other by using their trunks as trumpets. They also might know how to help each other.</a:t>
             </a:r>
           </a:p>
           <a:p>
@@ -20999,10 +20999,16 @@
               <a:buNone/>
             </a:pPr>
             <a:r>
+              <a:rPr lang="en-US" altLang="en-US" sz="1300" dirty="0" smtClean="0">
+                <a:latin typeface="Calibri" pitchFamily="34" charset="0"/>
+              </a:rPr>
+              <a:t>	In </a:t>
+            </a:r>
+            <a:r>
               <a:rPr lang="en-US" altLang="en-US" sz="1300" dirty="0">
                 <a:latin typeface="Calibri" pitchFamily="34" charset="0"/>
               </a:rPr>
-              <a:t>	In a recent elephant study by researchers from the United States and Thailand, pairs of giant animals learned to work together to get some ears of corn. Other animals, especially some primates, are already known to work together to complete tasks, but now elephants have joined the club. Perhaps the finding is not too surprising: Scientists suspect that elephants, with their big brains and survival savvy, may be among the smartest animals on the planet.</a:t>
+              <a:t>a recent elephant study by researchers from the United States and Thailand, pairs of giant animals learned to work together to get some ears of corn. Other animals, especially some primates, are already known to work together to complete tasks, but now elephants have joined the club. Perhaps the finding is not too surprising: Scientists suspect that elephants, with their big brains and survival savvy, may be among the smartest animals on the planet.</a:t>
             </a:r>
           </a:p>
           <a:p>
@@ -21014,7 +21020,7 @@
               <a:buNone/>
             </a:pPr>
             <a:r>
-              <a:rPr lang="en-US" altLang="en-US" sz="1300" dirty="0">
+              <a:rPr lang="en-US" altLang="en-US" sz="1300" dirty="0" smtClean="0">
                 <a:latin typeface="Calibri" pitchFamily="34" charset="0"/>
               </a:rPr>
               <a:t>	Joshua </a:t>
@@ -21216,10 +21222,16 @@
               <a:buNone/>
             </a:pPr>
             <a:r>
+              <a:rPr lang="fr-FR" altLang="en-US" sz="1300" b="1" dirty="0" smtClean="0">
+                <a:latin typeface="Calibri" pitchFamily="34" charset="0"/>
+              </a:rPr>
+              <a:t>	Les </a:t>
+            </a:r>
+            <a:r>
               <a:rPr lang="fr-FR" altLang="en-US" sz="1300" b="1" dirty="0">
                 <a:latin typeface="Calibri" pitchFamily="34" charset="0"/>
               </a:rPr>
-              <a:t>	Les éléphants sont des animaux sociaux</a:t>
+              <a:t>éléphants sont des animaux sociaux</a:t>
             </a:r>
             <a:r>
               <a:rPr lang="fr-FR" altLang="en-US" sz="1300" dirty="0">
@@ -21233,16 +21245,22 @@
               </a:rPr>
             </a:br>
             <a:r>
-              <a:rPr lang="fr-FR" altLang="en-US" sz="1300" dirty="0">
+              <a:rPr lang="fr-FR" altLang="en-US" sz="1300" dirty="0" smtClean="0">
                 <a:latin typeface="Calibri" pitchFamily="34" charset="0"/>
               </a:rPr>
               <a:t>	</a:t>
+            </a:r>
+            <a:r>
+              <a:rPr lang="fr-FR" altLang="en-US" sz="1300" b="1" dirty="0" smtClean="0">
+                <a:latin typeface="Calibri" pitchFamily="34" charset="0"/>
+              </a:rPr>
+              <a:t>Dans </a:t>
             </a:r>
             <a:r>
               <a:rPr lang="fr-FR" altLang="en-US" sz="1300" b="1" dirty="0">
                 <a:latin typeface="Calibri" pitchFamily="34" charset="0"/>
               </a:rPr>
-              <a:t>Dans une étude récente d'éléphants par des chercheurs des États-Unis et la Thaïlande, des paires d'animaux géants ont appris à travailler ensemble pour obtenir des épis de maïs</a:t>
+              <a:t>une étude récente d'éléphants par des chercheurs des États-Unis et la Thaïlande, des paires d'animaux géants ont appris à travailler ensemble pour obtenir des épis de maïs</a:t>
             </a:r>
             <a:r>
               <a:rPr lang="fr-FR" altLang="en-US" sz="1300" dirty="0">
@@ -21256,7 +21274,7 @@
               </a:rPr>
             </a:br>
             <a:r>
-              <a:rPr lang="fr-FR" altLang="en-US" sz="1300" dirty="0">
+              <a:rPr lang="fr-FR" altLang="en-US" sz="1300" dirty="0" smtClean="0">
                 <a:latin typeface="Calibri" pitchFamily="34" charset="0"/>
               </a:rPr>
               <a:t>	Joshua </a:t>
@@ -21702,10 +21720,16 @@
               <a:buNone/>
             </a:pPr>
             <a:r>
+              <a:rPr lang="en-US" altLang="en-US" sz="1300" dirty="0" smtClean="0">
+                <a:latin typeface="Calibri" pitchFamily="34" charset="0"/>
+              </a:rPr>
+              <a:t>	Elephants </a:t>
+            </a:r>
+            <a:r>
               <a:rPr lang="en-US" altLang="en-US" sz="1300" dirty="0">
                 <a:latin typeface="Calibri" pitchFamily="34" charset="0"/>
               </a:rPr>
-              <a:t>	Elephants are social animals. They live with their families, give hugs and call each other by using their trunks as trumpets. They also might know how to help each other.</a:t>
+              <a:t>are social animals. They live with their families, give hugs and call each other by using their trunks as trumpets. They also might know how to help each other.</a:t>
             </a:r>
           </a:p>
           <a:p>
@@ -21717,10 +21741,16 @@
               <a:buNone/>
             </a:pPr>
             <a:r>
+              <a:rPr lang="en-US" altLang="en-US" sz="1300" dirty="0" smtClean="0">
+                <a:latin typeface="Calibri" pitchFamily="34" charset="0"/>
+              </a:rPr>
+              <a:t>	In </a:t>
+            </a:r>
+            <a:r>
               <a:rPr lang="en-US" altLang="en-US" sz="1300" dirty="0">
                 <a:latin typeface="Calibri" pitchFamily="34" charset="0"/>
               </a:rPr>
-              <a:t>	In a recent elephant study by researchers from the United States and Thailand, pairs of giant animals learned to work together to get some ears of corn. Other animals, especially some primates, are already known to work together to complete tasks, but now elephants have joined the club. Perhaps the finding is not too surprising: Scientists suspect that elephants, with their big brains and survival savvy, may be among the smartest animals on the planet.</a:t>
+              <a:t>a recent elephant study by researchers from the United States and Thailand, pairs of giant animals learned to work together to get some ears of corn. Other animals, especially some primates, are already known to work together to complete tasks, but now elephants have joined the club. Perhaps the finding is not too surprising: Scientists suspect that elephants, with their big brains and survival savvy, may be among the smartest animals on the planet.</a:t>
             </a:r>
           </a:p>
           <a:p>
@@ -21732,7 +21762,7 @@
               <a:buNone/>
             </a:pPr>
             <a:r>
-              <a:rPr lang="en-US" altLang="en-US" sz="1300" dirty="0">
+              <a:rPr lang="en-US" altLang="en-US" sz="1300" dirty="0" smtClean="0">
                 <a:latin typeface="Calibri" pitchFamily="34" charset="0"/>
               </a:rPr>
               <a:t>	Joshua </a:t>
@@ -21934,16 +21964,22 @@
               <a:buNone/>
             </a:pPr>
             <a:r>
-              <a:rPr lang="fr-FR" altLang="en-US" sz="1300" b="1" dirty="0">
+              <a:rPr lang="fr-FR" altLang="en-US" sz="1300" b="1" dirty="0" smtClean="0">
                 <a:latin typeface="Calibri" pitchFamily="34" charset="0"/>
               </a:rPr>
               <a:t>	</a:t>
+            </a:r>
+            <a:r>
+              <a:rPr lang="fr-FR" altLang="en-US" sz="1300" dirty="0" smtClean="0">
+                <a:latin typeface="Calibri" pitchFamily="34" charset="0"/>
+              </a:rPr>
+              <a:t>Les </a:t>
             </a:r>
             <a:r>
               <a:rPr lang="fr-FR" altLang="en-US" sz="1300" dirty="0">
                 <a:latin typeface="Calibri" pitchFamily="34" charset="0"/>
               </a:rPr>
-              <a:t>Les éléphants sont des animaux sociaux. Ils </a:t>
+              <a:t>éléphants sont des animaux sociaux. Ils </a:t>
             </a:r>
             <a:r>
               <a:rPr lang="fr-FR" altLang="en-US" sz="1300" b="1" dirty="0">
@@ -21987,10 +22023,16 @@
               </a:rPr>
             </a:br>
             <a:r>
+              <a:rPr lang="fr-FR" altLang="en-US" sz="1300" dirty="0" smtClean="0">
+                <a:latin typeface="Calibri" pitchFamily="34" charset="0"/>
+              </a:rPr>
+              <a:t>	Dans </a:t>
+            </a:r>
+            <a:r>
               <a:rPr lang="fr-FR" altLang="en-US" sz="1300" dirty="0">
                 <a:latin typeface="Calibri" pitchFamily="34" charset="0"/>
               </a:rPr>
-              <a:t>	Dans une étude récente d'éléphants par des chercheurs des États-Unis et la Thaïlande, des paires d'animaux géants ont appris à travailler ensemble pour obtenir des épis de maïs. D'autres animaux, en particulier des primates, sont déjà connus pour travailler ensemble pour accomplir des tâches, mais maintenant, les éléphants ont rejoint le club. Peut-être le résultat n'est pas trop surprenant: Les scientifiques soupçonnent que </a:t>
+              <a:t>une étude récente d'éléphants par des chercheurs des États-Unis et la Thaïlande, des paires d'animaux géants ont appris à travailler ensemble pour obtenir des épis de maïs. D'autres animaux, en particulier des primates, sont déjà connus pour travailler ensemble pour accomplir des tâches, mais maintenant, les éléphants ont rejoint le club. Peut-être le résultat n'est pas trop surprenant: Les scientifiques soupçonnent que </a:t>
             </a:r>
             <a:r>
               <a:rPr lang="fr-FR" altLang="en-US" sz="1300" b="1" dirty="0">
@@ -22022,7 +22064,7 @@
               </a:rPr>
             </a:br>
             <a:r>
-              <a:rPr lang="fr-FR" altLang="en-US" sz="1300" dirty="0">
+              <a:rPr lang="fr-FR" altLang="en-US" sz="1300" dirty="0" smtClean="0">
                 <a:latin typeface="Calibri" pitchFamily="34" charset="0"/>
               </a:rPr>
               <a:t>	Joshua </a:t>
@@ -22350,7 +22392,7 @@
           <a:lstStyle/>
           <a:p>
             <a:r>
-              <a:rPr lang="en-US" altLang="en-US"/>
+              <a:rPr lang="en-US" altLang="en-US" smtClean="0"/>
               <a:t>Machine Translation</a:t>
             </a:r>
           </a:p>
@@ -25397,6 +25439,21 @@
   <p:clrMapOvr>
     <a:masterClrMapping/>
   </p:clrMapOvr>
+  <mc:AlternateContent xmlns:mc="http://schemas.openxmlformats.org/markup-compatibility/2006" xmlns:p14="http://schemas.microsoft.com/office/powerpoint/2010/main">
+    <mc:Choice Requires="p14">
+      <p:transition spd="slow" p14:dur="2000"/>
+    </mc:Choice>
+    <mc:Fallback xmlns="">
+      <p:transition spd="slow"/>
+    </mc:Fallback>
+  </mc:AlternateContent>
+  <p:timing>
+    <p:tnLst>
+      <p:par>
+        <p:cTn id="1" dur="indefinite" restart="never" nodeType="tmRoot"/>
+      </p:par>
+    </p:tnLst>
+  </p:timing>
 </p:sld>
 </file>
 
@@ -25433,7 +25490,7 @@
           <a:lstStyle/>
           <a:p>
             <a:r>
-              <a:rPr lang="en-US" altLang="en-US" dirty="0"/>
+              <a:rPr lang="en-US" altLang="en-US" dirty="0" smtClean="0"/>
               <a:t>Part of Speech Tagging</a:t>
             </a:r>
           </a:p>
@@ -25460,29 +25517,38 @@
           <a:lstStyle/>
           <a:p>
             <a:r>
+              <a:rPr lang="en-US" dirty="0" smtClean="0"/>
+              <a:t>Run </a:t>
+            </a:r>
+            <a:r>
               <a:rPr lang="en-US" dirty="0"/>
-              <a:t>Run – </a:t>
-            </a:r>
-            <a:r>
-              <a:rPr lang="en-US"/>
+              <a:t>–</a:t>
+            </a:r>
+            <a:r>
+              <a:rPr lang="en-US" dirty="0" smtClean="0"/>
+              <a:t> </a:t>
+            </a:r>
+            <a:r>
+              <a:rPr lang="en-US" smtClean="0"/>
               <a:t>verb or </a:t>
             </a:r>
             <a:r>
-              <a:rPr lang="en-US" dirty="0"/>
+              <a:rPr lang="en-US" dirty="0" smtClean="0"/>
               <a:t>noun? </a:t>
             </a:r>
           </a:p>
           <a:p>
             <a:r>
-              <a:rPr lang="en-US" dirty="0"/>
+              <a:rPr lang="en-US" dirty="0" smtClean="0"/>
               <a:t>Final – noun or adjective?</a:t>
             </a:r>
           </a:p>
           <a:p>
             <a:r>
-              <a:rPr lang="en-US" dirty="0"/>
+              <a:rPr lang="en-US" dirty="0" smtClean="0"/>
               <a:t>Race – verb or noun?</a:t>
             </a:r>
+            <a:endParaRPr lang="en-US" dirty="0"/>
           </a:p>
         </p:txBody>
       </p:sp>
@@ -25509,26 +25575,30 @@
           <a:lstStyle/>
           <a:p>
             <a:r>
-              <a:rPr lang="en-US" dirty="0">
+              <a:rPr lang="en-US" dirty="0" smtClean="0">
                 <a:latin typeface="Courier New" panose="02070309020205020404" pitchFamily="49" charset="0"/>
                 <a:cs typeface="Courier New" panose="02070309020205020404" pitchFamily="49" charset="0"/>
               </a:rPr>
               <a:t>The swimmer is getting ready to </a:t>
             </a:r>
             <a:r>
-              <a:rPr lang="en-US" b="1" dirty="0">
+              <a:rPr lang="en-US" b="1" dirty="0" smtClean="0">
                 <a:latin typeface="Courier New" panose="02070309020205020404" pitchFamily="49" charset="0"/>
                 <a:cs typeface="Courier New" panose="02070309020205020404" pitchFamily="49" charset="0"/>
               </a:rPr>
               <a:t>run </a:t>
             </a:r>
             <a:r>
-              <a:rPr lang="en-US" dirty="0">
+              <a:rPr lang="en-US" dirty="0" smtClean="0">
                 <a:latin typeface="Courier New" panose="02070309020205020404" pitchFamily="49" charset="0"/>
                 <a:cs typeface="Courier New" panose="02070309020205020404" pitchFamily="49" charset="0"/>
               </a:rPr>
               <a:t>in the final race.</a:t>
             </a:r>
+            <a:endParaRPr lang="en-US" dirty="0">
+              <a:latin typeface="Courier New" panose="02070309020205020404" pitchFamily="49" charset="0"/>
+              <a:cs typeface="Courier New" panose="02070309020205020404" pitchFamily="49" charset="0"/>
+            </a:endParaRPr>
           </a:p>
         </p:txBody>
       </p:sp>
@@ -25758,7 +25828,7 @@
           <a:lstStyle/>
           <a:p>
             <a:r>
-              <a:rPr lang="en-US" altLang="en-US"/>
+              <a:rPr lang="en-US" altLang="en-US" smtClean="0"/>
               <a:t>Machine Translation</a:t>
             </a:r>
           </a:p>
@@ -25785,7 +25855,7 @@
           <a:lstStyle/>
           <a:p>
             <a:r>
-              <a:rPr lang="en-US" altLang="en-US" dirty="0"/>
+              <a:rPr lang="en-US" altLang="en-US" dirty="0" smtClean="0"/>
               <a:t>IBM Method</a:t>
             </a:r>
           </a:p>
@@ -27306,7 +27376,7 @@
               <a:buNone/>
             </a:pPr>
             <a:r>
-              <a:rPr lang="en-US" altLang="en-US" sz="1800" dirty="0">
+              <a:rPr lang="en-US" altLang="en-US" sz="1800" dirty="0" smtClean="0">
                 <a:solidFill>
                   <a:srgbClr val="000000"/>
                 </a:solidFill>
@@ -27314,6 +27384,12 @@
               </a:rPr>
               <a:t>Language model</a:t>
             </a:r>
+            <a:endParaRPr lang="en-US" altLang="en-US" sz="1800" dirty="0">
+              <a:solidFill>
+                <a:srgbClr val="000000"/>
+              </a:solidFill>
+              <a:latin typeface="Calibri" pitchFamily="34" charset="0"/>
+            </a:endParaRPr>
           </a:p>
         </p:txBody>
       </p:sp>
@@ -27492,7 +27568,7 @@
               <a:buNone/>
             </a:pPr>
             <a:r>
-              <a:rPr lang="en-US" altLang="en-US" sz="1800" dirty="0">
+              <a:rPr lang="en-US" altLang="en-US" sz="1800" dirty="0" smtClean="0">
                 <a:solidFill>
                   <a:srgbClr val="000000"/>
                 </a:solidFill>
@@ -27500,6 +27576,12 @@
               </a:rPr>
               <a:t>Translation model</a:t>
             </a:r>
+            <a:endParaRPr lang="en-US" altLang="en-US" sz="1800" dirty="0">
+              <a:solidFill>
+                <a:srgbClr val="000000"/>
+              </a:solidFill>
+              <a:latin typeface="Calibri" pitchFamily="34" charset="0"/>
+            </a:endParaRPr>
           </a:p>
         </p:txBody>
       </p:sp>
@@ -27513,6 +27595,14 @@
   <p:clrMapOvr>
     <a:masterClrMapping/>
   </p:clrMapOvr>
+  <mc:AlternateContent xmlns:mc="http://schemas.openxmlformats.org/markup-compatibility/2006" xmlns:p14="http://schemas.microsoft.com/office/powerpoint/2010/main">
+    <mc:Choice Requires="p14">
+      <p:transition spd="slow" p14:dur="2000"/>
+    </mc:Choice>
+    <mc:Fallback xmlns="">
+      <p:transition spd="slow"/>
+    </mc:Fallback>
+  </mc:AlternateContent>
   <p:timing>
     <p:tnLst>
       <p:par>
@@ -27807,9 +27897,10 @@
           <a:lstStyle/>
           <a:p>
             <a:r>
-              <a:rPr lang="en-US" dirty="0"/>
+              <a:rPr lang="en-US" dirty="0" smtClean="0"/>
               <a:t>Single Document Summarization</a:t>
             </a:r>
+            <a:endParaRPr lang="en-US" dirty="0"/>
           </a:p>
         </p:txBody>
       </p:sp>
@@ -27917,7 +28008,7 @@
           <a:lstStyle/>
           <a:p>
             <a:r>
-              <a:rPr lang="en-US" altLang="en-US" dirty="0"/>
+              <a:rPr lang="en-US" altLang="en-US" dirty="0" smtClean="0"/>
               <a:t>Multi Document Summarization</a:t>
             </a:r>
           </a:p>
@@ -27949,37 +28040,37 @@
               <a:buNone/>
             </a:pPr>
             <a:r>
-              <a:rPr lang="en-US" altLang="en-US" sz="1050" b="1" dirty="0"/>
+              <a:rPr lang="en-US" altLang="en-US" sz="1050" b="1" dirty="0" smtClean="0"/>
               <a:t>Health Benefits</a:t>
             </a:r>
           </a:p>
           <a:p>
             <a:r>
-              <a:rPr lang="en-US" altLang="en-US" sz="1050" dirty="0"/>
+              <a:rPr lang="en-US" altLang="en-US" sz="1050" dirty="0" smtClean="0"/>
               <a:t>Eating a diet rich in vegetables and fruits as part of an overall healthy diet may reduce risk for heart disease, including heart attack and stroke.</a:t>
             </a:r>
           </a:p>
           <a:p>
             <a:r>
-              <a:rPr lang="en-US" altLang="en-US" sz="1050" dirty="0"/>
+              <a:rPr lang="en-US" altLang="en-US" sz="1050" dirty="0" smtClean="0"/>
               <a:t>Eating a diet rich in some vegetables and fruits as part of an overall healthy diet may protect against certain types of cancers.</a:t>
             </a:r>
           </a:p>
           <a:p>
             <a:r>
-              <a:rPr lang="en-US" altLang="en-US" sz="1050" dirty="0"/>
+              <a:rPr lang="en-US" altLang="en-US" sz="1050" dirty="0" smtClean="0"/>
               <a:t>Diets rich in foods containing fiber, such as some vegetables and fruits, may reduce the risk of heart disease, obesity, and type 2 diabetes.</a:t>
             </a:r>
           </a:p>
           <a:p>
             <a:r>
-              <a:rPr lang="en-US" altLang="en-US" sz="1050" dirty="0"/>
+              <a:rPr lang="en-US" altLang="en-US" sz="1050" dirty="0" smtClean="0"/>
               <a:t>Eating vegetables and fruits rich in potassium as part of an overall healthy diet may lower blood pressure, and may also reduce the risk of developing kidney stones and help to decrease bone loss.</a:t>
             </a:r>
           </a:p>
           <a:p>
             <a:r>
-              <a:rPr lang="en-US" altLang="en-US" sz="1050" dirty="0"/>
+              <a:rPr lang="en-US" altLang="en-US" sz="1050" dirty="0" smtClean="0"/>
               <a:t>Eating foods such as vegetables that are lower in calories per cup instead of some other higher-calorie food may be useful in helping to lower calorie intake.</a:t>
             </a:r>
           </a:p>
@@ -27988,57 +28079,57 @@
               <a:buNone/>
             </a:pPr>
             <a:r>
-              <a:rPr lang="en-US" altLang="en-US" sz="1050" b="1" dirty="0"/>
+              <a:rPr lang="en-US" altLang="en-US" sz="1050" b="1" dirty="0" smtClean="0"/>
               <a:t>Nutrients</a:t>
             </a:r>
           </a:p>
           <a:p>
             <a:r>
-              <a:rPr lang="en-US" altLang="en-US" sz="1050" dirty="0"/>
+              <a:rPr lang="en-US" altLang="en-US" sz="1050" dirty="0" smtClean="0"/>
               <a:t>Most vegetables are naturally low in fat and calories. None have cholesterol. (Sauces or seasonings may add fat, calories, or cholesterol.)</a:t>
             </a:r>
           </a:p>
           <a:p>
             <a:r>
-              <a:rPr lang="en-US" altLang="en-US" sz="1050" dirty="0"/>
+              <a:rPr lang="en-US" altLang="en-US" sz="1050" dirty="0" smtClean="0"/>
               <a:t>Vegetables are important sources of many nutrients, including potassium, dietary fiber, folate (folic acid), vitamin A, and vitamin C.</a:t>
             </a:r>
           </a:p>
           <a:p>
             <a:r>
-              <a:rPr lang="en-US" altLang="en-US" sz="1050" dirty="0"/>
+              <a:rPr lang="en-US" altLang="en-US" sz="1050" dirty="0" smtClean="0"/>
               <a:t>Diets rich in potassium may help to maintain healthy blood pressure. Vegetable sources of potassium include sweet potatoes, white potatoes, white beans, tomato products (paste, sauce, and juice), beet greens, soybeans, lima beans, spinach, lentils, and kidney beans.</a:t>
             </a:r>
           </a:p>
           <a:p>
             <a:r>
-              <a:rPr lang="en-US" altLang="en-US" sz="1050" dirty="0"/>
+              <a:rPr lang="en-US" altLang="en-US" sz="1050" dirty="0" smtClean="0"/>
               <a:t>Dietary fiber from vegetables, as part of an overall healthy diet, helps reduce blood cholesterol levels and may lower risk of heart disease. Fiber is important for proper bowel function. It helps reduce constipation and diverticulosis. Fiber-containing foods such as vegetables help provide a feeling of fullness with fewer calories.</a:t>
             </a:r>
           </a:p>
           <a:p>
             <a:r>
-              <a:rPr lang="en-US" altLang="en-US" sz="1050" dirty="0"/>
+              <a:rPr lang="en-US" altLang="en-US" sz="1050" dirty="0" smtClean="0"/>
               <a:t>Folate (folic acid) helps the body form red blood cells. Women of childbearing age who may become pregnant should consume adequate folate from foods, and in addition 400 mcg of synthetic folic acid from fortified foods or supplements. This reduces the risk of neural tube defects, </a:t>
             </a:r>
             <a:r>
-              <a:rPr lang="en-US" altLang="en-US" sz="1050" dirty="0" err="1"/>
+              <a:rPr lang="en-US" altLang="en-US" sz="1050" dirty="0" err="1" smtClean="0"/>
               <a:t>spina</a:t>
             </a:r>
             <a:r>
-              <a:rPr lang="en-US" altLang="en-US" sz="1050" dirty="0"/>
+              <a:rPr lang="en-US" altLang="en-US" sz="1050" dirty="0" smtClean="0"/>
               <a:t> bifida, and anencephaly during fetal development.</a:t>
             </a:r>
           </a:p>
           <a:p>
             <a:r>
-              <a:rPr lang="en-US" altLang="en-US" sz="1050" dirty="0"/>
+              <a:rPr lang="en-US" altLang="en-US" sz="1050" dirty="0" smtClean="0"/>
               <a:t>Vitamin A keeps eyes and skin healthy and helps to protect against infections.</a:t>
             </a:r>
           </a:p>
           <a:p>
             <a:r>
-              <a:rPr lang="en-US" altLang="en-US" sz="1050" dirty="0"/>
+              <a:rPr lang="en-US" altLang="en-US" sz="1050" dirty="0" smtClean="0"/>
               <a:t>Vitamin C helps heal cuts and wounds and keeps teeth and gums healthy. Vitamin C aids in iron absorption.</a:t>
             </a:r>
           </a:p>
@@ -28809,7 +28900,7 @@
           <a:lstStyle/>
           <a:p>
             <a:r>
-              <a:rPr lang="en-US" altLang="en-US" dirty="0"/>
+              <a:rPr lang="en-US" altLang="en-US" dirty="0" smtClean="0"/>
               <a:t>Summary</a:t>
             </a:r>
           </a:p>
@@ -29248,6 +29339,14 @@
   <p:clrMapOvr>
     <a:masterClrMapping/>
   </p:clrMapOvr>
+  <mc:AlternateContent xmlns:mc="http://schemas.openxmlformats.org/markup-compatibility/2006" xmlns:p14="http://schemas.microsoft.com/office/powerpoint/2010/main">
+    <mc:Choice Requires="p14">
+      <p:transition spd="slow" p14:dur="2000"/>
+    </mc:Choice>
+    <mc:Fallback xmlns="">
+      <p:transition spd="slow"/>
+    </mc:Fallback>
+  </mc:AlternateContent>
   <p:timing>
     <p:tnLst>
       <p:par>
@@ -29364,9 +29463,10 @@
           <a:lstStyle/>
           <a:p>
             <a:r>
-              <a:rPr lang="en-US" dirty="0"/>
+              <a:rPr lang="en-US" dirty="0" smtClean="0"/>
               <a:t>Question Answering</a:t>
             </a:r>
+            <a:endParaRPr lang="en-US" dirty="0"/>
           </a:p>
         </p:txBody>
       </p:sp>
@@ -29451,9 +29551,10 @@
           <a:lstStyle/>
           <a:p>
             <a:r>
-              <a:rPr lang="en-US" dirty="0"/>
+              <a:rPr lang="en-US" dirty="0" smtClean="0"/>
               <a:t>Sentiment Analysis</a:t>
             </a:r>
+            <a:endParaRPr lang="en-US" dirty="0"/>
           </a:p>
         </p:txBody>
       </p:sp>
@@ -29533,9 +29634,10 @@
           <a:lstStyle/>
           <a:p>
             <a:r>
-              <a:rPr lang="en-US" dirty="0"/>
+              <a:rPr lang="en-US" dirty="0" smtClean="0"/>
               <a:t>Caption Generation</a:t>
             </a:r>
+            <a:endParaRPr lang="en-US" dirty="0"/>
           </a:p>
         </p:txBody>
       </p:sp>
@@ -29628,9 +29730,10 @@
           <a:lstStyle/>
           <a:p>
             <a:r>
-              <a:rPr lang="en-US" dirty="0"/>
+              <a:rPr lang="en-US" dirty="0" smtClean="0"/>
               <a:t>Visual Question Answering</a:t>
             </a:r>
+            <a:endParaRPr lang="en-US" dirty="0"/>
           </a:p>
         </p:txBody>
       </p:sp>
@@ -29704,9 +29807,10 @@
           <a:lstStyle/>
           <a:p>
             <a:r>
-              <a:rPr lang="en-US" dirty="0"/>
+              <a:rPr lang="en-US" dirty="0" smtClean="0"/>
               <a:t>Conversational Agents</a:t>
             </a:r>
+            <a:endParaRPr lang="en-US" dirty="0"/>
           </a:p>
         </p:txBody>
       </p:sp>
@@ -29756,9 +29860,10 @@
           <a:lstStyle/>
           <a:p>
             <a:r>
-              <a:rPr lang="en-US" dirty="0"/>
+              <a:rPr lang="en-US" dirty="0" smtClean="0"/>
               <a:t>https://www.oreilly.com/library/view/iphone-the-missing/9781449372781/ch04.html</a:t>
             </a:r>
+            <a:endParaRPr lang="en-US" dirty="0"/>
           </a:p>
         </p:txBody>
       </p:sp>
@@ -29808,7 +29913,7 @@
           <a:lstStyle/>
           <a:p>
             <a:r>
-              <a:rPr lang="en-US" altLang="en-US" dirty="0"/>
+              <a:rPr lang="en-US" altLang="en-US" dirty="0" smtClean="0"/>
               <a:t>Part of Speech Tagging</a:t>
             </a:r>
           </a:p>
@@ -29837,21 +29942,21 @@
           <a:lstStyle/>
           <a:p>
             <a:r>
-              <a:rPr lang="en-US" dirty="0">
+              <a:rPr lang="en-US" dirty="0" smtClean="0">
                 <a:latin typeface="Courier New" panose="02070309020205020404" pitchFamily="49" charset="0"/>
                 <a:cs typeface="Courier New" panose="02070309020205020404" pitchFamily="49" charset="0"/>
               </a:rPr>
               <a:t>The candidate is preparing for his </a:t>
             </a:r>
             <a:r>
-              <a:rPr lang="en-US" b="1" dirty="0">
+              <a:rPr lang="en-US" b="1" dirty="0" smtClean="0">
                 <a:latin typeface="Courier New" panose="02070309020205020404" pitchFamily="49" charset="0"/>
                 <a:cs typeface="Courier New" panose="02070309020205020404" pitchFamily="49" charset="0"/>
               </a:rPr>
               <a:t>run</a:t>
             </a:r>
             <a:r>
-              <a:rPr lang="en-US" dirty="0">
+              <a:rPr lang="en-US" dirty="0" smtClean="0">
                 <a:latin typeface="Courier New" panose="02070309020205020404" pitchFamily="49" charset="0"/>
                 <a:cs typeface="Courier New" panose="02070309020205020404" pitchFamily="49" charset="0"/>
               </a:rPr>
@@ -29860,26 +29965,30 @@
           </a:p>
           <a:p>
             <a:r>
-              <a:rPr lang="en-US" dirty="0">
+              <a:rPr lang="en-US" dirty="0" smtClean="0">
                 <a:latin typeface="Courier New" panose="02070309020205020404" pitchFamily="49" charset="0"/>
                 <a:cs typeface="Courier New" panose="02070309020205020404" pitchFamily="49" charset="0"/>
               </a:rPr>
               <a:t>The swimmer is getting ready to </a:t>
             </a:r>
             <a:r>
-              <a:rPr lang="en-US" b="1" dirty="0">
+              <a:rPr lang="en-US" b="1" dirty="0" smtClean="0">
                 <a:latin typeface="Courier New" panose="02070309020205020404" pitchFamily="49" charset="0"/>
                 <a:cs typeface="Courier New" panose="02070309020205020404" pitchFamily="49" charset="0"/>
               </a:rPr>
               <a:t>run </a:t>
             </a:r>
             <a:r>
-              <a:rPr lang="en-US" dirty="0">
+              <a:rPr lang="en-US" dirty="0" smtClean="0">
                 <a:latin typeface="Courier New" panose="02070309020205020404" pitchFamily="49" charset="0"/>
                 <a:cs typeface="Courier New" panose="02070309020205020404" pitchFamily="49" charset="0"/>
               </a:rPr>
               <a:t>in the final race.</a:t>
             </a:r>
+            <a:endParaRPr lang="en-US" dirty="0">
+              <a:latin typeface="Courier New" panose="02070309020205020404" pitchFamily="49" charset="0"/>
+              <a:cs typeface="Courier New" panose="02070309020205020404" pitchFamily="49" charset="0"/>
+            </a:endParaRPr>
           </a:p>
         </p:txBody>
       </p:sp>
@@ -29893,6 +30002,13 @@
   <p:clrMapOvr>
     <a:masterClrMapping/>
   </p:clrMapOvr>
+  <p:timing>
+    <p:tnLst>
+      <p:par>
+        <p:cTn id="1" dur="indefinite" restart="never" nodeType="tmRoot"/>
+      </p:par>
+    </p:tnLst>
+  </p:timing>
 </p:sld>
 </file>
 
@@ -29929,9 +30045,10 @@
           <a:lstStyle/>
           <a:p>
             <a:r>
-              <a:rPr lang="en-US" dirty="0"/>
+              <a:rPr lang="en-US" dirty="0" smtClean="0"/>
               <a:t>Speech Recognition</a:t>
             </a:r>
+            <a:endParaRPr lang="en-US" dirty="0"/>
           </a:p>
         </p:txBody>
       </p:sp>
@@ -30248,9 +30365,10 @@
           <a:lstStyle/>
           <a:p>
             <a:r>
-              <a:rPr lang="en-US" dirty="0"/>
+              <a:rPr lang="en-US" dirty="0" smtClean="0"/>
               <a:t>Text to Speech</a:t>
             </a:r>
+            <a:endParaRPr lang="en-US" dirty="0"/>
           </a:p>
         </p:txBody>
       </p:sp>
@@ -30264,6 +30382,14 @@
   <p:clrMapOvr>
     <a:masterClrMapping/>
   </p:clrMapOvr>
+  <mc:AlternateContent xmlns:mc="http://schemas.openxmlformats.org/markup-compatibility/2006" xmlns:p14="http://schemas.microsoft.com/office/powerpoint/2010/main">
+    <mc:Choice Requires="p14">
+      <p:transition spd="slow" p14:dur="2000"/>
+    </mc:Choice>
+    <mc:Fallback xmlns="">
+      <p:transition spd="slow"/>
+    </mc:Fallback>
+  </mc:AlternateContent>
   <p:timing>
     <p:tnLst>
       <p:par>
@@ -30423,7 +30549,7 @@
           <a:lstStyle/>
           <a:p>
             <a:r>
-              <a:rPr lang="en-US" altLang="en-US" dirty="0"/>
+              <a:rPr lang="en-US" altLang="en-US" dirty="0" smtClean="0"/>
               <a:t>Text to Speech</a:t>
             </a:r>
           </a:p>
@@ -30445,15 +30571,15 @@
           <a:lstStyle/>
           <a:p>
             <a:r>
-              <a:rPr lang="en-US" altLang="en-US" dirty="0">
+              <a:rPr lang="en-US" altLang="en-US" dirty="0" smtClean="0">
                 <a:hlinkClick r:id="rId2"/>
               </a:rPr>
               <a:t>www.ivona.com</a:t>
             </a:r>
-            <a:endParaRPr lang="en-US" altLang="en-US" dirty="0"/>
-          </a:p>
-          <a:p>
-            <a:endParaRPr lang="en-US" altLang="en-US" dirty="0"/>
+            <a:endParaRPr lang="en-US" altLang="en-US" dirty="0" smtClean="0"/>
+          </a:p>
+          <a:p>
+            <a:endParaRPr lang="en-US" altLang="en-US" dirty="0" smtClean="0"/>
           </a:p>
         </p:txBody>
       </p:sp>
@@ -30467,6 +30593,14 @@
   <p:clrMapOvr>
     <a:masterClrMapping/>
   </p:clrMapOvr>
+  <mc:AlternateContent xmlns:mc="http://schemas.openxmlformats.org/markup-compatibility/2006" xmlns:p14="http://schemas.microsoft.com/office/powerpoint/2010/main">
+    <mc:Choice Requires="p14">
+      <p:transition spd="slow" p14:dur="2000"/>
+    </mc:Choice>
+    <mc:Fallback xmlns="">
+      <p:transition spd="slow"/>
+    </mc:Fallback>
+  </mc:AlternateContent>
   <p:timing>
     <p:tnLst>
       <p:par>
@@ -30590,7 +30724,7 @@
           <a:lstStyle/>
           <a:p>
             <a:r>
-              <a:rPr lang="en-US" altLang="en-US" dirty="0"/>
+              <a:rPr lang="en-US" altLang="en-US" dirty="0" smtClean="0"/>
               <a:t>Entailment and Paraphrasing</a:t>
             </a:r>
           </a:p>
@@ -31030,7 +31164,7 @@
           <a:lstStyle/>
           <a:p>
             <a:r>
-              <a:rPr lang="en-US" altLang="en-US"/>
+              <a:rPr lang="en-US" altLang="en-US" smtClean="0"/>
               <a:t>Discourse Analysis</a:t>
             </a:r>
           </a:p>
@@ -31054,10 +31188,10 @@
           <a:lstStyle/>
           <a:p>
             <a:r>
-              <a:rPr lang="en-US" altLang="en-US" sz="2400" dirty="0"/>
+              <a:rPr lang="en-US" altLang="en-US" sz="2400" dirty="0" smtClean="0"/>
               <a:t>Anaphoric relations:</a:t>
             </a:r>
-            <a:endParaRPr lang="en-US" altLang="en-US" sz="2400" i="1" dirty="0"/>
+            <a:endParaRPr lang="en-US" altLang="en-US" sz="2400" i="1" dirty="0" smtClean="0"/>
           </a:p>
         </p:txBody>
       </p:sp>
@@ -31664,7 +31798,7 @@
           <a:p>
             <a:pPr eaLnBrk="1" hangingPunct="1"/>
             <a:r>
-              <a:rPr lang="en-US" altLang="en-US"/>
+              <a:rPr lang="en-US" altLang="en-US" smtClean="0"/>
               <a:t>Dialogue Systems</a:t>
             </a:r>
           </a:p>
@@ -31686,31 +31820,31 @@
           <a:lstStyle/>
           <a:p>
             <a:r>
-              <a:rPr lang="en-US" altLang="en-US" dirty="0"/>
+              <a:rPr lang="en-US" altLang="en-US" dirty="0" smtClean="0"/>
               <a:t>I would like to make a reservation at Sorrento.</a:t>
             </a:r>
           </a:p>
           <a:p>
             <a:r>
-              <a:rPr lang="en-US" altLang="en-US" dirty="0"/>
+              <a:rPr lang="en-US" altLang="en-US" dirty="0" smtClean="0"/>
               <a:t>For when?</a:t>
             </a:r>
           </a:p>
           <a:p>
             <a:r>
-              <a:rPr lang="en-US" altLang="en-US" dirty="0"/>
+              <a:rPr lang="en-US" altLang="en-US" dirty="0" smtClean="0"/>
               <a:t>8 pm Friday night.</a:t>
             </a:r>
           </a:p>
           <a:p>
             <a:r>
-              <a:rPr lang="en-US" altLang="en-US" dirty="0"/>
+              <a:rPr lang="en-US" altLang="en-US" dirty="0" smtClean="0"/>
               <a:t>We only have availability for 7 pm and 10 pm.</a:t>
             </a:r>
           </a:p>
           <a:p>
             <a:r>
-              <a:rPr lang="en-US" altLang="en-US" dirty="0"/>
+              <a:rPr lang="en-US" altLang="en-US" dirty="0" smtClean="0"/>
               <a:t>Sorry, these don't work for me.</a:t>
             </a:r>
           </a:p>
@@ -32045,11 +32179,14 @@
           <a:lstStyle/>
           <a:p>
             <a:r>
-              <a:rPr lang="en-US" sz="18000" dirty="0">
+              <a:rPr lang="en-US" sz="18000" dirty="0" smtClean="0">
                 <a:latin typeface="Rockwell Extra Bold" panose="02060903040505020403" pitchFamily="18" charset="0"/>
               </a:rPr>
               <a:t>NLP</a:t>
             </a:r>
+            <a:endParaRPr lang="en-US" sz="18000" dirty="0">
+              <a:latin typeface="Rockwell Extra Bold" panose="02060903040505020403" pitchFamily="18" charset="0"/>
+            </a:endParaRPr>
           </a:p>
         </p:txBody>
       </p:sp>
@@ -32063,6 +32200,13 @@
   <p:clrMapOvr>
     <a:masterClrMapping/>
   </p:clrMapOvr>
+  <p:timing>
+    <p:tnLst>
+      <p:par>
+        <p:cTn id="1" dur="indefinite" restart="never" nodeType="tmRoot"/>
+      </p:par>
+    </p:tnLst>
+  </p:timing>
 </p:sld>
 </file>
 
@@ -32099,7 +32243,7 @@
           <a:lstStyle/>
           <a:p>
             <a:r>
-              <a:rPr lang="en-US" altLang="en-US"/>
+              <a:rPr lang="en-US" altLang="en-US" smtClean="0"/>
               <a:t>Parsing</a:t>
             </a:r>
           </a:p>
@@ -32123,48 +32267,48 @@
           <a:lstStyle/>
           <a:p>
             <a:r>
-              <a:rPr lang="en-US" altLang="en-US"/>
+              <a:rPr lang="en-US" altLang="en-US" smtClean="0"/>
               <a:t>Myriam slept.</a:t>
             </a:r>
           </a:p>
           <a:p>
             <a:r>
-              <a:rPr lang="en-US" altLang="en-US"/>
+              <a:rPr lang="en-US" altLang="en-US" smtClean="0"/>
               <a:t>Myriam wrote a novel.</a:t>
             </a:r>
           </a:p>
           <a:p>
             <a:r>
-              <a:rPr lang="en-US" altLang="en-US"/>
+              <a:rPr lang="en-US" altLang="en-US" smtClean="0"/>
               <a:t>Myriam gave Sally flowers.</a:t>
             </a:r>
           </a:p>
           <a:p>
             <a:r>
-              <a:rPr lang="en-US" altLang="en-US"/>
+              <a:rPr lang="en-US" altLang="en-US" smtClean="0"/>
               <a:t>Myriam ate pizza with olives.</a:t>
             </a:r>
           </a:p>
           <a:p>
             <a:r>
-              <a:rPr lang="en-US" altLang="en-US"/>
+              <a:rPr lang="en-US" altLang="en-US" smtClean="0"/>
               <a:t>Myriam ate pizza with Sally.</a:t>
             </a:r>
           </a:p>
           <a:p>
             <a:r>
-              <a:rPr lang="en-US" altLang="en-US"/>
+              <a:rPr lang="en-US" altLang="en-US" smtClean="0"/>
               <a:t>Myriam ate pizza with a fork.</a:t>
             </a:r>
           </a:p>
           <a:p>
             <a:r>
-              <a:rPr lang="en-US" altLang="en-US"/>
+              <a:rPr lang="en-US" altLang="en-US" smtClean="0"/>
               <a:t>Myriam ate pizza with remorse.</a:t>
             </a:r>
           </a:p>
           <a:p>
-            <a:endParaRPr lang="en-US" altLang="en-US"/>
+            <a:endParaRPr lang="en-US" altLang="en-US" smtClean="0"/>
           </a:p>
         </p:txBody>
       </p:sp>
@@ -32178,6 +32322,13 @@
   <p:clrMapOvr>
     <a:masterClrMapping/>
   </p:clrMapOvr>
+  <p:timing>
+    <p:tnLst>
+      <p:par>
+        <p:cTn id="1" dur="indefinite" restart="never" nodeType="tmRoot"/>
+      </p:par>
+    </p:tnLst>
+  </p:timing>
 </p:sld>
 </file>
 
@@ -32214,7 +32365,7 @@
           <a:lstStyle/>
           <a:p>
             <a:r>
-              <a:rPr lang="en-US" altLang="en-US" dirty="0"/>
+              <a:rPr lang="en-US" altLang="en-US" dirty="0" smtClean="0"/>
               <a:t>Phrase-Structure Grammar</a:t>
             </a:r>
           </a:p>
@@ -32877,6 +33028,15 @@
               </a:rPr>
               <a:t>the</a:t>
             </a:r>
+            <a:r>
+              <a:rPr lang="en-US" altLang="en-US" sz="1800" dirty="0">
+                <a:solidFill>
+                  <a:srgbClr val="000000"/>
+                </a:solidFill>
+                <a:latin typeface="Courier New" pitchFamily="49" charset="0"/>
+              </a:rPr>
+              <a:t/>
+            </a:r>
             <a:br>
               <a:rPr lang="en-US" altLang="en-US" sz="1800" dirty="0">
                 <a:solidFill>
@@ -32914,6 +33074,15 @@
               </a:rPr>
               <a:t>that</a:t>
             </a:r>
+            <a:r>
+              <a:rPr lang="en-US" altLang="en-US" sz="1800" dirty="0">
+                <a:solidFill>
+                  <a:srgbClr val="000000"/>
+                </a:solidFill>
+                <a:latin typeface="Courier New" pitchFamily="49" charset="0"/>
+              </a:rPr>
+              <a:t/>
+            </a:r>
             <a:br>
               <a:rPr lang="en-US" altLang="en-US" sz="1800" dirty="0">
                 <a:solidFill>
@@ -32951,6 +33120,15 @@
               </a:rPr>
               <a:t>a</a:t>
             </a:r>
+            <a:r>
+              <a:rPr lang="en-US" altLang="en-US" sz="1800" dirty="0">
+                <a:solidFill>
+                  <a:srgbClr val="000000"/>
+                </a:solidFill>
+                <a:latin typeface="Courier New" pitchFamily="49" charset="0"/>
+              </a:rPr>
+              <a:t/>
+            </a:r>
             <a:br>
               <a:rPr lang="en-US" altLang="en-US" sz="1800" dirty="0">
                 <a:solidFill>
@@ -33025,7 +33203,7 @@
               <a:t> </a:t>
             </a:r>
             <a:r>
-              <a:rPr lang="en-US" altLang="en-US" sz="1800" i="1" dirty="0">
+              <a:rPr lang="en-US" altLang="en-US" sz="1800" i="1" dirty="0" smtClean="0">
                 <a:solidFill>
                   <a:srgbClr val="000000"/>
                 </a:solidFill>
@@ -33035,13 +33213,22 @@
               <a:t>window</a:t>
             </a:r>
             <a:r>
+              <a:rPr lang="en-US" altLang="en-US" sz="1800" dirty="0" smtClean="0">
+                <a:solidFill>
+                  <a:srgbClr val="000000"/>
+                </a:solidFill>
+                <a:latin typeface="Courier New" pitchFamily="49" charset="0"/>
+              </a:rPr>
+              <a:t> </a:t>
+            </a:r>
+            <a:r>
               <a:rPr lang="en-US" altLang="en-US" sz="1800" dirty="0">
                 <a:solidFill>
                   <a:srgbClr val="000000"/>
                 </a:solidFill>
                 <a:latin typeface="Courier New" pitchFamily="49" charset="0"/>
               </a:rPr>
-              <a:t> </a:t>
+              <a:t/>
             </a:r>
             <a:br>
               <a:rPr lang="en-US" altLang="en-US" sz="1800" dirty="0">
@@ -33071,7 +33258,7 @@
               <a:t> </a:t>
             </a:r>
             <a:r>
-              <a:rPr lang="en-US" altLang="en-US" sz="1800" i="1" dirty="0">
+              <a:rPr lang="en-US" altLang="en-US" sz="1800" i="1" dirty="0" smtClean="0">
                 <a:solidFill>
                   <a:srgbClr val="000000"/>
                 </a:solidFill>
@@ -33081,13 +33268,22 @@
               <a:t>car</a:t>
             </a:r>
             <a:r>
+              <a:rPr lang="en-US" altLang="en-US" sz="1800" dirty="0" smtClean="0">
+                <a:solidFill>
+                  <a:srgbClr val="000000"/>
+                </a:solidFill>
+                <a:latin typeface="Courier New" pitchFamily="49" charset="0"/>
+              </a:rPr>
+              <a:t> </a:t>
+            </a:r>
+            <a:r>
               <a:rPr lang="en-US" altLang="en-US" sz="1800" dirty="0">
                 <a:solidFill>
                   <a:srgbClr val="000000"/>
                 </a:solidFill>
                 <a:latin typeface="Courier New" pitchFamily="49" charset="0"/>
               </a:rPr>
-              <a:t> </a:t>
+              <a:t/>
             </a:r>
             <a:br>
               <a:rPr lang="en-US" altLang="en-US" sz="1800" dirty="0">
@@ -33117,7 +33313,7 @@
               <a:t> </a:t>
             </a:r>
             <a:r>
-              <a:rPr lang="en-US" altLang="en-US" sz="1800" i="1" dirty="0">
+              <a:rPr lang="en-US" altLang="en-US" sz="1800" i="1" dirty="0" smtClean="0">
                 <a:solidFill>
                   <a:srgbClr val="000000"/>
                 </a:solidFill>
@@ -33127,13 +33323,22 @@
               <a:t>found</a:t>
             </a:r>
             <a:r>
+              <a:rPr lang="en-US" altLang="en-US" sz="1800" dirty="0" smtClean="0">
+                <a:solidFill>
+                  <a:srgbClr val="000000"/>
+                </a:solidFill>
+                <a:latin typeface="Courier New" pitchFamily="49" charset="0"/>
+              </a:rPr>
+              <a:t> </a:t>
+            </a:r>
+            <a:r>
               <a:rPr lang="en-US" altLang="en-US" sz="1800" dirty="0">
                 <a:solidFill>
                   <a:srgbClr val="000000"/>
                 </a:solidFill>
                 <a:latin typeface="Courier New" pitchFamily="49" charset="0"/>
               </a:rPr>
-              <a:t> </a:t>
+              <a:t/>
             </a:r>
             <a:br>
               <a:rPr lang="en-US" altLang="en-US" sz="1800" dirty="0">
@@ -33319,6 +33524,16 @@
               </a:rPr>
               <a:t> </a:t>
             </a:r>
+            <a:r>
+              <a:rPr lang="en-US" altLang="en-US" sz="1800" dirty="0">
+                <a:solidFill>
+                  <a:srgbClr val="000000"/>
+                </a:solidFill>
+                <a:latin typeface="Courier New" pitchFamily="49" charset="0"/>
+                <a:sym typeface="Symbol" pitchFamily="18" charset="2"/>
+              </a:rPr>
+              <a:t/>
+            </a:r>
             <a:br>
               <a:rPr lang="en-US" altLang="en-US" sz="1800" dirty="0">
                 <a:solidFill>
@@ -33339,7 +33554,7 @@
               <a:t>PRP  </a:t>
             </a:r>
             <a:r>
-              <a:rPr lang="en-US" altLang="en-US" sz="1800" i="1" dirty="0">
+              <a:rPr lang="en-US" altLang="en-US" sz="1800" i="1" dirty="0" smtClean="0">
                 <a:solidFill>
                   <a:srgbClr val="000000"/>
                 </a:solidFill>
@@ -33367,6 +33582,13 @@
   <p:clrMapOvr>
     <a:masterClrMapping/>
   </p:clrMapOvr>
+  <p:timing>
+    <p:tnLst>
+      <p:par>
+        <p:cTn id="1" dur="indefinite" restart="never" nodeType="tmRoot"/>
+      </p:par>
+    </p:tnLst>
+  </p:timing>
 </p:sld>
 </file>
 
@@ -33403,7 +33625,7 @@
           <a:lstStyle/>
           <a:p>
             <a:r>
-              <a:rPr lang="en-US" altLang="en-US" dirty="0"/>
+              <a:rPr lang="en-US" altLang="en-US" dirty="0" smtClean="0"/>
               <a:t>Parse Trees</a:t>
             </a:r>
           </a:p>
@@ -34801,7 +35023,7 @@
               <a:buNone/>
             </a:pPr>
             <a:r>
-              <a:rPr lang="en-US" altLang="en-US" sz="1800" i="1" dirty="0">
+              <a:rPr lang="en-US" altLang="en-US" sz="1800" i="1" dirty="0" smtClean="0">
                 <a:solidFill>
                   <a:srgbClr val="000000"/>
                 </a:solidFill>
@@ -34809,6 +35031,12 @@
               </a:rPr>
               <a:t>saw</a:t>
             </a:r>
+            <a:endParaRPr lang="en-US" altLang="en-US" sz="1800" i="1" dirty="0">
+              <a:solidFill>
+                <a:srgbClr val="000000"/>
+              </a:solidFill>
+              <a:latin typeface="Calibri" pitchFamily="34" charset="0"/>
+            </a:endParaRPr>
           </a:p>
         </p:txBody>
       </p:sp>
@@ -35173,7 +35401,7 @@
               <a:buNone/>
             </a:pPr>
             <a:r>
-              <a:rPr lang="en-US" altLang="en-US" sz="1800" i="1" dirty="0">
+              <a:rPr lang="en-US" altLang="en-US" sz="1800" i="1" dirty="0" smtClean="0">
                 <a:solidFill>
                   <a:srgbClr val="000000"/>
                 </a:solidFill>
@@ -35181,6 +35409,12 @@
               </a:rPr>
               <a:t>car</a:t>
             </a:r>
+            <a:endParaRPr lang="en-US" altLang="en-US" sz="1800" i="1" dirty="0">
+              <a:solidFill>
+                <a:srgbClr val="000000"/>
+              </a:solidFill>
+              <a:latin typeface="Calibri" pitchFamily="34" charset="0"/>
+            </a:endParaRPr>
           </a:p>
         </p:txBody>
       </p:sp>
@@ -36245,7 +36479,7 @@
               <a:buNone/>
             </a:pPr>
             <a:r>
-              <a:rPr lang="en-US" altLang="en-US" sz="1800" i="1" dirty="0">
+              <a:rPr lang="en-US" altLang="en-US" sz="1800" i="1" dirty="0" smtClean="0">
                 <a:solidFill>
                   <a:srgbClr val="000000"/>
                 </a:solidFill>
@@ -36253,6 +36487,12 @@
               </a:rPr>
               <a:t>through</a:t>
             </a:r>
+            <a:endParaRPr lang="en-US" altLang="en-US" sz="1800" i="1" dirty="0">
+              <a:solidFill>
+                <a:srgbClr val="000000"/>
+              </a:solidFill>
+              <a:latin typeface="Calibri" pitchFamily="34" charset="0"/>
+            </a:endParaRPr>
           </a:p>
         </p:txBody>
       </p:sp>
@@ -36431,7 +36671,7 @@
               <a:buNone/>
             </a:pPr>
             <a:r>
-              <a:rPr lang="en-US" altLang="en-US" sz="1800" i="1" dirty="0">
+              <a:rPr lang="en-US" altLang="en-US" sz="1800" i="1" dirty="0" smtClean="0">
                 <a:solidFill>
                   <a:srgbClr val="000000"/>
                 </a:solidFill>
@@ -36439,6 +36679,12 @@
               </a:rPr>
               <a:t>the</a:t>
             </a:r>
+            <a:endParaRPr lang="en-US" altLang="en-US" sz="1800" i="1" dirty="0">
+              <a:solidFill>
+                <a:srgbClr val="000000"/>
+              </a:solidFill>
+              <a:latin typeface="Calibri" pitchFamily="34" charset="0"/>
+            </a:endParaRPr>
           </a:p>
         </p:txBody>
       </p:sp>
@@ -36617,7 +36863,7 @@
               <a:buNone/>
             </a:pPr>
             <a:r>
-              <a:rPr lang="en-US" altLang="en-US" sz="1800" i="1" dirty="0">
+              <a:rPr lang="en-US" altLang="en-US" sz="1800" i="1" dirty="0" smtClean="0">
                 <a:solidFill>
                   <a:srgbClr val="000000"/>
                 </a:solidFill>
@@ -36625,6 +36871,12 @@
               </a:rPr>
               <a:t>window</a:t>
             </a:r>
+            <a:endParaRPr lang="en-US" altLang="en-US" sz="1800" i="1" dirty="0">
+              <a:solidFill>
+                <a:srgbClr val="000000"/>
+              </a:solidFill>
+              <a:latin typeface="Calibri" pitchFamily="34" charset="0"/>
+            </a:endParaRPr>
           </a:p>
         </p:txBody>
       </p:sp>
@@ -36979,7 +37231,7 @@
               <a:buNone/>
             </a:pPr>
             <a:r>
-              <a:rPr lang="en-US" altLang="en-US" sz="1800" i="1" dirty="0">
+              <a:rPr lang="en-US" altLang="en-US" sz="1800" i="1" dirty="0" smtClean="0">
                 <a:solidFill>
                   <a:srgbClr val="000000"/>
                 </a:solidFill>
@@ -36987,6 +37239,12 @@
               </a:rPr>
               <a:t>The</a:t>
             </a:r>
+            <a:endParaRPr lang="en-US" altLang="en-US" sz="1800" i="1" dirty="0">
+              <a:solidFill>
+                <a:srgbClr val="000000"/>
+              </a:solidFill>
+              <a:latin typeface="Calibri" pitchFamily="34" charset="0"/>
+            </a:endParaRPr>
           </a:p>
         </p:txBody>
       </p:sp>
@@ -38548,6 +38806,13 @@
   <p:clrMapOvr>
     <a:masterClrMapping/>
   </p:clrMapOvr>
+  <p:timing>
+    <p:tnLst>
+      <p:par>
+        <p:cTn id="1" dur="indefinite" restart="never" nodeType="tmRoot"/>
+      </p:par>
+    </p:tnLst>
+  </p:timing>
 </p:sld>
 </file>
 
@@ -38584,7 +38849,7 @@
           <a:lstStyle/>
           <a:p>
             <a:r>
-              <a:rPr lang="en-US" altLang="en-US" dirty="0"/>
+              <a:rPr lang="en-US" altLang="en-US" dirty="0" smtClean="0"/>
               <a:t>Stanford Parser</a:t>
             </a:r>
           </a:p>
@@ -38654,6 +38919,13 @@
   <p:clrMapOvr>
     <a:masterClrMapping/>
   </p:clrMapOvr>
+  <p:timing>
+    <p:tnLst>
+      <p:par>
+        <p:cTn id="1" dur="indefinite" restart="never" nodeType="tmRoot"/>
+      </p:par>
+    </p:tnLst>
+  </p:timing>
 </p:sld>
 </file>
 

--- a/Slides/Lecture 3-1.pptx
+++ b/Slides/Lecture 3-1.pptx
@@ -265,7 +265,7 @@
             <a:fld id="{A6781D3C-003D-4837-A496-9A32CDA8003A}" type="datetimeFigureOut">
               <a:rPr lang="en-US" smtClean="0"/>
               <a:pPr/>
-              <a:t>1/20/2019</a:t>
+              <a:t>3/18/19</a:t>
             </a:fld>
             <a:endParaRPr lang="en-US"/>
           </a:p>
@@ -329,38 +329,37 @@
           <a:p>
             <a:pPr lvl="0"/>
             <a:r>
-              <a:rPr lang="en-US" smtClean="0"/>
+              <a:rPr lang="en-US"/>
               <a:t>Click to edit Master text styles</a:t>
             </a:r>
           </a:p>
           <a:p>
             <a:pPr lvl="1"/>
             <a:r>
-              <a:rPr lang="en-US" smtClean="0"/>
+              <a:rPr lang="en-US"/>
               <a:t>Second level</a:t>
             </a:r>
           </a:p>
           <a:p>
             <a:pPr lvl="2"/>
             <a:r>
-              <a:rPr lang="en-US" smtClean="0"/>
+              <a:rPr lang="en-US"/>
               <a:t>Third level</a:t>
             </a:r>
           </a:p>
           <a:p>
             <a:pPr lvl="3"/>
             <a:r>
-              <a:rPr lang="en-US" smtClean="0"/>
+              <a:rPr lang="en-US"/>
               <a:t>Fourth level</a:t>
             </a:r>
           </a:p>
           <a:p>
             <a:pPr lvl="4"/>
             <a:r>
-              <a:rPr lang="en-US" smtClean="0"/>
+              <a:rPr lang="en-US"/>
               <a:t>Fifth level</a:t>
             </a:r>
-            <a:endParaRPr lang="en-US"/>
           </a:p>
         </p:txBody>
       </p:sp>
@@ -579,7 +578,7 @@
           <a:lstStyle/>
           <a:p>
             <a:r>
-              <a:rPr lang="en-US" dirty="0" smtClean="0"/>
+              <a:rPr lang="en-US" dirty="0"/>
               <a:t>JM slide?</a:t>
             </a:r>
           </a:p>
@@ -615,6 +614,361 @@
     <p:extLst>
       <p:ext uri="{BB962C8B-B14F-4D97-AF65-F5344CB8AC3E}">
         <p14:creationId xmlns:p14="http://schemas.microsoft.com/office/powerpoint/2010/main" val="3300888963"/>
+      </p:ext>
+    </p:extLst>
+  </p:cSld>
+  <p:clrMapOvr>
+    <a:masterClrMapping/>
+  </p:clrMapOvr>
+</p:notes>
+</file>
+
+<file path=ppt/notesSlides/notesSlide10.xml><?xml version="1.0" encoding="utf-8"?>
+<p:notes xmlns:a="http://schemas.openxmlformats.org/drawingml/2006/main" xmlns:r="http://schemas.openxmlformats.org/officeDocument/2006/relationships" xmlns:p="http://schemas.openxmlformats.org/presentationml/2006/main">
+  <p:cSld>
+    <p:spTree>
+      <p:nvGrpSpPr>
+        <p:cNvPr id="1" name=""/>
+        <p:cNvGrpSpPr/>
+        <p:nvPr/>
+      </p:nvGrpSpPr>
+      <p:grpSpPr>
+        <a:xfrm>
+          <a:off x="0" y="0"/>
+          <a:ext cx="0" cy="0"/>
+          <a:chOff x="0" y="0"/>
+          <a:chExt cx="0" cy="0"/>
+        </a:xfrm>
+      </p:grpSpPr>
+      <p:sp>
+        <p:nvSpPr>
+          <p:cNvPr id="2" name="Slide Image Placeholder 1"/>
+          <p:cNvSpPr>
+            <a:spLocks noGrp="1" noRot="1" noChangeAspect="1"/>
+          </p:cNvSpPr>
+          <p:nvPr>
+            <p:ph type="sldImg"/>
+          </p:nvPr>
+        </p:nvSpPr>
+        <p:spPr/>
+      </p:sp>
+      <p:sp>
+        <p:nvSpPr>
+          <p:cNvPr id="3" name="Notes Placeholder 2"/>
+          <p:cNvSpPr>
+            <a:spLocks noGrp="1"/>
+          </p:cNvSpPr>
+          <p:nvPr>
+            <p:ph type="body" idx="1"/>
+          </p:nvPr>
+        </p:nvSpPr>
+        <p:spPr/>
+        <p:txBody>
+          <a:bodyPr/>
+          <a:lstStyle/>
+          <a:p>
+            <a:r>
+              <a:rPr lang="en-US" dirty="0"/>
+              <a:t>Check provenance</a:t>
+            </a:r>
+          </a:p>
+        </p:txBody>
+      </p:sp>
+      <p:sp>
+        <p:nvSpPr>
+          <p:cNvPr id="4" name="Slide Number Placeholder 3"/>
+          <p:cNvSpPr>
+            <a:spLocks noGrp="1"/>
+          </p:cNvSpPr>
+          <p:nvPr>
+            <p:ph type="sldNum" sz="quarter" idx="10"/>
+          </p:nvPr>
+        </p:nvSpPr>
+        <p:spPr/>
+        <p:txBody>
+          <a:bodyPr/>
+          <a:lstStyle/>
+          <a:p>
+            <a:fld id="{6529D11D-5857-48CF-ABB8-89B8AC9FD03C}" type="slidenum">
+              <a:rPr lang="en-US" smtClean="0"/>
+              <a:t>54</a:t>
+            </a:fld>
+            <a:endParaRPr lang="en-US"/>
+          </a:p>
+        </p:txBody>
+      </p:sp>
+    </p:spTree>
+    <p:extLst>
+      <p:ext uri="{BB962C8B-B14F-4D97-AF65-F5344CB8AC3E}">
+        <p14:creationId xmlns:p14="http://schemas.microsoft.com/office/powerpoint/2010/main" val="2191852871"/>
+      </p:ext>
+    </p:extLst>
+  </p:cSld>
+  <p:clrMapOvr>
+    <a:masterClrMapping/>
+  </p:clrMapOvr>
+</p:notes>
+</file>
+
+<file path=ppt/notesSlides/notesSlide11.xml><?xml version="1.0" encoding="utf-8"?>
+<p:notes xmlns:a="http://schemas.openxmlformats.org/drawingml/2006/main" xmlns:r="http://schemas.openxmlformats.org/officeDocument/2006/relationships" xmlns:p="http://schemas.openxmlformats.org/presentationml/2006/main">
+  <p:cSld>
+    <p:spTree>
+      <p:nvGrpSpPr>
+        <p:cNvPr id="1" name=""/>
+        <p:cNvGrpSpPr/>
+        <p:nvPr/>
+      </p:nvGrpSpPr>
+      <p:grpSpPr>
+        <a:xfrm>
+          <a:off x="0" y="0"/>
+          <a:ext cx="0" cy="0"/>
+          <a:chOff x="0" y="0"/>
+          <a:chExt cx="0" cy="0"/>
+        </a:xfrm>
+      </p:grpSpPr>
+      <p:sp>
+        <p:nvSpPr>
+          <p:cNvPr id="262146" name="Rectangle 7"/>
+          <p:cNvSpPr>
+            <a:spLocks noGrp="1" noChangeArrowheads="1"/>
+          </p:cNvSpPr>
+          <p:nvPr>
+            <p:ph type="sldNum" sz="quarter" idx="5"/>
+          </p:nvPr>
+        </p:nvSpPr>
+        <p:spPr>
+          <a:noFill/>
+          <a:ln/>
+          <a:extLst>
+            <a:ext uri="{909E8E84-426E-40DD-AFC4-6F175D3DCCD1}">
+              <a14:hiddenFill xmlns:a14="http://schemas.microsoft.com/office/drawing/2010/main">
+                <a:solidFill>
+                  <a:srgbClr val="FFFFFF"/>
+                </a:solidFill>
+              </a14:hiddenFill>
+            </a:ext>
+            <a:ext uri="{91240B29-F687-4F45-9708-019B960494DF}">
+              <a14:hiddenLine xmlns:a14="http://schemas.microsoft.com/office/drawing/2010/main" w="9525">
+                <a:solidFill>
+                  <a:srgbClr val="000000"/>
+                </a:solidFill>
+                <a:miter lim="800000"/>
+                <a:headEnd/>
+                <a:tailEnd/>
+              </a14:hiddenLine>
+            </a:ext>
+          </a:extLst>
+        </p:spPr>
+        <p:txBody>
+          <a:bodyPr/>
+          <a:lstStyle>
+            <a:lvl1pPr defTabSz="914594" eaLnBrk="0" hangingPunct="0">
+              <a:spcBef>
+                <a:spcPct val="30000"/>
+              </a:spcBef>
+              <a:defRPr sz="1200">
+                <a:solidFill>
+                  <a:schemeClr val="tx1"/>
+                </a:solidFill>
+                <a:latin typeface="Times New Roman" pitchFamily="18" charset="0"/>
+              </a:defRPr>
+            </a:lvl1pPr>
+            <a:lvl2pPr marL="727942" indent="-279978" defTabSz="914594" eaLnBrk="0" hangingPunct="0">
+              <a:spcBef>
+                <a:spcPct val="30000"/>
+              </a:spcBef>
+              <a:defRPr sz="1200">
+                <a:solidFill>
+                  <a:schemeClr val="tx1"/>
+                </a:solidFill>
+                <a:latin typeface="Times New Roman" pitchFamily="18" charset="0"/>
+              </a:defRPr>
+            </a:lvl2pPr>
+            <a:lvl3pPr marL="1119911" indent="-223982" defTabSz="914594" eaLnBrk="0" hangingPunct="0">
+              <a:spcBef>
+                <a:spcPct val="30000"/>
+              </a:spcBef>
+              <a:defRPr sz="1200">
+                <a:solidFill>
+                  <a:schemeClr val="tx1"/>
+                </a:solidFill>
+                <a:latin typeface="Times New Roman" pitchFamily="18" charset="0"/>
+              </a:defRPr>
+            </a:lvl3pPr>
+            <a:lvl4pPr marL="1567876" indent="-223982" defTabSz="914594" eaLnBrk="0" hangingPunct="0">
+              <a:spcBef>
+                <a:spcPct val="30000"/>
+              </a:spcBef>
+              <a:defRPr sz="1200">
+                <a:solidFill>
+                  <a:schemeClr val="tx1"/>
+                </a:solidFill>
+                <a:latin typeface="Times New Roman" pitchFamily="18" charset="0"/>
+              </a:defRPr>
+            </a:lvl4pPr>
+            <a:lvl5pPr marL="2015841" indent="-223982" defTabSz="914594" eaLnBrk="0" hangingPunct="0">
+              <a:spcBef>
+                <a:spcPct val="30000"/>
+              </a:spcBef>
+              <a:defRPr sz="1200">
+                <a:solidFill>
+                  <a:schemeClr val="tx1"/>
+                </a:solidFill>
+                <a:latin typeface="Times New Roman" pitchFamily="18" charset="0"/>
+              </a:defRPr>
+            </a:lvl5pPr>
+            <a:lvl6pPr marL="2463805" indent="-223982" defTabSz="914594" eaLnBrk="0" fontAlgn="base" hangingPunct="0">
+              <a:spcBef>
+                <a:spcPct val="30000"/>
+              </a:spcBef>
+              <a:spcAft>
+                <a:spcPct val="0"/>
+              </a:spcAft>
+              <a:defRPr sz="1200">
+                <a:solidFill>
+                  <a:schemeClr val="tx1"/>
+                </a:solidFill>
+                <a:latin typeface="Times New Roman" pitchFamily="18" charset="0"/>
+              </a:defRPr>
+            </a:lvl6pPr>
+            <a:lvl7pPr marL="2911770" indent="-223982" defTabSz="914594" eaLnBrk="0" fontAlgn="base" hangingPunct="0">
+              <a:spcBef>
+                <a:spcPct val="30000"/>
+              </a:spcBef>
+              <a:spcAft>
+                <a:spcPct val="0"/>
+              </a:spcAft>
+              <a:defRPr sz="1200">
+                <a:solidFill>
+                  <a:schemeClr val="tx1"/>
+                </a:solidFill>
+                <a:latin typeface="Times New Roman" pitchFamily="18" charset="0"/>
+              </a:defRPr>
+            </a:lvl7pPr>
+            <a:lvl8pPr marL="3359734" indent="-223982" defTabSz="914594" eaLnBrk="0" fontAlgn="base" hangingPunct="0">
+              <a:spcBef>
+                <a:spcPct val="30000"/>
+              </a:spcBef>
+              <a:spcAft>
+                <a:spcPct val="0"/>
+              </a:spcAft>
+              <a:defRPr sz="1200">
+                <a:solidFill>
+                  <a:schemeClr val="tx1"/>
+                </a:solidFill>
+                <a:latin typeface="Times New Roman" pitchFamily="18" charset="0"/>
+              </a:defRPr>
+            </a:lvl8pPr>
+            <a:lvl9pPr marL="3807699" indent="-223982" defTabSz="914594" eaLnBrk="0" fontAlgn="base" hangingPunct="0">
+              <a:spcBef>
+                <a:spcPct val="30000"/>
+              </a:spcBef>
+              <a:spcAft>
+                <a:spcPct val="0"/>
+              </a:spcAft>
+              <a:defRPr sz="1200">
+                <a:solidFill>
+                  <a:schemeClr val="tx1"/>
+                </a:solidFill>
+                <a:latin typeface="Times New Roman" pitchFamily="18" charset="0"/>
+              </a:defRPr>
+            </a:lvl9pPr>
+          </a:lstStyle>
+          <a:p>
+            <a:pPr eaLnBrk="1" hangingPunct="1">
+              <a:spcBef>
+                <a:spcPct val="0"/>
+              </a:spcBef>
+            </a:pPr>
+            <a:fld id="{D2B421CE-5ADC-4934-A12C-F6EB511E32A4}" type="slidenum">
+              <a:rPr lang="en-US" altLang="en-US" smtClean="0"/>
+              <a:pPr eaLnBrk="1" hangingPunct="1">
+                <a:spcBef>
+                  <a:spcPct val="0"/>
+                </a:spcBef>
+              </a:pPr>
+              <a:t>55</a:t>
+            </a:fld>
+            <a:endParaRPr lang="en-US" altLang="en-US"/>
+          </a:p>
+        </p:txBody>
+      </p:sp>
+      <p:sp>
+        <p:nvSpPr>
+          <p:cNvPr id="262147" name="Rectangle 2"/>
+          <p:cNvSpPr>
+            <a:spLocks noGrp="1" noRot="1" noChangeAspect="1" noChangeArrowheads="1" noTextEdit="1"/>
+          </p:cNvSpPr>
+          <p:nvPr>
+            <p:ph type="sldImg"/>
+          </p:nvPr>
+        </p:nvSpPr>
+        <p:spPr>
+          <a:xfrm>
+            <a:off x="381000" y="685800"/>
+            <a:ext cx="6096000" cy="3429000"/>
+          </a:xfrm>
+          <a:ln/>
+        </p:spPr>
+      </p:sp>
+      <p:sp>
+        <p:nvSpPr>
+          <p:cNvPr id="262148" name="Rectangle 3"/>
+          <p:cNvSpPr>
+            <a:spLocks noGrp="1" noChangeArrowheads="1"/>
+          </p:cNvSpPr>
+          <p:nvPr>
+            <p:ph type="body" idx="1"/>
+          </p:nvPr>
+        </p:nvSpPr>
+        <p:spPr>
+          <a:xfrm>
+            <a:off x="686115" y="4344134"/>
+            <a:ext cx="5485772" cy="4113951"/>
+          </a:xfrm>
+          <a:noFill/>
+          <a:ln/>
+          <a:extLst>
+            <a:ext uri="{909E8E84-426E-40DD-AFC4-6F175D3DCCD1}">
+              <a14:hiddenFill xmlns:a14="http://schemas.microsoft.com/office/drawing/2010/main">
+                <a:solidFill>
+                  <a:srgbClr val="FFFFFF"/>
+                </a:solidFill>
+              </a14:hiddenFill>
+            </a:ext>
+            <a:ext uri="{91240B29-F687-4F45-9708-019B960494DF}">
+              <a14:hiddenLine xmlns:a14="http://schemas.microsoft.com/office/drawing/2010/main" w="9525">
+                <a:solidFill>
+                  <a:srgbClr val="000000"/>
+                </a:solidFill>
+                <a:miter lim="800000"/>
+                <a:headEnd/>
+                <a:tailEnd/>
+              </a14:hiddenLine>
+            </a:ext>
+          </a:extLst>
+        </p:spPr>
+        <p:txBody>
+          <a:bodyPr/>
+          <a:lstStyle/>
+          <a:p>
+            <a:pPr eaLnBrk="1" hangingPunct="1"/>
+            <a:r>
+              <a:rPr lang="en-US" altLang="en-US" dirty="0"/>
+              <a:t>CHECK PROVENANCE?</a:t>
+            </a:r>
+          </a:p>
+          <a:p>
+            <a:pPr eaLnBrk="1" hangingPunct="1"/>
+            <a:endParaRPr lang="en-US" altLang="en-US" dirty="0"/>
+          </a:p>
+        </p:txBody>
+      </p:sp>
+    </p:spTree>
+    <p:extLst>
+      <p:ext uri="{BB962C8B-B14F-4D97-AF65-F5344CB8AC3E}">
+        <p14:creationId xmlns:p14="http://schemas.microsoft.com/office/powerpoint/2010/main" val="3881277324"/>
       </p:ext>
     </p:extLst>
   </p:cSld>
@@ -669,7 +1023,7 @@
           <a:lstStyle/>
           <a:p>
             <a:r>
-              <a:rPr lang="en-US" dirty="0" smtClean="0"/>
+              <a:rPr lang="en-US" dirty="0"/>
               <a:t>JM slide?</a:t>
             </a:r>
           </a:p>
@@ -759,7 +1113,7 @@
           <a:lstStyle/>
           <a:p>
             <a:r>
-              <a:rPr lang="en-US" dirty="0" smtClean="0"/>
+              <a:rPr lang="en-US" dirty="0"/>
               <a:t>JM slide?</a:t>
             </a:r>
           </a:p>
@@ -805,6 +1159,106 @@
 </file>
 
 <file path=ppt/notesSlides/notesSlide4.xml><?xml version="1.0" encoding="utf-8"?>
+<p:notes xmlns:a="http://schemas.openxmlformats.org/drawingml/2006/main" xmlns:r="http://schemas.openxmlformats.org/officeDocument/2006/relationships" xmlns:p="http://schemas.openxmlformats.org/presentationml/2006/main">
+  <p:cSld>
+    <p:spTree>
+      <p:nvGrpSpPr>
+        <p:cNvPr id="1" name=""/>
+        <p:cNvGrpSpPr/>
+        <p:nvPr/>
+      </p:nvGrpSpPr>
+      <p:grpSpPr>
+        <a:xfrm>
+          <a:off x="0" y="0"/>
+          <a:ext cx="0" cy="0"/>
+          <a:chOff x="0" y="0"/>
+          <a:chExt cx="0" cy="0"/>
+        </a:xfrm>
+      </p:grpSpPr>
+      <p:sp>
+        <p:nvSpPr>
+          <p:cNvPr id="2" name="Slide Image Placeholder 1"/>
+          <p:cNvSpPr>
+            <a:spLocks noGrp="1" noRot="1" noChangeAspect="1"/>
+          </p:cNvSpPr>
+          <p:nvPr>
+            <p:ph type="sldImg"/>
+          </p:nvPr>
+        </p:nvSpPr>
+        <p:spPr/>
+      </p:sp>
+      <p:sp>
+        <p:nvSpPr>
+          <p:cNvPr id="3" name="Notes Placeholder 2"/>
+          <p:cNvSpPr>
+            <a:spLocks noGrp="1"/>
+          </p:cNvSpPr>
+          <p:nvPr>
+            <p:ph type="body" idx="1"/>
+          </p:nvPr>
+        </p:nvSpPr>
+        <p:spPr/>
+        <p:txBody>
+          <a:bodyPr/>
+          <a:lstStyle/>
+          <a:p>
+            <a:r>
+              <a:rPr lang="zh-CN" altLang="en-US" dirty="0"/>
+              <a:t>从句法上分析，对</a:t>
+            </a:r>
+            <a:r>
+              <a:rPr lang="en-US" altLang="zh-CN" dirty="0"/>
+              <a:t>…</a:t>
+            </a:r>
+            <a:r>
+              <a:rPr lang="zh-CN" altLang="en-US" dirty="0"/>
+              <a:t>进行语法分析。</a:t>
+            </a:r>
+            <a:endParaRPr lang="en-US" altLang="zh-CN" dirty="0"/>
+          </a:p>
+          <a:p>
+            <a:endParaRPr lang="en-US" dirty="0"/>
+          </a:p>
+        </p:txBody>
+      </p:sp>
+      <p:sp>
+        <p:nvSpPr>
+          <p:cNvPr id="4" name="Slide Number Placeholder 3"/>
+          <p:cNvSpPr>
+            <a:spLocks noGrp="1"/>
+          </p:cNvSpPr>
+          <p:nvPr>
+            <p:ph type="sldNum" sz="quarter" idx="5"/>
+          </p:nvPr>
+        </p:nvSpPr>
+        <p:spPr/>
+        <p:txBody>
+          <a:bodyPr/>
+          <a:lstStyle/>
+          <a:p>
+            <a:fld id="{6529D11D-5857-48CF-ABB8-89B8AC9FD03C}" type="slidenum">
+              <a:rPr lang="en-US" smtClean="0"/>
+              <a:pPr/>
+              <a:t>6</a:t>
+            </a:fld>
+            <a:endParaRPr lang="en-US"/>
+          </a:p>
+        </p:txBody>
+      </p:sp>
+    </p:spTree>
+    <p:extLst>
+      <p:ext uri="{BB962C8B-B14F-4D97-AF65-F5344CB8AC3E}">
+        <p14:creationId xmlns:p14="http://schemas.microsoft.com/office/powerpoint/2010/main" val="957137406"/>
+      </p:ext>
+    </p:extLst>
+  </p:cSld>
+  <p:clrMapOvr>
+    <a:masterClrMapping/>
+  </p:clrMapOvr>
+</p:notes>
+</file>
+
+<file path=ppt/notesSlides/notesSlide5.xml><?xml version="1.0" encoding="utf-8"?>
 <p:notes xmlns:a="http://schemas.openxmlformats.org/drawingml/2006/main" xmlns:r="http://schemas.openxmlformats.org/officeDocument/2006/relationships" xmlns:p="http://schemas.openxmlformats.org/presentationml/2006/main">
   <p:cSld>
     <p:spTree>
@@ -876,19 +1330,19 @@
           <a:bodyPr/>
           <a:lstStyle/>
           <a:p>
-            <a:endParaRPr lang="en-US" altLang="en-US" dirty="0" smtClean="0"/>
-          </a:p>
-          <a:p>
-            <a:r>
-              <a:rPr lang="en-US" altLang="en-US" dirty="0" smtClean="0"/>
+            <a:endParaRPr lang="en-US" altLang="en-US" dirty="0"/>
+          </a:p>
+          <a:p>
+            <a:r>
+              <a:rPr lang="en-US" altLang="en-US" dirty="0"/>
               <a:t>CHECK</a:t>
             </a:r>
           </a:p>
           <a:p>
-            <a:endParaRPr lang="en-US" altLang="en-US" dirty="0" smtClean="0"/>
-          </a:p>
-          <a:p>
-            <a:endParaRPr lang="en-US" altLang="en-US" dirty="0" smtClean="0"/>
+            <a:endParaRPr lang="en-US" altLang="en-US" dirty="0"/>
+          </a:p>
+          <a:p>
+            <a:endParaRPr lang="en-US" altLang="en-US" dirty="0"/>
           </a:p>
         </p:txBody>
       </p:sp>
@@ -1055,7 +1509,7 @@
               </a:pPr>
               <a:t>7</a:t>
             </a:fld>
-            <a:endParaRPr lang="en-US" altLang="en-US" smtClean="0"/>
+            <a:endParaRPr lang="en-US" altLang="en-US"/>
           </a:p>
         </p:txBody>
       </p:sp>
@@ -1063,96 +1517,6 @@
     <p:extLst>
       <p:ext uri="{BB962C8B-B14F-4D97-AF65-F5344CB8AC3E}">
         <p14:creationId xmlns:p14="http://schemas.microsoft.com/office/powerpoint/2010/main" val="570724374"/>
-      </p:ext>
-    </p:extLst>
-  </p:cSld>
-  <p:clrMapOvr>
-    <a:masterClrMapping/>
-  </p:clrMapOvr>
-</p:notes>
-</file>
-
-<file path=ppt/notesSlides/notesSlide5.xml><?xml version="1.0" encoding="utf-8"?>
-<p:notes xmlns:a="http://schemas.openxmlformats.org/drawingml/2006/main" xmlns:r="http://schemas.openxmlformats.org/officeDocument/2006/relationships" xmlns:p="http://schemas.openxmlformats.org/presentationml/2006/main">
-  <p:cSld>
-    <p:spTree>
-      <p:nvGrpSpPr>
-        <p:cNvPr id="1" name=""/>
-        <p:cNvGrpSpPr/>
-        <p:nvPr/>
-      </p:nvGrpSpPr>
-      <p:grpSpPr>
-        <a:xfrm>
-          <a:off x="0" y="0"/>
-          <a:ext cx="0" cy="0"/>
-          <a:chOff x="0" y="0"/>
-          <a:chExt cx="0" cy="0"/>
-        </a:xfrm>
-      </p:grpSpPr>
-      <p:sp>
-        <p:nvSpPr>
-          <p:cNvPr id="2" name="Slide Image Placeholder 1"/>
-          <p:cNvSpPr>
-            <a:spLocks noGrp="1" noRot="1" noChangeAspect="1"/>
-          </p:cNvSpPr>
-          <p:nvPr>
-            <p:ph type="sldImg"/>
-          </p:nvPr>
-        </p:nvSpPr>
-        <p:spPr/>
-      </p:sp>
-      <p:sp>
-        <p:nvSpPr>
-          <p:cNvPr id="3" name="Notes Placeholder 2"/>
-          <p:cNvSpPr>
-            <a:spLocks noGrp="1"/>
-          </p:cNvSpPr>
-          <p:nvPr>
-            <p:ph type="body" idx="1"/>
-          </p:nvPr>
-        </p:nvSpPr>
-        <p:spPr/>
-        <p:txBody>
-          <a:bodyPr/>
-          <a:lstStyle/>
-          <a:p>
-            <a:r>
-              <a:rPr lang="en-US" dirty="0" smtClean="0"/>
-              <a:t>JM?</a:t>
-            </a:r>
-          </a:p>
-          <a:p>
-            <a:endParaRPr lang="en-US" dirty="0"/>
-          </a:p>
-        </p:txBody>
-      </p:sp>
-      <p:sp>
-        <p:nvSpPr>
-          <p:cNvPr id="4" name="Slide Number Placeholder 3"/>
-          <p:cNvSpPr>
-            <a:spLocks noGrp="1"/>
-          </p:cNvSpPr>
-          <p:nvPr>
-            <p:ph type="sldNum" sz="quarter" idx="10"/>
-          </p:nvPr>
-        </p:nvSpPr>
-        <p:spPr/>
-        <p:txBody>
-          <a:bodyPr/>
-          <a:lstStyle/>
-          <a:p>
-            <a:fld id="{6529D11D-5857-48CF-ABB8-89B8AC9FD03C}" type="slidenum">
-              <a:rPr lang="en-US" smtClean="0"/>
-              <a:t>8</a:t>
-            </a:fld>
-            <a:endParaRPr lang="en-US"/>
-          </a:p>
-        </p:txBody>
-      </p:sp>
-    </p:spTree>
-    <p:extLst>
-      <p:ext uri="{BB962C8B-B14F-4D97-AF65-F5344CB8AC3E}">
-        <p14:creationId xmlns:p14="http://schemas.microsoft.com/office/powerpoint/2010/main" val="3323986654"/>
       </p:ext>
     </p:extLst>
   </p:cSld>
@@ -1207,9 +1571,11 @@
           <a:lstStyle/>
           <a:p>
             <a:r>
-              <a:rPr lang="en-US" dirty="0" smtClean="0"/>
-              <a:t>REFORMAT</a:t>
-            </a:r>
+              <a:rPr lang="en-US" dirty="0"/>
+              <a:t>JM?</a:t>
+            </a:r>
+          </a:p>
+          <a:p>
             <a:endParaRPr lang="en-US" dirty="0"/>
           </a:p>
         </p:txBody>
@@ -1231,7 +1597,7 @@
           <a:p>
             <a:fld id="{6529D11D-5857-48CF-ABB8-89B8AC9FD03C}" type="slidenum">
               <a:rPr lang="en-US" smtClean="0"/>
-              <a:t>33</a:t>
+              <a:t>8</a:t>
             </a:fld>
             <a:endParaRPr lang="en-US"/>
           </a:p>
@@ -1240,7 +1606,7 @@
     </p:spTree>
     <p:extLst>
       <p:ext uri="{BB962C8B-B14F-4D97-AF65-F5344CB8AC3E}">
-        <p14:creationId xmlns:p14="http://schemas.microsoft.com/office/powerpoint/2010/main" val="215673905"/>
+        <p14:creationId xmlns:p14="http://schemas.microsoft.com/office/powerpoint/2010/main" val="3323986654"/>
       </p:ext>
     </p:extLst>
   </p:cSld>
@@ -1294,7 +1660,17 @@
           <a:bodyPr/>
           <a:lstStyle/>
           <a:p>
-            <a:endParaRPr lang="en-US" dirty="0"/>
+            <a:r>
+              <a:rPr lang="en-US" dirty="0"/>
+              <a:t>WSD: Word </a:t>
+            </a:r>
+            <a:r>
+              <a:rPr lang="en-US"/>
+              <a:t>Sense Disambiguation</a:t>
+            </a:r>
+          </a:p>
+          <a:p>
+            <a:endParaRPr lang="en-US"/>
           </a:p>
         </p:txBody>
       </p:sp>
@@ -1305,7 +1681,7 @@
             <a:spLocks noGrp="1"/>
           </p:cNvSpPr>
           <p:nvPr>
-            <p:ph type="sldNum" sz="quarter" idx="10"/>
+            <p:ph type="sldNum" sz="quarter" idx="5"/>
           </p:nvPr>
         </p:nvSpPr>
         <p:spPr/>
@@ -1315,7 +1691,8 @@
           <a:p>
             <a:fld id="{6529D11D-5857-48CF-ABB8-89B8AC9FD03C}" type="slidenum">
               <a:rPr lang="en-US" smtClean="0"/>
-              <a:t>40</a:t>
+              <a:pPr/>
+              <a:t>27</a:t>
             </a:fld>
             <a:endParaRPr lang="en-US"/>
           </a:p>
@@ -1324,7 +1701,7 @@
     </p:spTree>
     <p:extLst>
       <p:ext uri="{BB962C8B-B14F-4D97-AF65-F5344CB8AC3E}">
-        <p14:creationId xmlns:p14="http://schemas.microsoft.com/office/powerpoint/2010/main" val="2586682788"/>
+        <p14:creationId xmlns:p14="http://schemas.microsoft.com/office/powerpoint/2010/main" val="3291194856"/>
       </p:ext>
     </p:extLst>
   </p:cSld>
@@ -1379,10 +1756,9 @@
           <a:lstStyle/>
           <a:p>
             <a:r>
-              <a:rPr lang="en-US" dirty="0" smtClean="0"/>
-              <a:t>Check provenance</a:t>
-            </a:r>
-            <a:endParaRPr lang="en-US" dirty="0"/>
+              <a:rPr lang="en-US" dirty="0"/>
+              <a:t>REFORMAT</a:t>
+            </a:r>
           </a:p>
         </p:txBody>
       </p:sp>
@@ -1403,7 +1779,7 @@
           <a:p>
             <a:fld id="{6529D11D-5857-48CF-ABB8-89B8AC9FD03C}" type="slidenum">
               <a:rPr lang="en-US" smtClean="0"/>
-              <a:t>54</a:t>
+              <a:t>33</a:t>
             </a:fld>
             <a:endParaRPr lang="en-US"/>
           </a:p>
@@ -1412,7 +1788,7 @@
     </p:spTree>
     <p:extLst>
       <p:ext uri="{BB962C8B-B14F-4D97-AF65-F5344CB8AC3E}">
-        <p14:creationId xmlns:p14="http://schemas.microsoft.com/office/powerpoint/2010/main" val="2191852871"/>
+        <p14:creationId xmlns:p14="http://schemas.microsoft.com/office/powerpoint/2010/main" val="215673905"/>
       </p:ext>
     </p:extLst>
   </p:cSld>
@@ -1441,246 +1817,62 @@
       </p:grpSpPr>
       <p:sp>
         <p:nvSpPr>
-          <p:cNvPr id="262146" name="Rectangle 7"/>
+          <p:cNvPr id="2" name="Slide Image Placeholder 1"/>
           <p:cNvSpPr>
-            <a:spLocks noGrp="1" noChangeArrowheads="1"/>
-          </p:cNvSpPr>
-          <p:nvPr>
-            <p:ph type="sldNum" sz="quarter" idx="5"/>
-          </p:nvPr>
-        </p:nvSpPr>
-        <p:spPr>
-          <a:noFill/>
-          <a:ln/>
-          <a:extLst>
-            <a:ext uri="{909E8E84-426E-40DD-AFC4-6F175D3DCCD1}">
-              <a14:hiddenFill xmlns:a14="http://schemas.microsoft.com/office/drawing/2010/main">
-                <a:solidFill>
-                  <a:srgbClr val="FFFFFF"/>
-                </a:solidFill>
-              </a14:hiddenFill>
-            </a:ext>
-            <a:ext uri="{91240B29-F687-4F45-9708-019B960494DF}">
-              <a14:hiddenLine xmlns:a14="http://schemas.microsoft.com/office/drawing/2010/main" w="9525">
-                <a:solidFill>
-                  <a:srgbClr val="000000"/>
-                </a:solidFill>
-                <a:miter lim="800000"/>
-                <a:headEnd/>
-                <a:tailEnd/>
-              </a14:hiddenLine>
-            </a:ext>
-          </a:extLst>
-        </p:spPr>
-        <p:txBody>
-          <a:bodyPr/>
-          <a:lstStyle>
-            <a:lvl1pPr defTabSz="914594" eaLnBrk="0" hangingPunct="0">
-              <a:spcBef>
-                <a:spcPct val="30000"/>
-              </a:spcBef>
-              <a:defRPr sz="1200">
-                <a:solidFill>
-                  <a:schemeClr val="tx1"/>
-                </a:solidFill>
-                <a:latin typeface="Times New Roman" pitchFamily="18" charset="0"/>
-              </a:defRPr>
-            </a:lvl1pPr>
-            <a:lvl2pPr marL="727942" indent="-279978" defTabSz="914594" eaLnBrk="0" hangingPunct="0">
-              <a:spcBef>
-                <a:spcPct val="30000"/>
-              </a:spcBef>
-              <a:defRPr sz="1200">
-                <a:solidFill>
-                  <a:schemeClr val="tx1"/>
-                </a:solidFill>
-                <a:latin typeface="Times New Roman" pitchFamily="18" charset="0"/>
-              </a:defRPr>
-            </a:lvl2pPr>
-            <a:lvl3pPr marL="1119911" indent="-223982" defTabSz="914594" eaLnBrk="0" hangingPunct="0">
-              <a:spcBef>
-                <a:spcPct val="30000"/>
-              </a:spcBef>
-              <a:defRPr sz="1200">
-                <a:solidFill>
-                  <a:schemeClr val="tx1"/>
-                </a:solidFill>
-                <a:latin typeface="Times New Roman" pitchFamily="18" charset="0"/>
-              </a:defRPr>
-            </a:lvl3pPr>
-            <a:lvl4pPr marL="1567876" indent="-223982" defTabSz="914594" eaLnBrk="0" hangingPunct="0">
-              <a:spcBef>
-                <a:spcPct val="30000"/>
-              </a:spcBef>
-              <a:defRPr sz="1200">
-                <a:solidFill>
-                  <a:schemeClr val="tx1"/>
-                </a:solidFill>
-                <a:latin typeface="Times New Roman" pitchFamily="18" charset="0"/>
-              </a:defRPr>
-            </a:lvl4pPr>
-            <a:lvl5pPr marL="2015841" indent="-223982" defTabSz="914594" eaLnBrk="0" hangingPunct="0">
-              <a:spcBef>
-                <a:spcPct val="30000"/>
-              </a:spcBef>
-              <a:defRPr sz="1200">
-                <a:solidFill>
-                  <a:schemeClr val="tx1"/>
-                </a:solidFill>
-                <a:latin typeface="Times New Roman" pitchFamily="18" charset="0"/>
-              </a:defRPr>
-            </a:lvl5pPr>
-            <a:lvl6pPr marL="2463805" indent="-223982" defTabSz="914594" eaLnBrk="0" fontAlgn="base" hangingPunct="0">
-              <a:spcBef>
-                <a:spcPct val="30000"/>
-              </a:spcBef>
-              <a:spcAft>
-                <a:spcPct val="0"/>
-              </a:spcAft>
-              <a:defRPr sz="1200">
-                <a:solidFill>
-                  <a:schemeClr val="tx1"/>
-                </a:solidFill>
-                <a:latin typeface="Times New Roman" pitchFamily="18" charset="0"/>
-              </a:defRPr>
-            </a:lvl6pPr>
-            <a:lvl7pPr marL="2911770" indent="-223982" defTabSz="914594" eaLnBrk="0" fontAlgn="base" hangingPunct="0">
-              <a:spcBef>
-                <a:spcPct val="30000"/>
-              </a:spcBef>
-              <a:spcAft>
-                <a:spcPct val="0"/>
-              </a:spcAft>
-              <a:defRPr sz="1200">
-                <a:solidFill>
-                  <a:schemeClr val="tx1"/>
-                </a:solidFill>
-                <a:latin typeface="Times New Roman" pitchFamily="18" charset="0"/>
-              </a:defRPr>
-            </a:lvl7pPr>
-            <a:lvl8pPr marL="3359734" indent="-223982" defTabSz="914594" eaLnBrk="0" fontAlgn="base" hangingPunct="0">
-              <a:spcBef>
-                <a:spcPct val="30000"/>
-              </a:spcBef>
-              <a:spcAft>
-                <a:spcPct val="0"/>
-              </a:spcAft>
-              <a:defRPr sz="1200">
-                <a:solidFill>
-                  <a:schemeClr val="tx1"/>
-                </a:solidFill>
-                <a:latin typeface="Times New Roman" pitchFamily="18" charset="0"/>
-              </a:defRPr>
-            </a:lvl8pPr>
-            <a:lvl9pPr marL="3807699" indent="-223982" defTabSz="914594" eaLnBrk="0" fontAlgn="base" hangingPunct="0">
-              <a:spcBef>
-                <a:spcPct val="30000"/>
-              </a:spcBef>
-              <a:spcAft>
-                <a:spcPct val="0"/>
-              </a:spcAft>
-              <a:defRPr sz="1200">
-                <a:solidFill>
-                  <a:schemeClr val="tx1"/>
-                </a:solidFill>
-                <a:latin typeface="Times New Roman" pitchFamily="18" charset="0"/>
-              </a:defRPr>
-            </a:lvl9pPr>
-          </a:lstStyle>
-          <a:p>
-            <a:pPr eaLnBrk="1" hangingPunct="1">
-              <a:spcBef>
-                <a:spcPct val="0"/>
-              </a:spcBef>
-            </a:pPr>
-            <a:fld id="{D2B421CE-5ADC-4934-A12C-F6EB511E32A4}" type="slidenum">
-              <a:rPr lang="en-US" altLang="en-US" smtClean="0"/>
-              <a:pPr eaLnBrk="1" hangingPunct="1">
-                <a:spcBef>
-                  <a:spcPct val="0"/>
-                </a:spcBef>
-              </a:pPr>
-              <a:t>55</a:t>
-            </a:fld>
-            <a:endParaRPr lang="en-US" altLang="en-US" smtClean="0"/>
-          </a:p>
-        </p:txBody>
-      </p:sp>
-      <p:sp>
-        <p:nvSpPr>
-          <p:cNvPr id="262147" name="Rectangle 2"/>
-          <p:cNvSpPr>
-            <a:spLocks noGrp="1" noRot="1" noChangeAspect="1" noChangeArrowheads="1" noTextEdit="1"/>
+            <a:spLocks noGrp="1" noRot="1" noChangeAspect="1"/>
           </p:cNvSpPr>
           <p:nvPr>
             <p:ph type="sldImg"/>
           </p:nvPr>
         </p:nvSpPr>
-        <p:spPr>
-          <a:xfrm>
-            <a:off x="381000" y="685800"/>
-            <a:ext cx="6096000" cy="3429000"/>
-          </a:xfrm>
-          <a:ln/>
-        </p:spPr>
+        <p:spPr/>
       </p:sp>
       <p:sp>
         <p:nvSpPr>
-          <p:cNvPr id="262148" name="Rectangle 3"/>
+          <p:cNvPr id="3" name="Notes Placeholder 2"/>
           <p:cNvSpPr>
-            <a:spLocks noGrp="1" noChangeArrowheads="1"/>
+            <a:spLocks noGrp="1"/>
           </p:cNvSpPr>
           <p:nvPr>
             <p:ph type="body" idx="1"/>
           </p:nvPr>
         </p:nvSpPr>
-        <p:spPr>
-          <a:xfrm>
-            <a:off x="686115" y="4344134"/>
-            <a:ext cx="5485772" cy="4113951"/>
-          </a:xfrm>
-          <a:noFill/>
-          <a:ln/>
-          <a:extLst>
-            <a:ext uri="{909E8E84-426E-40DD-AFC4-6F175D3DCCD1}">
-              <a14:hiddenFill xmlns:a14="http://schemas.microsoft.com/office/drawing/2010/main">
-                <a:solidFill>
-                  <a:srgbClr val="FFFFFF"/>
-                </a:solidFill>
-              </a14:hiddenFill>
-            </a:ext>
-            <a:ext uri="{91240B29-F687-4F45-9708-019B960494DF}">
-              <a14:hiddenLine xmlns:a14="http://schemas.microsoft.com/office/drawing/2010/main" w="9525">
-                <a:solidFill>
-                  <a:srgbClr val="000000"/>
-                </a:solidFill>
-                <a:miter lim="800000"/>
-                <a:headEnd/>
-                <a:tailEnd/>
-              </a14:hiddenLine>
-            </a:ext>
-          </a:extLst>
-        </p:spPr>
+        <p:spPr/>
         <p:txBody>
           <a:bodyPr/>
           <a:lstStyle/>
           <a:p>
-            <a:pPr eaLnBrk="1" hangingPunct="1"/>
-            <a:r>
-              <a:rPr lang="en-US" altLang="en-US" dirty="0" smtClean="0"/>
-              <a:t>CHECK PROVENANCE?</a:t>
-            </a:r>
-          </a:p>
-          <a:p>
-            <a:pPr eaLnBrk="1" hangingPunct="1"/>
-            <a:endParaRPr lang="en-US" altLang="en-US" dirty="0" smtClean="0"/>
+            <a:endParaRPr lang="en-US" dirty="0"/>
+          </a:p>
+        </p:txBody>
+      </p:sp>
+      <p:sp>
+        <p:nvSpPr>
+          <p:cNvPr id="4" name="Slide Number Placeholder 3"/>
+          <p:cNvSpPr>
+            <a:spLocks noGrp="1"/>
+          </p:cNvSpPr>
+          <p:nvPr>
+            <p:ph type="sldNum" sz="quarter" idx="10"/>
+          </p:nvPr>
+        </p:nvSpPr>
+        <p:spPr/>
+        <p:txBody>
+          <a:bodyPr/>
+          <a:lstStyle/>
+          <a:p>
+            <a:fld id="{6529D11D-5857-48CF-ABB8-89B8AC9FD03C}" type="slidenum">
+              <a:rPr lang="en-US" smtClean="0"/>
+              <a:t>40</a:t>
+            </a:fld>
+            <a:endParaRPr lang="en-US"/>
           </a:p>
         </p:txBody>
       </p:sp>
     </p:spTree>
     <p:extLst>
       <p:ext uri="{BB962C8B-B14F-4D97-AF65-F5344CB8AC3E}">
-        <p14:creationId xmlns:p14="http://schemas.microsoft.com/office/powerpoint/2010/main" val="3881277324"/>
+        <p14:creationId xmlns:p14="http://schemas.microsoft.com/office/powerpoint/2010/main" val="2586682788"/>
       </p:ext>
     </p:extLst>
   </p:cSld>
@@ -1755,10 +1947,9 @@
           </a:lstStyle>
           <a:p>
             <a:r>
-              <a:rPr lang="en-US" dirty="0" smtClean="0"/>
+              <a:rPr lang="en-US" dirty="0"/>
               <a:t>Click to edit Master title style</a:t>
             </a:r>
-            <a:endParaRPr lang="en-US" dirty="0"/>
           </a:p>
         </p:txBody>
       </p:sp>
@@ -1883,10 +2074,9 @@
           </a:lstStyle>
           <a:p>
             <a:r>
-              <a:rPr lang="en-US" dirty="0" smtClean="0"/>
+              <a:rPr lang="en-US" dirty="0"/>
               <a:t>Click to edit Master subtitle style</a:t>
             </a:r>
-            <a:endParaRPr lang="en-US" dirty="0"/>
           </a:p>
         </p:txBody>
       </p:sp>
@@ -1941,10 +2131,9 @@
           <a:lstStyle/>
           <a:p>
             <a:r>
-              <a:rPr lang="en-US" smtClean="0"/>
+              <a:rPr lang="en-US"/>
               <a:t>Click to edit Master title style</a:t>
             </a:r>
-            <a:endParaRPr lang="en-US"/>
           </a:p>
         </p:txBody>
       </p:sp>
@@ -2006,10 +2195,9 @@
           </a:lstStyle>
           <a:p>
             <a:r>
-              <a:rPr lang="en-US" smtClean="0"/>
+              <a:rPr lang="en-US"/>
               <a:t>Click to edit Master subtitle style</a:t>
             </a:r>
-            <a:endParaRPr lang="en-US"/>
           </a:p>
         </p:txBody>
       </p:sp>
@@ -2115,13 +2303,6 @@
   <p:clrMapOvr>
     <a:masterClrMapping/>
   </p:clrMapOvr>
-  <p:timing>
-    <p:tnLst>
-      <p:par>
-        <p:cTn id="1" dur="indefinite" restart="never" nodeType="tmRoot"/>
-      </p:par>
-    </p:tnLst>
-  </p:timing>
 </p:sldLayout>
 </file>
 
@@ -2165,10 +2346,9 @@
           </a:lstStyle>
           <a:p>
             <a:r>
-              <a:rPr lang="en-US" dirty="0" smtClean="0"/>
+              <a:rPr lang="en-US" dirty="0"/>
               <a:t>Click to edit Master title style</a:t>
             </a:r>
-            <a:endParaRPr lang="en-US" dirty="0"/>
           </a:p>
         </p:txBody>
       </p:sp>
@@ -2220,38 +2400,37 @@
           <a:p>
             <a:pPr lvl="0"/>
             <a:r>
-              <a:rPr lang="en-US" dirty="0" smtClean="0"/>
+              <a:rPr lang="en-US" dirty="0"/>
               <a:t>Click to edit Master text styles</a:t>
             </a:r>
           </a:p>
           <a:p>
             <a:pPr lvl="1"/>
             <a:r>
-              <a:rPr lang="en-US" dirty="0" smtClean="0"/>
+              <a:rPr lang="en-US" dirty="0"/>
               <a:t>Second level</a:t>
             </a:r>
           </a:p>
           <a:p>
             <a:pPr lvl="2"/>
             <a:r>
-              <a:rPr lang="en-US" dirty="0" smtClean="0"/>
+              <a:rPr lang="en-US" dirty="0"/>
               <a:t>Third level</a:t>
             </a:r>
           </a:p>
           <a:p>
             <a:pPr lvl="3"/>
             <a:r>
-              <a:rPr lang="en-US" dirty="0" smtClean="0"/>
+              <a:rPr lang="en-US" dirty="0"/>
               <a:t>Fourth level</a:t>
             </a:r>
           </a:p>
           <a:p>
             <a:pPr lvl="4"/>
             <a:r>
-              <a:rPr lang="en-US" dirty="0" smtClean="0"/>
+              <a:rPr lang="en-US" dirty="0"/>
               <a:t>Fifth level</a:t>
             </a:r>
-            <a:endParaRPr lang="en-US" dirty="0"/>
           </a:p>
         </p:txBody>
       </p:sp>
@@ -2524,13 +2703,6 @@
   <p:clrMapOvr>
     <a:masterClrMapping/>
   </p:clrMapOvr>
-  <p:timing>
-    <p:tnLst>
-      <p:par>
-        <p:cTn id="1" dur="indefinite" restart="never" nodeType="tmRoot"/>
-      </p:par>
-    </p:tnLst>
-  </p:timing>
 </p:sldLayout>
 </file>
 
@@ -2592,10 +2764,9 @@
           </a:lstStyle>
           <a:p>
             <a:r>
-              <a:rPr lang="en-US" dirty="0" smtClean="0"/>
+              <a:rPr lang="en-US" dirty="0"/>
               <a:t>Click to edit Master title style</a:t>
             </a:r>
-            <a:endParaRPr lang="en-US" dirty="0"/>
           </a:p>
         </p:txBody>
       </p:sp>
@@ -2621,35 +2792,35 @@
           <a:p>
             <a:pPr lvl="0"/>
             <a:r>
-              <a:rPr lang="en-US" smtClean="0"/>
+              <a:rPr lang="en-US"/>
               <a:t>Click to edit Master text styles</a:t>
             </a:r>
           </a:p>
           <a:p>
             <a:pPr lvl="1"/>
             <a:r>
-              <a:rPr lang="en-US" smtClean="0"/>
+              <a:rPr lang="en-US"/>
               <a:t>Second level</a:t>
             </a:r>
           </a:p>
           <a:p>
             <a:pPr lvl="2"/>
             <a:r>
-              <a:rPr lang="en-US" smtClean="0"/>
+              <a:rPr lang="en-US"/>
               <a:t>Third level</a:t>
             </a:r>
           </a:p>
           <a:p>
             <a:pPr lvl="3"/>
             <a:r>
-              <a:rPr lang="en-US" smtClean="0"/>
+              <a:rPr lang="en-US"/>
               <a:t>Fourth level</a:t>
             </a:r>
           </a:p>
           <a:p>
             <a:pPr lvl="4"/>
             <a:r>
-              <a:rPr lang="en-US" smtClean="0"/>
+              <a:rPr lang="en-US"/>
               <a:t>Fifth level</a:t>
             </a:r>
             <a:endParaRPr lang="en-US" dirty="0"/>
@@ -2718,7 +2889,7 @@
           </a:lstStyle>
           <a:p>
             <a:r>
-              <a:rPr lang="en-US" smtClean="0"/>
+              <a:rPr lang="en-US"/>
               <a:t>Click to edit Master title style</a:t>
             </a:r>
             <a:endParaRPr lang="en-US" dirty="0"/>
@@ -2838,7 +3009,7 @@
           <a:p>
             <a:pPr lvl="0"/>
             <a:r>
-              <a:rPr lang="en-US" smtClean="0"/>
+              <a:rPr lang="en-US"/>
               <a:t>Click to edit Master text styles</a:t>
             </a:r>
           </a:p>
@@ -2908,7 +3079,7 @@
           </a:lstStyle>
           <a:p>
             <a:r>
-              <a:rPr lang="en-US" smtClean="0"/>
+              <a:rPr lang="en-US"/>
               <a:t>Click to edit Master title style</a:t>
             </a:r>
             <a:endParaRPr lang="en-US" dirty="0"/>
@@ -2983,35 +3154,35 @@
           <a:p>
             <a:pPr lvl="0"/>
             <a:r>
-              <a:rPr lang="en-US" smtClean="0"/>
+              <a:rPr lang="en-US"/>
               <a:t>Click to edit Master text styles</a:t>
             </a:r>
           </a:p>
           <a:p>
             <a:pPr lvl="1"/>
             <a:r>
-              <a:rPr lang="en-US" smtClean="0"/>
+              <a:rPr lang="en-US"/>
               <a:t>Second level</a:t>
             </a:r>
           </a:p>
           <a:p>
             <a:pPr lvl="2"/>
             <a:r>
-              <a:rPr lang="en-US" smtClean="0"/>
+              <a:rPr lang="en-US"/>
               <a:t>Third level</a:t>
             </a:r>
           </a:p>
           <a:p>
             <a:pPr lvl="3"/>
             <a:r>
-              <a:rPr lang="en-US" smtClean="0"/>
+              <a:rPr lang="en-US"/>
               <a:t>Fourth level</a:t>
             </a:r>
           </a:p>
           <a:p>
             <a:pPr lvl="4"/>
             <a:r>
-              <a:rPr lang="en-US" smtClean="0"/>
+              <a:rPr lang="en-US"/>
               <a:t>Fifth level</a:t>
             </a:r>
             <a:endParaRPr lang="en-US" dirty="0"/>
@@ -3086,35 +3257,35 @@
           <a:p>
             <a:pPr lvl="0"/>
             <a:r>
-              <a:rPr lang="en-US" smtClean="0"/>
+              <a:rPr lang="en-US"/>
               <a:t>Click to edit Master text styles</a:t>
             </a:r>
           </a:p>
           <a:p>
             <a:pPr lvl="1"/>
             <a:r>
-              <a:rPr lang="en-US" smtClean="0"/>
+              <a:rPr lang="en-US"/>
               <a:t>Second level</a:t>
             </a:r>
           </a:p>
           <a:p>
             <a:pPr lvl="2"/>
             <a:r>
-              <a:rPr lang="en-US" smtClean="0"/>
+              <a:rPr lang="en-US"/>
               <a:t>Third level</a:t>
             </a:r>
           </a:p>
           <a:p>
             <a:pPr lvl="3"/>
             <a:r>
-              <a:rPr lang="en-US" smtClean="0"/>
+              <a:rPr lang="en-US"/>
               <a:t>Fourth level</a:t>
             </a:r>
           </a:p>
           <a:p>
             <a:pPr lvl="4"/>
             <a:r>
-              <a:rPr lang="en-US" smtClean="0"/>
+              <a:rPr lang="en-US"/>
               <a:t>Fifth level</a:t>
             </a:r>
             <a:endParaRPr lang="en-US" dirty="0"/>
@@ -3185,7 +3356,7 @@
           </a:lstStyle>
           <a:p>
             <a:r>
-              <a:rPr lang="en-US" smtClean="0"/>
+              <a:rPr lang="en-US"/>
               <a:t>Click to edit Master title style</a:t>
             </a:r>
             <a:endParaRPr lang="en-US" dirty="0"/>
@@ -3260,7 +3431,7 @@
           <a:p>
             <a:pPr lvl="0"/>
             <a:r>
-              <a:rPr lang="en-US" smtClean="0"/>
+              <a:rPr lang="en-US"/>
               <a:t>Click to edit Master text styles</a:t>
             </a:r>
           </a:p>
@@ -3331,35 +3502,35 @@
           <a:p>
             <a:pPr lvl="0"/>
             <a:r>
-              <a:rPr lang="en-US" smtClean="0"/>
+              <a:rPr lang="en-US"/>
               <a:t>Click to edit Master text styles</a:t>
             </a:r>
           </a:p>
           <a:p>
             <a:pPr lvl="1"/>
             <a:r>
-              <a:rPr lang="en-US" smtClean="0"/>
+              <a:rPr lang="en-US"/>
               <a:t>Second level</a:t>
             </a:r>
           </a:p>
           <a:p>
             <a:pPr lvl="2"/>
             <a:r>
-              <a:rPr lang="en-US" smtClean="0"/>
+              <a:rPr lang="en-US"/>
               <a:t>Third level</a:t>
             </a:r>
           </a:p>
           <a:p>
             <a:pPr lvl="3"/>
             <a:r>
-              <a:rPr lang="en-US" smtClean="0"/>
+              <a:rPr lang="en-US"/>
               <a:t>Fourth level</a:t>
             </a:r>
           </a:p>
           <a:p>
             <a:pPr lvl="4"/>
             <a:r>
-              <a:rPr lang="en-US" smtClean="0"/>
+              <a:rPr lang="en-US"/>
               <a:t>Fifth level</a:t>
             </a:r>
             <a:endParaRPr lang="en-US" dirty="0"/>
@@ -3434,7 +3605,7 @@
           <a:p>
             <a:pPr lvl="0"/>
             <a:r>
-              <a:rPr lang="en-US" smtClean="0"/>
+              <a:rPr lang="en-US"/>
               <a:t>Click to edit Master text styles</a:t>
             </a:r>
           </a:p>
@@ -3505,35 +3676,35 @@
           <a:p>
             <a:pPr lvl="0"/>
             <a:r>
-              <a:rPr lang="en-US" smtClean="0"/>
+              <a:rPr lang="en-US"/>
               <a:t>Click to edit Master text styles</a:t>
             </a:r>
           </a:p>
           <a:p>
             <a:pPr lvl="1"/>
             <a:r>
-              <a:rPr lang="en-US" smtClean="0"/>
+              <a:rPr lang="en-US"/>
               <a:t>Second level</a:t>
             </a:r>
           </a:p>
           <a:p>
             <a:pPr lvl="2"/>
             <a:r>
-              <a:rPr lang="en-US" smtClean="0"/>
+              <a:rPr lang="en-US"/>
               <a:t>Third level</a:t>
             </a:r>
           </a:p>
           <a:p>
             <a:pPr lvl="3"/>
             <a:r>
-              <a:rPr lang="en-US" smtClean="0"/>
+              <a:rPr lang="en-US"/>
               <a:t>Fourth level</a:t>
             </a:r>
           </a:p>
           <a:p>
             <a:pPr lvl="4"/>
             <a:r>
-              <a:rPr lang="en-US" smtClean="0"/>
+              <a:rPr lang="en-US"/>
               <a:t>Fifth level</a:t>
             </a:r>
             <a:endParaRPr lang="en-US" dirty="0"/>
@@ -3604,7 +3775,7 @@
           </a:lstStyle>
           <a:p>
             <a:r>
-              <a:rPr lang="en-US" smtClean="0"/>
+              <a:rPr lang="en-US"/>
               <a:t>Click to edit Master title style</a:t>
             </a:r>
             <a:endParaRPr lang="en-US" dirty="0"/>
@@ -3705,7 +3876,7 @@
           </a:lstStyle>
           <a:p>
             <a:r>
-              <a:rPr lang="en-US" smtClean="0"/>
+              <a:rPr lang="en-US"/>
               <a:t>Click to edit Master title style</a:t>
             </a:r>
             <a:endParaRPr lang="en-US" dirty="0"/>
@@ -3780,35 +3951,35 @@
           <a:p>
             <a:pPr lvl="0"/>
             <a:r>
-              <a:rPr lang="en-US" smtClean="0"/>
+              <a:rPr lang="en-US"/>
               <a:t>Click to edit Master text styles</a:t>
             </a:r>
           </a:p>
           <a:p>
             <a:pPr lvl="1"/>
             <a:r>
-              <a:rPr lang="en-US" smtClean="0"/>
+              <a:rPr lang="en-US"/>
               <a:t>Second level</a:t>
             </a:r>
           </a:p>
           <a:p>
             <a:pPr lvl="2"/>
             <a:r>
-              <a:rPr lang="en-US" smtClean="0"/>
+              <a:rPr lang="en-US"/>
               <a:t>Third level</a:t>
             </a:r>
           </a:p>
           <a:p>
             <a:pPr lvl="3"/>
             <a:r>
-              <a:rPr lang="en-US" smtClean="0"/>
+              <a:rPr lang="en-US"/>
               <a:t>Fourth level</a:t>
             </a:r>
           </a:p>
           <a:p>
             <a:pPr lvl="4"/>
             <a:r>
-              <a:rPr lang="en-US" smtClean="0"/>
+              <a:rPr lang="en-US"/>
               <a:t>Fifth level</a:t>
             </a:r>
             <a:endParaRPr lang="en-US" dirty="0"/>
@@ -3880,7 +4051,7 @@
           <a:p>
             <a:pPr lvl="0"/>
             <a:r>
-              <a:rPr lang="en-US" smtClean="0"/>
+              <a:rPr lang="en-US"/>
               <a:t>Click to edit Master text styles</a:t>
             </a:r>
           </a:p>
@@ -3950,7 +4121,7 @@
           </a:lstStyle>
           <a:p>
             <a:r>
-              <a:rPr lang="en-US" smtClean="0"/>
+              <a:rPr lang="en-US"/>
               <a:t>Click to edit Master title style</a:t>
             </a:r>
             <a:endParaRPr lang="en-US" dirty="0"/>
@@ -4015,10 +4186,9 @@
           </a:lstStyle>
           <a:p>
             <a:r>
-              <a:rPr lang="en-US" smtClean="0"/>
+              <a:rPr lang="en-US"/>
               <a:t>Click icon to add picture</a:t>
             </a:r>
-            <a:endParaRPr lang="en-US"/>
           </a:p>
         </p:txBody>
       </p:sp>
@@ -4087,7 +4257,7 @@
           <a:p>
             <a:pPr lvl="0"/>
             <a:r>
-              <a:rPr lang="en-US" smtClean="0"/>
+              <a:rPr lang="en-US"/>
               <a:t>Click to edit Master text styles</a:t>
             </a:r>
           </a:p>
@@ -4158,35 +4328,35 @@
           <a:p>
             <a:pPr lvl="0"/>
             <a:r>
-              <a:rPr lang="en-US" smtClean="0"/>
+              <a:rPr lang="en-US"/>
               <a:t>Click to edit Master text styles</a:t>
             </a:r>
           </a:p>
           <a:p>
             <a:pPr lvl="1"/>
             <a:r>
-              <a:rPr lang="en-US" smtClean="0"/>
+              <a:rPr lang="en-US"/>
               <a:t>Second level</a:t>
             </a:r>
           </a:p>
           <a:p>
             <a:pPr lvl="2"/>
             <a:r>
-              <a:rPr lang="en-US" smtClean="0"/>
+              <a:rPr lang="en-US"/>
               <a:t>Third level</a:t>
             </a:r>
           </a:p>
           <a:p>
             <a:pPr lvl="3"/>
             <a:r>
-              <a:rPr lang="en-US" smtClean="0"/>
+              <a:rPr lang="en-US"/>
               <a:t>Fourth level</a:t>
             </a:r>
           </a:p>
           <a:p>
             <a:pPr lvl="4"/>
             <a:r>
-              <a:rPr lang="en-US" smtClean="0"/>
+              <a:rPr lang="en-US"/>
               <a:t>Fifth level</a:t>
             </a:r>
             <a:endParaRPr lang="en-US" dirty="0"/>
@@ -4212,13 +4382,6 @@
     <p:sldLayoutId id="2147483656" r:id="rId8"/>
     <p:sldLayoutId id="2147483657" r:id="rId9"/>
   </p:sldLayoutIdLst>
-  <p:timing>
-    <p:tnLst>
-      <p:par>
-        <p:cTn id="1" dur="indefinite" restart="never" nodeType="tmRoot"/>
-      </p:par>
-    </p:tnLst>
-  </p:timing>
   <p:txStyles>
     <p:titleStyle>
       <a:lvl1pPr algn="ctr" defTabSz="457200" rtl="0" eaLnBrk="1" latinLnBrk="0" hangingPunct="1">
@@ -4591,7 +4754,7 @@
           <a:p>
             <a:pPr lvl="0"/>
             <a:r>
-              <a:rPr lang="en-US" dirty="0" smtClean="0"/>
+              <a:rPr lang="en-US" dirty="0"/>
               <a:t>Click to edit Master title style</a:t>
             </a:r>
           </a:p>
@@ -4633,35 +4796,35 @@
           <a:p>
             <a:pPr lvl="0"/>
             <a:r>
-              <a:rPr lang="en-US" dirty="0" smtClean="0"/>
+              <a:rPr lang="en-US" dirty="0"/>
               <a:t>Click to edit Master text styles</a:t>
             </a:r>
           </a:p>
           <a:p>
             <a:pPr lvl="1"/>
             <a:r>
-              <a:rPr lang="en-US" dirty="0" smtClean="0"/>
+              <a:rPr lang="en-US" dirty="0"/>
               <a:t>Second level</a:t>
             </a:r>
           </a:p>
           <a:p>
             <a:pPr lvl="2"/>
             <a:r>
-              <a:rPr lang="en-US" dirty="0" smtClean="0"/>
+              <a:rPr lang="en-US" dirty="0"/>
               <a:t>Third level</a:t>
             </a:r>
           </a:p>
           <a:p>
             <a:pPr lvl="3"/>
             <a:r>
-              <a:rPr lang="en-US" dirty="0" smtClean="0"/>
+              <a:rPr lang="en-US" dirty="0"/>
               <a:t>Fourth level</a:t>
             </a:r>
           </a:p>
           <a:p>
             <a:pPr lvl="4"/>
             <a:r>
-              <a:rPr lang="en-US" dirty="0" smtClean="0"/>
+              <a:rPr lang="en-US" dirty="0"/>
               <a:t>Fifth level</a:t>
             </a:r>
           </a:p>
@@ -5323,14 +5486,11 @@
           <a:lstStyle/>
           <a:p>
             <a:r>
-              <a:rPr lang="en-US" sz="18000" dirty="0" smtClean="0">
+              <a:rPr lang="en-US" sz="18000" dirty="0">
                 <a:latin typeface="Rockwell Extra Bold" panose="02060903040505020403" pitchFamily="18" charset="0"/>
               </a:rPr>
               <a:t>NLP</a:t>
             </a:r>
-            <a:endParaRPr lang="en-US" sz="18000" dirty="0">
-              <a:latin typeface="Rockwell Extra Bold" panose="02060903040505020403" pitchFamily="18" charset="0"/>
-            </a:endParaRPr>
           </a:p>
         </p:txBody>
       </p:sp>
@@ -5344,13 +5504,6 @@
   <p:clrMapOvr>
     <a:masterClrMapping/>
   </p:clrMapOvr>
-  <p:timing>
-    <p:tnLst>
-      <p:par>
-        <p:cTn id="1" dur="indefinite" restart="never" nodeType="tmRoot"/>
-      </p:par>
-    </p:tnLst>
-  </p:timing>
 </p:sld>
 </file>
 
@@ -5387,7 +5540,7 @@
           <a:lstStyle/>
           <a:p>
             <a:r>
-              <a:rPr lang="en-US" altLang="en-US" dirty="0" smtClean="0"/>
+              <a:rPr lang="en-US" altLang="en-US" dirty="0"/>
               <a:t>Parser Output</a:t>
             </a:r>
           </a:p>
@@ -6375,13 +6528,6 @@
   <p:clrMapOvr>
     <a:masterClrMapping/>
   </p:clrMapOvr>
-  <p:timing>
-    <p:tnLst>
-      <p:par>
-        <p:cTn id="1" dur="indefinite" restart="never" nodeType="tmRoot"/>
-      </p:par>
-    </p:tnLst>
-  </p:timing>
 </p:sld>
 </file>
 
@@ -6418,10 +6564,9 @@
           <a:lstStyle/>
           <a:p>
             <a:r>
-              <a:rPr lang="en-US" dirty="0" smtClean="0"/>
+              <a:rPr lang="en-US" dirty="0"/>
               <a:t>This Problem is Pretty // Easy</a:t>
             </a:r>
-            <a:endParaRPr lang="en-US" dirty="0"/>
           </a:p>
         </p:txBody>
       </p:sp>
@@ -6448,75 +6593,75 @@
           <a:lstStyle/>
           <a:p>
             <a:r>
-              <a:rPr lang="en-US" dirty="0" smtClean="0"/>
+              <a:rPr lang="en-US" dirty="0"/>
               <a:t>Commercial for a phone company</a:t>
             </a:r>
           </a:p>
           <a:p>
             <a:r>
-              <a:rPr lang="en-US" dirty="0" smtClean="0"/>
+              <a:rPr lang="en-US" dirty="0"/>
               <a:t>Garden path sentences</a:t>
             </a:r>
           </a:p>
           <a:p>
             <a:pPr lvl="1"/>
             <a:r>
-              <a:rPr lang="en-US" dirty="0" smtClean="0"/>
+              <a:rPr lang="en-US" dirty="0"/>
               <a:t>Don’t bother coming</a:t>
             </a:r>
           </a:p>
           <a:p>
             <a:pPr lvl="1"/>
             <a:r>
-              <a:rPr lang="en-US" dirty="0" smtClean="0"/>
+              <a:rPr lang="en-US" dirty="0"/>
               <a:t>Don’t bother coming early</a:t>
             </a:r>
           </a:p>
           <a:p>
             <a:pPr lvl="1"/>
             <a:r>
-              <a:rPr lang="en-US" dirty="0" smtClean="0"/>
+              <a:rPr lang="en-US" dirty="0"/>
               <a:t>Take the turkey out of the oven at five</a:t>
             </a:r>
           </a:p>
           <a:p>
             <a:pPr lvl="1"/>
             <a:r>
-              <a:rPr lang="en-US" dirty="0" smtClean="0"/>
+              <a:rPr lang="en-US" dirty="0"/>
               <a:t>Take the turkey out of the over at five to four</a:t>
             </a:r>
           </a:p>
           <a:p>
             <a:pPr lvl="1"/>
             <a:r>
-              <a:rPr lang="en-US" dirty="0" smtClean="0"/>
+              <a:rPr lang="en-US" dirty="0"/>
               <a:t>I got canned</a:t>
             </a:r>
           </a:p>
           <a:p>
             <a:pPr lvl="1"/>
             <a:r>
-              <a:rPr lang="en-US" dirty="0" smtClean="0"/>
+              <a:rPr lang="en-US" dirty="0"/>
               <a:t>I got canned peaches for dinner</a:t>
             </a:r>
           </a:p>
           <a:p>
             <a:pPr lvl="1"/>
             <a:r>
-              <a:rPr lang="en-US" dirty="0" smtClean="0"/>
+              <a:rPr lang="en-US" dirty="0"/>
               <a:t>All Americans need to buy a house</a:t>
             </a:r>
           </a:p>
           <a:p>
             <a:pPr lvl="1"/>
             <a:r>
-              <a:rPr lang="en-US" dirty="0" smtClean="0"/>
+              <a:rPr lang="en-US" dirty="0"/>
               <a:t>All Americans need to buy a house is a lot of money</a:t>
             </a:r>
           </a:p>
           <a:p>
             <a:r>
-              <a:rPr lang="en-US" dirty="0" smtClean="0"/>
+              <a:rPr lang="en-US" dirty="0"/>
               <a:t>Can you think of more such examples?</a:t>
             </a:r>
           </a:p>
@@ -6532,14 +6677,6 @@
   <p:clrMapOvr>
     <a:masterClrMapping/>
   </p:clrMapOvr>
-  <mc:AlternateContent xmlns:mc="http://schemas.openxmlformats.org/markup-compatibility/2006" xmlns:p14="http://schemas.microsoft.com/office/powerpoint/2010/main">
-    <mc:Choice Requires="p14">
-      <p:transition spd="slow" p14:dur="2000"/>
-    </mc:Choice>
-    <mc:Fallback xmlns="">
-      <p:transition spd="slow"/>
-    </mc:Fallback>
-  </mc:AlternateContent>
   <p:timing>
     <p:tnLst>
       <p:par>
@@ -7148,10 +7285,9 @@
           <a:lstStyle/>
           <a:p>
             <a:r>
-              <a:rPr lang="en-US" dirty="0" smtClean="0"/>
+              <a:rPr lang="en-US" dirty="0"/>
               <a:t>Solution</a:t>
             </a:r>
-            <a:endParaRPr lang="en-US" dirty="0"/>
           </a:p>
         </p:txBody>
       </p:sp>
@@ -7178,88 +7314,49 @@
           <a:lstStyle/>
           <a:p>
             <a:r>
-              <a:rPr lang="en-US" sz="2800" dirty="0" smtClean="0"/>
+              <a:rPr lang="en-US" sz="2800" dirty="0"/>
               <a:t>This problem is pretty // easy</a:t>
             </a:r>
           </a:p>
           <a:p>
             <a:pPr lvl="1"/>
-            <a:r>
-              <a:rPr lang="en-US" sz="2400" dirty="0" smtClean="0">
-                <a:hlinkClick r:id="rId2"/>
-              </a:rPr>
-              <a:t>http</a:t>
-            </a:r>
             <a:r>
               <a:rPr lang="en-US" sz="2400" dirty="0">
                 <a:hlinkClick r:id="rId2"/>
               </a:rPr>
-              <a:t>://</a:t>
-            </a:r>
-            <a:r>
-              <a:rPr lang="en-US" sz="2400" dirty="0" smtClean="0">
-                <a:hlinkClick r:id="rId2"/>
-              </a:rPr>
-              <a:t>www.nacloweb.org/resources/problems/2007/N2007-HS.pdf</a:t>
-            </a:r>
-            <a:r>
-              <a:rPr lang="en-US" sz="2400" dirty="0" smtClean="0"/>
+              <a:t>http://www.nacloweb.org/resources/problems/2007/N2007-HS.pdf</a:t>
+            </a:r>
+            <a:r>
+              <a:rPr lang="en-US" sz="2400" dirty="0"/>
               <a:t>  </a:t>
             </a:r>
           </a:p>
           <a:p>
             <a:r>
-              <a:rPr lang="en-US" sz="2800" dirty="0" smtClean="0"/>
+              <a:rPr lang="en-US" sz="2800" dirty="0"/>
               <a:t>Criteria</a:t>
             </a:r>
           </a:p>
           <a:p>
             <a:pPr lvl="1"/>
             <a:r>
-              <a:rPr lang="en-US" sz="2400" dirty="0" smtClean="0"/>
-              <a:t>The </a:t>
-            </a:r>
-            <a:r>
               <a:rPr lang="en-US" sz="2400" dirty="0"/>
-              <a:t>part before // should be a complete </a:t>
-            </a:r>
-            <a:r>
-              <a:rPr lang="en-US" sz="2400" dirty="0" smtClean="0"/>
-              <a:t>sentence</a:t>
-            </a:r>
-            <a:endParaRPr lang="en-US" sz="2400" dirty="0"/>
+              <a:t>The part before // should be a complete sentence</a:t>
+            </a:r>
           </a:p>
           <a:p>
             <a:pPr lvl="1"/>
             <a:r>
-              <a:rPr lang="en-US" sz="2400" dirty="0" smtClean="0"/>
-              <a:t>The </a:t>
-            </a:r>
-            <a:r>
               <a:rPr lang="en-US" sz="2400" dirty="0"/>
-              <a:t>full sentence has a different meaning than the part before </a:t>
-            </a:r>
-            <a:r>
-              <a:rPr lang="en-US" sz="2400" dirty="0" smtClean="0"/>
-              <a:t>// </a:t>
-            </a:r>
-            <a:endParaRPr lang="en-US" sz="2400" dirty="0"/>
+              <a:t>The full sentence has a different meaning than the part before // </a:t>
+            </a:r>
           </a:p>
           <a:p>
             <a:pPr lvl="1"/>
             <a:r>
-              <a:rPr lang="en-US" sz="2400" dirty="0" smtClean="0"/>
-              <a:t>The </a:t>
-            </a:r>
-            <a:r>
               <a:rPr lang="en-US" sz="2400" dirty="0"/>
-              <a:t>part before // should not already be </a:t>
-            </a:r>
-            <a:r>
-              <a:rPr lang="en-US" sz="2400" dirty="0" smtClean="0"/>
-              <a:t>ambiguous</a:t>
-            </a:r>
-            <a:endParaRPr lang="en-US" sz="2400" dirty="0"/>
+              <a:t>The part before // should not already be ambiguous</a:t>
+            </a:r>
           </a:p>
           <a:p>
             <a:pPr lvl="1"/>
@@ -7277,21 +7374,6 @@
   <p:clrMapOvr>
     <a:masterClrMapping/>
   </p:clrMapOvr>
-  <mc:AlternateContent xmlns:mc="http://schemas.openxmlformats.org/markup-compatibility/2006" xmlns:p14="http://schemas.microsoft.com/office/powerpoint/2010/main">
-    <mc:Choice Requires="p14">
-      <p:transition spd="slow" p14:dur="2000"/>
-    </mc:Choice>
-    <mc:Fallback xmlns="">
-      <p:transition spd="slow"/>
-    </mc:Fallback>
-  </mc:AlternateContent>
-  <p:timing>
-    <p:tnLst>
-      <p:par>
-        <p:cTn id="1" dur="indefinite" restart="never" nodeType="tmRoot"/>
-      </p:par>
-    </p:tnLst>
-  </p:timing>
 </p:sld>
 </file>
 
@@ -7328,7 +7410,7 @@
           <a:lstStyle/>
           <a:p>
             <a:r>
-              <a:rPr lang="en-US" altLang="en-US" dirty="0" smtClean="0"/>
+              <a:rPr lang="en-US" altLang="en-US" dirty="0"/>
               <a:t>Dependency Parsing</a:t>
             </a:r>
           </a:p>
@@ -8176,13 +8258,6 @@
   <p:clrMapOvr>
     <a:masterClrMapping/>
   </p:clrMapOvr>
-  <p:timing>
-    <p:tnLst>
-      <p:par>
-        <p:cTn id="1" dur="indefinite" restart="never" nodeType="tmRoot"/>
-      </p:par>
-    </p:tnLst>
-  </p:timing>
 </p:sld>
 </file>
 
@@ -8219,7 +8294,7 @@
           <a:lstStyle/>
           <a:p>
             <a:r>
-              <a:rPr lang="en-US" altLang="en-US" dirty="0" smtClean="0"/>
+              <a:rPr lang="en-US" altLang="en-US" dirty="0"/>
               <a:t>Dependency Parsing</a:t>
             </a:r>
           </a:p>
@@ -8478,13 +8553,6 @@
   <p:clrMapOvr>
     <a:masterClrMapping/>
   </p:clrMapOvr>
-  <p:timing>
-    <p:tnLst>
-      <p:par>
-        <p:cTn id="1" dur="indefinite" restart="never" nodeType="tmRoot"/>
-      </p:par>
-    </p:tnLst>
-  </p:timing>
 </p:sld>
 </file>
 
@@ -8521,7 +8589,7 @@
           <a:lstStyle/>
           <a:p>
             <a:r>
-              <a:rPr lang="en-US" altLang="en-US" dirty="0" smtClean="0"/>
+              <a:rPr lang="en-US" altLang="en-US" dirty="0"/>
               <a:t>Parser Output</a:t>
             </a:r>
           </a:p>
@@ -9665,13 +9733,6 @@
   <p:clrMapOvr>
     <a:masterClrMapping/>
   </p:clrMapOvr>
-  <p:timing>
-    <p:tnLst>
-      <p:par>
-        <p:cTn id="1" dur="indefinite" restart="never" nodeType="tmRoot"/>
-      </p:par>
-    </p:tnLst>
-  </p:timing>
 </p:sld>
 </file>
 
@@ -9708,7 +9769,7 @@
           <a:lstStyle/>
           <a:p>
             <a:r>
-              <a:rPr lang="en-US" altLang="en-US" smtClean="0"/>
+              <a:rPr lang="en-US" altLang="en-US"/>
               <a:t>Information Extraction</a:t>
             </a:r>
           </a:p>
@@ -9732,11 +9793,11 @@
           <a:lstStyle/>
           <a:p>
             <a:r>
-              <a:rPr lang="en-US" altLang="en-US" sz="1600" dirty="0" smtClean="0"/>
+              <a:rPr lang="en-US" altLang="en-US" sz="1600" dirty="0"/>
               <a:t>RESEARCH ALERT-</a:t>
             </a:r>
             <a:r>
-              <a:rPr lang="en-US" altLang="en-US" sz="1600" dirty="0" smtClean="0">
+              <a:rPr lang="en-US" altLang="en-US" sz="1600" dirty="0">
                 <a:solidFill>
                   <a:srgbClr val="FF0000"/>
                 </a:solidFill>
@@ -9744,11 +9805,11 @@
               <a:t>Wells Fargo</a:t>
             </a:r>
             <a:r>
-              <a:rPr lang="en-US" altLang="en-US" sz="1600" dirty="0" smtClean="0"/>
+              <a:rPr lang="en-US" altLang="en-US" sz="1600" dirty="0"/>
               <a:t> </a:t>
             </a:r>
             <a:r>
-              <a:rPr lang="en-US" altLang="en-US" sz="1600" dirty="0" smtClean="0">
+              <a:rPr lang="en-US" altLang="en-US" sz="1600" dirty="0">
                 <a:solidFill>
                   <a:srgbClr val="92D050"/>
                 </a:solidFill>
@@ -9756,11 +9817,11 @@
               <a:t>cuts</a:t>
             </a:r>
             <a:r>
-              <a:rPr lang="en-US" altLang="en-US" sz="1600" dirty="0" smtClean="0"/>
+              <a:rPr lang="en-US" altLang="en-US" sz="1600" dirty="0"/>
               <a:t> </a:t>
             </a:r>
             <a:r>
-              <a:rPr lang="en-US" altLang="en-US" sz="1600" dirty="0" smtClean="0">
+              <a:rPr lang="en-US" altLang="en-US" sz="1600" dirty="0">
                 <a:solidFill>
                   <a:srgbClr val="0070C0"/>
                 </a:solidFill>
@@ -9768,7 +9829,7 @@
               <a:t>PPD </a:t>
             </a:r>
             <a:r>
-              <a:rPr lang="en-US" altLang="en-US" sz="1600" dirty="0" err="1" smtClean="0">
+              <a:rPr lang="en-US" altLang="en-US" sz="1600" dirty="0" err="1">
                 <a:solidFill>
                   <a:srgbClr val="0070C0"/>
                 </a:solidFill>
@@ -9776,11 +9837,11 @@
               <a:t>Inc</a:t>
             </a:r>
             <a:r>
-              <a:rPr lang="en-US" altLang="en-US" sz="1600" dirty="0" smtClean="0"/>
+              <a:rPr lang="en-US" altLang="en-US" sz="1600" dirty="0"/>
               <a:t> to </a:t>
             </a:r>
             <a:r>
-              <a:rPr lang="en-US" altLang="en-US" sz="1600" dirty="0" smtClean="0">
+              <a:rPr lang="en-US" altLang="en-US" sz="1600" dirty="0">
                 <a:solidFill>
                   <a:srgbClr val="7030A0"/>
                 </a:solidFill>
@@ -9790,7 +9851,7 @@
           </a:p>
           <a:p>
             <a:r>
-              <a:rPr lang="en-US" altLang="en-US" sz="1600" dirty="0" smtClean="0">
+              <a:rPr lang="en-US" altLang="en-US" sz="1600" dirty="0">
                 <a:solidFill>
                   <a:srgbClr val="0070C0"/>
                 </a:solidFill>
@@ -9798,7 +9859,7 @@
               <a:t>China Southern Air </a:t>
             </a:r>
             <a:r>
-              <a:rPr lang="en-US" altLang="en-US" sz="1600" dirty="0" smtClean="0">
+              <a:rPr lang="en-US" altLang="en-US" sz="1600" dirty="0">
                 <a:solidFill>
                   <a:srgbClr val="92D050"/>
                 </a:solidFill>
@@ -9806,11 +9867,11 @@
               <a:t>Upgraded</a:t>
             </a:r>
             <a:r>
-              <a:rPr lang="en-US" altLang="en-US" sz="1600" dirty="0" smtClean="0"/>
+              <a:rPr lang="en-US" altLang="en-US" sz="1600" dirty="0"/>
               <a:t> To </a:t>
             </a:r>
             <a:r>
-              <a:rPr lang="en-US" altLang="en-US" sz="1600" dirty="0" smtClean="0">
+              <a:rPr lang="en-US" altLang="en-US" sz="1600" dirty="0">
                 <a:solidFill>
                   <a:srgbClr val="7030A0"/>
                 </a:solidFill>
@@ -9818,11 +9879,11 @@
               <a:t>Overweight</a:t>
             </a:r>
             <a:r>
-              <a:rPr lang="en-US" altLang="en-US" sz="1600" dirty="0" smtClean="0"/>
+              <a:rPr lang="en-US" altLang="en-US" sz="1600" dirty="0"/>
               <a:t> From </a:t>
             </a:r>
             <a:r>
-              <a:rPr lang="en-US" altLang="en-US" sz="1600" dirty="0" smtClean="0">
+              <a:rPr lang="en-US" altLang="en-US" sz="1600" dirty="0">
                 <a:solidFill>
                   <a:srgbClr val="FFC000"/>
                 </a:solidFill>
@@ -9830,11 +9891,11 @@
               <a:t>Neutral</a:t>
             </a:r>
             <a:r>
-              <a:rPr lang="en-US" altLang="en-US" sz="1600" dirty="0" smtClean="0"/>
+              <a:rPr lang="en-US" altLang="en-US" sz="1600" dirty="0"/>
               <a:t>-</a:t>
             </a:r>
             <a:r>
-              <a:rPr lang="en-US" altLang="en-US" sz="1600" dirty="0" smtClean="0">
+              <a:rPr lang="en-US" altLang="en-US" sz="1600" dirty="0">
                 <a:solidFill>
                   <a:srgbClr val="FF0000"/>
                 </a:solidFill>
@@ -9844,7 +9905,7 @@
           </a:p>
           <a:p>
             <a:r>
-              <a:rPr lang="en-US" altLang="en-US" sz="1600" dirty="0" smtClean="0">
+              <a:rPr lang="en-US" altLang="en-US" sz="1600" dirty="0">
                 <a:solidFill>
                   <a:srgbClr val="FF0000"/>
                 </a:solidFill>
@@ -9852,11 +9913,11 @@
               <a:t>CITIGROUP</a:t>
             </a:r>
             <a:r>
-              <a:rPr lang="en-US" altLang="en-US" sz="1600" dirty="0" smtClean="0"/>
+              <a:rPr lang="en-US" altLang="en-US" sz="1600" dirty="0"/>
               <a:t> </a:t>
             </a:r>
             <a:r>
-              <a:rPr lang="en-US" altLang="en-US" sz="1600" dirty="0" smtClean="0">
+              <a:rPr lang="en-US" altLang="en-US" sz="1600" dirty="0">
                 <a:solidFill>
                   <a:srgbClr val="92D050"/>
                 </a:solidFill>
@@ -9864,11 +9925,11 @@
               <a:t>RAISES</a:t>
             </a:r>
             <a:r>
-              <a:rPr lang="en-US" altLang="en-US" sz="1600" dirty="0" smtClean="0"/>
+              <a:rPr lang="en-US" altLang="en-US" sz="1600" dirty="0"/>
               <a:t> </a:t>
             </a:r>
             <a:r>
-              <a:rPr lang="en-US" altLang="en-US" sz="1600" dirty="0" smtClean="0">
+              <a:rPr lang="en-US" altLang="en-US" sz="1600" dirty="0">
                 <a:solidFill>
                   <a:srgbClr val="0070C0"/>
                 </a:solidFill>
@@ -9876,7 +9937,7 @@
               <a:t>INGERSOLL RAND </a:t>
             </a:r>
             <a:r>
-              <a:rPr lang="en-US" altLang="en-US" sz="1600" dirty="0" smtClean="0">
+              <a:rPr lang="en-US" altLang="en-US" sz="1600" dirty="0">
                 <a:solidFill>
                   <a:srgbClr val="C00000"/>
                 </a:solidFill>
@@ -9884,11 +9945,11 @@
               <a:t>&lt;IR.N&gt; </a:t>
             </a:r>
             <a:r>
-              <a:rPr lang="en-US" altLang="en-US" sz="1600" dirty="0" smtClean="0"/>
+              <a:rPr lang="en-US" altLang="en-US" sz="1600" dirty="0"/>
               <a:t>TO </a:t>
             </a:r>
             <a:r>
-              <a:rPr lang="en-US" altLang="en-US" sz="1600" dirty="0" smtClean="0">
+              <a:rPr lang="en-US" altLang="en-US" sz="1600" dirty="0">
                 <a:solidFill>
                   <a:srgbClr val="7030A0"/>
                 </a:solidFill>
@@ -9896,11 +9957,11 @@
               <a:t>HOLD</a:t>
             </a:r>
             <a:r>
-              <a:rPr lang="en-US" altLang="en-US" sz="1600" dirty="0" smtClean="0"/>
+              <a:rPr lang="en-US" altLang="en-US" sz="1600" dirty="0"/>
               <a:t> FROM </a:t>
             </a:r>
             <a:r>
-              <a:rPr lang="en-US" altLang="en-US" sz="1600" dirty="0" smtClean="0">
+              <a:rPr lang="en-US" altLang="en-US" sz="1600" dirty="0">
                 <a:solidFill>
                   <a:srgbClr val="FFC000"/>
                 </a:solidFill>
@@ -9908,13 +9969,13 @@
               <a:t>SELL</a:t>
             </a:r>
             <a:r>
-              <a:rPr lang="en-US" altLang="en-US" sz="1600" dirty="0" smtClean="0"/>
+              <a:rPr lang="en-US" altLang="en-US" sz="1600" dirty="0"/>
               <a:t> </a:t>
             </a:r>
           </a:p>
           <a:p>
             <a:r>
-              <a:rPr lang="en-US" altLang="en-US" sz="1600" dirty="0" smtClean="0">
+              <a:rPr lang="en-US" altLang="en-US" sz="1600" dirty="0">
                 <a:solidFill>
                   <a:srgbClr val="0070C0"/>
                 </a:solidFill>
@@ -9922,7 +9983,7 @@
               <a:t>TCF Financial Corp </a:t>
             </a:r>
             <a:r>
-              <a:rPr lang="en-US" altLang="en-US" sz="1600" dirty="0" smtClean="0">
+              <a:rPr lang="en-US" altLang="en-US" sz="1600" dirty="0">
                 <a:solidFill>
                   <a:srgbClr val="92D050"/>
                 </a:solidFill>
@@ -9930,11 +9991,11 @@
               <a:t>Raised</a:t>
             </a:r>
             <a:r>
-              <a:rPr lang="en-US" altLang="en-US" sz="1600" dirty="0" smtClean="0"/>
+              <a:rPr lang="en-US" altLang="en-US" sz="1600" dirty="0"/>
               <a:t> To </a:t>
             </a:r>
             <a:r>
-              <a:rPr lang="en-US" altLang="en-US" sz="1600" dirty="0" smtClean="0">
+              <a:rPr lang="en-US" altLang="en-US" sz="1600" dirty="0">
                 <a:solidFill>
                   <a:srgbClr val="7030A0"/>
                 </a:solidFill>
@@ -9942,11 +10003,11 @@
               <a:t>Overweight</a:t>
             </a:r>
             <a:r>
-              <a:rPr lang="en-US" altLang="en-US" sz="1600" dirty="0" smtClean="0"/>
+              <a:rPr lang="en-US" altLang="en-US" sz="1600" dirty="0"/>
               <a:t> From </a:t>
             </a:r>
             <a:r>
-              <a:rPr lang="en-US" altLang="en-US" sz="1600" dirty="0" smtClean="0">
+              <a:rPr lang="en-US" altLang="en-US" sz="1600" dirty="0">
                 <a:solidFill>
                   <a:srgbClr val="FFC000"/>
                 </a:solidFill>
@@ -9954,11 +10015,11 @@
               <a:t>Neutral</a:t>
             </a:r>
             <a:r>
-              <a:rPr lang="en-US" altLang="en-US" sz="1600" dirty="0" smtClean="0"/>
+              <a:rPr lang="en-US" altLang="en-US" sz="1600" dirty="0"/>
               <a:t> By </a:t>
             </a:r>
             <a:r>
-              <a:rPr lang="en-US" altLang="en-US" sz="1600" dirty="0" smtClean="0">
+              <a:rPr lang="en-US" altLang="en-US" sz="1600" dirty="0">
                 <a:solidFill>
                   <a:srgbClr val="FF0000"/>
                 </a:solidFill>
@@ -9966,13 +10027,13 @@
               <a:t>JPMorgan</a:t>
             </a:r>
             <a:r>
-              <a:rPr lang="en-US" altLang="en-US" sz="1600" dirty="0" smtClean="0"/>
+              <a:rPr lang="en-US" altLang="en-US" sz="1600" dirty="0"/>
               <a:t> </a:t>
             </a:r>
           </a:p>
           <a:p>
             <a:r>
-              <a:rPr lang="en-US" altLang="en-US" sz="1600" dirty="0" smtClean="0">
+              <a:rPr lang="en-US" altLang="en-US" sz="1600" dirty="0">
                 <a:solidFill>
                   <a:srgbClr val="FF0000"/>
                 </a:solidFill>
@@ -9980,11 +10041,11 @@
               <a:t>BAIRD</a:t>
             </a:r>
             <a:r>
-              <a:rPr lang="en-US" altLang="en-US" sz="1600" dirty="0" smtClean="0"/>
+              <a:rPr lang="en-US" altLang="en-US" sz="1600" dirty="0"/>
               <a:t> </a:t>
             </a:r>
             <a:r>
-              <a:rPr lang="en-US" altLang="en-US" sz="1600" dirty="0" smtClean="0">
+              <a:rPr lang="en-US" altLang="en-US" sz="1600" dirty="0">
                 <a:solidFill>
                   <a:srgbClr val="92D050"/>
                 </a:solidFill>
@@ -9992,11 +10053,11 @@
               <a:t>CUTS</a:t>
             </a:r>
             <a:r>
-              <a:rPr lang="en-US" altLang="en-US" sz="1600" dirty="0" smtClean="0"/>
+              <a:rPr lang="en-US" altLang="en-US" sz="1600" dirty="0"/>
               <a:t> </a:t>
             </a:r>
             <a:r>
-              <a:rPr lang="en-US" altLang="en-US" sz="1600" dirty="0" smtClean="0">
+              <a:rPr lang="en-US" altLang="en-US" sz="1600" dirty="0">
                 <a:solidFill>
                   <a:srgbClr val="0070C0"/>
                 </a:solidFill>
@@ -10004,7 +10065,7 @@
               <a:t>KIOR INC </a:t>
             </a:r>
             <a:r>
-              <a:rPr lang="en-US" altLang="en-US" sz="1600" dirty="0" smtClean="0">
+              <a:rPr lang="en-US" altLang="en-US" sz="1600" dirty="0">
                 <a:solidFill>
                   <a:srgbClr val="C00000"/>
                 </a:solidFill>
@@ -10012,11 +10073,11 @@
               <a:t>&lt;KIOR.O&gt; </a:t>
             </a:r>
             <a:r>
-              <a:rPr lang="en-US" altLang="en-US" sz="1600" dirty="0" smtClean="0"/>
+              <a:rPr lang="en-US" altLang="en-US" sz="1600" dirty="0"/>
               <a:t>TO </a:t>
             </a:r>
             <a:r>
-              <a:rPr lang="en-US" altLang="en-US" sz="1600" dirty="0" smtClean="0">
+              <a:rPr lang="en-US" altLang="en-US" sz="1600" dirty="0">
                 <a:solidFill>
                   <a:srgbClr val="7030A0"/>
                 </a:solidFill>
@@ -10024,17 +10085,17 @@
               <a:t>UNDERPERFORM</a:t>
             </a:r>
             <a:r>
-              <a:rPr lang="en-US" altLang="en-US" sz="1600" dirty="0" smtClean="0"/>
+              <a:rPr lang="en-US" altLang="en-US" sz="1600" dirty="0"/>
               <a:t> RATING </a:t>
             </a:r>
           </a:p>
           <a:p>
             <a:r>
-              <a:rPr lang="en-US" altLang="en-US" sz="1600" dirty="0" smtClean="0"/>
+              <a:rPr lang="en-US" altLang="en-US" sz="1600" dirty="0"/>
               <a:t>BRIEF-RESEARCH ALERT-</a:t>
             </a:r>
             <a:r>
-              <a:rPr lang="en-US" altLang="en-US" sz="1600" dirty="0" smtClean="0">
+              <a:rPr lang="en-US" altLang="en-US" sz="1600" dirty="0">
                 <a:solidFill>
                   <a:srgbClr val="FF0000"/>
                 </a:solidFill>
@@ -10042,7 +10103,7 @@
               <a:t>Global Equities Research </a:t>
             </a:r>
             <a:r>
-              <a:rPr lang="en-US" altLang="en-US" sz="1600" dirty="0" smtClean="0">
+              <a:rPr lang="en-US" altLang="en-US" sz="1600" dirty="0">
                 <a:solidFill>
                   <a:srgbClr val="92D050"/>
                 </a:solidFill>
@@ -10050,11 +10111,11 @@
               <a:t>cuts</a:t>
             </a:r>
             <a:r>
-              <a:rPr lang="en-US" altLang="en-US" sz="1600" dirty="0" smtClean="0"/>
+              <a:rPr lang="en-US" altLang="en-US" sz="1600" dirty="0"/>
               <a:t> </a:t>
             </a:r>
             <a:r>
-              <a:rPr lang="en-US" altLang="en-US" sz="1600" dirty="0" smtClean="0">
+              <a:rPr lang="en-US" altLang="en-US" sz="1600" dirty="0">
                 <a:solidFill>
                   <a:srgbClr val="0070C0"/>
                 </a:solidFill>
@@ -10062,11 +10123,11 @@
               <a:t>LinkedIn</a:t>
             </a:r>
             <a:r>
-              <a:rPr lang="en-US" altLang="en-US" sz="1600" dirty="0" smtClean="0"/>
+              <a:rPr lang="en-US" altLang="en-US" sz="1600" dirty="0"/>
               <a:t> to </a:t>
             </a:r>
             <a:r>
-              <a:rPr lang="en-US" altLang="en-US" sz="1600" dirty="0" smtClean="0">
+              <a:rPr lang="en-US" altLang="en-US" sz="1600" dirty="0">
                 <a:solidFill>
                   <a:srgbClr val="7030A0"/>
                 </a:solidFill>
@@ -10074,7 +10135,7 @@
               <a:t>equal weight</a:t>
             </a:r>
             <a:r>
-              <a:rPr lang="en-US" altLang="en-US" sz="1600" dirty="0" smtClean="0"/>
+              <a:rPr lang="en-US" altLang="en-US" sz="1600" dirty="0"/>
               <a:t> </a:t>
             </a:r>
           </a:p>
@@ -10453,7 +10514,7 @@
           <a:lstStyle/>
           <a:p>
             <a:r>
-              <a:rPr lang="en-US" altLang="en-US" smtClean="0"/>
+              <a:rPr lang="en-US" altLang="en-US"/>
               <a:t>Information Extraction</a:t>
             </a:r>
           </a:p>
@@ -10475,7 +10536,7 @@
         </p:nvGraphicFramePr>
         <p:xfrm>
           <a:off x="152400" y="1828800"/>
-          <a:ext cx="8713622" cy="1946672"/>
+          <a:ext cx="8713622" cy="2571616"/>
         </p:xfrm>
         <a:graphic>
           <a:graphicData uri="http://schemas.openxmlformats.org/drawingml/2006/table">
@@ -10541,14 +10602,11 @@
                     <a:lstStyle/>
                     <a:p>
                       <a:r>
-                        <a:rPr lang="en-US" sz="1200" b="1" dirty="0" smtClean="0">
+                        <a:rPr lang="en-US" sz="1200" b="1" dirty="0">
                           <a:latin typeface="Lucida Grande"/>
                         </a:rPr>
                         <a:t>DATE/TIME</a:t>
                       </a:r>
-                      <a:endParaRPr lang="en-US" sz="1200" b="1" dirty="0">
-                        <a:latin typeface="Lucida Grande"/>
-                      </a:endParaRPr>
                     </a:p>
                   </a:txBody>
                   <a:tcPr marT="34286" marB="34286"/>
@@ -10559,14 +10617,11 @@
                     <a:lstStyle/>
                     <a:p>
                       <a:r>
-                        <a:rPr lang="en-US" sz="1200" b="1" dirty="0" smtClean="0">
+                        <a:rPr lang="en-US" sz="1200" b="1" dirty="0">
                           <a:latin typeface="Lucida Grande"/>
                         </a:rPr>
                         <a:t>TICKER</a:t>
                       </a:r>
-                      <a:endParaRPr lang="en-US" sz="1200" b="1" dirty="0">
-                        <a:latin typeface="Lucida Grande"/>
-                      </a:endParaRPr>
                     </a:p>
                   </a:txBody>
                   <a:tcPr marT="34286" marB="34286"/>
@@ -10577,14 +10632,11 @@
                     <a:lstStyle/>
                     <a:p>
                       <a:r>
-                        <a:rPr lang="en-US" sz="1200" b="1" dirty="0" smtClean="0">
+                        <a:rPr lang="en-US" sz="1200" b="1" dirty="0">
                           <a:latin typeface="Lucida Grande"/>
                         </a:rPr>
                         <a:t>COMPANY</a:t>
                       </a:r>
-                      <a:endParaRPr lang="en-US" sz="1200" b="1" dirty="0">
-                        <a:latin typeface="Lucida Grande"/>
-                      </a:endParaRPr>
                     </a:p>
                   </a:txBody>
                   <a:tcPr marT="34286" marB="34286"/>
@@ -10595,14 +10647,11 @@
                     <a:lstStyle/>
                     <a:p>
                       <a:r>
-                        <a:rPr lang="en-US" sz="1200" b="1" dirty="0" smtClean="0">
+                        <a:rPr lang="en-US" sz="1200" b="1" dirty="0">
                           <a:latin typeface="Lucida Grande"/>
                         </a:rPr>
                         <a:t>SOURCE</a:t>
                       </a:r>
-                      <a:endParaRPr lang="en-US" sz="1200" b="1" dirty="0">
-                        <a:latin typeface="Lucida Grande"/>
-                      </a:endParaRPr>
                     </a:p>
                   </a:txBody>
                   <a:tcPr marT="34286" marB="34286"/>
@@ -10613,14 +10662,11 @@
                     <a:lstStyle/>
                     <a:p>
                       <a:r>
-                        <a:rPr lang="en-US" sz="1200" b="1" dirty="0" smtClean="0">
+                        <a:rPr lang="en-US" sz="1200" b="1" dirty="0">
                           <a:latin typeface="Lucida Grande"/>
                         </a:rPr>
                         <a:t>OLD</a:t>
                       </a:r>
-                      <a:endParaRPr lang="en-US" sz="1200" b="1" dirty="0">
-                        <a:latin typeface="Lucida Grande"/>
-                      </a:endParaRPr>
                     </a:p>
                   </a:txBody>
                   <a:tcPr marT="34286" marB="34286"/>
@@ -10631,14 +10677,11 @@
                     <a:lstStyle/>
                     <a:p>
                       <a:r>
-                        <a:rPr lang="en-US" sz="1200" b="1" dirty="0" smtClean="0">
+                        <a:rPr lang="en-US" sz="1200" b="1" dirty="0">
                           <a:latin typeface="Lucida Grande"/>
                         </a:rPr>
                         <a:t>NEW</a:t>
                       </a:r>
-                      <a:endParaRPr lang="en-US" sz="1200" b="1" dirty="0">
-                        <a:latin typeface="Lucida Grande"/>
-                      </a:endParaRPr>
                     </a:p>
                   </a:txBody>
                   <a:tcPr marT="34286" marB="34286"/>
@@ -10649,14 +10692,11 @@
                     <a:lstStyle/>
                     <a:p>
                       <a:r>
-                        <a:rPr lang="en-US" sz="1200" b="1" dirty="0" smtClean="0">
+                        <a:rPr lang="en-US" sz="1200" b="1" dirty="0">
                           <a:latin typeface="Lucida Grande"/>
                         </a:rPr>
                         <a:t>CHANGE</a:t>
                       </a:r>
-                      <a:endParaRPr lang="en-US" sz="1200" b="1" dirty="0">
-                        <a:latin typeface="Lucida Grande"/>
-                      </a:endParaRPr>
                     </a:p>
                   </a:txBody>
                   <a:tcPr marT="34286" marB="34286"/>
@@ -10698,7 +10738,7 @@
                     <a:lstStyle/>
                     <a:p>
                       <a:r>
-                        <a:rPr lang="en-US" sz="1200" dirty="0" smtClean="0">
+                        <a:rPr lang="en-US" sz="1200" dirty="0">
                           <a:solidFill>
                             <a:srgbClr val="0070C0"/>
                           </a:solidFill>
@@ -10707,7 +10747,7 @@
                         <a:t>PPD </a:t>
                       </a:r>
                       <a:r>
-                        <a:rPr lang="en-US" sz="1200" dirty="0" err="1" smtClean="0">
+                        <a:rPr lang="en-US" sz="1200" dirty="0" err="1">
                           <a:solidFill>
                             <a:srgbClr val="0070C0"/>
                           </a:solidFill>
@@ -10716,14 +10756,11 @@
                         <a:t>Inc</a:t>
                       </a:r>
                       <a:r>
-                        <a:rPr lang="en-US" sz="1200" dirty="0" smtClean="0">
+                        <a:rPr lang="en-US" sz="1200" dirty="0">
                           <a:latin typeface="Lucida Grande"/>
                         </a:rPr>
                         <a:t> </a:t>
                       </a:r>
-                      <a:endParaRPr lang="en-US" sz="1200" dirty="0">
-                        <a:latin typeface="Lucida Grande"/>
-                      </a:endParaRPr>
                     </a:p>
                   </a:txBody>
                   <a:tcPr marT="34286" marB="34286"/>
@@ -10734,7 +10771,7 @@
                     <a:lstStyle/>
                     <a:p>
                       <a:r>
-                        <a:rPr lang="en-US" sz="1200" dirty="0" smtClean="0">
+                        <a:rPr lang="en-US" sz="1200" dirty="0">
                           <a:solidFill>
                             <a:srgbClr val="FF0000"/>
                           </a:solidFill>
@@ -10743,14 +10780,11 @@
                         <a:t>Wells Fargo</a:t>
                       </a:r>
                       <a:r>
-                        <a:rPr lang="en-US" sz="1200" dirty="0" smtClean="0">
+                        <a:rPr lang="en-US" sz="1200" dirty="0">
                           <a:latin typeface="Lucida Grande"/>
                         </a:rPr>
                         <a:t> </a:t>
                       </a:r>
-                      <a:endParaRPr lang="en-US" sz="1200" dirty="0">
-                        <a:latin typeface="Lucida Grande"/>
-                      </a:endParaRPr>
                     </a:p>
                   </a:txBody>
                   <a:tcPr marT="34286" marB="34286"/>
@@ -10773,7 +10807,7 @@
                     <a:lstStyle/>
                     <a:p>
                       <a:r>
-                        <a:rPr lang="en-US" sz="1200" dirty="0" smtClean="0">
+                        <a:rPr lang="en-US" sz="1200" dirty="0">
                           <a:solidFill>
                             <a:srgbClr val="7030A0"/>
                           </a:solidFill>
@@ -10837,7 +10871,7 @@
                     <a:lstStyle/>
                     <a:p>
                       <a:r>
-                        <a:rPr lang="en-US" sz="1200" dirty="0" smtClean="0">
+                        <a:rPr lang="en-US" sz="1200" dirty="0">
                           <a:solidFill>
                             <a:srgbClr val="0070C0"/>
                           </a:solidFill>
@@ -10858,7 +10892,7 @@
                     <a:lstStyle/>
                     <a:p>
                       <a:r>
-                        <a:rPr lang="en-US" sz="1200" dirty="0" smtClean="0">
+                        <a:rPr lang="en-US" sz="1200" dirty="0">
                           <a:solidFill>
                             <a:srgbClr val="FF0000"/>
                           </a:solidFill>
@@ -10879,7 +10913,7 @@
                     <a:lstStyle/>
                     <a:p>
                       <a:r>
-                        <a:rPr lang="en-US" sz="1200" dirty="0" smtClean="0">
+                        <a:rPr lang="en-US" sz="1200" dirty="0">
                           <a:solidFill>
                             <a:srgbClr val="FFC000"/>
                           </a:solidFill>
@@ -10900,7 +10934,7 @@
                     <a:lstStyle/>
                     <a:p>
                       <a:r>
-                        <a:rPr lang="en-US" sz="1200" dirty="0" smtClean="0">
+                        <a:rPr lang="en-US" sz="1200" dirty="0">
                           <a:solidFill>
                             <a:srgbClr val="7030A0"/>
                           </a:solidFill>
@@ -10952,7 +10986,7 @@
                     <a:lstStyle/>
                     <a:p>
                       <a:r>
-                        <a:rPr lang="en-US" sz="1200" dirty="0" smtClean="0">
+                        <a:rPr lang="en-US" sz="1200" dirty="0">
                           <a:solidFill>
                             <a:srgbClr val="C00000"/>
                           </a:solidFill>
@@ -10960,12 +10994,6 @@
                         </a:rPr>
                         <a:t>IR.N</a:t>
                       </a:r>
-                      <a:endParaRPr lang="en-US" sz="1200" dirty="0">
-                        <a:solidFill>
-                          <a:srgbClr val="C00000"/>
-                        </a:solidFill>
-                        <a:latin typeface="Lucida Grande"/>
-                      </a:endParaRPr>
                     </a:p>
                   </a:txBody>
                   <a:tcPr marT="34286" marB="34286"/>
@@ -10976,7 +11004,7 @@
                     <a:lstStyle/>
                     <a:p>
                       <a:r>
-                        <a:rPr lang="en-US" sz="1200" dirty="0" smtClean="0">
+                        <a:rPr lang="en-US" sz="1200" dirty="0">
                           <a:solidFill>
                             <a:srgbClr val="0070C0"/>
                           </a:solidFill>
@@ -10997,7 +11025,7 @@
                     <a:lstStyle/>
                     <a:p>
                       <a:r>
-                        <a:rPr lang="en-US" sz="1200" dirty="0" smtClean="0">
+                        <a:rPr lang="en-US" sz="1200" dirty="0">
                           <a:solidFill>
                             <a:srgbClr val="FF0000"/>
                           </a:solidFill>
@@ -11018,7 +11046,7 @@
                     <a:lstStyle/>
                     <a:p>
                       <a:r>
-                        <a:rPr lang="en-US" sz="1200" dirty="0" smtClean="0">
+                        <a:rPr lang="en-US" sz="1200" dirty="0">
                           <a:solidFill>
                             <a:srgbClr val="FFC000"/>
                           </a:solidFill>
@@ -11039,7 +11067,7 @@
                     <a:lstStyle/>
                     <a:p>
                       <a:r>
-                        <a:rPr lang="en-US" sz="1200" dirty="0" smtClean="0">
+                        <a:rPr lang="en-US" sz="1200" dirty="0">
                           <a:solidFill>
                             <a:srgbClr val="7030A0"/>
                           </a:solidFill>
@@ -11103,7 +11131,7 @@
                     <a:lstStyle/>
                     <a:p>
                       <a:r>
-                        <a:rPr lang="en-US" sz="1200" dirty="0" smtClean="0">
+                        <a:rPr lang="en-US" sz="1200" dirty="0">
                           <a:solidFill>
                             <a:srgbClr val="0070C0"/>
                           </a:solidFill>
@@ -11124,7 +11152,7 @@
                     <a:lstStyle/>
                     <a:p>
                       <a:r>
-                        <a:rPr lang="en-US" sz="1200" dirty="0" smtClean="0">
+                        <a:rPr lang="en-US" sz="1200" dirty="0">
                           <a:solidFill>
                             <a:srgbClr val="FF0000"/>
                           </a:solidFill>
@@ -11145,7 +11173,7 @@
                     <a:lstStyle/>
                     <a:p>
                       <a:r>
-                        <a:rPr lang="en-US" sz="1200" dirty="0" smtClean="0">
+                        <a:rPr lang="en-US" sz="1200" dirty="0">
                           <a:solidFill>
                             <a:srgbClr val="FFC000"/>
                           </a:solidFill>
@@ -11166,7 +11194,7 @@
                     <a:lstStyle/>
                     <a:p>
                       <a:r>
-                        <a:rPr lang="en-US" sz="1200" dirty="0" smtClean="0">
+                        <a:rPr lang="en-US" sz="1200" dirty="0">
                           <a:solidFill>
                             <a:srgbClr val="7030A0"/>
                           </a:solidFill>
@@ -11218,7 +11246,7 @@
                     <a:lstStyle/>
                     <a:p>
                       <a:r>
-                        <a:rPr lang="en-US" sz="1200" dirty="0" smtClean="0">
+                        <a:rPr lang="en-US" sz="1200" dirty="0">
                           <a:solidFill>
                             <a:srgbClr val="C00000"/>
                           </a:solidFill>
@@ -11226,12 +11254,6 @@
                         </a:rPr>
                         <a:t>KIOR.O</a:t>
                       </a:r>
-                      <a:endParaRPr lang="en-US" sz="1200" dirty="0">
-                        <a:solidFill>
-                          <a:srgbClr val="C00000"/>
-                        </a:solidFill>
-                        <a:latin typeface="Lucida Grande"/>
-                      </a:endParaRPr>
                     </a:p>
                   </a:txBody>
                   <a:tcPr marT="34286" marB="34286"/>
@@ -11242,7 +11264,7 @@
                     <a:lstStyle/>
                     <a:p>
                       <a:r>
-                        <a:rPr lang="en-US" sz="1200" dirty="0" smtClean="0">
+                        <a:rPr lang="en-US" sz="1200" dirty="0">
                           <a:solidFill>
                             <a:srgbClr val="0070C0"/>
                           </a:solidFill>
@@ -11263,7 +11285,7 @@
                     <a:lstStyle/>
                     <a:p>
                       <a:r>
-                        <a:rPr lang="en-US" sz="1200" dirty="0" smtClean="0">
+                        <a:rPr lang="en-US" sz="1200" dirty="0">
                           <a:solidFill>
                             <a:srgbClr val="FF0000"/>
                           </a:solidFill>
@@ -11296,7 +11318,7 @@
                     <a:lstStyle/>
                     <a:p>
                       <a:r>
-                        <a:rPr lang="en-US" sz="1200" dirty="0" smtClean="0">
+                        <a:rPr lang="en-US" sz="1200" dirty="0">
                           <a:solidFill>
                             <a:srgbClr val="7030A0"/>
                           </a:solidFill>
@@ -11360,7 +11382,7 @@
                     <a:lstStyle/>
                     <a:p>
                       <a:r>
-                        <a:rPr lang="en-US" sz="1200" dirty="0" smtClean="0">
+                        <a:rPr lang="en-US" sz="1200" dirty="0">
                           <a:solidFill>
                             <a:srgbClr val="0070C0"/>
                           </a:solidFill>
@@ -11381,7 +11403,7 @@
                     <a:lstStyle/>
                     <a:p>
                       <a:r>
-                        <a:rPr lang="en-US" sz="1200" dirty="0" smtClean="0">
+                        <a:rPr lang="en-US" sz="1200" dirty="0">
                           <a:solidFill>
                             <a:srgbClr val="FF0000"/>
                           </a:solidFill>
@@ -11431,7 +11453,7 @@
                         <a:defRPr/>
                       </a:pPr>
                       <a:r>
-                        <a:rPr lang="en-US" sz="1200" dirty="0" smtClean="0">
+                        <a:rPr lang="en-US" sz="1200" dirty="0">
                           <a:solidFill>
                             <a:srgbClr val="7030A0"/>
                           </a:solidFill>
@@ -11440,7 +11462,7 @@
                         <a:t>equal weight</a:t>
                       </a:r>
                       <a:r>
-                        <a:rPr lang="en-US" sz="1200" dirty="0" smtClean="0">
+                        <a:rPr lang="en-US" sz="1200" dirty="0">
                           <a:latin typeface="Lucida Grande"/>
                         </a:rPr>
                         <a:t> </a:t>
@@ -11700,13 +11722,6 @@
   <p:clrMapOvr>
     <a:masterClrMapping/>
   </p:clrMapOvr>
-  <p:timing>
-    <p:tnLst>
-      <p:par>
-        <p:cTn id="1" dur="indefinite" restart="never" nodeType="tmRoot"/>
-      </p:par>
-    </p:tnLst>
-  </p:timing>
 </p:sld>
 </file>
 
@@ -11743,7 +11758,7 @@
           <a:lstStyle/>
           <a:p>
             <a:r>
-              <a:rPr lang="en-US" altLang="en-US" dirty="0" smtClean="0"/>
+              <a:rPr lang="en-US" altLang="en-US" dirty="0"/>
               <a:t>False Positives</a:t>
             </a:r>
           </a:p>
@@ -11775,7 +11790,7 @@
               <a:defRPr/>
             </a:pPr>
             <a:r>
-              <a:rPr lang="en-US" sz="2400" dirty="0" smtClean="0"/>
+              <a:rPr lang="en-US" sz="2400" dirty="0"/>
               <a:t>Examples of false positives</a:t>
             </a:r>
           </a:p>
@@ -11784,12 +11799,8 @@
               <a:defRPr/>
             </a:pPr>
             <a:r>
-              <a:rPr lang="en-US" sz="1600" dirty="0" smtClean="0"/>
-              <a:t>BARCLAYS </a:t>
-            </a:r>
-            <a:r>
               <a:rPr lang="en-US" sz="1600" dirty="0"/>
-              <a:t>CUTS FLAGSTONE REINSURANCE &lt;FSR.N&gt; </a:t>
+              <a:t>BARCLAYS CUTS FLAGSTONE REINSURANCE &lt;FSR.N&gt; </a:t>
             </a:r>
             <a:r>
               <a:rPr lang="en-US" sz="1600" dirty="0">
@@ -11850,15 +11861,7 @@
                   <a:srgbClr val="0070C0"/>
                 </a:solidFill>
               </a:rPr>
-              <a:t>Lowers EPS </a:t>
-            </a:r>
-            <a:r>
-              <a:rPr lang="en-US" sz="1600" dirty="0" smtClean="0">
-                <a:solidFill>
-                  <a:srgbClr val="0070C0"/>
-                </a:solidFill>
-              </a:rPr>
-              <a:t>View</a:t>
+              <a:t>Lowers EPS View</a:t>
             </a:r>
           </a:p>
           <a:p>
@@ -11877,23 +11880,14 @@
               </a:rPr>
               <a:t>'A-3'</a:t>
             </a:r>
-            <a:endParaRPr lang="en-US" sz="1600" dirty="0" smtClean="0">
-              <a:solidFill>
-                <a:srgbClr val="0070C0"/>
-              </a:solidFill>
-            </a:endParaRPr>
           </a:p>
           <a:p>
             <a:pPr lvl="1">
               <a:defRPr/>
             </a:pPr>
             <a:r>
-              <a:rPr lang="en-US" sz="1600" dirty="0" smtClean="0"/>
-              <a:t>BRIEF-Moody's </a:t>
-            </a:r>
-            <a:r>
               <a:rPr lang="en-US" sz="1600" dirty="0"/>
-              <a:t>changes </a:t>
+              <a:t>BRIEF-Moody's changes </a:t>
             </a:r>
             <a:r>
               <a:rPr lang="en-US" sz="1600" dirty="0" err="1">
@@ -11932,12 +11926,49 @@
               <a:t> Finance </a:t>
             </a:r>
             <a:r>
-              <a:rPr lang="en-US" sz="1600" dirty="0" smtClean="0">
+              <a:rPr lang="en-US" sz="1600" dirty="0">
                 <a:solidFill>
                   <a:srgbClr val="0070C0"/>
                 </a:solidFill>
               </a:rPr>
               <a:t>to positive</a:t>
+            </a:r>
+          </a:p>
+          <a:p>
+            <a:pPr lvl="1">
+              <a:defRPr/>
+            </a:pPr>
+            <a:r>
+              <a:rPr lang="en-US" sz="1600" dirty="0"/>
+              <a:t>BRIEF-RESEARCH ALERT-HSBC </a:t>
+            </a:r>
+            <a:r>
+              <a:rPr lang="en-US" sz="1600" dirty="0">
+                <a:solidFill>
+                  <a:srgbClr val="0070C0"/>
+                </a:solidFill>
+              </a:rPr>
+              <a:t>cuts</a:t>
+            </a:r>
+            <a:r>
+              <a:rPr lang="en-US" sz="1600" dirty="0"/>
+              <a:t> price targets on </a:t>
+            </a:r>
+            <a:r>
+              <a:rPr lang="en-US" sz="1600" dirty="0">
+                <a:solidFill>
+                  <a:srgbClr val="0070C0"/>
+                </a:solidFill>
+              </a:rPr>
+              <a:t>European </a:t>
+            </a:r>
+            <a:r>
+              <a:rPr lang="en-US" sz="1600" dirty="0" err="1">
+                <a:solidFill>
+                  <a:srgbClr val="0070C0"/>
+                </a:solidFill>
+              </a:rPr>
+              <a:t>telcos</a:t>
             </a:r>
             <a:endParaRPr lang="en-US" sz="1600" dirty="0">
               <a:solidFill>
@@ -11950,8 +11981,12 @@
               <a:defRPr/>
             </a:pPr>
             <a:r>
+              <a:rPr lang="en-US" sz="1600" dirty="0" err="1"/>
+              <a:t>Stifel</a:t>
+            </a:r>
+            <a:r>
               <a:rPr lang="en-US" sz="1600" dirty="0"/>
-              <a:t>BRIEF-RESEARCH ALERT-HSBC </a:t>
+              <a:t> </a:t>
             </a:r>
             <a:r>
               <a:rPr lang="en-US" sz="1600" dirty="0">
@@ -11959,11 +11994,11 @@
                   <a:srgbClr val="0070C0"/>
                 </a:solidFill>
               </a:rPr>
-              <a:t>cuts</a:t>
+              <a:t>cuts </a:t>
             </a:r>
             <a:r>
               <a:rPr lang="en-US" sz="1600" dirty="0"/>
-              <a:t> price targets on </a:t>
+              <a:t>Philip Morris </a:t>
             </a:r>
             <a:r>
               <a:rPr lang="en-US" sz="1600" dirty="0">
@@ -11971,60 +12006,14 @@
                   <a:srgbClr val="0070C0"/>
                 </a:solidFill>
               </a:rPr>
-              <a:t>European </a:t>
-            </a:r>
-            <a:r>
-              <a:rPr lang="en-US" sz="1600" dirty="0" err="1">
-                <a:solidFill>
-                  <a:srgbClr val="0070C0"/>
-                </a:solidFill>
-              </a:rPr>
-              <a:t>telcos</a:t>
-            </a:r>
-            <a:endParaRPr lang="en-US" sz="1600" dirty="0">
-              <a:solidFill>
-                <a:srgbClr val="0070C0"/>
-              </a:solidFill>
-            </a:endParaRPr>
+              <a:t>price target</a:t>
+            </a:r>
           </a:p>
           <a:p>
             <a:pPr lvl="1">
               <a:defRPr/>
             </a:pPr>
             <a:r>
-              <a:rPr lang="en-US" sz="1600" dirty="0" err="1"/>
-              <a:t>Stifel</a:t>
-            </a:r>
-            <a:r>
-              <a:rPr lang="en-US" sz="1600" dirty="0"/>
-              <a:t> </a:t>
-            </a:r>
-            <a:r>
-              <a:rPr lang="en-US" sz="1600" dirty="0">
-                <a:solidFill>
-                  <a:srgbClr val="0070C0"/>
-                </a:solidFill>
-              </a:rPr>
-              <a:t>cuts </a:t>
-            </a:r>
-            <a:r>
-              <a:rPr lang="en-US" sz="1600" dirty="0"/>
-              <a:t>Philip Morris </a:t>
-            </a:r>
-            <a:r>
-              <a:rPr lang="en-US" sz="1600" dirty="0">
-                <a:solidFill>
-                  <a:srgbClr val="0070C0"/>
-                </a:solidFill>
-              </a:rPr>
-              <a:t>price target</a:t>
-            </a:r>
-          </a:p>
-          <a:p>
-            <a:pPr lvl="1">
-              <a:defRPr/>
-            </a:pPr>
-            <a:r>
               <a:rPr lang="en-US" sz="1600" dirty="0"/>
               <a:t>Media General </a:t>
             </a:r>
@@ -12046,15 +12035,7 @@
                   <a:srgbClr val="0070C0"/>
                 </a:solidFill>
               </a:rPr>
-              <a:t>Moody's </a:t>
-            </a:r>
-            <a:r>
-              <a:rPr lang="en-US" sz="1600" dirty="0" smtClean="0">
-                <a:solidFill>
-                  <a:srgbClr val="0070C0"/>
-                </a:solidFill>
-              </a:rPr>
-              <a:t>downgrade</a:t>
+              <a:t>Moody's downgrade</a:t>
             </a:r>
             <a:endParaRPr lang="en-US" sz="2400" dirty="0"/>
           </a:p>
@@ -12063,7 +12044,7 @@
               <a:defRPr/>
             </a:pPr>
             <a:r>
-              <a:rPr lang="en-US" sz="2400" dirty="0" smtClean="0">
+              <a:rPr lang="en-US" sz="2400" dirty="0">
                 <a:solidFill>
                   <a:schemeClr val="tx1"/>
                 </a:solidFill>
@@ -12075,7 +12056,7 @@
             <a:pPr>
               <a:defRPr/>
             </a:pPr>
-            <a:endParaRPr lang="en-US" sz="2000" dirty="0" smtClean="0">
+            <a:endParaRPr lang="en-US" sz="2000" dirty="0">
               <a:solidFill>
                 <a:srgbClr val="0070C0"/>
               </a:solidFill>
@@ -12093,14 +12074,6 @@
   <p:clrMapOvr>
     <a:masterClrMapping/>
   </p:clrMapOvr>
-  <mc:AlternateContent xmlns:mc="http://schemas.openxmlformats.org/markup-compatibility/2006" xmlns:p14="http://schemas.microsoft.com/office/powerpoint/2010/main">
-    <mc:Choice Requires="p14">
-      <p:transition spd="slow" p14:dur="2000"/>
-    </mc:Choice>
-    <mc:Fallback xmlns="">
-      <p:transition spd="slow"/>
-    </mc:Fallback>
-  </mc:AlternateContent>
   <p:timing>
     <p:tnLst>
       <p:par>
@@ -12611,7 +12584,7 @@
           <a:lstStyle/>
           <a:p>
             <a:r>
-              <a:rPr lang="en-US" altLang="en-US" dirty="0" smtClean="0"/>
+              <a:rPr lang="en-US" altLang="en-US" dirty="0"/>
               <a:t>Answers to the Quiz</a:t>
             </a:r>
           </a:p>
@@ -12664,10 +12637,9 @@
               <a:defRPr/>
             </a:pPr>
             <a:r>
-              <a:rPr lang="en-US" sz="1100" dirty="0" smtClean="0"/>
+              <a:rPr lang="en-US" sz="1100" dirty="0"/>
               <a:t>Didn’t cut the ratings but the price target</a:t>
             </a:r>
-            <a:endParaRPr lang="en-US" sz="1100" dirty="0"/>
           </a:p>
           <a:p>
             <a:pPr>
@@ -12715,15 +12687,7 @@
                   <a:srgbClr val="0070C0"/>
                 </a:solidFill>
               </a:rPr>
-              <a:t>Lowers EPS </a:t>
-            </a:r>
-            <a:r>
-              <a:rPr lang="en-US" sz="1600" dirty="0" smtClean="0">
-                <a:solidFill>
-                  <a:srgbClr val="0070C0"/>
-                </a:solidFill>
-              </a:rPr>
-              <a:t>View</a:t>
+              <a:t>Lowers EPS View</a:t>
             </a:r>
           </a:p>
           <a:p>
@@ -12731,7 +12695,7 @@
               <a:defRPr/>
             </a:pPr>
             <a:r>
-              <a:rPr lang="en-US" sz="1100" dirty="0" smtClean="0"/>
+              <a:rPr lang="en-US" sz="1100" dirty="0"/>
               <a:t>Lowers eps view</a:t>
             </a:r>
           </a:p>
@@ -12744,7 +12708,7 @@
               <a:t>S&amp;P rates Ameren Illinois commercial paper </a:t>
             </a:r>
             <a:r>
-              <a:rPr lang="en-US" sz="1600" dirty="0" smtClean="0">
+              <a:rPr lang="en-US" sz="1600" dirty="0">
                 <a:solidFill>
                   <a:srgbClr val="0070C0"/>
                 </a:solidFill>
@@ -12757,7 +12721,7 @@
               <a:defRPr/>
             </a:pPr>
             <a:r>
-              <a:rPr lang="en-US" sz="1100" dirty="0" smtClean="0"/>
+              <a:rPr lang="en-US" sz="1100" dirty="0"/>
               <a:t>Debt rating</a:t>
             </a:r>
           </a:p>
@@ -12766,12 +12730,8 @@
               <a:defRPr/>
             </a:pPr>
             <a:r>
-              <a:rPr lang="en-US" sz="1600" dirty="0" smtClean="0"/>
-              <a:t>BRIEF-Moody's </a:t>
-            </a:r>
-            <a:r>
               <a:rPr lang="en-US" sz="1600" dirty="0"/>
-              <a:t>changes </a:t>
+              <a:t>BRIEF-Moody's changes </a:t>
             </a:r>
             <a:r>
               <a:rPr lang="en-US" sz="1600" dirty="0" err="1">
@@ -12810,7 +12770,7 @@
               <a:t> Finance </a:t>
             </a:r>
             <a:r>
-              <a:rPr lang="en-US" sz="1600" dirty="0" smtClean="0">
+              <a:rPr lang="en-US" sz="1600" dirty="0">
                 <a:solidFill>
                   <a:srgbClr val="0070C0"/>
                 </a:solidFill>
@@ -12823,10 +12783,9 @@
               <a:defRPr/>
             </a:pPr>
             <a:r>
-              <a:rPr lang="en-US" sz="1100" dirty="0" smtClean="0"/>
+              <a:rPr lang="en-US" sz="1100" dirty="0"/>
               <a:t>Changes outlook</a:t>
             </a:r>
-            <a:endParaRPr lang="en-US" sz="1100" dirty="0"/>
           </a:p>
           <a:p>
             <a:pPr>
@@ -12857,14 +12816,14 @@
               <a:t>European </a:t>
             </a:r>
             <a:r>
-              <a:rPr lang="en-US" sz="1600" dirty="0" err="1" smtClean="0">
+              <a:rPr lang="en-US" sz="1600" dirty="0" err="1">
                 <a:solidFill>
                   <a:srgbClr val="0070C0"/>
                 </a:solidFill>
               </a:rPr>
               <a:t>telcos</a:t>
             </a:r>
-            <a:endParaRPr lang="en-US" sz="1600" dirty="0" smtClean="0">
+            <a:endParaRPr lang="en-US" sz="1600" dirty="0">
               <a:solidFill>
                 <a:srgbClr val="0070C0"/>
               </a:solidFill>
@@ -12875,10 +12834,9 @@
               <a:defRPr/>
             </a:pPr>
             <a:r>
-              <a:rPr lang="en-US" sz="1100" dirty="0" smtClean="0"/>
+              <a:rPr lang="en-US" sz="1100" dirty="0"/>
               <a:t>Not a company but a group of companies</a:t>
             </a:r>
-            <a:endParaRPr lang="en-US" sz="1100" dirty="0"/>
           </a:p>
           <a:p>
             <a:pPr>
@@ -12910,15 +12868,7 @@
                   <a:srgbClr val="0070C0"/>
                 </a:solidFill>
               </a:rPr>
-              <a:t>price </a:t>
-            </a:r>
-            <a:r>
-              <a:rPr lang="en-US" sz="1600" dirty="0" smtClean="0">
-                <a:solidFill>
-                  <a:srgbClr val="0070C0"/>
-                </a:solidFill>
-              </a:rPr>
-              <a:t>target</a:t>
+              <a:t>price target</a:t>
             </a:r>
           </a:p>
           <a:p>
@@ -12926,10 +12876,9 @@
               <a:defRPr/>
             </a:pPr>
             <a:r>
-              <a:rPr lang="en-US" sz="1100" dirty="0" smtClean="0"/>
+              <a:rPr lang="en-US" sz="1100" dirty="0"/>
               <a:t>Price target, not rating</a:t>
             </a:r>
-            <a:endParaRPr lang="en-US" sz="1100" dirty="0"/>
           </a:p>
           <a:p>
             <a:pPr>
@@ -12957,15 +12906,7 @@
                   <a:srgbClr val="0070C0"/>
                 </a:solidFill>
               </a:rPr>
-              <a:t>Moody's </a:t>
-            </a:r>
-            <a:r>
-              <a:rPr lang="en-US" sz="1600" dirty="0" smtClean="0">
-                <a:solidFill>
-                  <a:srgbClr val="0070C0"/>
-                </a:solidFill>
-              </a:rPr>
-              <a:t>downgrade</a:t>
+              <a:t>Moody's downgrade</a:t>
             </a:r>
           </a:p>
           <a:p>
@@ -12973,7 +12914,7 @@
               <a:defRPr/>
             </a:pPr>
             <a:r>
-              <a:rPr lang="en-US" sz="1600" dirty="0" smtClean="0"/>
+              <a:rPr lang="en-US" sz="1600" dirty="0"/>
               <a:t>Event in the past</a:t>
             </a:r>
           </a:p>
@@ -12983,7 +12924,7 @@
               <a:buNone/>
               <a:defRPr/>
             </a:pPr>
-            <a:endParaRPr lang="en-US" sz="1600" dirty="0" smtClean="0"/>
+            <a:endParaRPr lang="en-US" sz="1600" dirty="0"/>
           </a:p>
         </p:txBody>
       </p:sp>
@@ -12997,14 +12938,6 @@
   <p:clrMapOvr>
     <a:masterClrMapping/>
   </p:clrMapOvr>
-  <mc:AlternateContent xmlns:mc="http://schemas.openxmlformats.org/markup-compatibility/2006" xmlns:p14="http://schemas.microsoft.com/office/powerpoint/2010/main">
-    <mc:Choice Requires="p14">
-      <p:transition spd="slow" p14:dur="2000"/>
-    </mc:Choice>
-    <mc:Fallback xmlns="">
-      <p:transition spd="slow"/>
-    </mc:Fallback>
-  </mc:AlternateContent>
   <p:timing>
     <p:tnLst>
       <p:par>
@@ -13634,10 +13567,9 @@
           <a:lstStyle/>
           <a:p>
             <a:r>
-              <a:rPr lang="en-US" dirty="0" smtClean="0"/>
+              <a:rPr lang="en-US" dirty="0"/>
               <a:t>Introduction to NLP</a:t>
             </a:r>
-            <a:endParaRPr lang="en-US" dirty="0"/>
           </a:p>
         </p:txBody>
       </p:sp>
@@ -13657,10 +13589,9 @@
           <a:lstStyle/>
           <a:p>
             <a:r>
-              <a:rPr lang="en-US" dirty="0" smtClean="0"/>
+              <a:rPr lang="en-US" dirty="0"/>
               <a:t>NLP Tasks</a:t>
             </a:r>
-            <a:endParaRPr lang="en-US" dirty="0"/>
           </a:p>
         </p:txBody>
       </p:sp>
@@ -13674,13 +13605,6 @@
   <p:clrMapOvr>
     <a:masterClrMapping/>
   </p:clrMapOvr>
-  <p:timing>
-    <p:tnLst>
-      <p:par>
-        <p:cTn id="1" dur="indefinite" restart="never" nodeType="tmRoot"/>
-      </p:par>
-    </p:tnLst>
-  </p:timing>
 </p:sld>
 </file>
 
@@ -13717,7 +13641,7 @@
           <a:lstStyle/>
           <a:p>
             <a:r>
-              <a:rPr lang="en-US" altLang="en-US" dirty="0" smtClean="0"/>
+              <a:rPr lang="en-US" altLang="en-US" dirty="0"/>
               <a:t>Semantics</a:t>
             </a:r>
           </a:p>
@@ -13741,19 +13665,19 @@
           <a:lstStyle/>
           <a:p>
             <a:r>
-              <a:rPr lang="en-US" altLang="en-US" sz="2800" dirty="0" smtClean="0"/>
+              <a:rPr lang="en-US" altLang="en-US" sz="2800" dirty="0"/>
               <a:t>First order logic</a:t>
             </a:r>
           </a:p>
           <a:p>
             <a:r>
-              <a:rPr lang="en-US" altLang="en-US" sz="2800" dirty="0" smtClean="0"/>
+              <a:rPr lang="en-US" altLang="en-US" sz="2800" dirty="0"/>
               <a:t>Inference/deduction</a:t>
             </a:r>
           </a:p>
           <a:p>
             <a:r>
-              <a:rPr lang="en-US" altLang="en-US" sz="2800" dirty="0" smtClean="0"/>
+              <a:rPr lang="en-US" altLang="en-US" sz="2800" dirty="0"/>
               <a:t>Semantic analysis</a:t>
             </a:r>
           </a:p>
@@ -13941,25 +13865,25 @@
               <a:t></a:t>
             </a:r>
             <a:r>
-              <a:rPr lang="en-US" altLang="en-US" dirty="0" err="1" smtClean="0">
+              <a:rPr lang="en-US" altLang="en-US" dirty="0" err="1">
                 <a:latin typeface="Calibri" pitchFamily="34" charset="0"/>
               </a:rPr>
               <a:t>x,y</a:t>
             </a:r>
             <a:r>
-              <a:rPr lang="en-US" altLang="en-US" dirty="0" smtClean="0">
+              <a:rPr lang="en-US" altLang="en-US" dirty="0">
                 <a:latin typeface="Calibri" pitchFamily="34" charset="0"/>
               </a:rPr>
               <a:t>: </a:t>
             </a:r>
             <a:r>
-              <a:rPr lang="en-US" altLang="en-US" i="1" dirty="0" smtClean="0">
+              <a:rPr lang="en-US" altLang="en-US" i="1" dirty="0">
                 <a:latin typeface="Calibri" pitchFamily="34" charset="0"/>
               </a:rPr>
               <a:t>Mother (</a:t>
             </a:r>
             <a:r>
-              <a:rPr lang="en-US" altLang="en-US" i="1" dirty="0" err="1" smtClean="0">
+              <a:rPr lang="en-US" altLang="en-US" i="1" dirty="0" err="1">
                 <a:latin typeface="Calibri" pitchFamily="34" charset="0"/>
               </a:rPr>
               <a:t>x,y</a:t>
@@ -13984,13 +13908,13 @@
               <a:t> </a:t>
             </a:r>
             <a:r>
-              <a:rPr lang="en-US" altLang="en-US" i="1" dirty="0" smtClean="0">
+              <a:rPr lang="en-US" altLang="en-US" i="1" dirty="0">
                 <a:latin typeface="Calibri" pitchFamily="34" charset="0"/>
               </a:rPr>
               <a:t>Parent (</a:t>
             </a:r>
             <a:r>
-              <a:rPr lang="en-US" altLang="en-US" i="1" dirty="0" err="1" smtClean="0">
+              <a:rPr lang="en-US" altLang="en-US" i="1" dirty="0" err="1">
                 <a:latin typeface="Calibri" pitchFamily="34" charset="0"/>
               </a:rPr>
               <a:t>x,y</a:t>
@@ -14279,10 +14203,9 @@
           <a:lstStyle/>
           <a:p>
             <a:r>
-              <a:rPr lang="en-US" dirty="0" smtClean="0"/>
+              <a:rPr lang="en-US" dirty="0"/>
               <a:t>NACLO Problem</a:t>
             </a:r>
-            <a:endParaRPr lang="en-US" dirty="0"/>
           </a:p>
         </p:txBody>
       </p:sp>
@@ -14302,7 +14225,7 @@
           <a:lstStyle/>
           <a:p>
             <a:r>
-              <a:rPr lang="en-US" dirty="0" smtClean="0"/>
+              <a:rPr lang="en-US" dirty="0"/>
               <a:t>“Bertrand and Russell”, 2014 problem by Ben King</a:t>
             </a:r>
           </a:p>
@@ -14312,23 +14235,16 @@
               <a:rPr lang="en-US" dirty="0">
                 <a:hlinkClick r:id="rId2"/>
               </a:rPr>
-              <a:t>http://</a:t>
-            </a:r>
-            <a:r>
-              <a:rPr lang="en-US" dirty="0" smtClean="0">
-                <a:hlinkClick r:id="rId2"/>
-              </a:rPr>
-              <a:t>www.nacloweb.org/resources//problems/2014/N2014-H.pdf</a:t>
-            </a:r>
-            <a:endParaRPr lang="en-US" dirty="0" smtClean="0"/>
+              <a:t>http://www.nacloweb.org/resources//problems/2014/N2014-H.pdf</a:t>
+            </a:r>
+            <a:endParaRPr lang="en-US" dirty="0"/>
           </a:p>
           <a:p>
             <a:pPr lvl="1"/>
             <a:r>
-              <a:rPr lang="en-US" dirty="0" smtClean="0"/>
+              <a:rPr lang="en-US" dirty="0"/>
               <a:t>to be covered in a later lecture  </a:t>
             </a:r>
-            <a:endParaRPr lang="en-US" dirty="0"/>
           </a:p>
         </p:txBody>
       </p:sp>
@@ -14342,21 +14258,6 @@
   <p:clrMapOvr>
     <a:masterClrMapping/>
   </p:clrMapOvr>
-  <mc:AlternateContent xmlns:mc="http://schemas.openxmlformats.org/markup-compatibility/2006" xmlns:p14="http://schemas.microsoft.com/office/powerpoint/2010/main">
-    <mc:Choice Requires="p14">
-      <p:transition spd="slow" p14:dur="2000"/>
-    </mc:Choice>
-    <mc:Fallback xmlns="">
-      <p:transition spd="slow"/>
-    </mc:Fallback>
-  </mc:AlternateContent>
-  <p:timing>
-    <p:tnLst>
-      <p:par>
-        <p:cTn id="1" dur="indefinite" restart="never" nodeType="tmRoot"/>
-      </p:par>
-    </p:tnLst>
-  </p:timing>
 </p:sld>
 </file>
 
@@ -14393,10 +14294,9 @@
           <a:lstStyle/>
           <a:p>
             <a:r>
-              <a:rPr lang="en-US" dirty="0" smtClean="0"/>
+              <a:rPr lang="en-US" dirty="0"/>
               <a:t>NACLO Solution</a:t>
             </a:r>
-            <a:endParaRPr lang="en-US" dirty="0"/>
           </a:p>
         </p:txBody>
       </p:sp>
@@ -14421,23 +14321,22 @@
           <a:lstStyle/>
           <a:p>
             <a:r>
-              <a:rPr lang="en-US" dirty="0" smtClean="0"/>
+              <a:rPr lang="en-US" dirty="0"/>
               <a:t>Bertrand and Russell</a:t>
             </a:r>
           </a:p>
           <a:p>
             <a:pPr lvl="1"/>
             <a:r>
-              <a:rPr lang="en-US" dirty="0" smtClean="0">
+              <a:rPr lang="en-US" dirty="0">
                 <a:hlinkClick r:id="rId2"/>
               </a:rPr>
               <a:t>http://www.nacloweb.org/resources/problems/2014/N2014-HS.pdf</a:t>
             </a:r>
             <a:r>
-              <a:rPr lang="en-US" dirty="0" smtClean="0"/>
+              <a:rPr lang="en-US" dirty="0"/>
               <a:t>  </a:t>
             </a:r>
-            <a:endParaRPr lang="en-US" dirty="0"/>
           </a:p>
         </p:txBody>
       </p:sp>
@@ -14451,21 +14350,6 @@
   <p:clrMapOvr>
     <a:masterClrMapping/>
   </p:clrMapOvr>
-  <mc:AlternateContent xmlns:mc="http://schemas.openxmlformats.org/markup-compatibility/2006" xmlns:p14="http://schemas.microsoft.com/office/powerpoint/2010/main">
-    <mc:Choice Requires="p14">
-      <p:transition spd="slow" p14:dur="2000"/>
-    </mc:Choice>
-    <mc:Fallback xmlns="">
-      <p:transition spd="slow"/>
-    </mc:Fallback>
-  </mc:AlternateContent>
-  <p:timing>
-    <p:tnLst>
-      <p:par>
-        <p:cTn id="1" dur="indefinite" restart="never" nodeType="tmRoot"/>
-      </p:par>
-    </p:tnLst>
-  </p:timing>
 </p:sld>
 </file>
 
@@ -14502,7 +14386,7 @@
           <a:lstStyle/>
           <a:p>
             <a:r>
-              <a:rPr lang="en-US" altLang="en-US" smtClean="0"/>
+              <a:rPr lang="en-US" altLang="en-US"/>
               <a:t>Reading Comprehension</a:t>
             </a:r>
           </a:p>
@@ -14806,13 +14690,6 @@
   <p:clrMapOvr>
     <a:masterClrMapping/>
   </p:clrMapOvr>
-  <p:timing>
-    <p:tnLst>
-      <p:par>
-        <p:cTn id="1" dur="indefinite" restart="never" nodeType="tmRoot"/>
-      </p:par>
-    </p:tnLst>
-  </p:timing>
 </p:sld>
 </file>
 
@@ -14849,7 +14726,7 @@
           <a:lstStyle/>
           <a:p>
             <a:r>
-              <a:rPr lang="en-US" altLang="en-US" dirty="0" smtClean="0"/>
+              <a:rPr lang="en-US" altLang="en-US" dirty="0"/>
               <a:t>Text Understanding</a:t>
             </a:r>
           </a:p>
@@ -14882,43 +14759,35 @@
               <a:defRPr/>
             </a:pPr>
             <a:r>
-              <a:rPr lang="en-US" dirty="0" smtClean="0"/>
+              <a:rPr lang="en-US" dirty="0"/>
               <a:t>There are four bungalows in our cul-de-sac. They are made from these materials: straw, wood, brick and glass.</a:t>
             </a:r>
             <a:br>
-              <a:rPr lang="en-US" dirty="0" smtClean="0"/>
+              <a:rPr lang="en-US" dirty="0"/>
             </a:br>
-            <a:r>
-              <a:rPr lang="en-US" dirty="0" smtClean="0"/>
-              <a:t/>
-            </a:r>
             <a:br>
-              <a:rPr lang="en-US" dirty="0" smtClean="0"/>
+              <a:rPr lang="en-US" dirty="0"/>
             </a:br>
             <a:r>
-              <a:rPr lang="en-US" dirty="0" smtClean="0"/>
+              <a:rPr lang="en-US" dirty="0"/>
               <a:t>Mrs. Scott's bungalow is somewhere to the left of the wooden one and the third one along is brick. Mrs. Umbrella owns a straw bungalow and Mr. Tinsley does not live at either end, but lives somewhere to the right of the glass bungalow. Mr. </a:t>
             </a:r>
             <a:r>
-              <a:rPr lang="en-US" dirty="0" err="1" smtClean="0"/>
+              <a:rPr lang="en-US" dirty="0" err="1"/>
               <a:t>Wilshaw</a:t>
             </a:r>
             <a:r>
-              <a:rPr lang="en-US" dirty="0" smtClean="0"/>
+              <a:rPr lang="en-US" dirty="0"/>
               <a:t> lives in the fourth bungalow, whilst the first bungalow is not made from straw.</a:t>
             </a:r>
             <a:br>
-              <a:rPr lang="en-US" dirty="0" smtClean="0"/>
+              <a:rPr lang="en-US" dirty="0"/>
             </a:br>
-            <a:r>
-              <a:rPr lang="en-US" dirty="0" smtClean="0"/>
-              <a:t/>
-            </a:r>
             <a:br>
-              <a:rPr lang="en-US" dirty="0" smtClean="0"/>
+              <a:rPr lang="en-US" dirty="0"/>
             </a:br>
             <a:r>
-              <a:rPr lang="en-US" dirty="0" smtClean="0"/>
+              <a:rPr lang="en-US" dirty="0"/>
               <a:t>Who lives where, and what is their bungalow made from?</a:t>
             </a:r>
           </a:p>
@@ -14933,16 +14802,15 @@
               <a:defRPr/>
             </a:pPr>
             <a:r>
-              <a:rPr lang="en-US" sz="3100" dirty="0" smtClean="0">
+              <a:rPr lang="en-US" sz="3100" dirty="0">
                 <a:hlinkClick r:id="rId2"/>
               </a:rPr>
               <a:t>http://www.brainbashers.com/showpuzzles.asp?puzzle=ZSOP</a:t>
             </a:r>
             <a:r>
-              <a:rPr lang="en-US" sz="3100" dirty="0" smtClean="0"/>
+              <a:rPr lang="en-US" sz="3100" dirty="0"/>
               <a:t> </a:t>
             </a:r>
-            <a:endParaRPr lang="en-US" sz="3100" dirty="0"/>
           </a:p>
         </p:txBody>
       </p:sp>
@@ -14991,7 +14859,7 @@
           <a:lstStyle/>
           <a:p>
             <a:pPr algn="ctr"/>
-            <a:endParaRPr lang="en-US" dirty="0" smtClean="0">
+            <a:endParaRPr lang="en-US" dirty="0">
               <a:solidFill>
                 <a:schemeClr val="tx1"/>
               </a:solidFill>
@@ -15009,13 +14877,6 @@
   <p:clrMapOvr>
     <a:masterClrMapping/>
   </p:clrMapOvr>
-  <p:timing>
-    <p:tnLst>
-      <p:par>
-        <p:cTn id="1" dur="indefinite" restart="never" nodeType="tmRoot"/>
-      </p:par>
-    </p:tnLst>
-  </p:timing>
 </p:sld>
 </file>
 
@@ -15052,7 +14913,7 @@
           <a:lstStyle/>
           <a:p>
             <a:r>
-              <a:rPr lang="en-US" altLang="en-US" dirty="0" smtClean="0"/>
+              <a:rPr lang="en-US" altLang="en-US" dirty="0"/>
               <a:t>Word Sense Disambiguation</a:t>
             </a:r>
           </a:p>
@@ -15076,29 +14937,29 @@
           <a:lstStyle/>
           <a:p>
             <a:r>
-              <a:rPr lang="en-US" sz="2800" dirty="0" smtClean="0"/>
+              <a:rPr lang="en-US" sz="2800" dirty="0"/>
               <a:t>“The thieves took off with 100 gold </a:t>
             </a:r>
             <a:r>
-              <a:rPr lang="en-US" sz="2800" b="1" dirty="0" smtClean="0"/>
+              <a:rPr lang="en-US" sz="2800" b="1" dirty="0"/>
               <a:t>bars</a:t>
             </a:r>
             <a:r>
-              <a:rPr lang="en-US" sz="2800" dirty="0" smtClean="0"/>
+              <a:rPr lang="en-US" sz="2800" dirty="0"/>
               <a:t>”.</a:t>
             </a:r>
           </a:p>
           <a:p>
             <a:pPr lvl="1"/>
             <a:r>
-              <a:rPr lang="en-US" sz="2400" dirty="0" smtClean="0"/>
+              <a:rPr lang="en-US" sz="2400" dirty="0"/>
               <a:t>Did they steal 100 drinking establishments?</a:t>
             </a:r>
           </a:p>
           <a:p>
             <a:pPr lvl="1"/>
             <a:r>
-              <a:rPr lang="en-US" sz="2400" dirty="0" smtClean="0"/>
+              <a:rPr lang="en-US" sz="2400" dirty="0"/>
               <a:t>Or 100 measures of a song?</a:t>
             </a:r>
           </a:p>
@@ -15300,7 +15161,7 @@
           <a:lstStyle/>
           <a:p>
             <a:r>
-              <a:rPr lang="en-US" altLang="en-US" smtClean="0"/>
+              <a:rPr lang="en-US" altLang="en-US"/>
               <a:t>Word Sense Disambiguation</a:t>
             </a:r>
           </a:p>
@@ -15333,7 +15194,7 @@
               <a:defRPr/>
             </a:pPr>
             <a:r>
-              <a:rPr lang="en-US" sz="900" b="1" dirty="0" smtClean="0"/>
+              <a:rPr lang="en-US" sz="900" b="1" dirty="0"/>
               <a:t>Bar=Noun</a:t>
             </a:r>
           </a:p>
@@ -15343,15 +15204,15 @@
               <a:defRPr/>
             </a:pPr>
             <a:r>
-              <a:rPr lang="en-US" sz="900" dirty="0" smtClean="0"/>
+              <a:rPr lang="en-US" sz="900" dirty="0"/>
               <a:t>    S: (n) barroom, bar, saloon, </a:t>
             </a:r>
             <a:r>
-              <a:rPr lang="en-US" sz="900" dirty="0" err="1" smtClean="0"/>
+              <a:rPr lang="en-US" sz="900" dirty="0" err="1"/>
               <a:t>ginmill</a:t>
             </a:r>
             <a:r>
-              <a:rPr lang="en-US" sz="900" dirty="0" smtClean="0"/>
+              <a:rPr lang="en-US" sz="900" dirty="0"/>
               <a:t>, taproom (a room or establishment where alcoholic drinks are served over a counter) "he drowned his sorrows in whiskey at the bar"</a:t>
             </a:r>
           </a:p>
@@ -15361,7 +15222,7 @@
               <a:defRPr/>
             </a:pPr>
             <a:r>
-              <a:rPr lang="en-US" sz="900" dirty="0" smtClean="0"/>
+              <a:rPr lang="en-US" sz="900" dirty="0"/>
               <a:t>    S: (n) bar (a counter where you can obtain food or drink) "he bought a hot dog and a coke at the bar"</a:t>
             </a:r>
           </a:p>
@@ -15371,7 +15232,7 @@
               <a:defRPr/>
             </a:pPr>
             <a:r>
-              <a:rPr lang="en-US" sz="900" dirty="0" smtClean="0"/>
+              <a:rPr lang="en-US" sz="900" dirty="0"/>
               <a:t>    S: (n) bar (a rigid piece of metal or wood; usually used as a fastening or obstruction or weapon) "there were bars in the windows to prevent escape"</a:t>
             </a:r>
           </a:p>
@@ -15381,7 +15242,7 @@
               <a:defRPr/>
             </a:pPr>
             <a:r>
-              <a:rPr lang="en-US" sz="900" dirty="0" smtClean="0"/>
+              <a:rPr lang="en-US" sz="900" dirty="0"/>
               <a:t>    S: (n) measure, bar (musical notation for a repeating pattern of musical beats) "the orchestra omitted the last twelve bars of the song"</a:t>
             </a:r>
           </a:p>
@@ -15391,7 +15252,7 @@
               <a:defRPr/>
             </a:pPr>
             <a:r>
-              <a:rPr lang="en-US" sz="900" dirty="0" smtClean="0"/>
+              <a:rPr lang="en-US" sz="900" dirty="0"/>
               <a:t>    S: (n) bar (an obstruction (usually metal) placed at the top of a goal) "it was an excellent kick but the ball hit the bar"</a:t>
             </a:r>
           </a:p>
@@ -15401,7 +15262,7 @@
               <a:defRPr/>
             </a:pPr>
             <a:r>
-              <a:rPr lang="en-US" sz="900" dirty="0" smtClean="0"/>
+              <a:rPr lang="en-US" sz="900" dirty="0"/>
               <a:t>    S: (n) prevention, bar (the act of preventing) "there was no bar against leaving"; "money was allocated to study the cause and prevention of influenza"</a:t>
             </a:r>
           </a:p>
@@ -15411,7 +15272,7 @@
               <a:defRPr/>
             </a:pPr>
             <a:r>
-              <a:rPr lang="en-US" sz="900" dirty="0" smtClean="0"/>
+              <a:rPr lang="en-US" sz="900" dirty="0"/>
               <a:t>    S: (n) bar ((meteorology) a unit of pressure equal to a million dynes per square centimeter) "unfortunately some writers have used bar for one dyne per square centimeter"</a:t>
             </a:r>
           </a:p>
@@ -15421,7 +15282,7 @@
               <a:defRPr/>
             </a:pPr>
             <a:r>
-              <a:rPr lang="en-US" sz="900" dirty="0" smtClean="0"/>
+              <a:rPr lang="en-US" sz="900" dirty="0"/>
               <a:t>    S: (n) bar (a submerged (or partly submerged) ridge in a river or along a shore) "the boat ran aground on a submerged bar in the river"</a:t>
             </a:r>
           </a:p>
@@ -15431,7 +15292,7 @@
               <a:defRPr/>
             </a:pPr>
             <a:r>
-              <a:rPr lang="en-US" sz="900" dirty="0" smtClean="0"/>
+              <a:rPr lang="en-US" sz="900" dirty="0"/>
               <a:t>    S: (n) legal profession, bar, legal community (the body of individuals qualified to practice law in a particular jurisdiction) "he was admitted to the bar in New Jersey"</a:t>
             </a:r>
           </a:p>
@@ -15441,7 +15302,7 @@
               <a:defRPr/>
             </a:pPr>
             <a:r>
-              <a:rPr lang="en-US" sz="900" dirty="0" smtClean="0"/>
+              <a:rPr lang="en-US" sz="900" dirty="0"/>
               <a:t>    S: (n) stripe, streak, bar (a narrow marking of a different color or texture from the background) "a green toad with small black stripes or bars"; "may the Stars and Stripes forever wave"</a:t>
             </a:r>
           </a:p>
@@ -15451,7 +15312,7 @@
               <a:defRPr/>
             </a:pPr>
             <a:r>
-              <a:rPr lang="en-US" sz="900" dirty="0" smtClean="0"/>
+              <a:rPr lang="en-US" sz="900" dirty="0"/>
               <a:t>    S: (n) cake, bar (a block of solid substance (such as soap or wax)) "a bar of chocolate"</a:t>
             </a:r>
           </a:p>
@@ -15461,7 +15322,7 @@
               <a:defRPr/>
             </a:pPr>
             <a:r>
-              <a:rPr lang="en-US" sz="900" dirty="0" smtClean="0"/>
+              <a:rPr lang="en-US" sz="900" dirty="0"/>
               <a:t>    S: (n) Browning automatic rifle, BAR (a portable .30 caliber automatic rifle operated by gas pressure and fed by cartridges from a magazine; used by United States troops in World War I and in World War II and in the Korean War)</a:t>
             </a:r>
           </a:p>
@@ -15471,7 +15332,7 @@
               <a:defRPr/>
             </a:pPr>
             <a:r>
-              <a:rPr lang="en-US" sz="900" dirty="0" smtClean="0"/>
+              <a:rPr lang="en-US" sz="900" dirty="0"/>
               <a:t>    S: (n) bar (a horizontal rod that serves as a support for gymnasts as they perform exercises)</a:t>
             </a:r>
           </a:p>
@@ -15481,7 +15342,7 @@
               <a:defRPr/>
             </a:pPr>
             <a:r>
-              <a:rPr lang="en-US" sz="900" dirty="0" smtClean="0"/>
+              <a:rPr lang="en-US" sz="900" dirty="0"/>
               <a:t>    S: (n) bar (a heating element in an electric fire) "an electric fire with three bars"</a:t>
             </a:r>
           </a:p>
@@ -15491,7 +15352,7 @@
               <a:defRPr/>
             </a:pPr>
             <a:r>
-              <a:rPr lang="en-US" sz="900" dirty="0" smtClean="0"/>
+              <a:rPr lang="en-US" sz="900" dirty="0"/>
               <a:t>    S: (n) bar ((law) a railing that encloses the part of the courtroom where the judges and lawyers sit and the case is tried) "spectators were not allowed past the bar"</a:t>
             </a:r>
           </a:p>
@@ -15499,7 +15360,7 @@
             <a:pPr>
               <a:defRPr/>
             </a:pPr>
-            <a:endParaRPr lang="en-US" sz="900" dirty="0" smtClean="0"/>
+            <a:endParaRPr lang="en-US" sz="900" dirty="0"/>
           </a:p>
           <a:p>
             <a:pPr marL="0" indent="0">
@@ -15507,7 +15368,7 @@
               <a:defRPr/>
             </a:pPr>
             <a:r>
-              <a:rPr lang="en-US" sz="900" b="1" dirty="0" smtClean="0"/>
+              <a:rPr lang="en-US" sz="900" b="1" dirty="0"/>
               <a:t>Bar=Verb</a:t>
             </a:r>
           </a:p>
@@ -15517,7 +15378,7 @@
               <a:defRPr/>
             </a:pPr>
             <a:r>
-              <a:rPr lang="en-US" sz="900" dirty="0" smtClean="0"/>
+              <a:rPr lang="en-US" sz="900" dirty="0"/>
               <a:t>    S: (v) bar, debar, exclude (prevent from entering; keep out) "He was barred from membership in the club"</a:t>
             </a:r>
           </a:p>
@@ -15527,7 +15388,7 @@
               <a:defRPr/>
             </a:pPr>
             <a:r>
-              <a:rPr lang="en-US" sz="900" dirty="0" smtClean="0"/>
+              <a:rPr lang="en-US" sz="900" dirty="0"/>
               <a:t>    S: (v) barricade, block, blockade, stop, block off, block up, bar (render unsuitable for passage) "block the way"; "barricade the streets"; "stop the busy road"</a:t>
             </a:r>
           </a:p>
@@ -15537,7 +15398,7 @@
               <a:defRPr/>
             </a:pPr>
             <a:r>
-              <a:rPr lang="en-US" sz="900" dirty="0" smtClean="0"/>
+              <a:rPr lang="en-US" sz="900" dirty="0"/>
               <a:t>    S: (v) banish, relegate, bar (expel, as if by official decree) "he was banished from his own country"</a:t>
             </a:r>
           </a:p>
@@ -15547,7 +15408,7 @@
               <a:defRPr/>
             </a:pPr>
             <a:r>
-              <a:rPr lang="en-US" sz="900" dirty="0" smtClean="0"/>
+              <a:rPr lang="en-US" sz="900" dirty="0"/>
               <a:t>    S: (v) bar (secure with, or as if with, bars) "He barred the door"</a:t>
             </a:r>
           </a:p>
@@ -15569,13 +15430,6 @@
   <p:clrMapOvr>
     <a:masterClrMapping/>
   </p:clrMapOvr>
-  <p:timing>
-    <p:tnLst>
-      <p:par>
-        <p:cTn id="1" dur="indefinite" restart="never" nodeType="tmRoot"/>
-      </p:par>
-    </p:tnLst>
-  </p:timing>
 </p:sld>
 </file>
 
@@ -15612,7 +15466,7 @@
           <a:lstStyle/>
           <a:p>
             <a:r>
-              <a:rPr lang="en-US" altLang="en-US" dirty="0" smtClean="0"/>
+              <a:rPr lang="en-US" altLang="en-US" dirty="0"/>
               <a:t>WSD is Important for Translation</a:t>
             </a:r>
           </a:p>
@@ -15644,7 +15498,7 @@
               <a:defRPr/>
             </a:pPr>
             <a:r>
-              <a:rPr lang="en-US" dirty="0" smtClean="0"/>
+              <a:rPr lang="en-US" dirty="0"/>
               <a:t>Paul plays soccer</a:t>
             </a:r>
           </a:p>
@@ -15653,19 +15507,19 @@
               <a:defRPr/>
             </a:pPr>
             <a:r>
-              <a:rPr lang="en-US" dirty="0" smtClean="0"/>
+              <a:rPr lang="en-US" dirty="0"/>
               <a:t>Paul </a:t>
             </a:r>
             <a:r>
-              <a:rPr lang="en-US" dirty="0" err="1" smtClean="0"/>
+              <a:rPr lang="en-US" dirty="0" err="1"/>
               <a:t>joue</a:t>
             </a:r>
             <a:r>
-              <a:rPr lang="en-US" dirty="0" smtClean="0"/>
+              <a:rPr lang="en-US" dirty="0"/>
               <a:t> </a:t>
             </a:r>
             <a:r>
-              <a:rPr lang="en-US" dirty="0" smtClean="0">
+              <a:rPr lang="en-US" dirty="0">
                 <a:solidFill>
                   <a:srgbClr val="7030A0"/>
                 </a:solidFill>
@@ -15673,7 +15527,7 @@
               <a:t>au</a:t>
             </a:r>
             <a:r>
-              <a:rPr lang="en-US" dirty="0" smtClean="0"/>
+              <a:rPr lang="en-US" dirty="0"/>
               <a:t> football</a:t>
             </a:r>
           </a:p>
@@ -15682,7 +15536,7 @@
               <a:defRPr/>
             </a:pPr>
             <a:r>
-              <a:rPr lang="en-US" dirty="0" smtClean="0"/>
+              <a:rPr lang="en-US" dirty="0"/>
               <a:t>Paul plays the guitar</a:t>
             </a:r>
           </a:p>
@@ -15691,19 +15545,19 @@
               <a:defRPr/>
             </a:pPr>
             <a:r>
-              <a:rPr lang="en-US" dirty="0" smtClean="0"/>
+              <a:rPr lang="en-US" dirty="0"/>
               <a:t>Paul </a:t>
             </a:r>
             <a:r>
-              <a:rPr lang="en-US" dirty="0" err="1" smtClean="0"/>
+              <a:rPr lang="en-US" dirty="0" err="1"/>
               <a:t>joue</a:t>
             </a:r>
             <a:r>
-              <a:rPr lang="en-US" dirty="0" smtClean="0"/>
+              <a:rPr lang="en-US" dirty="0"/>
               <a:t> </a:t>
             </a:r>
             <a:r>
-              <a:rPr lang="en-US" dirty="0" smtClean="0">
+              <a:rPr lang="en-US" dirty="0">
                 <a:solidFill>
                   <a:srgbClr val="7030A0"/>
                 </a:solidFill>
@@ -15711,17 +15565,17 @@
               <a:t>de la </a:t>
             </a:r>
             <a:r>
-              <a:rPr lang="en-US" dirty="0" err="1" smtClean="0"/>
+              <a:rPr lang="en-US" dirty="0" err="1"/>
               <a:t>guitare</a:t>
             </a:r>
-            <a:endParaRPr lang="en-US" dirty="0" smtClean="0"/>
+            <a:endParaRPr lang="en-US" dirty="0"/>
           </a:p>
           <a:p>
             <a:pPr>
               <a:defRPr/>
             </a:pPr>
             <a:r>
-              <a:rPr lang="en-US" dirty="0" smtClean="0"/>
+              <a:rPr lang="en-US" dirty="0"/>
               <a:t>“wall” in German</a:t>
             </a:r>
           </a:p>
@@ -15730,19 +15584,19 @@
               <a:defRPr/>
             </a:pPr>
             <a:r>
-              <a:rPr lang="en-US" dirty="0" smtClean="0"/>
+              <a:rPr lang="en-US" dirty="0"/>
               <a:t>die </a:t>
             </a:r>
             <a:r>
-              <a:rPr lang="en-US" dirty="0" err="1" smtClean="0"/>
+              <a:rPr lang="en-US" dirty="0" err="1"/>
               <a:t>Chinesische</a:t>
             </a:r>
             <a:r>
-              <a:rPr lang="en-US" dirty="0" smtClean="0"/>
+              <a:rPr lang="en-US" dirty="0"/>
               <a:t> </a:t>
             </a:r>
             <a:r>
-              <a:rPr lang="en-US" dirty="0" err="1" smtClean="0">
+              <a:rPr lang="en-US" dirty="0" err="1">
                 <a:solidFill>
                   <a:srgbClr val="FFC000"/>
                 </a:solidFill>
@@ -15750,7 +15604,7 @@
               <a:t>Mauer</a:t>
             </a:r>
             <a:r>
-              <a:rPr lang="en-US" dirty="0" smtClean="0"/>
+              <a:rPr lang="en-US" dirty="0"/>
               <a:t> (The Great Wall of China)</a:t>
             </a:r>
           </a:p>
@@ -15759,7 +15613,7 @@
               <a:defRPr/>
             </a:pPr>
             <a:r>
-              <a:rPr lang="en-US" dirty="0" smtClean="0"/>
+              <a:rPr lang="en-US" dirty="0"/>
               <a:t>(otherwise Wand)</a:t>
             </a:r>
           </a:p>
@@ -15768,7 +15622,7 @@
               <a:defRPr/>
             </a:pPr>
             <a:r>
-              <a:rPr lang="en-US" dirty="0" smtClean="0"/>
+              <a:rPr lang="en-US" dirty="0"/>
               <a:t>“wall” in Spanish</a:t>
             </a:r>
           </a:p>
@@ -15777,19 +15631,19 @@
               <a:defRPr/>
             </a:pPr>
             <a:r>
-              <a:rPr lang="en-US" dirty="0" smtClean="0"/>
+              <a:rPr lang="en-US" dirty="0"/>
               <a:t>pared, </a:t>
             </a:r>
             <a:r>
-              <a:rPr lang="en-US" dirty="0" err="1" smtClean="0"/>
+              <a:rPr lang="en-US" dirty="0" err="1"/>
               <a:t>muro</a:t>
             </a:r>
             <a:r>
-              <a:rPr lang="en-US" dirty="0" smtClean="0"/>
+              <a:rPr lang="en-US" dirty="0"/>
               <a:t>, </a:t>
             </a:r>
             <a:r>
-              <a:rPr lang="en-US" dirty="0" err="1" smtClean="0"/>
+              <a:rPr lang="en-US" dirty="0" err="1"/>
               <a:t>muralla</a:t>
             </a:r>
             <a:endParaRPr lang="en-US" dirty="0"/>
@@ -16316,7 +16170,7 @@
           <a:lstStyle/>
           <a:p>
             <a:r>
-              <a:rPr lang="en-US" altLang="en-US" smtClean="0"/>
+              <a:rPr lang="en-US" altLang="en-US"/>
               <a:t>Named Entity Recognition</a:t>
             </a:r>
           </a:p>
@@ -16348,28 +16202,27 @@
               <a:defRPr/>
             </a:pPr>
             <a:r>
-              <a:rPr lang="en-US" sz="2000" dirty="0" smtClean="0">
+              <a:rPr lang="en-US" sz="2000" dirty="0">
                 <a:hlinkClick r:id="rId2"/>
               </a:rPr>
               <a:t>http://cogcomp.cs.illinois.edu/page/demo_view/NER</a:t>
             </a:r>
-            <a:endParaRPr lang="en-US" sz="2000" dirty="0" smtClean="0"/>
+            <a:endParaRPr lang="en-US" sz="2000" dirty="0"/>
           </a:p>
           <a:p>
             <a:pPr>
               <a:defRPr/>
             </a:pPr>
             <a:r>
-              <a:rPr lang="en-US" sz="2000" dirty="0" smtClean="0">
+              <a:rPr lang="en-US" sz="2000" dirty="0">
                 <a:hlinkClick r:id="rId3"/>
               </a:rPr>
               <a:t>http://nlp.stanford.edu:8080/ner/</a:t>
             </a:r>
             <a:r>
-              <a:rPr lang="en-US" sz="2000" dirty="0" smtClean="0"/>
+              <a:rPr lang="en-US" sz="2000" dirty="0"/>
               <a:t> </a:t>
             </a:r>
-            <a:endParaRPr lang="en-US" sz="2000" dirty="0"/>
           </a:p>
         </p:txBody>
       </p:sp>
@@ -16904,14 +16757,7 @@
                 <a:latin typeface="Courier New" pitchFamily="49" charset="0"/>
                 <a:cs typeface="Courier New" pitchFamily="49" charset="0"/>
               </a:rPr>
-              <a:t>            . </a:t>
-            </a:r>
-            <a:r>
-              <a:rPr lang="pt-BR" altLang="en-US" sz="1000" dirty="0" smtClean="0">
-                <a:latin typeface="Courier New" pitchFamily="49" charset="0"/>
-                <a:cs typeface="Courier New" pitchFamily="49" charset="0"/>
-              </a:rPr>
-              <a:t>O</a:t>
+              <a:t>            . O</a:t>
             </a:r>
             <a:endParaRPr lang="en-US" altLang="en-US" sz="1000" dirty="0"/>
           </a:p>
@@ -17363,7 +17209,7 @@
           <a:lstStyle/>
           <a:p>
             <a:r>
-              <a:rPr lang="en-US" altLang="en-US" smtClean="0"/>
+              <a:rPr lang="en-US" altLang="en-US"/>
               <a:t>Named Entity Recognition</a:t>
             </a:r>
           </a:p>
@@ -17786,7 +17632,7 @@
           <a:lstStyle/>
           <a:p>
             <a:r>
-              <a:rPr lang="en-US" altLang="en-US" dirty="0" smtClean="0"/>
+              <a:rPr lang="en-US" altLang="en-US" dirty="0"/>
               <a:t>Part of Speech Tagging</a:t>
             </a:r>
           </a:p>
@@ -17815,16 +17661,12 @@
           <a:lstStyle/>
           <a:p>
             <a:r>
-              <a:rPr lang="en-US" dirty="0" smtClean="0">
+              <a:rPr lang="en-US" dirty="0">
                 <a:latin typeface="Courier New" panose="02070309020205020404" pitchFamily="49" charset="0"/>
                 <a:cs typeface="Courier New" panose="02070309020205020404" pitchFamily="49" charset="0"/>
               </a:rPr>
               <a:t>The swimmer is getting ready to run in the final race.</a:t>
             </a:r>
-            <a:endParaRPr lang="en-US" dirty="0">
-              <a:latin typeface="Courier New" panose="02070309020205020404" pitchFamily="49" charset="0"/>
-              <a:cs typeface="Courier New" panose="02070309020205020404" pitchFamily="49" charset="0"/>
-            </a:endParaRPr>
           </a:p>
         </p:txBody>
       </p:sp>
@@ -17838,13 +17680,6 @@
   <p:clrMapOvr>
     <a:masterClrMapping/>
   </p:clrMapOvr>
-  <p:timing>
-    <p:tnLst>
-      <p:par>
-        <p:cTn id="1" dur="indefinite" restart="never" nodeType="tmRoot"/>
-      </p:par>
-    </p:tnLst>
-  </p:timing>
 </p:sld>
 </file>
 
@@ -17881,7 +17716,7 @@
           <a:lstStyle/>
           <a:p>
             <a:r>
-              <a:rPr lang="en-US" altLang="en-US" smtClean="0"/>
+              <a:rPr lang="en-US" altLang="en-US"/>
               <a:t>Semantic Role Labeling</a:t>
             </a:r>
           </a:p>
@@ -17913,71 +17748,71 @@
               <a:defRPr/>
             </a:pPr>
             <a:r>
-              <a:rPr lang="en-US" dirty="0" smtClean="0"/>
+              <a:rPr lang="en-US" dirty="0"/>
               <a:t>[</a:t>
             </a:r>
             <a:r>
-              <a:rPr lang="en-US" baseline="-25000" dirty="0" smtClean="0"/>
+              <a:rPr lang="en-US" baseline="-25000" dirty="0"/>
               <a:t>A0</a:t>
             </a:r>
             <a:r>
-              <a:rPr lang="en-US" dirty="0" smtClean="0"/>
+              <a:rPr lang="en-US" dirty="0"/>
               <a:t> He ] [</a:t>
             </a:r>
             <a:r>
-              <a:rPr lang="en-US" baseline="-25000" dirty="0" smtClean="0"/>
+              <a:rPr lang="en-US" baseline="-25000" dirty="0"/>
               <a:t>AM-MOD</a:t>
             </a:r>
             <a:r>
-              <a:rPr lang="en-US" dirty="0" smtClean="0"/>
+              <a:rPr lang="en-US" dirty="0"/>
               <a:t> would ] [</a:t>
             </a:r>
             <a:r>
-              <a:rPr lang="en-US" baseline="-25000" dirty="0" smtClean="0"/>
+              <a:rPr lang="en-US" baseline="-25000" dirty="0"/>
               <a:t>AM-NEG</a:t>
             </a:r>
             <a:r>
-              <a:rPr lang="en-US" dirty="0" smtClean="0"/>
+              <a:rPr lang="en-US" dirty="0"/>
               <a:t> </a:t>
             </a:r>
             <a:r>
-              <a:rPr lang="en-US" dirty="0" err="1" smtClean="0"/>
+              <a:rPr lang="en-US" dirty="0" err="1"/>
               <a:t>n't</a:t>
             </a:r>
             <a:r>
-              <a:rPr lang="en-US" dirty="0" smtClean="0"/>
+              <a:rPr lang="en-US" dirty="0"/>
               <a:t> ] [</a:t>
             </a:r>
             <a:r>
-              <a:rPr lang="en-US" baseline="-25000" dirty="0" smtClean="0"/>
+              <a:rPr lang="en-US" baseline="-25000" dirty="0"/>
               <a:t>V</a:t>
             </a:r>
             <a:r>
-              <a:rPr lang="en-US" dirty="0" smtClean="0"/>
+              <a:rPr lang="en-US" dirty="0"/>
               <a:t> </a:t>
             </a:r>
             <a:r>
-              <a:rPr lang="en-US" b="1" dirty="0" smtClean="0"/>
+              <a:rPr lang="en-US" b="1" dirty="0"/>
               <a:t>accept</a:t>
             </a:r>
             <a:r>
-              <a:rPr lang="en-US" dirty="0" smtClean="0"/>
+              <a:rPr lang="en-US" dirty="0"/>
               <a:t> ] [</a:t>
             </a:r>
             <a:r>
-              <a:rPr lang="en-US" baseline="-25000" dirty="0" smtClean="0"/>
+              <a:rPr lang="en-US" baseline="-25000" dirty="0"/>
               <a:t>A1</a:t>
             </a:r>
             <a:r>
-              <a:rPr lang="en-US" dirty="0" smtClean="0"/>
+              <a:rPr lang="en-US" dirty="0"/>
               <a:t> anything of value ] from [</a:t>
             </a:r>
             <a:r>
-              <a:rPr lang="en-US" baseline="-25000" dirty="0" smtClean="0"/>
+              <a:rPr lang="en-US" baseline="-25000" dirty="0"/>
               <a:t>A2</a:t>
             </a:r>
             <a:r>
-              <a:rPr lang="en-US" dirty="0" smtClean="0"/>
+              <a:rPr lang="en-US" dirty="0"/>
               <a:t> those he was writing about ] . </a:t>
             </a:r>
           </a:p>
@@ -17986,85 +17821,81 @@
               <a:defRPr/>
             </a:pPr>
             <a:r>
-              <a:rPr lang="en-US" b="1" dirty="0" smtClean="0"/>
+              <a:rPr lang="en-US" b="1" dirty="0"/>
               <a:t>V: </a:t>
             </a:r>
             <a:r>
-              <a:rPr lang="en-US" dirty="0" smtClean="0"/>
+              <a:rPr lang="en-US" dirty="0"/>
               <a:t>verb</a:t>
             </a:r>
             <a:br>
-              <a:rPr lang="en-US" dirty="0" smtClean="0"/>
+              <a:rPr lang="en-US" dirty="0"/>
             </a:br>
             <a:r>
-              <a:rPr lang="en-US" b="1" dirty="0" smtClean="0"/>
+              <a:rPr lang="en-US" b="1" dirty="0"/>
               <a:t>A0</a:t>
             </a:r>
             <a:r>
-              <a:rPr lang="en-US" b="1" smtClean="0"/>
+              <a:rPr lang="en-US" b="1"/>
               <a:t>:</a:t>
             </a:r>
             <a:r>
-              <a:rPr lang="en-US" smtClean="0"/>
+              <a:rPr lang="en-US"/>
               <a:t> acceptor </a:t>
             </a:r>
-            <a:r>
-              <a:rPr lang="en-US" dirty="0" smtClean="0"/>
-              <a:t/>
-            </a:r>
             <a:br>
-              <a:rPr lang="en-US" dirty="0" smtClean="0"/>
+              <a:rPr lang="en-US" dirty="0"/>
             </a:br>
             <a:r>
-              <a:rPr lang="en-US" b="1" dirty="0" smtClean="0"/>
+              <a:rPr lang="en-US" b="1" dirty="0"/>
               <a:t>A1:</a:t>
             </a:r>
             <a:r>
-              <a:rPr lang="en-US" dirty="0" smtClean="0"/>
+              <a:rPr lang="en-US" dirty="0"/>
               <a:t> thing accepted </a:t>
             </a:r>
             <a:br>
-              <a:rPr lang="en-US" dirty="0" smtClean="0"/>
+              <a:rPr lang="en-US" dirty="0"/>
             </a:br>
             <a:r>
-              <a:rPr lang="en-US" b="1" dirty="0" smtClean="0"/>
+              <a:rPr lang="en-US" b="1" dirty="0"/>
               <a:t>A2:</a:t>
             </a:r>
             <a:r>
-              <a:rPr lang="en-US" dirty="0" smtClean="0"/>
+              <a:rPr lang="en-US" dirty="0"/>
               <a:t> accepted-from </a:t>
             </a:r>
             <a:br>
-              <a:rPr lang="en-US" dirty="0" smtClean="0"/>
+              <a:rPr lang="en-US" dirty="0"/>
             </a:br>
             <a:r>
-              <a:rPr lang="en-US" b="1" dirty="0" smtClean="0"/>
+              <a:rPr lang="en-US" b="1" dirty="0"/>
               <a:t>A3:</a:t>
             </a:r>
             <a:r>
-              <a:rPr lang="en-US" dirty="0" smtClean="0"/>
+              <a:rPr lang="en-US" dirty="0"/>
               <a:t> attribute </a:t>
             </a:r>
             <a:br>
-              <a:rPr lang="en-US" dirty="0" smtClean="0"/>
+              <a:rPr lang="en-US" dirty="0"/>
             </a:br>
             <a:r>
-              <a:rPr lang="en-US" b="1" dirty="0" smtClean="0"/>
+              <a:rPr lang="en-US" b="1" dirty="0"/>
               <a:t>AM-MOD:</a:t>
             </a:r>
             <a:r>
-              <a:rPr lang="en-US" dirty="0" smtClean="0"/>
+              <a:rPr lang="en-US" dirty="0"/>
               <a:t> modal </a:t>
             </a:r>
             <a:br>
-              <a:rPr lang="en-US" dirty="0" smtClean="0"/>
+              <a:rPr lang="en-US" dirty="0"/>
             </a:br>
             <a:r>
-              <a:rPr lang="en-US" b="1" dirty="0" smtClean="0"/>
+              <a:rPr lang="en-US" b="1" dirty="0"/>
               <a:t>AM-NEG:</a:t>
             </a:r>
             <a:r>
-              <a:rPr lang="en-US" dirty="0" smtClean="0"/>
+              <a:rPr lang="en-US" dirty="0"/>
               <a:t> negation </a:t>
             </a:r>
           </a:p>
@@ -18073,12 +17904,12 @@
               <a:defRPr/>
             </a:pPr>
             <a:r>
-              <a:rPr lang="en-US" dirty="0" smtClean="0">
+              <a:rPr lang="en-US" dirty="0">
                 <a:hlinkClick r:id="rId2"/>
               </a:rPr>
               <a:t>http://cogcomp.cs.illinois.edu/page/demo_view/SRL</a:t>
             </a:r>
-            <a:endParaRPr lang="en-US" dirty="0" smtClean="0"/>
+            <a:endParaRPr lang="en-US" dirty="0"/>
           </a:p>
           <a:p>
             <a:pPr>
@@ -18314,7 +18145,7 @@
           <a:lstStyle/>
           <a:p>
             <a:r>
-              <a:rPr lang="en-US" altLang="en-US" dirty="0" smtClean="0"/>
+              <a:rPr lang="en-US" altLang="en-US" dirty="0"/>
               <a:t>Coreference Resolution</a:t>
             </a:r>
           </a:p>
@@ -18336,7 +18167,7 @@
           <a:lstStyle/>
           <a:p>
             <a:r>
-              <a:rPr lang="en-US" altLang="en-US" dirty="0" smtClean="0">
+              <a:rPr lang="en-US" altLang="en-US" dirty="0">
                 <a:solidFill>
                   <a:srgbClr val="7030A0"/>
                 </a:solidFill>
@@ -18344,11 +18175,11 @@
               <a:t>Barack Obama </a:t>
             </a:r>
             <a:r>
-              <a:rPr lang="en-US" altLang="en-US" dirty="0" smtClean="0"/>
+              <a:rPr lang="en-US" altLang="en-US" dirty="0"/>
               <a:t>visited China. </a:t>
             </a:r>
             <a:r>
-              <a:rPr lang="en-US" altLang="en-US" dirty="0" smtClean="0">
+              <a:rPr lang="en-US" altLang="en-US" dirty="0">
                 <a:solidFill>
                   <a:srgbClr val="7030A0"/>
                 </a:solidFill>
@@ -18356,13 +18187,13 @@
               <a:t>The US president </a:t>
             </a:r>
             <a:r>
-              <a:rPr lang="en-US" altLang="en-US" dirty="0" smtClean="0"/>
+              <a:rPr lang="en-US" altLang="en-US" dirty="0"/>
               <a:t>met with his Chinese counterpart.</a:t>
             </a:r>
           </a:p>
           <a:p>
             <a:r>
-              <a:rPr lang="en-US" altLang="en-US" dirty="0" smtClean="0">
+              <a:rPr lang="en-US" altLang="en-US" dirty="0">
                 <a:solidFill>
                   <a:srgbClr val="00B050"/>
                 </a:solidFill>
@@ -18370,11 +18201,11 @@
               <a:t>Cynthia</a:t>
             </a:r>
             <a:r>
-              <a:rPr lang="en-US" altLang="en-US" dirty="0" smtClean="0"/>
+              <a:rPr lang="en-US" altLang="en-US" dirty="0"/>
               <a:t> went to see </a:t>
             </a:r>
             <a:r>
-              <a:rPr lang="en-US" altLang="en-US" dirty="0" smtClean="0">
+              <a:rPr lang="en-US" altLang="en-US" dirty="0">
                 <a:solidFill>
                   <a:srgbClr val="00B0F0"/>
                 </a:solidFill>
@@ -18382,11 +18213,11 @@
               <a:t>her aunt </a:t>
             </a:r>
             <a:r>
-              <a:rPr lang="en-US" altLang="en-US" dirty="0" smtClean="0"/>
+              <a:rPr lang="en-US" altLang="en-US" dirty="0"/>
               <a:t>at the hospital. </a:t>
             </a:r>
             <a:r>
-              <a:rPr lang="en-US" altLang="en-US" dirty="0" smtClean="0">
+              <a:rPr lang="en-US" altLang="en-US" dirty="0">
                 <a:solidFill>
                   <a:srgbClr val="00B0F0"/>
                 </a:solidFill>
@@ -18394,17 +18225,17 @@
               <a:t>She</a:t>
             </a:r>
             <a:r>
-              <a:rPr lang="en-US" altLang="en-US" dirty="0" smtClean="0"/>
+              <a:rPr lang="en-US" altLang="en-US" dirty="0"/>
               <a:t> was scheduled for surgery on Monday.</a:t>
             </a:r>
           </a:p>
           <a:p>
             <a:r>
-              <a:rPr lang="en-US" altLang="en-US" dirty="0" smtClean="0"/>
+              <a:rPr lang="en-US" altLang="en-US" dirty="0"/>
               <a:t>Because </a:t>
             </a:r>
             <a:r>
-              <a:rPr lang="en-US" altLang="en-US" dirty="0" smtClean="0">
+              <a:rPr lang="en-US" altLang="en-US" dirty="0">
                 <a:solidFill>
                   <a:srgbClr val="FF0000"/>
                 </a:solidFill>
@@ -18412,11 +18243,11 @@
               <a:t>he</a:t>
             </a:r>
             <a:r>
-              <a:rPr lang="en-US" altLang="en-US" dirty="0" smtClean="0"/>
+              <a:rPr lang="en-US" altLang="en-US" dirty="0"/>
               <a:t> was sick, </a:t>
             </a:r>
             <a:r>
-              <a:rPr lang="en-US" altLang="en-US" dirty="0" smtClean="0">
+              <a:rPr lang="en-US" altLang="en-US" dirty="0">
                 <a:solidFill>
                   <a:srgbClr val="FF0000"/>
                 </a:solidFill>
@@ -18424,7 +18255,7 @@
               <a:t>Michael</a:t>
             </a:r>
             <a:r>
-              <a:rPr lang="en-US" altLang="en-US" dirty="0" smtClean="0"/>
+              <a:rPr lang="en-US" altLang="en-US" dirty="0"/>
               <a:t> stayed home on Friday.</a:t>
             </a:r>
           </a:p>
@@ -18656,7 +18487,7 @@
           <a:lstStyle/>
           <a:p>
             <a:r>
-              <a:rPr lang="en-US" altLang="en-US" smtClean="0"/>
+              <a:rPr lang="en-US" altLang="en-US"/>
               <a:t>Question Answering</a:t>
             </a:r>
           </a:p>
@@ -18688,7 +18519,7 @@
               <a:defRPr/>
             </a:pPr>
             <a:r>
-              <a:rPr lang="en-US" b="1" dirty="0" smtClean="0"/>
+              <a:rPr lang="en-US" b="1" dirty="0"/>
               <a:t>"The antagonist of Stevenson's Treasure Island." (Who is Long John Silver?) </a:t>
             </a:r>
           </a:p>
@@ -18697,22 +18528,21 @@
               <a:defRPr/>
             </a:pPr>
             <a:r>
-              <a:rPr lang="en-US" dirty="0" smtClean="0">
+              <a:rPr lang="en-US" dirty="0">
                 <a:hlinkClick r:id="rId2"/>
               </a:rPr>
               <a:t>http://blog.reddit.com/2011/02/ibm-watson-research-team-answers-your.html</a:t>
             </a:r>
-            <a:endParaRPr lang="en-US" dirty="0" smtClean="0"/>
+            <a:endParaRPr lang="en-US" dirty="0"/>
           </a:p>
           <a:p>
             <a:pPr>
               <a:defRPr/>
             </a:pPr>
             <a:r>
-              <a:rPr lang="en-US" dirty="0" smtClean="0"/>
+              <a:rPr lang="en-US" dirty="0"/>
               <a:t>“Watson is powered by 10 racks of IBM Power 750 servers running Linux, and uses 15 terabytes of RAM, 2,880 processor cores and is capable of operating at 80 teraflops. Watson was written in mostly Java but also significant chunks of code are written C++ and Prolog, all components are deployed and integrated using UIMA.”</a:t>
             </a:r>
-            <a:endParaRPr lang="en-US" dirty="0"/>
           </a:p>
         </p:txBody>
       </p:sp>
@@ -18942,7 +18772,7 @@
           <a:lstStyle/>
           <a:p>
             <a:r>
-              <a:rPr lang="en-US" altLang="en-US" smtClean="0"/>
+              <a:rPr lang="en-US" altLang="en-US"/>
               <a:t>Jeopardy Questions</a:t>
             </a:r>
           </a:p>
@@ -18971,191 +18801,175 @@
           <a:lstStyle/>
           <a:p>
             <a:r>
-              <a:rPr lang="en-US" altLang="en-US" sz="1200" dirty="0" smtClean="0"/>
+              <a:rPr lang="en-US" altLang="en-US" sz="1200" dirty="0"/>
               <a:t>From the competition between the IBM Watson system and two human champions (Ken Jennings and Brad Rutter)</a:t>
             </a:r>
           </a:p>
           <a:p>
             <a:r>
-              <a:rPr lang="en-US" altLang="en-US" sz="1200" dirty="0" smtClean="0"/>
+              <a:rPr lang="en-US" altLang="en-US" sz="1200" dirty="0"/>
               <a:t>Sample questions:</a:t>
             </a:r>
           </a:p>
           <a:p>
             <a:pPr lvl="1"/>
             <a:r>
-              <a:rPr lang="en-US" altLang="en-US" sz="900" dirty="0" smtClean="0"/>
+              <a:rPr lang="en-US" altLang="en-US" sz="900" dirty="0"/>
               <a:t>On December 8, 2008 this national newspaper raised its newsstand price by 25 cents to $1 : </a:t>
             </a:r>
             <a:r>
-              <a:rPr lang="en-US" altLang="en-US" sz="900" i="1" dirty="0" smtClean="0"/>
+              <a:rPr lang="en-US" altLang="en-US" sz="900" i="1" dirty="0"/>
               <a:t>USA Today</a:t>
             </a:r>
-            <a:endParaRPr lang="en-US" altLang="en-US" sz="900" dirty="0" smtClean="0"/>
+            <a:endParaRPr lang="en-US" altLang="en-US" sz="900" dirty="0"/>
           </a:p>
           <a:p>
             <a:pPr lvl="1"/>
             <a:r>
-              <a:rPr lang="en-US" altLang="en-US" sz="900" dirty="0" smtClean="0"/>
+              <a:rPr lang="en-US" altLang="en-US" sz="900" dirty="0"/>
               <a:t>In 2010 this former first lady published the memoir "Spoken From the Heart" : </a:t>
             </a:r>
             <a:r>
-              <a:rPr lang="en-US" altLang="en-US" sz="900" i="1" dirty="0" smtClean="0"/>
+              <a:rPr lang="en-US" altLang="en-US" sz="900" i="1" dirty="0"/>
               <a:t>Laura Bush*</a:t>
             </a:r>
-            <a:endParaRPr lang="en-US" altLang="en-US" sz="900" dirty="0" smtClean="0"/>
+            <a:endParaRPr lang="en-US" altLang="en-US" sz="900" dirty="0"/>
           </a:p>
           <a:p>
             <a:pPr lvl="1"/>
             <a:r>
-              <a:rPr lang="en-US" altLang="en-US" sz="900" dirty="0" smtClean="0"/>
+              <a:rPr lang="en-US" altLang="en-US" sz="900" dirty="0"/>
               <a:t>This person is appointed by a testator to carry out the directions &amp; requests in his will : </a:t>
             </a:r>
             <a:r>
-              <a:rPr lang="en-US" altLang="en-US" sz="900" i="1" dirty="0" smtClean="0"/>
+              <a:rPr lang="en-US" altLang="en-US" sz="900" i="1" dirty="0"/>
               <a:t>Executor*</a:t>
             </a:r>
-            <a:endParaRPr lang="en-US" altLang="en-US" sz="900" dirty="0" smtClean="0"/>
+            <a:endParaRPr lang="en-US" altLang="en-US" sz="900" dirty="0"/>
           </a:p>
           <a:p>
             <a:pPr lvl="1"/>
             <a:r>
-              <a:rPr lang="en-US" altLang="en-US" sz="900" dirty="0" smtClean="0"/>
+              <a:rPr lang="en-US" altLang="en-US" sz="900" dirty="0"/>
               <a:t>Familiarity is said to breed this, from the Latin for "Despise" : </a:t>
             </a:r>
             <a:r>
-              <a:rPr lang="en-US" altLang="en-US" sz="900" i="1" dirty="0" smtClean="0"/>
+              <a:rPr lang="en-US" altLang="en-US" sz="900" i="1" dirty="0"/>
               <a:t>Contempt*</a:t>
             </a:r>
-            <a:endParaRPr lang="en-US" altLang="en-US" sz="900" dirty="0" smtClean="0"/>
+            <a:endParaRPr lang="en-US" altLang="en-US" sz="900" dirty="0"/>
           </a:p>
           <a:p>
             <a:pPr lvl="1"/>
             <a:r>
-              <a:rPr lang="en-US" altLang="en-US" sz="900" dirty="0" smtClean="0"/>
+              <a:rPr lang="en-US" altLang="en-US" sz="900" dirty="0"/>
               <a:t>As of 2010, Croatia &amp; Macedonia are candidates but this is the only former Yugoslav republic in the EU : </a:t>
             </a:r>
             <a:r>
-              <a:rPr lang="en-US" altLang="en-US" sz="900" i="1" dirty="0" smtClean="0"/>
+              <a:rPr lang="en-US" altLang="en-US" sz="900" i="1" dirty="0"/>
               <a:t>Slovenia</a:t>
             </a:r>
-            <a:endParaRPr lang="en-US" altLang="en-US" sz="900" dirty="0" smtClean="0"/>
+            <a:endParaRPr lang="en-US" altLang="en-US" sz="900" dirty="0"/>
           </a:p>
           <a:p>
             <a:pPr lvl="1"/>
             <a:r>
-              <a:rPr lang="en-US" altLang="en-US" sz="900" dirty="0" smtClean="0"/>
+              <a:rPr lang="en-US" altLang="en-US" sz="900" dirty="0"/>
               <a:t>The ancient "Lion of Nimrud" went missing from this city's national museum in 2003 (along with a lot of other stuff) : </a:t>
             </a:r>
             <a:r>
-              <a:rPr lang="en-US" altLang="en-US" sz="900" i="1" dirty="0" smtClean="0"/>
+              <a:rPr lang="en-US" altLang="en-US" sz="900" i="1" dirty="0"/>
               <a:t>Baghdad</a:t>
             </a:r>
-            <a:endParaRPr lang="en-US" altLang="en-US" sz="900" dirty="0" smtClean="0"/>
+            <a:endParaRPr lang="en-US" altLang="en-US" sz="900" dirty="0"/>
           </a:p>
           <a:p>
             <a:pPr lvl="1"/>
             <a:r>
-              <a:rPr lang="en-US" altLang="en-US" sz="900" dirty="0" smtClean="0"/>
+              <a:rPr lang="en-US" altLang="en-US" sz="900" dirty="0"/>
               <a:t>It's just a bloody nose! You don't have this hereditary disorder once endemic to European royalty : </a:t>
             </a:r>
             <a:r>
-              <a:rPr lang="en-US" altLang="en-US" sz="900" i="1" dirty="0" err="1" smtClean="0"/>
+              <a:rPr lang="en-US" altLang="en-US" sz="900" i="1" dirty="0" err="1"/>
               <a:t>Haemophilia</a:t>
             </a:r>
-            <a:endParaRPr lang="en-US" altLang="en-US" sz="900" dirty="0" smtClean="0"/>
+            <a:endParaRPr lang="en-US" altLang="en-US" sz="900" dirty="0"/>
           </a:p>
           <a:p>
             <a:pPr lvl="1"/>
             <a:r>
-              <a:rPr lang="en-US" altLang="en-US" sz="900" dirty="0" smtClean="0"/>
+              <a:rPr lang="en-US" altLang="en-US" sz="900" dirty="0"/>
               <a:t>It's Michelangelo's fresco on the wall of the Sistine Chapel, Depicting the saved and the damned : </a:t>
             </a:r>
             <a:r>
-              <a:rPr lang="en-US" altLang="en-US" sz="900" i="1" dirty="0" smtClean="0"/>
+              <a:rPr lang="en-US" altLang="en-US" sz="900" i="1" dirty="0"/>
               <a:t>The Last </a:t>
             </a:r>
             <a:r>
-              <a:rPr lang="en-US" altLang="en-US" sz="900" i="1" dirty="0" err="1" smtClean="0"/>
+              <a:rPr lang="en-US" altLang="en-US" sz="900" i="1" dirty="0" err="1"/>
               <a:t>Judgement</a:t>
             </a:r>
-            <a:endParaRPr lang="en-US" altLang="en-US" sz="900" dirty="0" smtClean="0"/>
+            <a:endParaRPr lang="en-US" altLang="en-US" sz="900" dirty="0"/>
           </a:p>
           <a:p>
             <a:pPr lvl="1"/>
             <a:r>
-              <a:rPr lang="en-US" altLang="en-US" sz="900" dirty="0" smtClean="0"/>
+              <a:rPr lang="en-US" altLang="en-US" sz="900" dirty="0"/>
               <a:t>She "Died in the church and was buried along with her name. Nobody came" : </a:t>
             </a:r>
             <a:r>
-              <a:rPr lang="en-US" altLang="en-US" sz="900" i="1" dirty="0" smtClean="0"/>
+              <a:rPr lang="en-US" altLang="en-US" sz="900" i="1" dirty="0"/>
               <a:t>Eleanor Rigby</a:t>
             </a:r>
-            <a:endParaRPr lang="en-US" altLang="en-US" sz="900" dirty="0" smtClean="0"/>
+            <a:endParaRPr lang="en-US" altLang="en-US" sz="900" dirty="0"/>
           </a:p>
           <a:p>
             <a:pPr lvl="1"/>
             <a:r>
-              <a:rPr lang="en-US" altLang="en-US" sz="900" dirty="0" smtClean="0"/>
+              <a:rPr lang="en-US" altLang="en-US" sz="900" dirty="0"/>
               <a:t>It's a 4-letter term for a summit; the first 3 letters mean a type of simian : </a:t>
             </a:r>
             <a:r>
-              <a:rPr lang="en-US" altLang="en-US" sz="900" i="1" dirty="0" smtClean="0"/>
+              <a:rPr lang="en-US" altLang="en-US" sz="900" i="1" dirty="0"/>
               <a:t>Apex</a:t>
             </a:r>
-            <a:endParaRPr lang="en-US" altLang="en-US" sz="900" dirty="0" smtClean="0"/>
+            <a:endParaRPr lang="en-US" altLang="en-US" sz="900" dirty="0"/>
           </a:p>
           <a:p>
             <a:pPr lvl="1"/>
             <a:r>
-              <a:rPr lang="en-US" altLang="en-US" sz="900" dirty="0" smtClean="0"/>
+              <a:rPr lang="en-US" altLang="en-US" sz="900" dirty="0"/>
               <a:t>A camel is a horse designed by this : </a:t>
             </a:r>
             <a:r>
-              <a:rPr lang="en-US" altLang="en-US" sz="900" i="1" dirty="0" smtClean="0"/>
+              <a:rPr lang="en-US" altLang="en-US" sz="900" i="1" dirty="0"/>
               <a:t>Committee</a:t>
             </a:r>
-            <a:endParaRPr lang="en-US" altLang="en-US" sz="1200" dirty="0" smtClean="0"/>
-          </a:p>
-          <a:p>
-            <a:r>
-              <a:rPr lang="en-US" altLang="en-US" sz="1200" dirty="0" smtClean="0"/>
-              <a:t>Watson’s answers: 66 correct and 9 incorrect</a:t>
-            </a:r>
+            <a:endParaRPr lang="en-US" altLang="en-US" sz="1200" dirty="0"/>
+          </a:p>
+          <a:p>
             <a:r>
               <a:rPr lang="en-US" altLang="en-US" sz="1200" dirty="0"/>
-              <a:t> </a:t>
-            </a:r>
-            <a:r>
-              <a:rPr lang="en-US" altLang="en-US" sz="1200" dirty="0" smtClean="0"/>
-              <a:t>(e.g., the one in the category “US Cities” about a city with two airports named after a World War II hero and a World War II battle)</a:t>
-            </a:r>
-          </a:p>
-          <a:p>
-            <a:r>
-              <a:rPr lang="en-US" altLang="en-US" sz="1200" dirty="0" smtClean="0"/>
-              <a:t>Watson's two day winning streak was $77,147. Ken Jennings ended with $24,000 and Brad Rutter with $21,600.</a:t>
-            </a:r>
+              <a:t>Watson’s answers: 66 correct and 9 incorrect (e.g., the one in the category “US Cities” about a city with two airports named after a World War II hero and a World War II battle)</a:t>
+            </a:r>
+          </a:p>
+          <a:p>
             <a:r>
               <a:rPr lang="en-US" altLang="en-US" sz="1200" dirty="0"/>
-              <a:t> </a:t>
-            </a:r>
-            <a:r>
-              <a:rPr lang="en-US" altLang="en-US" sz="1200" dirty="0" smtClean="0"/>
-              <a:t>Watson donated $500,000 to both World Vision and World Community Grid charities from the $1,000,000 prize.</a:t>
-            </a:r>
-          </a:p>
-          <a:p>
-            <a:r>
-              <a:rPr lang="en-US" altLang="en-US" sz="1200" u="sng" dirty="0" smtClean="0">
+              <a:t>Watson's two day winning streak was $77,147. Ken Jennings ended with $24,000 and Brad Rutter with $21,600. Watson donated $500,000 to both World Vision and World Community Grid charities from the $1,000,000 prize.</a:t>
+            </a:r>
+          </a:p>
+          <a:p>
+            <a:r>
+              <a:rPr lang="en-US" altLang="en-US" sz="1200" u="sng" dirty="0">
                 <a:hlinkClick r:id="rId3"/>
               </a:rPr>
               <a:t>http://www.quora.com/What-questions-were-asked-in-the-Jeopardy-episode-involving-Watson</a:t>
             </a:r>
-            <a:endParaRPr lang="en-US" altLang="en-US" sz="1200" dirty="0" smtClean="0"/>
-          </a:p>
-          <a:p>
-            <a:endParaRPr lang="en-US" altLang="en-US" sz="1200" dirty="0" smtClean="0"/>
+            <a:endParaRPr lang="en-US" altLang="en-US" sz="1200" dirty="0"/>
+          </a:p>
+          <a:p>
+            <a:endParaRPr lang="en-US" altLang="en-US" sz="1200" dirty="0"/>
           </a:p>
         </p:txBody>
       </p:sp>
@@ -19824,7 +19638,7 @@
           <a:lstStyle/>
           <a:p>
             <a:r>
-              <a:rPr lang="en-US" altLang="en-US" smtClean="0"/>
+              <a:rPr lang="en-US" altLang="en-US"/>
               <a:t>Sentiment Analysis</a:t>
             </a:r>
           </a:p>
@@ -19856,11 +19670,11 @@
               <a:defRPr/>
             </a:pPr>
             <a:r>
-              <a:rPr lang="en-US" dirty="0" smtClean="0"/>
+              <a:rPr lang="en-US" dirty="0"/>
               <a:t>“</a:t>
             </a:r>
             <a:r>
-              <a:rPr lang="en-US" dirty="0" smtClean="0">
+              <a:rPr lang="en-US" dirty="0">
                 <a:solidFill>
                   <a:srgbClr val="FF0000"/>
                 </a:solidFill>
@@ -19868,7 +19682,7 @@
               <a:t>I like </a:t>
             </a:r>
             <a:r>
-              <a:rPr lang="en-US" u="sng" dirty="0" smtClean="0">
+              <a:rPr lang="en-US" u="sng" dirty="0">
                 <a:solidFill>
                   <a:srgbClr val="FF0000"/>
                 </a:solidFill>
@@ -19876,35 +19690,35 @@
               <a:t>the camera </a:t>
             </a:r>
             <a:r>
-              <a:rPr lang="en-US" dirty="0" smtClean="0"/>
+              <a:rPr lang="en-US" dirty="0"/>
               <a:t>because I can edit images so easily, exactly as I do my </a:t>
             </a:r>
             <a:r>
-              <a:rPr lang="en-US" dirty="0" err="1" smtClean="0"/>
+              <a:rPr lang="en-US" dirty="0" err="1"/>
               <a:t>iPad</a:t>
             </a:r>
             <a:r>
-              <a:rPr lang="en-US" dirty="0" smtClean="0"/>
+              <a:rPr lang="en-US" dirty="0"/>
               <a:t>. I have found that its difficult to frame a picture when there isn't a zoom function as with the </a:t>
             </a:r>
             <a:r>
-              <a:rPr lang="en-US" dirty="0" err="1" smtClean="0"/>
+              <a:rPr lang="en-US" dirty="0" err="1"/>
               <a:t>iPad</a:t>
             </a:r>
             <a:r>
-              <a:rPr lang="en-US" dirty="0" smtClean="0"/>
+              <a:rPr lang="en-US" dirty="0"/>
               <a:t>. With this camera I can adjust my images by cropping as I did with my </a:t>
             </a:r>
             <a:r>
-              <a:rPr lang="en-US" dirty="0" err="1" smtClean="0"/>
+              <a:rPr lang="en-US" dirty="0" err="1"/>
               <a:t>iPad</a:t>
             </a:r>
             <a:r>
-              <a:rPr lang="en-US" dirty="0" smtClean="0"/>
+              <a:rPr lang="en-US" dirty="0"/>
               <a:t> but </a:t>
             </a:r>
             <a:r>
-              <a:rPr lang="en-US" dirty="0" smtClean="0">
+              <a:rPr lang="en-US" dirty="0">
                 <a:solidFill>
                   <a:srgbClr val="FF0000"/>
                 </a:solidFill>
@@ -19912,19 +19726,19 @@
               <a:t>better yet</a:t>
             </a:r>
             <a:r>
-              <a:rPr lang="en-US" dirty="0" smtClean="0"/>
+              <a:rPr lang="en-US" dirty="0"/>
               <a:t>, this camera has a built in zoom. A stretch or pinch of the fingers bring in the subject closer or back out again. With this iPhone I can also, as I dido with my </a:t>
             </a:r>
             <a:r>
-              <a:rPr lang="en-US" dirty="0" err="1" smtClean="0"/>
+              <a:rPr lang="en-US" dirty="0" err="1"/>
               <a:t>iPad</a:t>
             </a:r>
             <a:r>
-              <a:rPr lang="en-US" dirty="0" smtClean="0"/>
+              <a:rPr lang="en-US" dirty="0"/>
               <a:t>, enhance, crop, rotate, red eye reduce, and set a range of tints. </a:t>
             </a:r>
             <a:r>
-              <a:rPr lang="en-US" dirty="0" smtClean="0">
+              <a:rPr lang="en-US" dirty="0">
                 <a:solidFill>
                   <a:srgbClr val="FF0000"/>
                 </a:solidFill>
@@ -19932,7 +19746,7 @@
               <a:t>I am also quite impressed with </a:t>
             </a:r>
             <a:r>
-              <a:rPr lang="en-US" u="sng" dirty="0" smtClean="0">
+              <a:rPr lang="en-US" u="sng" dirty="0">
                 <a:solidFill>
                   <a:srgbClr val="FF0000"/>
                 </a:solidFill>
@@ -19940,11 +19754,11 @@
               <a:t>the quality of the images</a:t>
             </a:r>
             <a:r>
-              <a:rPr lang="en-US" dirty="0" smtClean="0"/>
+              <a:rPr lang="en-US" dirty="0"/>
               <a:t>. Pretty darn good especially </a:t>
             </a:r>
             <a:r>
-              <a:rPr lang="en-US" dirty="0" smtClean="0">
+              <a:rPr lang="en-US" dirty="0">
                 <a:solidFill>
                   <a:srgbClr val="FF0000"/>
                 </a:solidFill>
@@ -19952,11 +19766,11 @@
               <a:t>better than I expected </a:t>
             </a:r>
             <a:r>
-              <a:rPr lang="en-US" dirty="0" smtClean="0"/>
+              <a:rPr lang="en-US" dirty="0"/>
               <a:t>for low light situations where I can use the built-in flash! Quite frankly </a:t>
             </a:r>
             <a:r>
-              <a:rPr lang="en-US" dirty="0" smtClean="0">
+              <a:rPr lang="en-US" dirty="0">
                 <a:solidFill>
                   <a:srgbClr val="00B0F0"/>
                 </a:solidFill>
@@ -19964,7 +19778,7 @@
               <a:t>I was quite surprised </a:t>
             </a:r>
             <a:r>
-              <a:rPr lang="en-US" u="sng" dirty="0" smtClean="0">
+              <a:rPr lang="en-US" u="sng" dirty="0">
                 <a:solidFill>
                   <a:srgbClr val="00B0F0"/>
                 </a:solidFill>
@@ -19972,7 +19786,7 @@
               <a:t>with these built in features</a:t>
             </a:r>
             <a:r>
-              <a:rPr lang="en-US" dirty="0" smtClean="0"/>
+              <a:rPr lang="en-US" dirty="0"/>
               <a:t>. I also hope too experiment with and learn what HDR photography is. It's built into this iPhone and can be activated by a the touch of an icon. ”</a:t>
             </a:r>
           </a:p>
@@ -19980,23 +19794,22 @@
             <a:pPr>
               <a:defRPr/>
             </a:pPr>
-            <a:endParaRPr lang="en-US" dirty="0" smtClean="0"/>
+            <a:endParaRPr lang="en-US" dirty="0"/>
           </a:p>
           <a:p>
             <a:pPr>
               <a:defRPr/>
             </a:pPr>
             <a:r>
-              <a:rPr lang="en-US" dirty="0" smtClean="0">
+              <a:rPr lang="en-US" dirty="0">
                 <a:hlinkClick r:id="rId2"/>
               </a:rPr>
               <a:t>http://www.epinions.com/review/apple_iphone_5c_latest_model_16gb_graphite_unlocked_smartphone/content_640679317124</a:t>
             </a:r>
             <a:r>
-              <a:rPr lang="en-US" dirty="0" smtClean="0"/>
+              <a:rPr lang="en-US" dirty="0"/>
               <a:t> </a:t>
             </a:r>
-            <a:endParaRPr lang="en-US" dirty="0"/>
           </a:p>
         </p:txBody>
       </p:sp>
@@ -20177,7 +19990,7 @@
           <a:lstStyle/>
           <a:p>
             <a:r>
-              <a:rPr lang="en-US" altLang="en-US" smtClean="0"/>
+              <a:rPr lang="en-US" altLang="en-US"/>
               <a:t>Machine Translation</a:t>
             </a:r>
           </a:p>
@@ -20206,18 +20019,18 @@
           <a:lstStyle/>
           <a:p>
             <a:r>
-              <a:rPr lang="ja-JP" altLang="en-US" dirty="0" smtClean="0">
+              <a:rPr lang="ja-JP" altLang="en-US" dirty="0">
                 <a:ea typeface="MS PGothic" pitchFamily="34" charset="-128"/>
               </a:rPr>
               <a:t>あけましておめでとうございます。 </a:t>
             </a:r>
-            <a:endParaRPr lang="en-US" altLang="ja-JP" dirty="0" smtClean="0">
+            <a:endParaRPr lang="en-US" altLang="ja-JP" dirty="0">
               <a:ea typeface="MS PGothic" pitchFamily="34" charset="-128"/>
             </a:endParaRPr>
           </a:p>
           <a:p>
             <a:r>
-              <a:rPr lang="en-US" altLang="en-US" dirty="0" smtClean="0"/>
+              <a:rPr lang="en-US" altLang="en-US" dirty="0"/>
               <a:t>Happy New Year!</a:t>
             </a:r>
           </a:p>
@@ -20509,7 +20322,7 @@
           <a:lstStyle/>
           <a:p>
             <a:r>
-              <a:rPr lang="en-US" altLang="en-US" dirty="0" smtClean="0"/>
+              <a:rPr lang="en-US" altLang="en-US" dirty="0"/>
               <a:t>Machine Translation</a:t>
             </a:r>
           </a:p>
@@ -20536,13 +20349,13 @@
           <a:lstStyle/>
           <a:p>
             <a:r>
-              <a:rPr lang="en-US" altLang="en-US" dirty="0" smtClean="0"/>
+              <a:rPr lang="en-US" altLang="en-US" dirty="0"/>
               <a:t>Moses</a:t>
             </a:r>
           </a:p>
           <a:p>
             <a:r>
-              <a:rPr lang="en-US" altLang="en-US" sz="1800" dirty="0" smtClean="0"/>
+              <a:rPr lang="en-US" altLang="en-US" sz="1800" dirty="0"/>
               <a:t>www.statmt.org</a:t>
             </a:r>
           </a:p>
@@ -20978,16 +20791,10 @@
               <a:buNone/>
             </a:pPr>
             <a:r>
-              <a:rPr lang="en-US" altLang="en-US" sz="1300" dirty="0" smtClean="0">
-                <a:latin typeface="Calibri" pitchFamily="34" charset="0"/>
-              </a:rPr>
-              <a:t>	Elephants </a:t>
-            </a:r>
-            <a:r>
               <a:rPr lang="en-US" altLang="en-US" sz="1300" dirty="0">
                 <a:latin typeface="Calibri" pitchFamily="34" charset="0"/>
               </a:rPr>
-              <a:t>are social animals. They live with their families, give hugs and call each other by using their trunks as trumpets. They also might know how to help each other.</a:t>
+              <a:t>	Elephants are social animals. They live with their families, give hugs and call each other by using their trunks as trumpets. They also might know how to help each other.</a:t>
             </a:r>
           </a:p>
           <a:p>
@@ -20999,16 +20806,10 @@
               <a:buNone/>
             </a:pPr>
             <a:r>
-              <a:rPr lang="en-US" altLang="en-US" sz="1300" dirty="0" smtClean="0">
-                <a:latin typeface="Calibri" pitchFamily="34" charset="0"/>
-              </a:rPr>
-              <a:t>	In </a:t>
-            </a:r>
-            <a:r>
               <a:rPr lang="en-US" altLang="en-US" sz="1300" dirty="0">
                 <a:latin typeface="Calibri" pitchFamily="34" charset="0"/>
               </a:rPr>
-              <a:t>a recent elephant study by researchers from the United States and Thailand, pairs of giant animals learned to work together to get some ears of corn. Other animals, especially some primates, are already known to work together to complete tasks, but now elephants have joined the club. Perhaps the finding is not too surprising: Scientists suspect that elephants, with their big brains and survival savvy, may be among the smartest animals on the planet.</a:t>
+              <a:t>	In a recent elephant study by researchers from the United States and Thailand, pairs of giant animals learned to work together to get some ears of corn. Other animals, especially some primates, are already known to work together to complete tasks, but now elephants have joined the club. Perhaps the finding is not too surprising: Scientists suspect that elephants, with their big brains and survival savvy, may be among the smartest animals on the planet.</a:t>
             </a:r>
           </a:p>
           <a:p>
@@ -21020,7 +20821,7 @@
               <a:buNone/>
             </a:pPr>
             <a:r>
-              <a:rPr lang="en-US" altLang="en-US" sz="1300" dirty="0" smtClean="0">
+              <a:rPr lang="en-US" altLang="en-US" sz="1300" dirty="0">
                 <a:latin typeface="Calibri" pitchFamily="34" charset="0"/>
               </a:rPr>
               <a:t>	Joshua </a:t>
@@ -21222,16 +21023,10 @@
               <a:buNone/>
             </a:pPr>
             <a:r>
-              <a:rPr lang="fr-FR" altLang="en-US" sz="1300" b="1" dirty="0" smtClean="0">
-                <a:latin typeface="Calibri" pitchFamily="34" charset="0"/>
-              </a:rPr>
-              <a:t>	Les </a:t>
-            </a:r>
-            <a:r>
               <a:rPr lang="fr-FR" altLang="en-US" sz="1300" b="1" dirty="0">
                 <a:latin typeface="Calibri" pitchFamily="34" charset="0"/>
               </a:rPr>
-              <a:t>éléphants sont des animaux sociaux</a:t>
+              <a:t>	Les éléphants sont des animaux sociaux</a:t>
             </a:r>
             <a:r>
               <a:rPr lang="fr-FR" altLang="en-US" sz="1300" dirty="0">
@@ -21245,22 +21040,16 @@
               </a:rPr>
             </a:br>
             <a:r>
-              <a:rPr lang="fr-FR" altLang="en-US" sz="1300" dirty="0" smtClean="0">
+              <a:rPr lang="fr-FR" altLang="en-US" sz="1300" dirty="0">
                 <a:latin typeface="Calibri" pitchFamily="34" charset="0"/>
               </a:rPr>
               <a:t>	</a:t>
-            </a:r>
-            <a:r>
-              <a:rPr lang="fr-FR" altLang="en-US" sz="1300" b="1" dirty="0" smtClean="0">
-                <a:latin typeface="Calibri" pitchFamily="34" charset="0"/>
-              </a:rPr>
-              <a:t>Dans </a:t>
             </a:r>
             <a:r>
               <a:rPr lang="fr-FR" altLang="en-US" sz="1300" b="1" dirty="0">
                 <a:latin typeface="Calibri" pitchFamily="34" charset="0"/>
               </a:rPr>
-              <a:t>une étude récente d'éléphants par des chercheurs des États-Unis et la Thaïlande, des paires d'animaux géants ont appris à travailler ensemble pour obtenir des épis de maïs</a:t>
+              <a:t>Dans une étude récente d'éléphants par des chercheurs des États-Unis et la Thaïlande, des paires d'animaux géants ont appris à travailler ensemble pour obtenir des épis de maïs</a:t>
             </a:r>
             <a:r>
               <a:rPr lang="fr-FR" altLang="en-US" sz="1300" dirty="0">
@@ -21274,7 +21063,7 @@
               </a:rPr>
             </a:br>
             <a:r>
-              <a:rPr lang="fr-FR" altLang="en-US" sz="1300" dirty="0" smtClean="0">
+              <a:rPr lang="fr-FR" altLang="en-US" sz="1300" dirty="0">
                 <a:latin typeface="Calibri" pitchFamily="34" charset="0"/>
               </a:rPr>
               <a:t>	Joshua </a:t>
@@ -21720,16 +21509,10 @@
               <a:buNone/>
             </a:pPr>
             <a:r>
-              <a:rPr lang="en-US" altLang="en-US" sz="1300" dirty="0" smtClean="0">
-                <a:latin typeface="Calibri" pitchFamily="34" charset="0"/>
-              </a:rPr>
-              <a:t>	Elephants </a:t>
-            </a:r>
-            <a:r>
               <a:rPr lang="en-US" altLang="en-US" sz="1300" dirty="0">
                 <a:latin typeface="Calibri" pitchFamily="34" charset="0"/>
               </a:rPr>
-              <a:t>are social animals. They live with their families, give hugs and call each other by using their trunks as trumpets. They also might know how to help each other.</a:t>
+              <a:t>	Elephants are social animals. They live with their families, give hugs and call each other by using their trunks as trumpets. They also might know how to help each other.</a:t>
             </a:r>
           </a:p>
           <a:p>
@@ -21741,16 +21524,10 @@
               <a:buNone/>
             </a:pPr>
             <a:r>
-              <a:rPr lang="en-US" altLang="en-US" sz="1300" dirty="0" smtClean="0">
-                <a:latin typeface="Calibri" pitchFamily="34" charset="0"/>
-              </a:rPr>
-              <a:t>	In </a:t>
-            </a:r>
-            <a:r>
               <a:rPr lang="en-US" altLang="en-US" sz="1300" dirty="0">
                 <a:latin typeface="Calibri" pitchFamily="34" charset="0"/>
               </a:rPr>
-              <a:t>a recent elephant study by researchers from the United States and Thailand, pairs of giant animals learned to work together to get some ears of corn. Other animals, especially some primates, are already known to work together to complete tasks, but now elephants have joined the club. Perhaps the finding is not too surprising: Scientists suspect that elephants, with their big brains and survival savvy, may be among the smartest animals on the planet.</a:t>
+              <a:t>	In a recent elephant study by researchers from the United States and Thailand, pairs of giant animals learned to work together to get some ears of corn. Other animals, especially some primates, are already known to work together to complete tasks, but now elephants have joined the club. Perhaps the finding is not too surprising: Scientists suspect that elephants, with their big brains and survival savvy, may be among the smartest animals on the planet.</a:t>
             </a:r>
           </a:p>
           <a:p>
@@ -21762,7 +21539,7 @@
               <a:buNone/>
             </a:pPr>
             <a:r>
-              <a:rPr lang="en-US" altLang="en-US" sz="1300" dirty="0" smtClean="0">
+              <a:rPr lang="en-US" altLang="en-US" sz="1300" dirty="0">
                 <a:latin typeface="Calibri" pitchFamily="34" charset="0"/>
               </a:rPr>
               <a:t>	Joshua </a:t>
@@ -21964,22 +21741,16 @@
               <a:buNone/>
             </a:pPr>
             <a:r>
-              <a:rPr lang="fr-FR" altLang="en-US" sz="1300" b="1" dirty="0" smtClean="0">
+              <a:rPr lang="fr-FR" altLang="en-US" sz="1300" b="1" dirty="0">
                 <a:latin typeface="Calibri" pitchFamily="34" charset="0"/>
               </a:rPr>
               <a:t>	</a:t>
-            </a:r>
-            <a:r>
-              <a:rPr lang="fr-FR" altLang="en-US" sz="1300" dirty="0" smtClean="0">
-                <a:latin typeface="Calibri" pitchFamily="34" charset="0"/>
-              </a:rPr>
-              <a:t>Les </a:t>
             </a:r>
             <a:r>
               <a:rPr lang="fr-FR" altLang="en-US" sz="1300" dirty="0">
                 <a:latin typeface="Calibri" pitchFamily="34" charset="0"/>
               </a:rPr>
-              <a:t>éléphants sont des animaux sociaux. Ils </a:t>
+              <a:t>Les éléphants sont des animaux sociaux. Ils </a:t>
             </a:r>
             <a:r>
               <a:rPr lang="fr-FR" altLang="en-US" sz="1300" b="1" dirty="0">
@@ -22023,16 +21794,10 @@
               </a:rPr>
             </a:br>
             <a:r>
-              <a:rPr lang="fr-FR" altLang="en-US" sz="1300" dirty="0" smtClean="0">
-                <a:latin typeface="Calibri" pitchFamily="34" charset="0"/>
-              </a:rPr>
-              <a:t>	Dans </a:t>
-            </a:r>
-            <a:r>
               <a:rPr lang="fr-FR" altLang="en-US" sz="1300" dirty="0">
                 <a:latin typeface="Calibri" pitchFamily="34" charset="0"/>
               </a:rPr>
-              <a:t>une étude récente d'éléphants par des chercheurs des États-Unis et la Thaïlande, des paires d'animaux géants ont appris à travailler ensemble pour obtenir des épis de maïs. D'autres animaux, en particulier des primates, sont déjà connus pour travailler ensemble pour accomplir des tâches, mais maintenant, les éléphants ont rejoint le club. Peut-être le résultat n'est pas trop surprenant: Les scientifiques soupçonnent que </a:t>
+              <a:t>	Dans une étude récente d'éléphants par des chercheurs des États-Unis et la Thaïlande, des paires d'animaux géants ont appris à travailler ensemble pour obtenir des épis de maïs. D'autres animaux, en particulier des primates, sont déjà connus pour travailler ensemble pour accomplir des tâches, mais maintenant, les éléphants ont rejoint le club. Peut-être le résultat n'est pas trop surprenant: Les scientifiques soupçonnent que </a:t>
             </a:r>
             <a:r>
               <a:rPr lang="fr-FR" altLang="en-US" sz="1300" b="1" dirty="0">
@@ -22064,7 +21829,7 @@
               </a:rPr>
             </a:br>
             <a:r>
-              <a:rPr lang="fr-FR" altLang="en-US" sz="1300" dirty="0" smtClean="0">
+              <a:rPr lang="fr-FR" altLang="en-US" sz="1300" dirty="0">
                 <a:latin typeface="Calibri" pitchFamily="34" charset="0"/>
               </a:rPr>
               <a:t>	Joshua </a:t>
@@ -22392,7 +22157,7 @@
           <a:lstStyle/>
           <a:p>
             <a:r>
-              <a:rPr lang="en-US" altLang="en-US" smtClean="0"/>
+              <a:rPr lang="en-US" altLang="en-US"/>
               <a:t>Machine Translation</a:t>
             </a:r>
           </a:p>
@@ -25439,21 +25204,6 @@
   <p:clrMapOvr>
     <a:masterClrMapping/>
   </p:clrMapOvr>
-  <mc:AlternateContent xmlns:mc="http://schemas.openxmlformats.org/markup-compatibility/2006" xmlns:p14="http://schemas.microsoft.com/office/powerpoint/2010/main">
-    <mc:Choice Requires="p14">
-      <p:transition spd="slow" p14:dur="2000"/>
-    </mc:Choice>
-    <mc:Fallback xmlns="">
-      <p:transition spd="slow"/>
-    </mc:Fallback>
-  </mc:AlternateContent>
-  <p:timing>
-    <p:tnLst>
-      <p:par>
-        <p:cTn id="1" dur="indefinite" restart="never" nodeType="tmRoot"/>
-      </p:par>
-    </p:tnLst>
-  </p:timing>
 </p:sld>
 </file>
 
@@ -25490,7 +25240,7 @@
           <a:lstStyle/>
           <a:p>
             <a:r>
-              <a:rPr lang="en-US" altLang="en-US" dirty="0" smtClean="0"/>
+              <a:rPr lang="en-US" altLang="en-US" dirty="0"/>
               <a:t>Part of Speech Tagging</a:t>
             </a:r>
           </a:p>
@@ -25517,38 +25267,29 @@
           <a:lstStyle/>
           <a:p>
             <a:r>
-              <a:rPr lang="en-US" dirty="0" smtClean="0"/>
-              <a:t>Run </a:t>
-            </a:r>
-            <a:r>
               <a:rPr lang="en-US" dirty="0"/>
-              <a:t>–</a:t>
-            </a:r>
-            <a:r>
-              <a:rPr lang="en-US" dirty="0" smtClean="0"/>
-              <a:t> </a:t>
-            </a:r>
-            <a:r>
-              <a:rPr lang="en-US" smtClean="0"/>
+              <a:t>Run – </a:t>
+            </a:r>
+            <a:r>
+              <a:rPr lang="en-US"/>
               <a:t>verb or </a:t>
             </a:r>
             <a:r>
-              <a:rPr lang="en-US" dirty="0" smtClean="0"/>
+              <a:rPr lang="en-US" dirty="0"/>
               <a:t>noun? </a:t>
             </a:r>
           </a:p>
           <a:p>
             <a:r>
-              <a:rPr lang="en-US" dirty="0" smtClean="0"/>
+              <a:rPr lang="en-US" dirty="0"/>
               <a:t>Final – noun or adjective?</a:t>
             </a:r>
           </a:p>
           <a:p>
             <a:r>
-              <a:rPr lang="en-US" dirty="0" smtClean="0"/>
+              <a:rPr lang="en-US" dirty="0"/>
               <a:t>Race – verb or noun?</a:t>
             </a:r>
-            <a:endParaRPr lang="en-US" dirty="0"/>
           </a:p>
         </p:txBody>
       </p:sp>
@@ -25575,30 +25316,26 @@
           <a:lstStyle/>
           <a:p>
             <a:r>
-              <a:rPr lang="en-US" dirty="0" smtClean="0">
+              <a:rPr lang="en-US" dirty="0">
                 <a:latin typeface="Courier New" panose="02070309020205020404" pitchFamily="49" charset="0"/>
                 <a:cs typeface="Courier New" panose="02070309020205020404" pitchFamily="49" charset="0"/>
               </a:rPr>
               <a:t>The swimmer is getting ready to </a:t>
             </a:r>
             <a:r>
-              <a:rPr lang="en-US" b="1" dirty="0" smtClean="0">
+              <a:rPr lang="en-US" b="1" dirty="0">
                 <a:latin typeface="Courier New" panose="02070309020205020404" pitchFamily="49" charset="0"/>
                 <a:cs typeface="Courier New" panose="02070309020205020404" pitchFamily="49" charset="0"/>
               </a:rPr>
               <a:t>run </a:t>
             </a:r>
             <a:r>
-              <a:rPr lang="en-US" dirty="0" smtClean="0">
+              <a:rPr lang="en-US" dirty="0">
                 <a:latin typeface="Courier New" panose="02070309020205020404" pitchFamily="49" charset="0"/>
                 <a:cs typeface="Courier New" panose="02070309020205020404" pitchFamily="49" charset="0"/>
               </a:rPr>
               <a:t>in the final race.</a:t>
             </a:r>
-            <a:endParaRPr lang="en-US" dirty="0">
-              <a:latin typeface="Courier New" panose="02070309020205020404" pitchFamily="49" charset="0"/>
-              <a:cs typeface="Courier New" panose="02070309020205020404" pitchFamily="49" charset="0"/>
-            </a:endParaRPr>
           </a:p>
         </p:txBody>
       </p:sp>
@@ -25828,7 +25565,7 @@
           <a:lstStyle/>
           <a:p>
             <a:r>
-              <a:rPr lang="en-US" altLang="en-US" smtClean="0"/>
+              <a:rPr lang="en-US" altLang="en-US"/>
               <a:t>Machine Translation</a:t>
             </a:r>
           </a:p>
@@ -25855,7 +25592,7 @@
           <a:lstStyle/>
           <a:p>
             <a:r>
-              <a:rPr lang="en-US" altLang="en-US" dirty="0" smtClean="0"/>
+              <a:rPr lang="en-US" altLang="en-US" dirty="0"/>
               <a:t>IBM Method</a:t>
             </a:r>
           </a:p>
@@ -27376,7 +27113,7 @@
               <a:buNone/>
             </a:pPr>
             <a:r>
-              <a:rPr lang="en-US" altLang="en-US" sz="1800" dirty="0" smtClean="0">
+              <a:rPr lang="en-US" altLang="en-US" sz="1800" dirty="0">
                 <a:solidFill>
                   <a:srgbClr val="000000"/>
                 </a:solidFill>
@@ -27384,12 +27121,6 @@
               </a:rPr>
               <a:t>Language model</a:t>
             </a:r>
-            <a:endParaRPr lang="en-US" altLang="en-US" sz="1800" dirty="0">
-              <a:solidFill>
-                <a:srgbClr val="000000"/>
-              </a:solidFill>
-              <a:latin typeface="Calibri" pitchFamily="34" charset="0"/>
-            </a:endParaRPr>
           </a:p>
         </p:txBody>
       </p:sp>
@@ -27568,7 +27299,7 @@
               <a:buNone/>
             </a:pPr>
             <a:r>
-              <a:rPr lang="en-US" altLang="en-US" sz="1800" dirty="0" smtClean="0">
+              <a:rPr lang="en-US" altLang="en-US" sz="1800" dirty="0">
                 <a:solidFill>
                   <a:srgbClr val="000000"/>
                 </a:solidFill>
@@ -27576,12 +27307,6 @@
               </a:rPr>
               <a:t>Translation model</a:t>
             </a:r>
-            <a:endParaRPr lang="en-US" altLang="en-US" sz="1800" dirty="0">
-              <a:solidFill>
-                <a:srgbClr val="000000"/>
-              </a:solidFill>
-              <a:latin typeface="Calibri" pitchFamily="34" charset="0"/>
-            </a:endParaRPr>
           </a:p>
         </p:txBody>
       </p:sp>
@@ -27595,14 +27320,6 @@
   <p:clrMapOvr>
     <a:masterClrMapping/>
   </p:clrMapOvr>
-  <mc:AlternateContent xmlns:mc="http://schemas.openxmlformats.org/markup-compatibility/2006" xmlns:p14="http://schemas.microsoft.com/office/powerpoint/2010/main">
-    <mc:Choice Requires="p14">
-      <p:transition spd="slow" p14:dur="2000"/>
-    </mc:Choice>
-    <mc:Fallback xmlns="">
-      <p:transition spd="slow"/>
-    </mc:Fallback>
-  </mc:AlternateContent>
   <p:timing>
     <p:tnLst>
       <p:par>
@@ -27897,10 +27614,9 @@
           <a:lstStyle/>
           <a:p>
             <a:r>
-              <a:rPr lang="en-US" dirty="0" smtClean="0"/>
+              <a:rPr lang="en-US" dirty="0"/>
               <a:t>Single Document Summarization</a:t>
             </a:r>
-            <a:endParaRPr lang="en-US" dirty="0"/>
           </a:p>
         </p:txBody>
       </p:sp>
@@ -28008,7 +27724,7 @@
           <a:lstStyle/>
           <a:p>
             <a:r>
-              <a:rPr lang="en-US" altLang="en-US" dirty="0" smtClean="0"/>
+              <a:rPr lang="en-US" altLang="en-US" dirty="0"/>
               <a:t>Multi Document Summarization</a:t>
             </a:r>
           </a:p>
@@ -28040,37 +27756,37 @@
               <a:buNone/>
             </a:pPr>
             <a:r>
-              <a:rPr lang="en-US" altLang="en-US" sz="1050" b="1" dirty="0" smtClean="0"/>
+              <a:rPr lang="en-US" altLang="en-US" sz="1050" b="1" dirty="0"/>
               <a:t>Health Benefits</a:t>
             </a:r>
           </a:p>
           <a:p>
             <a:r>
-              <a:rPr lang="en-US" altLang="en-US" sz="1050" dirty="0" smtClean="0"/>
+              <a:rPr lang="en-US" altLang="en-US" sz="1050" dirty="0"/>
               <a:t>Eating a diet rich in vegetables and fruits as part of an overall healthy diet may reduce risk for heart disease, including heart attack and stroke.</a:t>
             </a:r>
           </a:p>
           <a:p>
             <a:r>
-              <a:rPr lang="en-US" altLang="en-US" sz="1050" dirty="0" smtClean="0"/>
+              <a:rPr lang="en-US" altLang="en-US" sz="1050" dirty="0"/>
               <a:t>Eating a diet rich in some vegetables and fruits as part of an overall healthy diet may protect against certain types of cancers.</a:t>
             </a:r>
           </a:p>
           <a:p>
             <a:r>
-              <a:rPr lang="en-US" altLang="en-US" sz="1050" dirty="0" smtClean="0"/>
+              <a:rPr lang="en-US" altLang="en-US" sz="1050" dirty="0"/>
               <a:t>Diets rich in foods containing fiber, such as some vegetables and fruits, may reduce the risk of heart disease, obesity, and type 2 diabetes.</a:t>
             </a:r>
           </a:p>
           <a:p>
             <a:r>
-              <a:rPr lang="en-US" altLang="en-US" sz="1050" dirty="0" smtClean="0"/>
+              <a:rPr lang="en-US" altLang="en-US" sz="1050" dirty="0"/>
               <a:t>Eating vegetables and fruits rich in potassium as part of an overall healthy diet may lower blood pressure, and may also reduce the risk of developing kidney stones and help to decrease bone loss.</a:t>
             </a:r>
           </a:p>
           <a:p>
             <a:r>
-              <a:rPr lang="en-US" altLang="en-US" sz="1050" dirty="0" smtClean="0"/>
+              <a:rPr lang="en-US" altLang="en-US" sz="1050" dirty="0"/>
               <a:t>Eating foods such as vegetables that are lower in calories per cup instead of some other higher-calorie food may be useful in helping to lower calorie intake.</a:t>
             </a:r>
           </a:p>
@@ -28079,57 +27795,57 @@
               <a:buNone/>
             </a:pPr>
             <a:r>
-              <a:rPr lang="en-US" altLang="en-US" sz="1050" b="1" dirty="0" smtClean="0"/>
+              <a:rPr lang="en-US" altLang="en-US" sz="1050" b="1" dirty="0"/>
               <a:t>Nutrients</a:t>
             </a:r>
           </a:p>
           <a:p>
             <a:r>
-              <a:rPr lang="en-US" altLang="en-US" sz="1050" dirty="0" smtClean="0"/>
+              <a:rPr lang="en-US" altLang="en-US" sz="1050" dirty="0"/>
               <a:t>Most vegetables are naturally low in fat and calories. None have cholesterol. (Sauces or seasonings may add fat, calories, or cholesterol.)</a:t>
             </a:r>
           </a:p>
           <a:p>
             <a:r>
-              <a:rPr lang="en-US" altLang="en-US" sz="1050" dirty="0" smtClean="0"/>
+              <a:rPr lang="en-US" altLang="en-US" sz="1050" dirty="0"/>
               <a:t>Vegetables are important sources of many nutrients, including potassium, dietary fiber, folate (folic acid), vitamin A, and vitamin C.</a:t>
             </a:r>
           </a:p>
           <a:p>
             <a:r>
-              <a:rPr lang="en-US" altLang="en-US" sz="1050" dirty="0" smtClean="0"/>
+              <a:rPr lang="en-US" altLang="en-US" sz="1050" dirty="0"/>
               <a:t>Diets rich in potassium may help to maintain healthy blood pressure. Vegetable sources of potassium include sweet potatoes, white potatoes, white beans, tomato products (paste, sauce, and juice), beet greens, soybeans, lima beans, spinach, lentils, and kidney beans.</a:t>
             </a:r>
           </a:p>
           <a:p>
             <a:r>
-              <a:rPr lang="en-US" altLang="en-US" sz="1050" dirty="0" smtClean="0"/>
+              <a:rPr lang="en-US" altLang="en-US" sz="1050" dirty="0"/>
               <a:t>Dietary fiber from vegetables, as part of an overall healthy diet, helps reduce blood cholesterol levels and may lower risk of heart disease. Fiber is important for proper bowel function. It helps reduce constipation and diverticulosis. Fiber-containing foods such as vegetables help provide a feeling of fullness with fewer calories.</a:t>
             </a:r>
           </a:p>
           <a:p>
             <a:r>
-              <a:rPr lang="en-US" altLang="en-US" sz="1050" dirty="0" smtClean="0"/>
+              <a:rPr lang="en-US" altLang="en-US" sz="1050" dirty="0"/>
               <a:t>Folate (folic acid) helps the body form red blood cells. Women of childbearing age who may become pregnant should consume adequate folate from foods, and in addition 400 mcg of synthetic folic acid from fortified foods or supplements. This reduces the risk of neural tube defects, </a:t>
             </a:r>
             <a:r>
-              <a:rPr lang="en-US" altLang="en-US" sz="1050" dirty="0" err="1" smtClean="0"/>
+              <a:rPr lang="en-US" altLang="en-US" sz="1050" dirty="0" err="1"/>
               <a:t>spina</a:t>
             </a:r>
             <a:r>
-              <a:rPr lang="en-US" altLang="en-US" sz="1050" dirty="0" smtClean="0"/>
+              <a:rPr lang="en-US" altLang="en-US" sz="1050" dirty="0"/>
               <a:t> bifida, and anencephaly during fetal development.</a:t>
             </a:r>
           </a:p>
           <a:p>
             <a:r>
-              <a:rPr lang="en-US" altLang="en-US" sz="1050" dirty="0" smtClean="0"/>
+              <a:rPr lang="en-US" altLang="en-US" sz="1050" dirty="0"/>
               <a:t>Vitamin A keeps eyes and skin healthy and helps to protect against infections.</a:t>
             </a:r>
           </a:p>
           <a:p>
             <a:r>
-              <a:rPr lang="en-US" altLang="en-US" sz="1050" dirty="0" smtClean="0"/>
+              <a:rPr lang="en-US" altLang="en-US" sz="1050" dirty="0"/>
               <a:t>Vitamin C helps heal cuts and wounds and keeps teeth and gums healthy. Vitamin C aids in iron absorption.</a:t>
             </a:r>
           </a:p>
@@ -28900,7 +28616,7 @@
           <a:lstStyle/>
           <a:p>
             <a:r>
-              <a:rPr lang="en-US" altLang="en-US" dirty="0" smtClean="0"/>
+              <a:rPr lang="en-US" altLang="en-US" dirty="0"/>
               <a:t>Summary</a:t>
             </a:r>
           </a:p>
@@ -29339,14 +29055,6 @@
   <p:clrMapOvr>
     <a:masterClrMapping/>
   </p:clrMapOvr>
-  <mc:AlternateContent xmlns:mc="http://schemas.openxmlformats.org/markup-compatibility/2006" xmlns:p14="http://schemas.microsoft.com/office/powerpoint/2010/main">
-    <mc:Choice Requires="p14">
-      <p:transition spd="slow" p14:dur="2000"/>
-    </mc:Choice>
-    <mc:Fallback xmlns="">
-      <p:transition spd="slow"/>
-    </mc:Fallback>
-  </mc:AlternateContent>
   <p:timing>
     <p:tnLst>
       <p:par>
@@ -29463,10 +29171,9 @@
           <a:lstStyle/>
           <a:p>
             <a:r>
-              <a:rPr lang="en-US" dirty="0" smtClean="0"/>
+              <a:rPr lang="en-US" dirty="0"/>
               <a:t>Question Answering</a:t>
             </a:r>
-            <a:endParaRPr lang="en-US" dirty="0"/>
           </a:p>
         </p:txBody>
       </p:sp>
@@ -29551,10 +29258,9 @@
           <a:lstStyle/>
           <a:p>
             <a:r>
-              <a:rPr lang="en-US" dirty="0" smtClean="0"/>
+              <a:rPr lang="en-US" dirty="0"/>
               <a:t>Sentiment Analysis</a:t>
             </a:r>
-            <a:endParaRPr lang="en-US" dirty="0"/>
           </a:p>
         </p:txBody>
       </p:sp>
@@ -29634,10 +29340,9 @@
           <a:lstStyle/>
           <a:p>
             <a:r>
-              <a:rPr lang="en-US" dirty="0" smtClean="0"/>
+              <a:rPr lang="en-US" dirty="0"/>
               <a:t>Caption Generation</a:t>
             </a:r>
-            <a:endParaRPr lang="en-US" dirty="0"/>
           </a:p>
         </p:txBody>
       </p:sp>
@@ -29730,10 +29435,9 @@
           <a:lstStyle/>
           <a:p>
             <a:r>
-              <a:rPr lang="en-US" dirty="0" smtClean="0"/>
+              <a:rPr lang="en-US" dirty="0"/>
               <a:t>Visual Question Answering</a:t>
             </a:r>
-            <a:endParaRPr lang="en-US" dirty="0"/>
           </a:p>
         </p:txBody>
       </p:sp>
@@ -29807,10 +29511,9 @@
           <a:lstStyle/>
           <a:p>
             <a:r>
-              <a:rPr lang="en-US" dirty="0" smtClean="0"/>
+              <a:rPr lang="en-US" dirty="0"/>
               <a:t>Conversational Agents</a:t>
             </a:r>
-            <a:endParaRPr lang="en-US" dirty="0"/>
           </a:p>
         </p:txBody>
       </p:sp>
@@ -29860,10 +29563,9 @@
           <a:lstStyle/>
           <a:p>
             <a:r>
-              <a:rPr lang="en-US" dirty="0" smtClean="0"/>
+              <a:rPr lang="en-US" dirty="0"/>
               <a:t>https://www.oreilly.com/library/view/iphone-the-missing/9781449372781/ch04.html</a:t>
             </a:r>
-            <a:endParaRPr lang="en-US" dirty="0"/>
           </a:p>
         </p:txBody>
       </p:sp>
@@ -29913,7 +29615,7 @@
           <a:lstStyle/>
           <a:p>
             <a:r>
-              <a:rPr lang="en-US" altLang="en-US" dirty="0" smtClean="0"/>
+              <a:rPr lang="en-US" altLang="en-US" dirty="0"/>
               <a:t>Part of Speech Tagging</a:t>
             </a:r>
           </a:p>
@@ -29942,21 +29644,21 @@
           <a:lstStyle/>
           <a:p>
             <a:r>
-              <a:rPr lang="en-US" dirty="0" smtClean="0">
+              <a:rPr lang="en-US" dirty="0">
                 <a:latin typeface="Courier New" panose="02070309020205020404" pitchFamily="49" charset="0"/>
                 <a:cs typeface="Courier New" panose="02070309020205020404" pitchFamily="49" charset="0"/>
               </a:rPr>
               <a:t>The candidate is preparing for his </a:t>
             </a:r>
             <a:r>
-              <a:rPr lang="en-US" b="1" dirty="0" smtClean="0">
+              <a:rPr lang="en-US" b="1" dirty="0">
                 <a:latin typeface="Courier New" panose="02070309020205020404" pitchFamily="49" charset="0"/>
                 <a:cs typeface="Courier New" panose="02070309020205020404" pitchFamily="49" charset="0"/>
               </a:rPr>
               <a:t>run</a:t>
             </a:r>
             <a:r>
-              <a:rPr lang="en-US" dirty="0" smtClean="0">
+              <a:rPr lang="en-US" dirty="0">
                 <a:latin typeface="Courier New" panose="02070309020205020404" pitchFamily="49" charset="0"/>
                 <a:cs typeface="Courier New" panose="02070309020205020404" pitchFamily="49" charset="0"/>
               </a:rPr>
@@ -29965,30 +29667,26 @@
           </a:p>
           <a:p>
             <a:r>
-              <a:rPr lang="en-US" dirty="0" smtClean="0">
+              <a:rPr lang="en-US" dirty="0">
                 <a:latin typeface="Courier New" panose="02070309020205020404" pitchFamily="49" charset="0"/>
                 <a:cs typeface="Courier New" panose="02070309020205020404" pitchFamily="49" charset="0"/>
               </a:rPr>
               <a:t>The swimmer is getting ready to </a:t>
             </a:r>
             <a:r>
-              <a:rPr lang="en-US" b="1" dirty="0" smtClean="0">
+              <a:rPr lang="en-US" b="1" dirty="0">
                 <a:latin typeface="Courier New" panose="02070309020205020404" pitchFamily="49" charset="0"/>
                 <a:cs typeface="Courier New" panose="02070309020205020404" pitchFamily="49" charset="0"/>
               </a:rPr>
               <a:t>run </a:t>
             </a:r>
             <a:r>
-              <a:rPr lang="en-US" dirty="0" smtClean="0">
+              <a:rPr lang="en-US" dirty="0">
                 <a:latin typeface="Courier New" panose="02070309020205020404" pitchFamily="49" charset="0"/>
                 <a:cs typeface="Courier New" panose="02070309020205020404" pitchFamily="49" charset="0"/>
               </a:rPr>
               <a:t>in the final race.</a:t>
             </a:r>
-            <a:endParaRPr lang="en-US" dirty="0">
-              <a:latin typeface="Courier New" panose="02070309020205020404" pitchFamily="49" charset="0"/>
-              <a:cs typeface="Courier New" panose="02070309020205020404" pitchFamily="49" charset="0"/>
-            </a:endParaRPr>
           </a:p>
         </p:txBody>
       </p:sp>
@@ -30002,13 +29700,6 @@
   <p:clrMapOvr>
     <a:masterClrMapping/>
   </p:clrMapOvr>
-  <p:timing>
-    <p:tnLst>
-      <p:par>
-        <p:cTn id="1" dur="indefinite" restart="never" nodeType="tmRoot"/>
-      </p:par>
-    </p:tnLst>
-  </p:timing>
 </p:sld>
 </file>
 
@@ -30045,10 +29736,9 @@
           <a:lstStyle/>
           <a:p>
             <a:r>
-              <a:rPr lang="en-US" dirty="0" smtClean="0"/>
+              <a:rPr lang="en-US" dirty="0"/>
               <a:t>Speech Recognition</a:t>
             </a:r>
-            <a:endParaRPr lang="en-US" dirty="0"/>
           </a:p>
         </p:txBody>
       </p:sp>
@@ -30365,10 +30055,9 @@
           <a:lstStyle/>
           <a:p>
             <a:r>
-              <a:rPr lang="en-US" dirty="0" smtClean="0"/>
+              <a:rPr lang="en-US" dirty="0"/>
               <a:t>Text to Speech</a:t>
             </a:r>
-            <a:endParaRPr lang="en-US" dirty="0"/>
           </a:p>
         </p:txBody>
       </p:sp>
@@ -30382,14 +30071,6 @@
   <p:clrMapOvr>
     <a:masterClrMapping/>
   </p:clrMapOvr>
-  <mc:AlternateContent xmlns:mc="http://schemas.openxmlformats.org/markup-compatibility/2006" xmlns:p14="http://schemas.microsoft.com/office/powerpoint/2010/main">
-    <mc:Choice Requires="p14">
-      <p:transition spd="slow" p14:dur="2000"/>
-    </mc:Choice>
-    <mc:Fallback xmlns="">
-      <p:transition spd="slow"/>
-    </mc:Fallback>
-  </mc:AlternateContent>
   <p:timing>
     <p:tnLst>
       <p:par>
@@ -30549,7 +30230,7 @@
           <a:lstStyle/>
           <a:p>
             <a:r>
-              <a:rPr lang="en-US" altLang="en-US" dirty="0" smtClean="0"/>
+              <a:rPr lang="en-US" altLang="en-US" dirty="0"/>
               <a:t>Text to Speech</a:t>
             </a:r>
           </a:p>
@@ -30571,15 +30252,15 @@
           <a:lstStyle/>
           <a:p>
             <a:r>
-              <a:rPr lang="en-US" altLang="en-US" dirty="0" smtClean="0">
+              <a:rPr lang="en-US" altLang="en-US" dirty="0">
                 <a:hlinkClick r:id="rId2"/>
               </a:rPr>
               <a:t>www.ivona.com</a:t>
             </a:r>
-            <a:endParaRPr lang="en-US" altLang="en-US" dirty="0" smtClean="0"/>
-          </a:p>
-          <a:p>
-            <a:endParaRPr lang="en-US" altLang="en-US" dirty="0" smtClean="0"/>
+            <a:endParaRPr lang="en-US" altLang="en-US" dirty="0"/>
+          </a:p>
+          <a:p>
+            <a:endParaRPr lang="en-US" altLang="en-US" dirty="0"/>
           </a:p>
         </p:txBody>
       </p:sp>
@@ -30593,14 +30274,6 @@
   <p:clrMapOvr>
     <a:masterClrMapping/>
   </p:clrMapOvr>
-  <mc:AlternateContent xmlns:mc="http://schemas.openxmlformats.org/markup-compatibility/2006" xmlns:p14="http://schemas.microsoft.com/office/powerpoint/2010/main">
-    <mc:Choice Requires="p14">
-      <p:transition spd="slow" p14:dur="2000"/>
-    </mc:Choice>
-    <mc:Fallback xmlns="">
-      <p:transition spd="slow"/>
-    </mc:Fallback>
-  </mc:AlternateContent>
   <p:timing>
     <p:tnLst>
       <p:par>
@@ -30724,7 +30397,7 @@
           <a:lstStyle/>
           <a:p>
             <a:r>
-              <a:rPr lang="en-US" altLang="en-US" dirty="0" smtClean="0"/>
+              <a:rPr lang="en-US" altLang="en-US" dirty="0"/>
               <a:t>Entailment and Paraphrasing</a:t>
             </a:r>
           </a:p>
@@ -31164,7 +30837,7 @@
           <a:lstStyle/>
           <a:p>
             <a:r>
-              <a:rPr lang="en-US" altLang="en-US" smtClean="0"/>
+              <a:rPr lang="en-US" altLang="en-US"/>
               <a:t>Discourse Analysis</a:t>
             </a:r>
           </a:p>
@@ -31188,10 +30861,10 @@
           <a:lstStyle/>
           <a:p>
             <a:r>
-              <a:rPr lang="en-US" altLang="en-US" sz="2400" dirty="0" smtClean="0"/>
+              <a:rPr lang="en-US" altLang="en-US" sz="2400" dirty="0"/>
               <a:t>Anaphoric relations:</a:t>
             </a:r>
-            <a:endParaRPr lang="en-US" altLang="en-US" sz="2400" i="1" dirty="0" smtClean="0"/>
+            <a:endParaRPr lang="en-US" altLang="en-US" sz="2400" i="1" dirty="0"/>
           </a:p>
         </p:txBody>
       </p:sp>
@@ -31798,7 +31471,7 @@
           <a:p>
             <a:pPr eaLnBrk="1" hangingPunct="1"/>
             <a:r>
-              <a:rPr lang="en-US" altLang="en-US" smtClean="0"/>
+              <a:rPr lang="en-US" altLang="en-US"/>
               <a:t>Dialogue Systems</a:t>
             </a:r>
           </a:p>
@@ -31820,31 +31493,31 @@
           <a:lstStyle/>
           <a:p>
             <a:r>
-              <a:rPr lang="en-US" altLang="en-US" dirty="0" smtClean="0"/>
+              <a:rPr lang="en-US" altLang="en-US" dirty="0"/>
               <a:t>I would like to make a reservation at Sorrento.</a:t>
             </a:r>
           </a:p>
           <a:p>
             <a:r>
-              <a:rPr lang="en-US" altLang="en-US" dirty="0" smtClean="0"/>
+              <a:rPr lang="en-US" altLang="en-US" dirty="0"/>
               <a:t>For when?</a:t>
             </a:r>
           </a:p>
           <a:p>
             <a:r>
-              <a:rPr lang="en-US" altLang="en-US" dirty="0" smtClean="0"/>
+              <a:rPr lang="en-US" altLang="en-US" dirty="0"/>
               <a:t>8 pm Friday night.</a:t>
             </a:r>
           </a:p>
           <a:p>
             <a:r>
-              <a:rPr lang="en-US" altLang="en-US" dirty="0" smtClean="0"/>
+              <a:rPr lang="en-US" altLang="en-US" dirty="0"/>
               <a:t>We only have availability for 7 pm and 10 pm.</a:t>
             </a:r>
           </a:p>
           <a:p>
             <a:r>
-              <a:rPr lang="en-US" altLang="en-US" dirty="0" smtClean="0"/>
+              <a:rPr lang="en-US" altLang="en-US" dirty="0"/>
               <a:t>Sorry, these don't work for me.</a:t>
             </a:r>
           </a:p>
@@ -32179,14 +31852,11 @@
           <a:lstStyle/>
           <a:p>
             <a:r>
-              <a:rPr lang="en-US" sz="18000" dirty="0" smtClean="0">
+              <a:rPr lang="en-US" sz="18000" dirty="0">
                 <a:latin typeface="Rockwell Extra Bold" panose="02060903040505020403" pitchFamily="18" charset="0"/>
               </a:rPr>
               <a:t>NLP</a:t>
             </a:r>
-            <a:endParaRPr lang="en-US" sz="18000" dirty="0">
-              <a:latin typeface="Rockwell Extra Bold" panose="02060903040505020403" pitchFamily="18" charset="0"/>
-            </a:endParaRPr>
           </a:p>
         </p:txBody>
       </p:sp>
@@ -32200,13 +31870,6 @@
   <p:clrMapOvr>
     <a:masterClrMapping/>
   </p:clrMapOvr>
-  <p:timing>
-    <p:tnLst>
-      <p:par>
-        <p:cTn id="1" dur="indefinite" restart="never" nodeType="tmRoot"/>
-      </p:par>
-    </p:tnLst>
-  </p:timing>
 </p:sld>
 </file>
 
@@ -32243,7 +31906,7 @@
           <a:lstStyle/>
           <a:p>
             <a:r>
-              <a:rPr lang="en-US" altLang="en-US" smtClean="0"/>
+              <a:rPr lang="en-US" altLang="en-US"/>
               <a:t>Parsing</a:t>
             </a:r>
           </a:p>
@@ -32267,48 +31930,48 @@
           <a:lstStyle/>
           <a:p>
             <a:r>
-              <a:rPr lang="en-US" altLang="en-US" smtClean="0"/>
+              <a:rPr lang="en-US" altLang="en-US"/>
               <a:t>Myriam slept.</a:t>
             </a:r>
           </a:p>
           <a:p>
             <a:r>
-              <a:rPr lang="en-US" altLang="en-US" smtClean="0"/>
+              <a:rPr lang="en-US" altLang="en-US"/>
               <a:t>Myriam wrote a novel.</a:t>
             </a:r>
           </a:p>
           <a:p>
             <a:r>
-              <a:rPr lang="en-US" altLang="en-US" smtClean="0"/>
+              <a:rPr lang="en-US" altLang="en-US"/>
               <a:t>Myriam gave Sally flowers.</a:t>
             </a:r>
           </a:p>
           <a:p>
             <a:r>
-              <a:rPr lang="en-US" altLang="en-US" smtClean="0"/>
+              <a:rPr lang="en-US" altLang="en-US"/>
               <a:t>Myriam ate pizza with olives.</a:t>
             </a:r>
           </a:p>
           <a:p>
             <a:r>
-              <a:rPr lang="en-US" altLang="en-US" smtClean="0"/>
+              <a:rPr lang="en-US" altLang="en-US"/>
               <a:t>Myriam ate pizza with Sally.</a:t>
             </a:r>
           </a:p>
           <a:p>
             <a:r>
-              <a:rPr lang="en-US" altLang="en-US" smtClean="0"/>
+              <a:rPr lang="en-US" altLang="en-US"/>
               <a:t>Myriam ate pizza with a fork.</a:t>
             </a:r>
           </a:p>
           <a:p>
             <a:r>
-              <a:rPr lang="en-US" altLang="en-US" smtClean="0"/>
+              <a:rPr lang="en-US" altLang="en-US"/>
               <a:t>Myriam ate pizza with remorse.</a:t>
             </a:r>
           </a:p>
           <a:p>
-            <a:endParaRPr lang="en-US" altLang="en-US" smtClean="0"/>
+            <a:endParaRPr lang="en-US" altLang="en-US"/>
           </a:p>
         </p:txBody>
       </p:sp>
@@ -32322,13 +31985,6 @@
   <p:clrMapOvr>
     <a:masterClrMapping/>
   </p:clrMapOvr>
-  <p:timing>
-    <p:tnLst>
-      <p:par>
-        <p:cTn id="1" dur="indefinite" restart="never" nodeType="tmRoot"/>
-      </p:par>
-    </p:tnLst>
-  </p:timing>
 </p:sld>
 </file>
 
@@ -32365,7 +32021,7 @@
           <a:lstStyle/>
           <a:p>
             <a:r>
-              <a:rPr lang="en-US" altLang="en-US" dirty="0" smtClean="0"/>
+              <a:rPr lang="en-US" altLang="en-US" dirty="0"/>
               <a:t>Phrase-Structure Grammar</a:t>
             </a:r>
           </a:p>
@@ -33028,15 +32684,6 @@
               </a:rPr>
               <a:t>the</a:t>
             </a:r>
-            <a:r>
-              <a:rPr lang="en-US" altLang="en-US" sz="1800" dirty="0">
-                <a:solidFill>
-                  <a:srgbClr val="000000"/>
-                </a:solidFill>
-                <a:latin typeface="Courier New" pitchFamily="49" charset="0"/>
-              </a:rPr>
-              <a:t/>
-            </a:r>
             <a:br>
               <a:rPr lang="en-US" altLang="en-US" sz="1800" dirty="0">
                 <a:solidFill>
@@ -33074,15 +32721,6 @@
               </a:rPr>
               <a:t>that</a:t>
             </a:r>
-            <a:r>
-              <a:rPr lang="en-US" altLang="en-US" sz="1800" dirty="0">
-                <a:solidFill>
-                  <a:srgbClr val="000000"/>
-                </a:solidFill>
-                <a:latin typeface="Courier New" pitchFamily="49" charset="0"/>
-              </a:rPr>
-              <a:t/>
-            </a:r>
             <a:br>
               <a:rPr lang="en-US" altLang="en-US" sz="1800" dirty="0">
                 <a:solidFill>
@@ -33120,15 +32758,6 @@
               </a:rPr>
               <a:t>a</a:t>
             </a:r>
-            <a:r>
-              <a:rPr lang="en-US" altLang="en-US" sz="1800" dirty="0">
-                <a:solidFill>
-                  <a:srgbClr val="000000"/>
-                </a:solidFill>
-                <a:latin typeface="Courier New" pitchFamily="49" charset="0"/>
-              </a:rPr>
-              <a:t/>
-            </a:r>
             <a:br>
               <a:rPr lang="en-US" altLang="en-US" sz="1800" dirty="0">
                 <a:solidFill>
@@ -33203,7 +32832,7 @@
               <a:t> </a:t>
             </a:r>
             <a:r>
-              <a:rPr lang="en-US" altLang="en-US" sz="1800" i="1" dirty="0" smtClean="0">
+              <a:rPr lang="en-US" altLang="en-US" sz="1800" i="1" dirty="0">
                 <a:solidFill>
                   <a:srgbClr val="000000"/>
                 </a:solidFill>
@@ -33213,22 +32842,13 @@
               <a:t>window</a:t>
             </a:r>
             <a:r>
-              <a:rPr lang="en-US" altLang="en-US" sz="1800" dirty="0" smtClean="0">
+              <a:rPr lang="en-US" altLang="en-US" sz="1800" dirty="0">
                 <a:solidFill>
                   <a:srgbClr val="000000"/>
                 </a:solidFill>
                 <a:latin typeface="Courier New" pitchFamily="49" charset="0"/>
               </a:rPr>
               <a:t> </a:t>
-            </a:r>
-            <a:r>
-              <a:rPr lang="en-US" altLang="en-US" sz="1800" dirty="0">
-                <a:solidFill>
-                  <a:srgbClr val="000000"/>
-                </a:solidFill>
-                <a:latin typeface="Courier New" pitchFamily="49" charset="0"/>
-              </a:rPr>
-              <a:t/>
             </a:r>
             <a:br>
               <a:rPr lang="en-US" altLang="en-US" sz="1800" dirty="0">
@@ -33258,7 +32878,7 @@
               <a:t> </a:t>
             </a:r>
             <a:r>
-              <a:rPr lang="en-US" altLang="en-US" sz="1800" i="1" dirty="0" smtClean="0">
+              <a:rPr lang="en-US" altLang="en-US" sz="1800" i="1" dirty="0">
                 <a:solidFill>
                   <a:srgbClr val="000000"/>
                 </a:solidFill>
@@ -33268,22 +32888,13 @@
               <a:t>car</a:t>
             </a:r>
             <a:r>
-              <a:rPr lang="en-US" altLang="en-US" sz="1800" dirty="0" smtClean="0">
+              <a:rPr lang="en-US" altLang="en-US" sz="1800" dirty="0">
                 <a:solidFill>
                   <a:srgbClr val="000000"/>
                 </a:solidFill>
                 <a:latin typeface="Courier New" pitchFamily="49" charset="0"/>
               </a:rPr>
               <a:t> </a:t>
-            </a:r>
-            <a:r>
-              <a:rPr lang="en-US" altLang="en-US" sz="1800" dirty="0">
-                <a:solidFill>
-                  <a:srgbClr val="000000"/>
-                </a:solidFill>
-                <a:latin typeface="Courier New" pitchFamily="49" charset="0"/>
-              </a:rPr>
-              <a:t/>
             </a:r>
             <a:br>
               <a:rPr lang="en-US" altLang="en-US" sz="1800" dirty="0">
@@ -33313,7 +32924,7 @@
               <a:t> </a:t>
             </a:r>
             <a:r>
-              <a:rPr lang="en-US" altLang="en-US" sz="1800" i="1" dirty="0" smtClean="0">
+              <a:rPr lang="en-US" altLang="en-US" sz="1800" i="1" dirty="0">
                 <a:solidFill>
                   <a:srgbClr val="000000"/>
                 </a:solidFill>
@@ -33323,22 +32934,13 @@
               <a:t>found</a:t>
             </a:r>
             <a:r>
-              <a:rPr lang="en-US" altLang="en-US" sz="1800" dirty="0" smtClean="0">
+              <a:rPr lang="en-US" altLang="en-US" sz="1800" dirty="0">
                 <a:solidFill>
                   <a:srgbClr val="000000"/>
                 </a:solidFill>
                 <a:latin typeface="Courier New" pitchFamily="49" charset="0"/>
               </a:rPr>
               <a:t> </a:t>
-            </a:r>
-            <a:r>
-              <a:rPr lang="en-US" altLang="en-US" sz="1800" dirty="0">
-                <a:solidFill>
-                  <a:srgbClr val="000000"/>
-                </a:solidFill>
-                <a:latin typeface="Courier New" pitchFamily="49" charset="0"/>
-              </a:rPr>
-              <a:t/>
             </a:r>
             <a:br>
               <a:rPr lang="en-US" altLang="en-US" sz="1800" dirty="0">
@@ -33524,7 +33126,7 @@
               </a:rPr>
               <a:t> </a:t>
             </a:r>
-            <a:r>
+            <a:br>
               <a:rPr lang="en-US" altLang="en-US" sz="1800" dirty="0">
                 <a:solidFill>
                   <a:srgbClr val="000000"/>
@@ -33532,9 +33134,8 @@
                 <a:latin typeface="Courier New" pitchFamily="49" charset="0"/>
                 <a:sym typeface="Symbol" pitchFamily="18" charset="2"/>
               </a:rPr>
-              <a:t/>
-            </a:r>
-            <a:br>
+            </a:br>
+            <a:r>
               <a:rPr lang="en-US" altLang="en-US" sz="1800" dirty="0">
                 <a:solidFill>
                   <a:srgbClr val="000000"/>
@@ -33542,19 +33143,10 @@
                 <a:latin typeface="Courier New" pitchFamily="49" charset="0"/>
                 <a:sym typeface="Symbol" pitchFamily="18" charset="2"/>
               </a:rPr>
-            </a:br>
-            <a:r>
-              <a:rPr lang="en-US" altLang="en-US" sz="1800" dirty="0">
-                <a:solidFill>
-                  <a:srgbClr val="000000"/>
-                </a:solidFill>
-                <a:latin typeface="Courier New" pitchFamily="49" charset="0"/>
-                <a:sym typeface="Symbol" pitchFamily="18" charset="2"/>
-              </a:rPr>
               <a:t>PRP  </a:t>
             </a:r>
             <a:r>
-              <a:rPr lang="en-US" altLang="en-US" sz="1800" i="1" dirty="0" smtClean="0">
+              <a:rPr lang="en-US" altLang="en-US" sz="1800" i="1" dirty="0">
                 <a:solidFill>
                   <a:srgbClr val="000000"/>
                 </a:solidFill>
@@ -33582,13 +33174,6 @@
   <p:clrMapOvr>
     <a:masterClrMapping/>
   </p:clrMapOvr>
-  <p:timing>
-    <p:tnLst>
-      <p:par>
-        <p:cTn id="1" dur="indefinite" restart="never" nodeType="tmRoot"/>
-      </p:par>
-    </p:tnLst>
-  </p:timing>
 </p:sld>
 </file>
 
@@ -33625,7 +33210,7 @@
           <a:lstStyle/>
           <a:p>
             <a:r>
-              <a:rPr lang="en-US" altLang="en-US" dirty="0" smtClean="0"/>
+              <a:rPr lang="en-US" altLang="en-US" dirty="0"/>
               <a:t>Parse Trees</a:t>
             </a:r>
           </a:p>
@@ -35023,7 +34608,7 @@
               <a:buNone/>
             </a:pPr>
             <a:r>
-              <a:rPr lang="en-US" altLang="en-US" sz="1800" i="1" dirty="0" smtClean="0">
+              <a:rPr lang="en-US" altLang="en-US" sz="1800" i="1" dirty="0">
                 <a:solidFill>
                   <a:srgbClr val="000000"/>
                 </a:solidFill>
@@ -35031,12 +34616,6 @@
               </a:rPr>
               <a:t>saw</a:t>
             </a:r>
-            <a:endParaRPr lang="en-US" altLang="en-US" sz="1800" i="1" dirty="0">
-              <a:solidFill>
-                <a:srgbClr val="000000"/>
-              </a:solidFill>
-              <a:latin typeface="Calibri" pitchFamily="34" charset="0"/>
-            </a:endParaRPr>
           </a:p>
         </p:txBody>
       </p:sp>
@@ -35401,7 +34980,7 @@
               <a:buNone/>
             </a:pPr>
             <a:r>
-              <a:rPr lang="en-US" altLang="en-US" sz="1800" i="1" dirty="0" smtClean="0">
+              <a:rPr lang="en-US" altLang="en-US" sz="1800" i="1" dirty="0">
                 <a:solidFill>
                   <a:srgbClr val="000000"/>
                 </a:solidFill>
@@ -35409,12 +34988,6 @@
               </a:rPr>
               <a:t>car</a:t>
             </a:r>
-            <a:endParaRPr lang="en-US" altLang="en-US" sz="1800" i="1" dirty="0">
-              <a:solidFill>
-                <a:srgbClr val="000000"/>
-              </a:solidFill>
-              <a:latin typeface="Calibri" pitchFamily="34" charset="0"/>
-            </a:endParaRPr>
           </a:p>
         </p:txBody>
       </p:sp>
@@ -36479,7 +36052,7 @@
               <a:buNone/>
             </a:pPr>
             <a:r>
-              <a:rPr lang="en-US" altLang="en-US" sz="1800" i="1" dirty="0" smtClean="0">
+              <a:rPr lang="en-US" altLang="en-US" sz="1800" i="1" dirty="0">
                 <a:solidFill>
                   <a:srgbClr val="000000"/>
                 </a:solidFill>
@@ -36487,12 +36060,6 @@
               </a:rPr>
               <a:t>through</a:t>
             </a:r>
-            <a:endParaRPr lang="en-US" altLang="en-US" sz="1800" i="1" dirty="0">
-              <a:solidFill>
-                <a:srgbClr val="000000"/>
-              </a:solidFill>
-              <a:latin typeface="Calibri" pitchFamily="34" charset="0"/>
-            </a:endParaRPr>
           </a:p>
         </p:txBody>
       </p:sp>
@@ -36671,7 +36238,7 @@
               <a:buNone/>
             </a:pPr>
             <a:r>
-              <a:rPr lang="en-US" altLang="en-US" sz="1800" i="1" dirty="0" smtClean="0">
+              <a:rPr lang="en-US" altLang="en-US" sz="1800" i="1" dirty="0">
                 <a:solidFill>
                   <a:srgbClr val="000000"/>
                 </a:solidFill>
@@ -36679,12 +36246,6 @@
               </a:rPr>
               <a:t>the</a:t>
             </a:r>
-            <a:endParaRPr lang="en-US" altLang="en-US" sz="1800" i="1" dirty="0">
-              <a:solidFill>
-                <a:srgbClr val="000000"/>
-              </a:solidFill>
-              <a:latin typeface="Calibri" pitchFamily="34" charset="0"/>
-            </a:endParaRPr>
           </a:p>
         </p:txBody>
       </p:sp>
@@ -36863,7 +36424,7 @@
               <a:buNone/>
             </a:pPr>
             <a:r>
-              <a:rPr lang="en-US" altLang="en-US" sz="1800" i="1" dirty="0" smtClean="0">
+              <a:rPr lang="en-US" altLang="en-US" sz="1800" i="1" dirty="0">
                 <a:solidFill>
                   <a:srgbClr val="000000"/>
                 </a:solidFill>
@@ -36871,12 +36432,6 @@
               </a:rPr>
               <a:t>window</a:t>
             </a:r>
-            <a:endParaRPr lang="en-US" altLang="en-US" sz="1800" i="1" dirty="0">
-              <a:solidFill>
-                <a:srgbClr val="000000"/>
-              </a:solidFill>
-              <a:latin typeface="Calibri" pitchFamily="34" charset="0"/>
-            </a:endParaRPr>
           </a:p>
         </p:txBody>
       </p:sp>
@@ -37231,7 +36786,7 @@
               <a:buNone/>
             </a:pPr>
             <a:r>
-              <a:rPr lang="en-US" altLang="en-US" sz="1800" i="1" dirty="0" smtClean="0">
+              <a:rPr lang="en-US" altLang="en-US" sz="1800" i="1" dirty="0">
                 <a:solidFill>
                   <a:srgbClr val="000000"/>
                 </a:solidFill>
@@ -37239,12 +36794,6 @@
               </a:rPr>
               <a:t>The</a:t>
             </a:r>
-            <a:endParaRPr lang="en-US" altLang="en-US" sz="1800" i="1" dirty="0">
-              <a:solidFill>
-                <a:srgbClr val="000000"/>
-              </a:solidFill>
-              <a:latin typeface="Calibri" pitchFamily="34" charset="0"/>
-            </a:endParaRPr>
           </a:p>
         </p:txBody>
       </p:sp>
@@ -38806,13 +38355,6 @@
   <p:clrMapOvr>
     <a:masterClrMapping/>
   </p:clrMapOvr>
-  <p:timing>
-    <p:tnLst>
-      <p:par>
-        <p:cTn id="1" dur="indefinite" restart="never" nodeType="tmRoot"/>
-      </p:par>
-    </p:tnLst>
-  </p:timing>
 </p:sld>
 </file>
 
@@ -38849,7 +38391,7 @@
           <a:lstStyle/>
           <a:p>
             <a:r>
-              <a:rPr lang="en-US" altLang="en-US" dirty="0" smtClean="0"/>
+              <a:rPr lang="en-US" altLang="en-US" dirty="0"/>
               <a:t>Stanford Parser</a:t>
             </a:r>
           </a:p>
@@ -38919,13 +38461,6 @@
   <p:clrMapOvr>
     <a:masterClrMapping/>
   </p:clrMapOvr>
-  <p:timing>
-    <p:tnLst>
-      <p:par>
-        <p:cTn id="1" dur="indefinite" restart="never" nodeType="tmRoot"/>
-      </p:par>
-    </p:tnLst>
-  </p:timing>
 </p:sld>
 </file>
 
